--- a/LendingClubAnalysis.pptx
+++ b/LendingClubAnalysis.pptx
@@ -8,10 +8,10 @@
     <p:sldId id="256" r:id="rId2"/>
     <p:sldId id="257" r:id="rId3"/>
     <p:sldId id="258" r:id="rId4"/>
-    <p:sldId id="262" r:id="rId5"/>
-    <p:sldId id="261" r:id="rId6"/>
-    <p:sldId id="259" r:id="rId7"/>
-    <p:sldId id="260" r:id="rId8"/>
+    <p:sldId id="261" r:id="rId5"/>
+    <p:sldId id="259" r:id="rId6"/>
+    <p:sldId id="260" r:id="rId7"/>
+    <p:sldId id="262" r:id="rId8"/>
   </p:sldIdLst>
   <p:sldSz cx="12192000" cy="6858000"/>
   <p:notesSz cx="6858000" cy="9144000"/>
@@ -110,6 +110,11 @@
       </a:defRPr>
     </a:lvl9pPr>
   </p:defaultTextStyle>
+  <p:extLst>
+    <p:ext uri="{EFAFB233-063F-42B5-8137-9DF3F51BA10A}">
+      <p15:sldGuideLst xmlns:p15="http://schemas.microsoft.com/office/powerpoint/2012/main"/>
+    </p:ext>
+  </p:extLst>
 </p:presentation>
 </file>
 
@@ -196,35 +201,35 @@
               <a:buNone/>
               <a:defRPr sz="2400"/>
             </a:lvl1pPr>
-            <a:lvl2pPr marL="457200" indent="0" algn="ctr">
+            <a:lvl2pPr marL="457189" indent="0" algn="ctr">
               <a:buNone/>
               <a:defRPr sz="2000"/>
             </a:lvl2pPr>
-            <a:lvl3pPr marL="914400" indent="0" algn="ctr">
+            <a:lvl3pPr marL="914377" indent="0" algn="ctr">
               <a:buNone/>
               <a:defRPr sz="1800"/>
             </a:lvl3pPr>
-            <a:lvl4pPr marL="1371600" indent="0" algn="ctr">
+            <a:lvl4pPr marL="1371566" indent="0" algn="ctr">
               <a:buNone/>
               <a:defRPr sz="1600"/>
             </a:lvl4pPr>
-            <a:lvl5pPr marL="1828800" indent="0" algn="ctr">
+            <a:lvl5pPr marL="1828754" indent="0" algn="ctr">
               <a:buNone/>
               <a:defRPr sz="1600"/>
             </a:lvl5pPr>
-            <a:lvl6pPr marL="2286000" indent="0" algn="ctr">
+            <a:lvl6pPr marL="2285943" indent="0" algn="ctr">
               <a:buNone/>
               <a:defRPr sz="1600"/>
             </a:lvl6pPr>
-            <a:lvl7pPr marL="2743200" indent="0" algn="ctr">
+            <a:lvl7pPr marL="2743131" indent="0" algn="ctr">
               <a:buNone/>
               <a:defRPr sz="1600"/>
             </a:lvl7pPr>
-            <a:lvl8pPr marL="3200400" indent="0" algn="ctr">
+            <a:lvl8pPr marL="3200320" indent="0" algn="ctr">
               <a:buNone/>
               <a:defRPr sz="1600"/>
             </a:lvl8pPr>
-            <a:lvl9pPr marL="3657600" indent="0" algn="ctr">
+            <a:lvl9pPr marL="3657509" indent="0" algn="ctr">
               <a:buNone/>
               <a:defRPr sz="1600"/>
             </a:lvl9pPr>
@@ -566,7 +571,7 @@
         </p:nvSpPr>
         <p:spPr>
           <a:xfrm>
-            <a:off x="8724900" y="365125"/>
+            <a:off x="8724902" y="365125"/>
             <a:ext cx="2628900" cy="5811838"/>
           </a:xfrm>
         </p:spPr>
@@ -599,7 +604,7 @@
         </p:nvSpPr>
         <p:spPr>
           <a:xfrm>
-            <a:off x="838200" y="365125"/>
+            <a:off x="838202" y="365125"/>
             <a:ext cx="7734300" cy="5811838"/>
           </a:xfrm>
         </p:spPr>
@@ -972,7 +977,7 @@
         </p:nvSpPr>
         <p:spPr>
           <a:xfrm>
-            <a:off x="831850" y="1709738"/>
+            <a:off x="831849" y="1709738"/>
             <a:ext cx="10515600" cy="2852737"/>
           </a:xfrm>
         </p:spPr>
@@ -1009,7 +1014,7 @@
         </p:nvSpPr>
         <p:spPr>
           <a:xfrm>
-            <a:off x="831850" y="4589463"/>
+            <a:off x="831849" y="4589467"/>
             <a:ext cx="10515600" cy="1500187"/>
           </a:xfrm>
         </p:spPr>
@@ -1026,7 +1031,7 @@
                 </a:solidFill>
               </a:defRPr>
             </a:lvl1pPr>
-            <a:lvl2pPr marL="457200" indent="0">
+            <a:lvl2pPr marL="457189" indent="0">
               <a:buNone/>
               <a:defRPr sz="2000">
                 <a:solidFill>
@@ -1036,7 +1041,7 @@
                 </a:solidFill>
               </a:defRPr>
             </a:lvl2pPr>
-            <a:lvl3pPr marL="914400" indent="0">
+            <a:lvl3pPr marL="914377" indent="0">
               <a:buNone/>
               <a:defRPr sz="1800">
                 <a:solidFill>
@@ -1046,7 +1051,7 @@
                 </a:solidFill>
               </a:defRPr>
             </a:lvl3pPr>
-            <a:lvl4pPr marL="1371600" indent="0">
+            <a:lvl4pPr marL="1371566" indent="0">
               <a:buNone/>
               <a:defRPr sz="1600">
                 <a:solidFill>
@@ -1056,7 +1061,7 @@
                 </a:solidFill>
               </a:defRPr>
             </a:lvl4pPr>
-            <a:lvl5pPr marL="1828800" indent="0">
+            <a:lvl5pPr marL="1828754" indent="0">
               <a:buNone/>
               <a:defRPr sz="1600">
                 <a:solidFill>
@@ -1066,7 +1071,7 @@
                 </a:solidFill>
               </a:defRPr>
             </a:lvl5pPr>
-            <a:lvl6pPr marL="2286000" indent="0">
+            <a:lvl6pPr marL="2285943" indent="0">
               <a:buNone/>
               <a:defRPr sz="1600">
                 <a:solidFill>
@@ -1076,7 +1081,7 @@
                 </a:solidFill>
               </a:defRPr>
             </a:lvl6pPr>
-            <a:lvl7pPr marL="2743200" indent="0">
+            <a:lvl7pPr marL="2743131" indent="0">
               <a:buNone/>
               <a:defRPr sz="1600">
                 <a:solidFill>
@@ -1086,7 +1091,7 @@
                 </a:solidFill>
               </a:defRPr>
             </a:lvl7pPr>
-            <a:lvl8pPr marL="3200400" indent="0">
+            <a:lvl8pPr marL="3200320" indent="0">
               <a:buNone/>
               <a:defRPr sz="1600">
                 <a:solidFill>
@@ -1096,7 +1101,7 @@
                 </a:solidFill>
               </a:defRPr>
             </a:lvl8pPr>
-            <a:lvl9pPr marL="3657600" indent="0">
+            <a:lvl9pPr marL="3657509" indent="0">
               <a:buNone/>
               <a:defRPr sz="1600">
                 <a:solidFill>
@@ -1512,7 +1517,7 @@
         </p:nvSpPr>
         <p:spPr>
           <a:xfrm>
-            <a:off x="839788" y="365125"/>
+            <a:off x="839788" y="365126"/>
             <a:ext cx="10515600" cy="1325563"/>
           </a:xfrm>
         </p:spPr>
@@ -1545,7 +1550,7 @@
         </p:nvSpPr>
         <p:spPr>
           <a:xfrm>
-            <a:off x="839788" y="1681163"/>
+            <a:off x="839789" y="1681163"/>
             <a:ext cx="5157787" cy="823912"/>
           </a:xfrm>
         </p:spPr>
@@ -1556,35 +1561,35 @@
               <a:buNone/>
               <a:defRPr sz="2400" b="1"/>
             </a:lvl1pPr>
-            <a:lvl2pPr marL="457200" indent="0">
+            <a:lvl2pPr marL="457189" indent="0">
               <a:buNone/>
               <a:defRPr sz="2000" b="1"/>
             </a:lvl2pPr>
-            <a:lvl3pPr marL="914400" indent="0">
+            <a:lvl3pPr marL="914377" indent="0">
               <a:buNone/>
               <a:defRPr sz="1800" b="1"/>
             </a:lvl3pPr>
-            <a:lvl4pPr marL="1371600" indent="0">
+            <a:lvl4pPr marL="1371566" indent="0">
               <a:buNone/>
               <a:defRPr sz="1600" b="1"/>
             </a:lvl4pPr>
-            <a:lvl5pPr marL="1828800" indent="0">
+            <a:lvl5pPr marL="1828754" indent="0">
               <a:buNone/>
               <a:defRPr sz="1600" b="1"/>
             </a:lvl5pPr>
-            <a:lvl6pPr marL="2286000" indent="0">
+            <a:lvl6pPr marL="2285943" indent="0">
               <a:buNone/>
               <a:defRPr sz="1600" b="1"/>
             </a:lvl6pPr>
-            <a:lvl7pPr marL="2743200" indent="0">
+            <a:lvl7pPr marL="2743131" indent="0">
               <a:buNone/>
               <a:defRPr sz="1600" b="1"/>
             </a:lvl7pPr>
-            <a:lvl8pPr marL="3200400" indent="0">
+            <a:lvl8pPr marL="3200320" indent="0">
               <a:buNone/>
               <a:defRPr sz="1600" b="1"/>
             </a:lvl8pPr>
-            <a:lvl9pPr marL="3657600" indent="0">
+            <a:lvl9pPr marL="3657509" indent="0">
               <a:buNone/>
               <a:defRPr sz="1600" b="1"/>
             </a:lvl9pPr>
@@ -1616,7 +1621,7 @@
         </p:nvSpPr>
         <p:spPr>
           <a:xfrm>
-            <a:off x="839788" y="2505075"/>
+            <a:off x="839789" y="2505075"/>
             <a:ext cx="5157787" cy="3684588"/>
           </a:xfrm>
         </p:spPr>
@@ -1678,7 +1683,7 @@
         </p:nvSpPr>
         <p:spPr>
           <a:xfrm>
-            <a:off x="6172200" y="1681163"/>
+            <a:off x="6172202" y="1681163"/>
             <a:ext cx="5183188" cy="823912"/>
           </a:xfrm>
         </p:spPr>
@@ -1689,35 +1694,35 @@
               <a:buNone/>
               <a:defRPr sz="2400" b="1"/>
             </a:lvl1pPr>
-            <a:lvl2pPr marL="457200" indent="0">
+            <a:lvl2pPr marL="457189" indent="0">
               <a:buNone/>
               <a:defRPr sz="2000" b="1"/>
             </a:lvl2pPr>
-            <a:lvl3pPr marL="914400" indent="0">
+            <a:lvl3pPr marL="914377" indent="0">
               <a:buNone/>
               <a:defRPr sz="1800" b="1"/>
             </a:lvl3pPr>
-            <a:lvl4pPr marL="1371600" indent="0">
+            <a:lvl4pPr marL="1371566" indent="0">
               <a:buNone/>
               <a:defRPr sz="1600" b="1"/>
             </a:lvl4pPr>
-            <a:lvl5pPr marL="1828800" indent="0">
+            <a:lvl5pPr marL="1828754" indent="0">
               <a:buNone/>
               <a:defRPr sz="1600" b="1"/>
             </a:lvl5pPr>
-            <a:lvl6pPr marL="2286000" indent="0">
+            <a:lvl6pPr marL="2285943" indent="0">
               <a:buNone/>
               <a:defRPr sz="1600" b="1"/>
             </a:lvl6pPr>
-            <a:lvl7pPr marL="2743200" indent="0">
+            <a:lvl7pPr marL="2743131" indent="0">
               <a:buNone/>
               <a:defRPr sz="1600" b="1"/>
             </a:lvl7pPr>
-            <a:lvl8pPr marL="3200400" indent="0">
+            <a:lvl8pPr marL="3200320" indent="0">
               <a:buNone/>
               <a:defRPr sz="1600" b="1"/>
             </a:lvl8pPr>
-            <a:lvl9pPr marL="3657600" indent="0">
+            <a:lvl9pPr marL="3657509" indent="0">
               <a:buNone/>
               <a:defRPr sz="1600" b="1"/>
             </a:lvl9pPr>
@@ -1749,7 +1754,7 @@
         </p:nvSpPr>
         <p:spPr>
           <a:xfrm>
-            <a:off x="6172200" y="2505075"/>
+            <a:off x="6172202" y="2505075"/>
             <a:ext cx="5183188" cy="3684588"/>
           </a:xfrm>
         </p:spPr>
@@ -2215,7 +2220,7 @@
         </p:nvSpPr>
         <p:spPr>
           <a:xfrm>
-            <a:off x="5183188" y="987425"/>
+            <a:off x="5183188" y="987426"/>
             <a:ext cx="6172200" cy="4873625"/>
           </a:xfrm>
         </p:spPr>
@@ -2316,35 +2321,35 @@
               <a:buNone/>
               <a:defRPr sz="1600"/>
             </a:lvl1pPr>
-            <a:lvl2pPr marL="457200" indent="0">
+            <a:lvl2pPr marL="457189" indent="0">
               <a:buNone/>
               <a:defRPr sz="1400"/>
             </a:lvl2pPr>
-            <a:lvl3pPr marL="914400" indent="0">
+            <a:lvl3pPr marL="914377" indent="0">
               <a:buNone/>
               <a:defRPr sz="1200"/>
             </a:lvl3pPr>
-            <a:lvl4pPr marL="1371600" indent="0">
+            <a:lvl4pPr marL="1371566" indent="0">
               <a:buNone/>
               <a:defRPr sz="1000"/>
             </a:lvl4pPr>
-            <a:lvl5pPr marL="1828800" indent="0">
+            <a:lvl5pPr marL="1828754" indent="0">
               <a:buNone/>
               <a:defRPr sz="1000"/>
             </a:lvl5pPr>
-            <a:lvl6pPr marL="2286000" indent="0">
+            <a:lvl6pPr marL="2285943" indent="0">
               <a:buNone/>
               <a:defRPr sz="1000"/>
             </a:lvl6pPr>
-            <a:lvl7pPr marL="2743200" indent="0">
+            <a:lvl7pPr marL="2743131" indent="0">
               <a:buNone/>
               <a:defRPr sz="1000"/>
             </a:lvl7pPr>
-            <a:lvl8pPr marL="3200400" indent="0">
+            <a:lvl8pPr marL="3200320" indent="0">
               <a:buNone/>
               <a:defRPr sz="1000"/>
             </a:lvl8pPr>
-            <a:lvl9pPr marL="3657600" indent="0">
+            <a:lvl9pPr marL="3657509" indent="0">
               <a:buNone/>
               <a:defRPr sz="1000"/>
             </a:lvl9pPr>
@@ -2526,7 +2531,7 @@
         </p:nvSpPr>
         <p:spPr>
           <a:xfrm>
-            <a:off x="5183188" y="987425"/>
+            <a:off x="5183188" y="987426"/>
             <a:ext cx="6172200" cy="4873625"/>
           </a:xfrm>
         </p:spPr>
@@ -2537,35 +2542,35 @@
               <a:buNone/>
               <a:defRPr sz="3200"/>
             </a:lvl1pPr>
-            <a:lvl2pPr marL="457200" indent="0">
+            <a:lvl2pPr marL="457189" indent="0">
               <a:buNone/>
               <a:defRPr sz="2800"/>
             </a:lvl2pPr>
-            <a:lvl3pPr marL="914400" indent="0">
+            <a:lvl3pPr marL="914377" indent="0">
               <a:buNone/>
               <a:defRPr sz="2400"/>
             </a:lvl3pPr>
-            <a:lvl4pPr marL="1371600" indent="0">
+            <a:lvl4pPr marL="1371566" indent="0">
               <a:buNone/>
               <a:defRPr sz="2000"/>
             </a:lvl4pPr>
-            <a:lvl5pPr marL="1828800" indent="0">
+            <a:lvl5pPr marL="1828754" indent="0">
               <a:buNone/>
               <a:defRPr sz="2000"/>
             </a:lvl5pPr>
-            <a:lvl6pPr marL="2286000" indent="0">
+            <a:lvl6pPr marL="2285943" indent="0">
               <a:buNone/>
               <a:defRPr sz="2000"/>
             </a:lvl6pPr>
-            <a:lvl7pPr marL="2743200" indent="0">
+            <a:lvl7pPr marL="2743131" indent="0">
               <a:buNone/>
               <a:defRPr sz="2000"/>
             </a:lvl7pPr>
-            <a:lvl8pPr marL="3200400" indent="0">
+            <a:lvl8pPr marL="3200320" indent="0">
               <a:buNone/>
               <a:defRPr sz="2000"/>
             </a:lvl8pPr>
-            <a:lvl9pPr marL="3657600" indent="0">
+            <a:lvl9pPr marL="3657509" indent="0">
               <a:buNone/>
               <a:defRPr sz="2000"/>
             </a:lvl9pPr>
@@ -2604,35 +2609,35 @@
               <a:buNone/>
               <a:defRPr sz="1600"/>
             </a:lvl1pPr>
-            <a:lvl2pPr marL="457200" indent="0">
+            <a:lvl2pPr marL="457189" indent="0">
               <a:buNone/>
               <a:defRPr sz="1400"/>
             </a:lvl2pPr>
-            <a:lvl3pPr marL="914400" indent="0">
+            <a:lvl3pPr marL="914377" indent="0">
               <a:buNone/>
               <a:defRPr sz="1200"/>
             </a:lvl3pPr>
-            <a:lvl4pPr marL="1371600" indent="0">
+            <a:lvl4pPr marL="1371566" indent="0">
               <a:buNone/>
               <a:defRPr sz="1000"/>
             </a:lvl4pPr>
-            <a:lvl5pPr marL="1828800" indent="0">
+            <a:lvl5pPr marL="1828754" indent="0">
               <a:buNone/>
               <a:defRPr sz="1000"/>
             </a:lvl5pPr>
-            <a:lvl6pPr marL="2286000" indent="0">
+            <a:lvl6pPr marL="2285943" indent="0">
               <a:buNone/>
               <a:defRPr sz="1000"/>
             </a:lvl6pPr>
-            <a:lvl7pPr marL="2743200" indent="0">
+            <a:lvl7pPr marL="2743131" indent="0">
               <a:buNone/>
               <a:defRPr sz="1000"/>
             </a:lvl7pPr>
-            <a:lvl8pPr marL="3200400" indent="0">
+            <a:lvl8pPr marL="3200320" indent="0">
               <a:buNone/>
               <a:defRPr sz="1000"/>
             </a:lvl8pPr>
-            <a:lvl9pPr marL="3657600" indent="0">
+            <a:lvl9pPr marL="3657509" indent="0">
               <a:buNone/>
               <a:defRPr sz="1000"/>
             </a:lvl9pPr>
@@ -2782,7 +2787,7 @@
         </p:nvSpPr>
         <p:spPr>
           <a:xfrm>
-            <a:off x="838200" y="365125"/>
+            <a:off x="838200" y="365126"/>
             <a:ext cx="10515600" cy="1325563"/>
           </a:xfrm>
           <a:prstGeom prst="rect">
@@ -2887,7 +2892,7 @@
         </p:nvSpPr>
         <p:spPr>
           <a:xfrm>
-            <a:off x="838200" y="6356350"/>
+            <a:off x="838200" y="6356354"/>
             <a:ext cx="2743200" cy="365125"/>
           </a:xfrm>
           <a:prstGeom prst="rect">
@@ -2934,7 +2939,7 @@
         </p:nvSpPr>
         <p:spPr>
           <a:xfrm>
-            <a:off x="4038600" y="6356350"/>
+            <a:off x="4038600" y="6356354"/>
             <a:ext cx="4114800" cy="365125"/>
           </a:xfrm>
           <a:prstGeom prst="rect">
@@ -2977,7 +2982,7 @@
         </p:nvSpPr>
         <p:spPr>
           <a:xfrm>
-            <a:off x="8610600" y="6356350"/>
+            <a:off x="8610600" y="6356354"/>
             <a:ext cx="2743200" cy="365125"/>
           </a:xfrm>
           <a:prstGeom prst="rect">
@@ -3029,7 +3034,7 @@
   </p:sldLayoutIdLst>
   <p:txStyles>
     <p:titleStyle>
-      <a:lvl1pPr algn="l" defTabSz="914400" rtl="0" eaLnBrk="1" latinLnBrk="0" hangingPunct="1">
+      <a:lvl1pPr algn="l" defTabSz="914377" rtl="0" eaLnBrk="1" latinLnBrk="0" hangingPunct="1">
         <a:lnSpc>
           <a:spcPct val="90000"/>
         </a:lnSpc>
@@ -3048,7 +3053,7 @@
       </a:lvl1pPr>
     </p:titleStyle>
     <p:bodyStyle>
-      <a:lvl1pPr marL="228600" indent="-228600" algn="l" defTabSz="914400" rtl="0" eaLnBrk="1" latinLnBrk="0" hangingPunct="1">
+      <a:lvl1pPr marL="228594" indent="-228594" algn="l" defTabSz="914377" rtl="0" eaLnBrk="1" latinLnBrk="0" hangingPunct="1">
         <a:lnSpc>
           <a:spcPct val="90000"/>
         </a:lnSpc>
@@ -3066,7 +3071,7 @@
           <a:cs typeface="+mn-cs"/>
         </a:defRPr>
       </a:lvl1pPr>
-      <a:lvl2pPr marL="685800" indent="-228600" algn="l" defTabSz="914400" rtl="0" eaLnBrk="1" latinLnBrk="0" hangingPunct="1">
+      <a:lvl2pPr marL="685783" indent="-228594" algn="l" defTabSz="914377" rtl="0" eaLnBrk="1" latinLnBrk="0" hangingPunct="1">
         <a:lnSpc>
           <a:spcPct val="90000"/>
         </a:lnSpc>
@@ -3084,7 +3089,7 @@
           <a:cs typeface="+mn-cs"/>
         </a:defRPr>
       </a:lvl2pPr>
-      <a:lvl3pPr marL="1143000" indent="-228600" algn="l" defTabSz="914400" rtl="0" eaLnBrk="1" latinLnBrk="0" hangingPunct="1">
+      <a:lvl3pPr marL="1142971" indent="-228594" algn="l" defTabSz="914377" rtl="0" eaLnBrk="1" latinLnBrk="0" hangingPunct="1">
         <a:lnSpc>
           <a:spcPct val="90000"/>
         </a:lnSpc>
@@ -3102,7 +3107,7 @@
           <a:cs typeface="+mn-cs"/>
         </a:defRPr>
       </a:lvl3pPr>
-      <a:lvl4pPr marL="1600200" indent="-228600" algn="l" defTabSz="914400" rtl="0" eaLnBrk="1" latinLnBrk="0" hangingPunct="1">
+      <a:lvl4pPr marL="1600160" indent="-228594" algn="l" defTabSz="914377" rtl="0" eaLnBrk="1" latinLnBrk="0" hangingPunct="1">
         <a:lnSpc>
           <a:spcPct val="90000"/>
         </a:lnSpc>
@@ -3120,7 +3125,7 @@
           <a:cs typeface="+mn-cs"/>
         </a:defRPr>
       </a:lvl4pPr>
-      <a:lvl5pPr marL="2057400" indent="-228600" algn="l" defTabSz="914400" rtl="0" eaLnBrk="1" latinLnBrk="0" hangingPunct="1">
+      <a:lvl5pPr marL="2057349" indent="-228594" algn="l" defTabSz="914377" rtl="0" eaLnBrk="1" latinLnBrk="0" hangingPunct="1">
         <a:lnSpc>
           <a:spcPct val="90000"/>
         </a:lnSpc>
@@ -3138,7 +3143,7 @@
           <a:cs typeface="+mn-cs"/>
         </a:defRPr>
       </a:lvl5pPr>
-      <a:lvl6pPr marL="2514600" indent="-228600" algn="l" defTabSz="914400" rtl="0" eaLnBrk="1" latinLnBrk="0" hangingPunct="1">
+      <a:lvl6pPr marL="2514537" indent="-228594" algn="l" defTabSz="914377" rtl="0" eaLnBrk="1" latinLnBrk="0" hangingPunct="1">
         <a:lnSpc>
           <a:spcPct val="90000"/>
         </a:lnSpc>
@@ -3156,7 +3161,7 @@
           <a:cs typeface="+mn-cs"/>
         </a:defRPr>
       </a:lvl6pPr>
-      <a:lvl7pPr marL="2971800" indent="-228600" algn="l" defTabSz="914400" rtl="0" eaLnBrk="1" latinLnBrk="0" hangingPunct="1">
+      <a:lvl7pPr marL="2971726" indent="-228594" algn="l" defTabSz="914377" rtl="0" eaLnBrk="1" latinLnBrk="0" hangingPunct="1">
         <a:lnSpc>
           <a:spcPct val="90000"/>
         </a:lnSpc>
@@ -3174,7 +3179,7 @@
           <a:cs typeface="+mn-cs"/>
         </a:defRPr>
       </a:lvl7pPr>
-      <a:lvl8pPr marL="3429000" indent="-228600" algn="l" defTabSz="914400" rtl="0" eaLnBrk="1" latinLnBrk="0" hangingPunct="1">
+      <a:lvl8pPr marL="3428914" indent="-228594" algn="l" defTabSz="914377" rtl="0" eaLnBrk="1" latinLnBrk="0" hangingPunct="1">
         <a:lnSpc>
           <a:spcPct val="90000"/>
         </a:lnSpc>
@@ -3192,7 +3197,7 @@
           <a:cs typeface="+mn-cs"/>
         </a:defRPr>
       </a:lvl8pPr>
-      <a:lvl9pPr marL="3886200" indent="-228600" algn="l" defTabSz="914400" rtl="0" eaLnBrk="1" latinLnBrk="0" hangingPunct="1">
+      <a:lvl9pPr marL="3886103" indent="-228594" algn="l" defTabSz="914377" rtl="0" eaLnBrk="1" latinLnBrk="0" hangingPunct="1">
         <a:lnSpc>
           <a:spcPct val="90000"/>
         </a:lnSpc>
@@ -3215,7 +3220,7 @@
       <a:defPPr>
         <a:defRPr lang="en-US"/>
       </a:defPPr>
-      <a:lvl1pPr marL="0" algn="l" defTabSz="914400" rtl="0" eaLnBrk="1" latinLnBrk="0" hangingPunct="1">
+      <a:lvl1pPr marL="0" algn="l" defTabSz="914377" rtl="0" eaLnBrk="1" latinLnBrk="0" hangingPunct="1">
         <a:defRPr sz="1800" kern="1200">
           <a:solidFill>
             <a:schemeClr val="tx1"/>
@@ -3225,7 +3230,7 @@
           <a:cs typeface="+mn-cs"/>
         </a:defRPr>
       </a:lvl1pPr>
-      <a:lvl2pPr marL="457200" algn="l" defTabSz="914400" rtl="0" eaLnBrk="1" latinLnBrk="0" hangingPunct="1">
+      <a:lvl2pPr marL="457189" algn="l" defTabSz="914377" rtl="0" eaLnBrk="1" latinLnBrk="0" hangingPunct="1">
         <a:defRPr sz="1800" kern="1200">
           <a:solidFill>
             <a:schemeClr val="tx1"/>
@@ -3235,7 +3240,7 @@
           <a:cs typeface="+mn-cs"/>
         </a:defRPr>
       </a:lvl2pPr>
-      <a:lvl3pPr marL="914400" algn="l" defTabSz="914400" rtl="0" eaLnBrk="1" latinLnBrk="0" hangingPunct="1">
+      <a:lvl3pPr marL="914377" algn="l" defTabSz="914377" rtl="0" eaLnBrk="1" latinLnBrk="0" hangingPunct="1">
         <a:defRPr sz="1800" kern="1200">
           <a:solidFill>
             <a:schemeClr val="tx1"/>
@@ -3245,7 +3250,7 @@
           <a:cs typeface="+mn-cs"/>
         </a:defRPr>
       </a:lvl3pPr>
-      <a:lvl4pPr marL="1371600" algn="l" defTabSz="914400" rtl="0" eaLnBrk="1" latinLnBrk="0" hangingPunct="1">
+      <a:lvl4pPr marL="1371566" algn="l" defTabSz="914377" rtl="0" eaLnBrk="1" latinLnBrk="0" hangingPunct="1">
         <a:defRPr sz="1800" kern="1200">
           <a:solidFill>
             <a:schemeClr val="tx1"/>
@@ -3255,7 +3260,7 @@
           <a:cs typeface="+mn-cs"/>
         </a:defRPr>
       </a:lvl4pPr>
-      <a:lvl5pPr marL="1828800" algn="l" defTabSz="914400" rtl="0" eaLnBrk="1" latinLnBrk="0" hangingPunct="1">
+      <a:lvl5pPr marL="1828754" algn="l" defTabSz="914377" rtl="0" eaLnBrk="1" latinLnBrk="0" hangingPunct="1">
         <a:defRPr sz="1800" kern="1200">
           <a:solidFill>
             <a:schemeClr val="tx1"/>
@@ -3265,7 +3270,7 @@
           <a:cs typeface="+mn-cs"/>
         </a:defRPr>
       </a:lvl5pPr>
-      <a:lvl6pPr marL="2286000" algn="l" defTabSz="914400" rtl="0" eaLnBrk="1" latinLnBrk="0" hangingPunct="1">
+      <a:lvl6pPr marL="2285943" algn="l" defTabSz="914377" rtl="0" eaLnBrk="1" latinLnBrk="0" hangingPunct="1">
         <a:defRPr sz="1800" kern="1200">
           <a:solidFill>
             <a:schemeClr val="tx1"/>
@@ -3275,7 +3280,7 @@
           <a:cs typeface="+mn-cs"/>
         </a:defRPr>
       </a:lvl6pPr>
-      <a:lvl7pPr marL="2743200" algn="l" defTabSz="914400" rtl="0" eaLnBrk="1" latinLnBrk="0" hangingPunct="1">
+      <a:lvl7pPr marL="2743131" algn="l" defTabSz="914377" rtl="0" eaLnBrk="1" latinLnBrk="0" hangingPunct="1">
         <a:defRPr sz="1800" kern="1200">
           <a:solidFill>
             <a:schemeClr val="tx1"/>
@@ -3285,7 +3290,7 @@
           <a:cs typeface="+mn-cs"/>
         </a:defRPr>
       </a:lvl7pPr>
-      <a:lvl8pPr marL="3200400" algn="l" defTabSz="914400" rtl="0" eaLnBrk="1" latinLnBrk="0" hangingPunct="1">
+      <a:lvl8pPr marL="3200320" algn="l" defTabSz="914377" rtl="0" eaLnBrk="1" latinLnBrk="0" hangingPunct="1">
         <a:defRPr sz="1800" kern="1200">
           <a:solidFill>
             <a:schemeClr val="tx1"/>
@@ -3295,7 +3300,7 @@
           <a:cs typeface="+mn-cs"/>
         </a:defRPr>
       </a:lvl8pPr>
-      <a:lvl9pPr marL="3657600" algn="l" defTabSz="914400" rtl="0" eaLnBrk="1" latinLnBrk="0" hangingPunct="1">
+      <a:lvl9pPr marL="3657509" algn="l" defTabSz="914377" rtl="0" eaLnBrk="1" latinLnBrk="0" hangingPunct="1">
         <a:defRPr sz="1800" kern="1200">
           <a:solidFill>
             <a:schemeClr val="tx1"/>
@@ -3736,7 +3741,7 @@
         </p:nvSpPr>
         <p:spPr>
           <a:xfrm rot="12508972">
-            <a:off x="5945431" y="-1032053"/>
+            <a:off x="5945432" y="-1032052"/>
             <a:ext cx="4990147" cy="4439131"/>
           </a:xfrm>
           <a:custGeom>
@@ -3873,8 +3878,8 @@
         </p:nvSpPr>
         <p:spPr>
           <a:xfrm>
-            <a:off x="1314824" y="735106"/>
-            <a:ext cx="10053763" cy="2928470"/>
+            <a:off x="1314825" y="735109"/>
+            <a:ext cx="10053763" cy="2928471"/>
           </a:xfrm>
         </p:spPr>
         <p:txBody>
@@ -3892,6 +3897,34 @@
               </a:rPr>
               <a:t>Lending Club</a:t>
             </a:r>
+            <a:br>
+              <a:rPr lang="en-US" sz="4800" dirty="0">
+                <a:solidFill>
+                  <a:srgbClr val="FFFFFF"/>
+                </a:solidFill>
+              </a:rPr>
+            </a:br>
+            <a:r>
+              <a:rPr lang="en-US" sz="2800" dirty="0">
+                <a:solidFill>
+                  <a:srgbClr val="FFFFFF"/>
+                </a:solidFill>
+              </a:rPr>
+              <a:t>Credit Risk Modeling  - “</a:t>
+            </a:r>
+            <a:r>
+              <a:rPr lang="en-US" sz="2800" i="1" dirty="0">
+                <a:solidFill>
+                  <a:srgbClr val="FFFFFF"/>
+                </a:solidFill>
+              </a:rPr>
+              <a:t>Maximize Profits”</a:t>
+            </a:r>
+            <a:endParaRPr lang="en-US" sz="4800" i="1" dirty="0">
+              <a:solidFill>
+                <a:srgbClr val="FFFFFF"/>
+              </a:solidFill>
+            </a:endParaRPr>
           </a:p>
         </p:txBody>
       </p:sp>
@@ -3913,8 +3946,8 @@
         </p:nvSpPr>
         <p:spPr>
           <a:xfrm>
-            <a:off x="1350682" y="4870824"/>
-            <a:ext cx="10005951" cy="1458258"/>
+            <a:off x="1350686" y="4870824"/>
+            <a:ext cx="10005951" cy="1458259"/>
           </a:xfrm>
         </p:spPr>
         <p:txBody>
@@ -3925,8 +3958,20 @@
           <a:p>
             <a:pPr algn="l"/>
             <a:r>
-              <a:rPr lang="en-US" dirty="0"/>
-              <a:t>Maximize Profits</a:t>
+              <a:rPr lang="en-US" b="1" u="sng" dirty="0">
+                <a:solidFill>
+                  <a:srgbClr val="0070C0"/>
+                </a:solidFill>
+              </a:rPr>
+              <a:t>Sundar</a:t>
+            </a:r>
+            <a:r>
+              <a:rPr lang="en-US" dirty="0">
+                <a:solidFill>
+                  <a:srgbClr val="0070C0"/>
+                </a:solidFill>
+              </a:rPr>
+              <a:t>esan Manoharan</a:t>
             </a:r>
           </a:p>
         </p:txBody>
@@ -4218,7 +4263,7 @@
         </p:nvSpPr>
         <p:spPr>
           <a:xfrm rot="5400000" flipH="1">
-            <a:off x="1528907" y="2818967"/>
+            <a:off x="1528908" y="2818967"/>
             <a:ext cx="2501979" cy="5576080"/>
           </a:xfrm>
           <a:prstGeom prst="rect">
@@ -4368,7 +4413,7 @@
         </p:nvSpPr>
         <p:spPr>
           <a:xfrm rot="6097846">
-            <a:off x="818753" y="1128497"/>
+            <a:off x="818757" y="1128501"/>
             <a:ext cx="4318303" cy="4318303"/>
           </a:xfrm>
           <a:prstGeom prst="ellipse">
@@ -4438,7 +4483,7 @@
         </p:nvSpPr>
         <p:spPr>
           <a:xfrm>
-            <a:off x="826396" y="586855"/>
+            <a:off x="826399" y="586860"/>
             <a:ext cx="4230100" cy="3387497"/>
           </a:xfrm>
         </p:spPr>
@@ -4450,7 +4495,7 @@
           <a:p>
             <a:pPr algn="r"/>
             <a:r>
-              <a:rPr lang="en-US" sz="4000">
+              <a:rPr lang="en-US" dirty="0">
                 <a:solidFill>
                   <a:srgbClr val="FFFFFF"/>
                 </a:solidFill>
@@ -4478,7 +4523,7 @@
         </p:nvSpPr>
         <p:spPr>
           <a:xfrm>
-            <a:off x="6503158" y="649480"/>
+            <a:off x="6503162" y="649485"/>
             <a:ext cx="4862447" cy="5546047"/>
           </a:xfrm>
         </p:spPr>
@@ -4488,82 +4533,82 @@
           </a:bodyPr>
           <a:lstStyle/>
           <a:p>
+            <a:pPr marL="0" indent="0" algn="ctr">
+              <a:buNone/>
+            </a:pPr>
+            <a:r>
+              <a:rPr lang="en-US" sz="2400" dirty="0"/>
+              <a:t>To help </a:t>
+            </a:r>
+            <a:r>
+              <a:rPr lang="en-US" sz="2400" b="1" dirty="0"/>
+              <a:t>Lending Club</a:t>
+            </a:r>
+            <a:r>
+              <a:rPr lang="en-US" sz="2400" dirty="0"/>
+              <a:t> identify members most likely to </a:t>
+            </a:r>
+            <a:r>
+              <a:rPr lang="en-US" sz="2400" b="1" dirty="0"/>
+              <a:t>default </a:t>
+            </a:r>
+            <a:r>
+              <a:rPr lang="en-US" sz="2400" dirty="0"/>
+              <a:t>on their loans, enabling better </a:t>
+            </a:r>
+            <a:r>
+              <a:rPr lang="en-US" sz="2400" b="1" dirty="0"/>
+              <a:t>risk management</a:t>
+            </a:r>
+            <a:r>
+              <a:rPr lang="en-US" sz="2400" dirty="0"/>
+              <a:t>, and higher portfolio </a:t>
+            </a:r>
+            <a:r>
+              <a:rPr lang="en-US" sz="2400" b="1" dirty="0"/>
+              <a:t>profitability</a:t>
+            </a:r>
+            <a:r>
+              <a:rPr lang="en-US" sz="2400" dirty="0"/>
+              <a:t>. </a:t>
+            </a:r>
+          </a:p>
+          <a:p>
             <a:pPr marL="0" indent="0">
               <a:buNone/>
             </a:pPr>
-            <a:r>
-              <a:rPr lang="en-US" sz="2000"/>
-              <a:t>To help </a:t>
-            </a:r>
-            <a:r>
-              <a:rPr lang="en-US" sz="2000" b="1"/>
-              <a:t>Lending Club</a:t>
-            </a:r>
-            <a:r>
-              <a:rPr lang="en-US" sz="2000"/>
-              <a:t> identify members most likely to </a:t>
-            </a:r>
-            <a:r>
-              <a:rPr lang="en-US" sz="2000" b="1"/>
-              <a:t>default </a:t>
-            </a:r>
-            <a:r>
-              <a:rPr lang="en-US" sz="2000"/>
-              <a:t>on their loans, enabling better </a:t>
-            </a:r>
-            <a:r>
-              <a:rPr lang="en-US" sz="2000" b="1"/>
-              <a:t>risk management</a:t>
-            </a:r>
-            <a:r>
-              <a:rPr lang="en-US" sz="2000"/>
-              <a:t>, and higher portfolio </a:t>
-            </a:r>
-            <a:r>
-              <a:rPr lang="en-US" sz="2000" b="1"/>
-              <a:t>profitability</a:t>
-            </a:r>
-            <a:r>
-              <a:rPr lang="en-US" sz="2000"/>
-              <a:t>. </a:t>
-            </a:r>
+            <a:endParaRPr lang="en-US" sz="2000" dirty="0"/>
           </a:p>
           <a:p>
             <a:pPr marL="0" indent="0">
               <a:buNone/>
             </a:pPr>
-            <a:endParaRPr lang="en-US" sz="2000"/>
-          </a:p>
-          <a:p>
-            <a:pPr marL="0" indent="0">
-              <a:buNone/>
-            </a:pPr>
-            <a:r>
-              <a:rPr lang="en-US" sz="2000"/>
+            <a:r>
+              <a:rPr lang="en-US" sz="2000" dirty="0"/>
               <a:t>Maximizing profit is a multi-faceted challenge</a:t>
             </a:r>
           </a:p>
           <a:p>
             <a:r>
-              <a:rPr lang="en-US" sz="2000" b="1"/>
+              <a:rPr lang="en-US" sz="2000" b="1" dirty="0"/>
               <a:t>Balance risk and reward</a:t>
             </a:r>
           </a:p>
           <a:p>
             <a:r>
-              <a:rPr lang="en-US" sz="2000"/>
+              <a:rPr lang="en-US" sz="2000" dirty="0"/>
               <a:t>Keep costs low</a:t>
             </a:r>
           </a:p>
           <a:p>
             <a:r>
-              <a:rPr lang="en-US" sz="2000"/>
+              <a:rPr lang="en-US" sz="2000" dirty="0"/>
               <a:t>Optimize customer/investor experience</a:t>
             </a:r>
             <a:br>
-              <a:rPr lang="en-US" sz="2000"/>
+              <a:rPr lang="en-US" sz="2000" dirty="0"/>
             </a:br>
-            <a:endParaRPr lang="en-US" sz="2000"/>
+            <a:endParaRPr lang="en-US" sz="2000" dirty="0"/>
           </a:p>
         </p:txBody>
       </p:sp>
@@ -4619,9 +4664,16 @@
             <p:ph type="title"/>
           </p:nvPr>
         </p:nvSpPr>
-        <p:spPr/>
-        <p:txBody>
-          <a:bodyPr/>
+        <p:spPr>
+          <a:xfrm>
+            <a:off x="838200" y="365127"/>
+            <a:ext cx="10515600" cy="781233"/>
+          </a:xfrm>
+        </p:spPr>
+        <p:txBody>
+          <a:bodyPr>
+            <a:normAutofit/>
+          </a:bodyPr>
           <a:lstStyle/>
           <a:p>
             <a:r>
@@ -4649,8 +4701,8 @@
         </p:nvSpPr>
         <p:spPr>
           <a:xfrm>
-            <a:off x="838201" y="1851905"/>
-            <a:ext cx="2545610" cy="4325057"/>
+            <a:off x="838201" y="1851909"/>
+            <a:ext cx="2545611" cy="4325057"/>
           </a:xfrm>
         </p:spPr>
         <p:txBody>
@@ -5040,7 +5092,7 @@
         </p:nvSpPr>
         <p:spPr>
           <a:xfrm>
-            <a:off x="3383811" y="1851905"/>
+            <a:off x="3383812" y="1851909"/>
             <a:ext cx="3165845" cy="4082592"/>
           </a:xfrm>
           <a:prstGeom prst="rect">
@@ -5069,7 +5121,7 @@
             </a:r>
           </a:p>
           <a:p>
-            <a:pPr marL="228600" indent="-228600">
+            <a:pPr marL="228594" indent="-228594">
               <a:lnSpc>
                 <a:spcPct val="90000"/>
               </a:lnSpc>
@@ -5086,7 +5138,7 @@
             </a:r>
           </a:p>
           <a:p>
-            <a:pPr marL="228600" indent="-228600">
+            <a:pPr marL="228594" indent="-228594">
               <a:lnSpc>
                 <a:spcPct val="90000"/>
               </a:lnSpc>
@@ -5108,7 +5160,7 @@
             </a:endParaRPr>
           </a:p>
           <a:p>
-            <a:pPr marL="228600" indent="-228600">
+            <a:pPr marL="228594" indent="-228594">
               <a:lnSpc>
                 <a:spcPct val="90000"/>
               </a:lnSpc>
@@ -5125,7 +5177,7 @@
             </a:r>
           </a:p>
           <a:p>
-            <a:pPr marL="228600" indent="-228600">
+            <a:pPr marL="228594" indent="-228594">
               <a:lnSpc>
                 <a:spcPct val="90000"/>
               </a:lnSpc>
@@ -5147,7 +5199,7 @@
             </a:endParaRPr>
           </a:p>
           <a:p>
-            <a:pPr marL="228600" indent="-228600">
+            <a:pPr marL="228594" indent="-228594">
               <a:lnSpc>
                 <a:spcPct val="90000"/>
               </a:lnSpc>
@@ -5169,7 +5221,7 @@
             </a:endParaRPr>
           </a:p>
           <a:p>
-            <a:pPr marL="228600" indent="-228600">
+            <a:pPr marL="228594" indent="-228594">
               <a:lnSpc>
                 <a:spcPct val="90000"/>
               </a:lnSpc>
@@ -5191,7 +5243,7 @@
             </a:endParaRPr>
           </a:p>
           <a:p>
-            <a:pPr marL="228600" indent="-228600">
+            <a:pPr marL="228594" indent="-228594">
               <a:lnSpc>
                 <a:spcPct val="90000"/>
               </a:lnSpc>
@@ -5213,7 +5265,7 @@
             </a:endParaRPr>
           </a:p>
           <a:p>
-            <a:pPr marL="228600" indent="-228600">
+            <a:pPr marL="228594" indent="-228594">
               <a:lnSpc>
                 <a:spcPct val="90000"/>
               </a:lnSpc>
@@ -5235,7 +5287,7 @@
             </a:endParaRPr>
           </a:p>
           <a:p>
-            <a:pPr marL="228600" indent="-228600">
+            <a:pPr marL="228594" indent="-228594">
               <a:lnSpc>
                 <a:spcPct val="90000"/>
               </a:lnSpc>
@@ -5257,7 +5309,7 @@
             </a:endParaRPr>
           </a:p>
           <a:p>
-            <a:pPr marL="228600" indent="-228600">
+            <a:pPr marL="228594" indent="-228594">
               <a:lnSpc>
                 <a:spcPct val="90000"/>
               </a:lnSpc>
@@ -5279,7 +5331,7 @@
             </a:endParaRPr>
           </a:p>
           <a:p>
-            <a:pPr marL="228600" indent="-228600">
+            <a:pPr marL="228594" indent="-228594">
               <a:lnSpc>
                 <a:spcPct val="90000"/>
               </a:lnSpc>
@@ -5301,7 +5353,7 @@
             </a:endParaRPr>
           </a:p>
           <a:p>
-            <a:pPr marL="228600" indent="-228600">
+            <a:pPr marL="228594" indent="-228594">
               <a:lnSpc>
                 <a:spcPct val="90000"/>
               </a:lnSpc>
@@ -5318,7 +5370,7 @@
             </a:r>
           </a:p>
           <a:p>
-            <a:pPr marL="228600" indent="-228600">
+            <a:pPr marL="228594" indent="-228594">
               <a:lnSpc>
                 <a:spcPct val="90000"/>
               </a:lnSpc>
@@ -5367,7 +5419,7 @@
             </a:r>
           </a:p>
           <a:p>
-            <a:pPr marL="228600" indent="-228600">
+            <a:pPr marL="228594" indent="-228594">
               <a:lnSpc>
                 <a:spcPct val="90000"/>
               </a:lnSpc>
@@ -5416,7 +5468,7 @@
         </p:nvSpPr>
         <p:spPr>
           <a:xfrm>
-            <a:off x="838200" y="1388825"/>
+            <a:off x="838203" y="1388825"/>
             <a:ext cx="6097772" cy="369332"/>
           </a:xfrm>
           <a:prstGeom prst="rect">
@@ -5430,11 +5482,8 @@
           </a:bodyPr>
           <a:lstStyle/>
           <a:p>
-            <a:pPr marL="0" indent="0">
-              <a:buNone/>
-            </a:pPr>
-            <a:r>
-              <a:rPr lang="en-US" sz="1800" dirty="0"/>
+            <a:r>
+              <a:rPr lang="en-US" dirty="0"/>
               <a:t>Contains 10,000 rows and 28 columns. </a:t>
             </a:r>
           </a:p>
@@ -5454,7 +5503,7 @@
         </p:nvSpPr>
         <p:spPr>
           <a:xfrm>
-            <a:off x="9218428" y="112990"/>
+            <a:off x="9218429" y="112994"/>
             <a:ext cx="2796363" cy="646331"/>
           </a:xfrm>
           <a:prstGeom prst="rect">
@@ -5470,7 +5519,7 @@
           <a:p>
             <a:pPr algn="r"/>
             <a:r>
-              <a:rPr lang="en-US" sz="1800" dirty="0">
+              <a:rPr lang="en-US" dirty="0">
                 <a:solidFill>
                   <a:srgbClr val="00B050"/>
                 </a:solidFill>
@@ -5505,8 +5554,8 @@
         </p:nvSpPr>
         <p:spPr>
           <a:xfrm>
-            <a:off x="6935972" y="1851905"/>
-            <a:ext cx="5078819" cy="4747390"/>
+            <a:off x="6935973" y="1851909"/>
+            <a:ext cx="5078819" cy="4525791"/>
           </a:xfrm>
           <a:prstGeom prst="rect">
             <a:avLst/>
@@ -5534,7 +5583,7 @@
             </a:r>
           </a:p>
           <a:p>
-            <a:pPr marL="285750" indent="-285750">
+            <a:pPr marL="285744" indent="-285744">
               <a:lnSpc>
                 <a:spcPct val="90000"/>
               </a:lnSpc>
@@ -5547,7 +5596,7 @@
             </a:r>
           </a:p>
           <a:p>
-            <a:pPr marL="285750" indent="-285750">
+            <a:pPr marL="285744" indent="-285744">
               <a:lnSpc>
                 <a:spcPct val="90000"/>
               </a:lnSpc>
@@ -5587,7 +5636,7 @@
             </a:r>
           </a:p>
           <a:p>
-            <a:pPr marL="228600" indent="-228600">
+            <a:pPr marL="228594" indent="-228594">
               <a:lnSpc>
                 <a:spcPct val="90000"/>
               </a:lnSpc>
@@ -5600,7 +5649,7 @@
             </a:r>
           </a:p>
           <a:p>
-            <a:pPr marL="228600" indent="-228600">
+            <a:pPr marL="228594" indent="-228594">
               <a:lnSpc>
                 <a:spcPct val="90000"/>
               </a:lnSpc>
@@ -5613,7 +5662,7 @@
             </a:r>
           </a:p>
           <a:p>
-            <a:pPr marL="228600" indent="-228600">
+            <a:pPr marL="228594" indent="-228594">
               <a:lnSpc>
                 <a:spcPct val="90000"/>
               </a:lnSpc>
@@ -5626,7 +5675,7 @@
             </a:r>
           </a:p>
           <a:p>
-            <a:pPr marL="228600" indent="-228600">
+            <a:pPr marL="228594" indent="-228594">
               <a:lnSpc>
                 <a:spcPct val="90000"/>
               </a:lnSpc>
@@ -5639,7 +5688,7 @@
             </a:r>
           </a:p>
           <a:p>
-            <a:pPr marL="228600" indent="-228600">
+            <a:pPr marL="228594" indent="-228594">
               <a:lnSpc>
                 <a:spcPct val="90000"/>
               </a:lnSpc>
@@ -5652,7 +5701,7 @@
             </a:r>
           </a:p>
           <a:p>
-            <a:pPr marL="228600" indent="-228600">
+            <a:pPr marL="228594" indent="-228594">
               <a:lnSpc>
                 <a:spcPct val="90000"/>
               </a:lnSpc>
@@ -5665,7 +5714,7 @@
             </a:r>
           </a:p>
           <a:p>
-            <a:pPr marL="228600" indent="-228600">
+            <a:pPr marL="228594" indent="-228594">
               <a:lnSpc>
                 <a:spcPct val="90000"/>
               </a:lnSpc>
@@ -5678,7 +5727,7 @@
             </a:r>
           </a:p>
           <a:p>
-            <a:pPr marL="228600" indent="-228600">
+            <a:pPr marL="228594" indent="-228594">
               <a:lnSpc>
                 <a:spcPct val="90000"/>
               </a:lnSpc>
@@ -5714,7 +5763,7 @@
             </a:r>
           </a:p>
           <a:p>
-            <a:pPr marL="228600" indent="-228600">
+            <a:pPr marL="228594" indent="-228594">
               <a:lnSpc>
                 <a:spcPct val="90000"/>
               </a:lnSpc>
@@ -5734,7 +5783,7 @@
             </a:r>
           </a:p>
           <a:p>
-            <a:pPr marL="228600" indent="-228600">
+            <a:pPr marL="228594" indent="-228594">
               <a:lnSpc>
                 <a:spcPct val="90000"/>
               </a:lnSpc>
@@ -5747,7 +5796,7 @@
             </a:r>
           </a:p>
           <a:p>
-            <a:pPr marL="228600" indent="-228600">
+            <a:pPr marL="228594" indent="-228594">
               <a:lnSpc>
                 <a:spcPct val="90000"/>
               </a:lnSpc>
@@ -5756,18 +5805,8 @@
             </a:pPr>
             <a:r>
               <a:rPr lang="en-US" sz="1600" dirty="0"/>
-              <a:t>Primarily using borrower’s credit history and financial profile features</a:t>
-            </a:r>
-          </a:p>
-          <a:p>
-            <a:pPr marL="228600" indent="-228600">
-              <a:lnSpc>
-                <a:spcPct val="90000"/>
-              </a:lnSpc>
-              <a:buFont typeface="Arial" panose="020B0604020202020204" pitchFamily="34" charset="0"/>
-              <a:buChar char="•"/>
-            </a:pPr>
-            <a:endParaRPr lang="en-US" sz="1600" b="1" dirty="0"/>
+              <a:t>Key Predictors - Credit History and Financial Profile features</a:t>
+            </a:r>
           </a:p>
         </p:txBody>
       </p:sp>
@@ -5787,7 +5826,7 @@
         </p:nvCxnSpPr>
         <p:spPr>
           <a:xfrm>
-            <a:off x="6666612" y="1851905"/>
+            <a:off x="6666612" y="1851909"/>
             <a:ext cx="0" cy="4495732"/>
           </a:xfrm>
           <a:prstGeom prst="line">
@@ -5826,291 +5865,6 @@
 <file path=ppt/slides/slide4.xml><?xml version="1.0" encoding="utf-8"?>
 <p:sld xmlns:a="http://schemas.openxmlformats.org/drawingml/2006/main" xmlns:r="http://schemas.openxmlformats.org/officeDocument/2006/relationships" xmlns:p="http://schemas.openxmlformats.org/presentationml/2006/main">
   <p:cSld>
-    <p:bg>
-      <p:bgPr>
-        <a:solidFill>
-          <a:schemeClr val="bg1"/>
-        </a:solidFill>
-        <a:effectLst/>
-      </p:bgPr>
-    </p:bg>
-    <p:spTree>
-      <p:nvGrpSpPr>
-        <p:cNvPr id="1" name=""/>
-        <p:cNvGrpSpPr/>
-        <p:nvPr/>
-      </p:nvGrpSpPr>
-      <p:grpSpPr>
-        <a:xfrm>
-          <a:off x="0" y="0"/>
-          <a:ext cx="0" cy="0"/>
-          <a:chOff x="0" y="0"/>
-          <a:chExt cx="0" cy="0"/>
-        </a:xfrm>
-      </p:grpSpPr>
-      <p:sp>
-        <p:nvSpPr>
-          <p:cNvPr id="9" name="Rectangle 8">
-            <a:extLst>
-              <a:ext uri="{FF2B5EF4-FFF2-40B4-BE49-F238E27FC236}">
-                <a16:creationId xmlns:a16="http://schemas.microsoft.com/office/drawing/2014/main" id="{4C608BEB-860E-4094-8511-78603564A75E}"/>
-              </a:ext>
-              <a:ext uri="{C183D7F6-B498-43B3-948B-1728B52AA6E4}">
-                <adec:decorative xmlns:adec="http://schemas.microsoft.com/office/drawing/2017/decorative" val="1"/>
-              </a:ext>
-            </a:extLst>
-          </p:cNvPr>
-          <p:cNvSpPr>
-            <a:spLocks noGrp="1" noRot="1" noChangeAspect="1" noMove="1" noResize="1" noEditPoints="1" noAdjustHandles="1" noChangeArrowheads="1" noChangeShapeType="1" noTextEdit="1"/>
-          </p:cNvSpPr>
-          <p:nvPr>
-            <p:extLst>
-              <p:ext uri="{386F3935-93C4-4BCD-93E2-E3B085C9AB24}">
-                <p16:designElem xmlns:p16="http://schemas.microsoft.com/office/powerpoint/2015/main" val="1"/>
-              </p:ext>
-            </p:extLst>
-          </p:nvPr>
-        </p:nvSpPr>
-        <p:spPr>
-          <a:xfrm>
-            <a:off x="0" y="0"/>
-            <a:ext cx="4059050" cy="6858000"/>
-          </a:xfrm>
-          <a:prstGeom prst="rect">
-            <a:avLst/>
-          </a:prstGeom>
-          <a:solidFill>
-            <a:srgbClr val="404040"/>
-          </a:solidFill>
-          <a:ln>
-            <a:noFill/>
-          </a:ln>
-        </p:spPr>
-        <p:style>
-          <a:lnRef idx="2">
-            <a:schemeClr val="accent1">
-              <a:shade val="50000"/>
-            </a:schemeClr>
-          </a:lnRef>
-          <a:fillRef idx="1">
-            <a:schemeClr val="accent1"/>
-          </a:fillRef>
-          <a:effectRef idx="0">
-            <a:schemeClr val="accent1"/>
-          </a:effectRef>
-          <a:fontRef idx="minor">
-            <a:schemeClr val="lt1"/>
-          </a:fontRef>
-        </p:style>
-        <p:txBody>
-          <a:bodyPr rtlCol="0" anchor="ctr"/>
-          <a:lstStyle/>
-          <a:p>
-            <a:pPr marL="0" marR="0" lvl="0" indent="0" algn="ctr" defTabSz="914400" rtl="0" eaLnBrk="1" fontAlgn="auto" latinLnBrk="0" hangingPunct="1">
-              <a:lnSpc>
-                <a:spcPct val="100000"/>
-              </a:lnSpc>
-              <a:spcBef>
-                <a:spcPts val="0"/>
-              </a:spcBef>
-              <a:spcAft>
-                <a:spcPts val="0"/>
-              </a:spcAft>
-              <a:buClrTx/>
-              <a:buSzTx/>
-              <a:buFontTx/>
-              <a:buNone/>
-              <a:tabLst/>
-              <a:defRPr/>
-            </a:pPr>
-            <a:endParaRPr kumimoji="0" lang="en-US" sz="1800" b="0" i="0" u="none" strike="noStrike" kern="1200" cap="none" spc="0" normalizeH="0" baseline="0" noProof="0">
-              <a:ln>
-                <a:noFill/>
-              </a:ln>
-              <a:solidFill>
-                <a:prstClr val="white"/>
-              </a:solidFill>
-              <a:effectLst/>
-              <a:uLnTx/>
-              <a:uFillTx/>
-              <a:latin typeface="Calibri" panose="020F0502020204030204"/>
-              <a:ea typeface="+mn-ea"/>
-              <a:cs typeface="+mn-cs"/>
-            </a:endParaRPr>
-          </a:p>
-        </p:txBody>
-      </p:sp>
-      <p:sp>
-        <p:nvSpPr>
-          <p:cNvPr id="2" name="Title 1">
-            <a:extLst>
-              <a:ext uri="{FF2B5EF4-FFF2-40B4-BE49-F238E27FC236}">
-                <a16:creationId xmlns:a16="http://schemas.microsoft.com/office/drawing/2014/main" id="{EA49D72B-48B9-BF25-1CC6-65D313F2D2BA}"/>
-              </a:ext>
-            </a:extLst>
-          </p:cNvPr>
-          <p:cNvSpPr>
-            <a:spLocks noGrp="1"/>
-          </p:cNvSpPr>
-          <p:nvPr>
-            <p:ph type="title"/>
-          </p:nvPr>
-        </p:nvSpPr>
-        <p:spPr>
-          <a:xfrm>
-            <a:off x="838200" y="1412488"/>
-            <a:ext cx="2899189" cy="4363844"/>
-          </a:xfrm>
-        </p:spPr>
-        <p:txBody>
-          <a:bodyPr anchor="t">
-            <a:normAutofit/>
-          </a:bodyPr>
-          <a:lstStyle/>
-          <a:p>
-            <a:endParaRPr lang="en-US" sz="4000">
-              <a:solidFill>
-                <a:srgbClr val="FFFFFF"/>
-              </a:solidFill>
-            </a:endParaRPr>
-          </a:p>
-        </p:txBody>
-      </p:sp>
-      <p:sp>
-        <p:nvSpPr>
-          <p:cNvPr id="3" name="Content Placeholder 2">
-            <a:extLst>
-              <a:ext uri="{FF2B5EF4-FFF2-40B4-BE49-F238E27FC236}">
-                <a16:creationId xmlns:a16="http://schemas.microsoft.com/office/drawing/2014/main" id="{3DF7290A-D70F-5941-6F83-EC2FAA6F8F03}"/>
-              </a:ext>
-            </a:extLst>
-          </p:cNvPr>
-          <p:cNvSpPr>
-            <a:spLocks noGrp="1"/>
-          </p:cNvSpPr>
-          <p:nvPr>
-            <p:ph sz="half" idx="1"/>
-          </p:nvPr>
-        </p:nvSpPr>
-        <p:spPr>
-          <a:xfrm>
-            <a:off x="4380855" y="1412489"/>
-            <a:ext cx="3427283" cy="4363844"/>
-          </a:xfrm>
-        </p:spPr>
-        <p:txBody>
-          <a:bodyPr>
-            <a:normAutofit/>
-          </a:bodyPr>
-          <a:lstStyle/>
-          <a:p>
-            <a:endParaRPr lang="en-US" sz="2000"/>
-          </a:p>
-        </p:txBody>
-      </p:sp>
-      <p:cxnSp>
-        <p:nvCxnSpPr>
-          <p:cNvPr id="11" name="Straight Connector 10">
-            <a:extLst>
-              <a:ext uri="{FF2B5EF4-FFF2-40B4-BE49-F238E27FC236}">
-                <a16:creationId xmlns:a16="http://schemas.microsoft.com/office/drawing/2014/main" id="{1F16A8D4-FE87-4604-88B2-394B5D1EB437}"/>
-              </a:ext>
-              <a:ext uri="{C183D7F6-B498-43B3-948B-1728B52AA6E4}">
-                <adec:decorative xmlns:adec="http://schemas.microsoft.com/office/drawing/2017/decorative" val="1"/>
-              </a:ext>
-            </a:extLst>
-          </p:cNvPr>
-          <p:cNvCxnSpPr>
-            <a:cxnSpLocks noGrp="1" noRot="1" noChangeAspect="1" noMove="1" noResize="1" noEditPoints="1" noAdjustHandles="1" noChangeArrowheads="1" noChangeShapeType="1"/>
-          </p:cNvCxnSpPr>
-          <p:nvPr>
-            <p:extLst>
-              <p:ext uri="{386F3935-93C4-4BCD-93E2-E3B085C9AB24}">
-                <p16:designElem xmlns:p16="http://schemas.microsoft.com/office/powerpoint/2015/main" val="1"/>
-              </p:ext>
-            </p:extLst>
-          </p:nvPr>
-        </p:nvCxnSpPr>
-        <p:spPr>
-          <a:xfrm>
-            <a:off x="8129871" y="1412488"/>
-            <a:ext cx="0" cy="3657600"/>
-          </a:xfrm>
-          <a:prstGeom prst="line">
-            <a:avLst/>
-          </a:prstGeom>
-          <a:ln w="12700">
-            <a:solidFill>
-              <a:schemeClr val="tx1">
-                <a:lumMod val="50000"/>
-                <a:lumOff val="50000"/>
-              </a:schemeClr>
-            </a:solidFill>
-          </a:ln>
-        </p:spPr>
-        <p:style>
-          <a:lnRef idx="1">
-            <a:schemeClr val="accent1"/>
-          </a:lnRef>
-          <a:fillRef idx="0">
-            <a:schemeClr val="accent1"/>
-          </a:fillRef>
-          <a:effectRef idx="0">
-            <a:schemeClr val="accent1"/>
-          </a:effectRef>
-          <a:fontRef idx="minor">
-            <a:schemeClr val="tx1"/>
-          </a:fontRef>
-        </p:style>
-      </p:cxnSp>
-      <p:sp>
-        <p:nvSpPr>
-          <p:cNvPr id="4" name="Content Placeholder 3">
-            <a:extLst>
-              <a:ext uri="{FF2B5EF4-FFF2-40B4-BE49-F238E27FC236}">
-                <a16:creationId xmlns:a16="http://schemas.microsoft.com/office/drawing/2014/main" id="{DB947153-D812-14C5-78EE-905A4CE922D8}"/>
-              </a:ext>
-            </a:extLst>
-          </p:cNvPr>
-          <p:cNvSpPr>
-            <a:spLocks noGrp="1"/>
-          </p:cNvSpPr>
-          <p:nvPr>
-            <p:ph sz="half" idx="2"/>
-          </p:nvPr>
-        </p:nvSpPr>
-        <p:spPr>
-          <a:xfrm>
-            <a:off x="8451604" y="1412489"/>
-            <a:ext cx="3197701" cy="4363844"/>
-          </a:xfrm>
-        </p:spPr>
-        <p:txBody>
-          <a:bodyPr>
-            <a:normAutofit/>
-          </a:bodyPr>
-          <a:lstStyle/>
-          <a:p>
-            <a:endParaRPr lang="en-US" sz="2000"/>
-          </a:p>
-        </p:txBody>
-      </p:sp>
-    </p:spTree>
-    <p:extLst>
-      <p:ext uri="{BB962C8B-B14F-4D97-AF65-F5344CB8AC3E}">
-        <p14:creationId xmlns:p14="http://schemas.microsoft.com/office/powerpoint/2010/main" val="2505475728"/>
-      </p:ext>
-    </p:extLst>
-  </p:cSld>
-  <p:clrMapOvr>
-    <a:masterClrMapping/>
-  </p:clrMapOvr>
-</p:sld>
-</file>
-
-<file path=ppt/slides/slide5.xml><?xml version="1.0" encoding="utf-8"?>
-<p:sld xmlns:a="http://schemas.openxmlformats.org/drawingml/2006/main" xmlns:r="http://schemas.openxmlformats.org/officeDocument/2006/relationships" xmlns:p="http://schemas.openxmlformats.org/presentationml/2006/main">
-  <p:cSld>
     <p:spTree>
       <p:nvGrpSpPr>
         <p:cNvPr id="1" name="">
@@ -6147,65 +5901,976 @@
             <p:ph type="title"/>
           </p:nvPr>
         </p:nvSpPr>
-        <p:spPr/>
+        <p:spPr>
+          <a:xfrm>
+            <a:off x="838200" y="365126"/>
+            <a:ext cx="10515600" cy="752083"/>
+          </a:xfrm>
+        </p:spPr>
         <p:txBody>
           <a:bodyPr/>
           <a:lstStyle/>
           <a:p>
             <a:r>
               <a:rPr lang="en-US" dirty="0"/>
-              <a:t>EDA Insights</a:t>
-            </a:r>
-          </a:p>
-        </p:txBody>
-      </p:sp>
-      <p:sp>
-        <p:nvSpPr>
-          <p:cNvPr id="3" name="Content Placeholder 2">
-            <a:extLst>
-              <a:ext uri="{FF2B5EF4-FFF2-40B4-BE49-F238E27FC236}">
-                <a16:creationId xmlns:a16="http://schemas.microsoft.com/office/drawing/2014/main" id="{06320CC7-453C-0816-EAC2-B2553A928DA3}"/>
-              </a:ext>
-            </a:extLst>
-          </p:cNvPr>
-          <p:cNvSpPr>
-            <a:spLocks noGrp="1"/>
-          </p:cNvSpPr>
-          <p:nvPr>
-            <p:ph sz="half" idx="1"/>
-          </p:nvPr>
-        </p:nvSpPr>
-        <p:spPr/>
-        <p:txBody>
-          <a:bodyPr/>
-          <a:lstStyle/>
-          <a:p>
-            <a:endParaRPr lang="en-US"/>
-          </a:p>
-        </p:txBody>
-      </p:sp>
-      <p:sp>
-        <p:nvSpPr>
-          <p:cNvPr id="4" name="Content Placeholder 3">
-            <a:extLst>
-              <a:ext uri="{FF2B5EF4-FFF2-40B4-BE49-F238E27FC236}">
-                <a16:creationId xmlns:a16="http://schemas.microsoft.com/office/drawing/2014/main" id="{3A632BEC-8F2E-4D29-D768-64C8CD49A65A}"/>
-              </a:ext>
-            </a:extLst>
-          </p:cNvPr>
-          <p:cNvSpPr>
-            <a:spLocks noGrp="1"/>
-          </p:cNvSpPr>
+              <a:t>Key Insights</a:t>
+            </a:r>
+          </a:p>
+        </p:txBody>
+      </p:sp>
+      <p:pic>
+        <p:nvPicPr>
+          <p:cNvPr id="6" name="Content Placeholder 5">
+            <a:extLst>
+              <a:ext uri="{FF2B5EF4-FFF2-40B4-BE49-F238E27FC236}">
+                <a16:creationId xmlns:a16="http://schemas.microsoft.com/office/drawing/2014/main" id="{2688D3CE-83CB-3A60-A371-246491D4740C}"/>
+              </a:ext>
+            </a:extLst>
+          </p:cNvPr>
+          <p:cNvPicPr>
+            <a:picLocks noGrp="1" noChangeAspect="1"/>
+          </p:cNvPicPr>
           <p:nvPr>
             <p:ph sz="half" idx="2"/>
           </p:nvPr>
-        </p:nvSpPr>
-        <p:spPr/>
-        <p:txBody>
-          <a:bodyPr/>
-          <a:lstStyle/>
-          <a:p>
-            <a:endParaRPr lang="en-US"/>
+        </p:nvPicPr>
+        <p:blipFill>
+          <a:blip r:embed="rId2"/>
+          <a:stretch>
+            <a:fillRect/>
+          </a:stretch>
+        </p:blipFill>
+        <p:spPr>
+          <a:xfrm>
+            <a:off x="676467" y="1282544"/>
+            <a:ext cx="3153408" cy="1929458"/>
+          </a:xfrm>
+          <a:prstGeom prst="rect">
+            <a:avLst/>
+          </a:prstGeom>
+        </p:spPr>
+      </p:pic>
+      <p:pic>
+        <p:nvPicPr>
+          <p:cNvPr id="7" name="Picture 6">
+            <a:extLst>
+              <a:ext uri="{FF2B5EF4-FFF2-40B4-BE49-F238E27FC236}">
+                <a16:creationId xmlns:a16="http://schemas.microsoft.com/office/drawing/2014/main" id="{0A9F042B-7857-AC7D-28DB-29802DB79897}"/>
+              </a:ext>
+            </a:extLst>
+          </p:cNvPr>
+          <p:cNvPicPr>
+            <a:picLocks noChangeAspect="1"/>
+          </p:cNvPicPr>
+          <p:nvPr/>
+        </p:nvPicPr>
+        <p:blipFill>
+          <a:blip r:embed="rId3"/>
+          <a:stretch>
+            <a:fillRect/>
+          </a:stretch>
+        </p:blipFill>
+        <p:spPr>
+          <a:xfrm>
+            <a:off x="4457901" y="1282544"/>
+            <a:ext cx="3259001" cy="1929458"/>
+          </a:xfrm>
+          <a:prstGeom prst="rect">
+            <a:avLst/>
+          </a:prstGeom>
+        </p:spPr>
+      </p:pic>
+      <p:pic>
+        <p:nvPicPr>
+          <p:cNvPr id="8" name="Picture 7">
+            <a:extLst>
+              <a:ext uri="{FF2B5EF4-FFF2-40B4-BE49-F238E27FC236}">
+                <a16:creationId xmlns:a16="http://schemas.microsoft.com/office/drawing/2014/main" id="{1C277A5E-6B4D-665F-559F-5316BEC2BB02}"/>
+              </a:ext>
+            </a:extLst>
+          </p:cNvPr>
+          <p:cNvPicPr>
+            <a:picLocks noChangeAspect="1"/>
+          </p:cNvPicPr>
+          <p:nvPr/>
+        </p:nvPicPr>
+        <p:blipFill>
+          <a:blip r:embed="rId4"/>
+          <a:stretch>
+            <a:fillRect/>
+          </a:stretch>
+        </p:blipFill>
+        <p:spPr>
+          <a:xfrm>
+            <a:off x="8344929" y="1282544"/>
+            <a:ext cx="3170598" cy="1929458"/>
+          </a:xfrm>
+          <a:prstGeom prst="rect">
+            <a:avLst/>
+          </a:prstGeom>
+        </p:spPr>
+      </p:pic>
+      <p:sp>
+        <p:nvSpPr>
+          <p:cNvPr id="10" name="TextBox 9">
+            <a:extLst>
+              <a:ext uri="{FF2B5EF4-FFF2-40B4-BE49-F238E27FC236}">
+                <a16:creationId xmlns:a16="http://schemas.microsoft.com/office/drawing/2014/main" id="{835A0DBB-10B6-6248-E6EC-E32FBD6AF474}"/>
+              </a:ext>
+            </a:extLst>
+          </p:cNvPr>
+          <p:cNvSpPr txBox="1"/>
+          <p:nvPr/>
+        </p:nvSpPr>
+        <p:spPr>
+          <a:xfrm>
+            <a:off x="676463" y="3202650"/>
+            <a:ext cx="3153408" cy="461665"/>
+          </a:xfrm>
+          <a:prstGeom prst="rect">
+            <a:avLst/>
+          </a:prstGeom>
+          <a:noFill/>
+        </p:spPr>
+        <p:txBody>
+          <a:bodyPr wrap="square">
+            <a:spAutoFit/>
+          </a:bodyPr>
+          <a:lstStyle/>
+          <a:p>
+            <a:pPr marL="0" marR="0" lvl="0" indent="0" algn="ctr" defTabSz="914400" rtl="0" eaLnBrk="0" fontAlgn="base" latinLnBrk="0" hangingPunct="0">
+              <a:lnSpc>
+                <a:spcPct val="100000"/>
+              </a:lnSpc>
+              <a:spcBef>
+                <a:spcPct val="0"/>
+              </a:spcBef>
+              <a:spcAft>
+                <a:spcPct val="0"/>
+              </a:spcAft>
+              <a:buClrTx/>
+              <a:buSzTx/>
+              <a:buNone/>
+              <a:tabLst/>
+            </a:pPr>
+            <a:r>
+              <a:rPr kumimoji="0" lang="en-US" altLang="en-US" sz="1200" b="0" i="0" u="none" strike="noStrike" cap="none" normalizeH="0" baseline="0" dirty="0">
+                <a:ln>
+                  <a:noFill/>
+                </a:ln>
+                <a:solidFill>
+                  <a:srgbClr val="0070C0"/>
+                </a:solidFill>
+                <a:effectLst/>
+                <a:latin typeface="Arial" panose="020B0604020202020204" pitchFamily="34" charset="0"/>
+              </a:rPr>
+              <a:t>Employment length and annual income are </a:t>
+            </a:r>
+            <a:r>
+              <a:rPr kumimoji="0" lang="en-US" altLang="en-US" sz="1200" b="1" i="0" u="none" strike="noStrike" cap="none" normalizeH="0" baseline="0" dirty="0">
+                <a:ln>
+                  <a:noFill/>
+                </a:ln>
+                <a:solidFill>
+                  <a:srgbClr val="0070C0"/>
+                </a:solidFill>
+                <a:effectLst/>
+                <a:latin typeface="Arial" panose="020B0604020202020204" pitchFamily="34" charset="0"/>
+              </a:rPr>
+              <a:t>negatively correlated</a:t>
+            </a:r>
+            <a:r>
+              <a:rPr kumimoji="0" lang="en-US" altLang="en-US" sz="1200" b="0" i="0" u="none" strike="noStrike" cap="none" normalizeH="0" baseline="0" dirty="0">
+                <a:ln>
+                  <a:noFill/>
+                </a:ln>
+                <a:solidFill>
+                  <a:srgbClr val="0070C0"/>
+                </a:solidFill>
+                <a:effectLst/>
+                <a:latin typeface="Arial" panose="020B0604020202020204" pitchFamily="34" charset="0"/>
+              </a:rPr>
+              <a:t> with default.</a:t>
+            </a:r>
+          </a:p>
+        </p:txBody>
+      </p:sp>
+      <p:pic>
+        <p:nvPicPr>
+          <p:cNvPr id="12" name="Picture 11">
+            <a:extLst>
+              <a:ext uri="{FF2B5EF4-FFF2-40B4-BE49-F238E27FC236}">
+                <a16:creationId xmlns:a16="http://schemas.microsoft.com/office/drawing/2014/main" id="{5D70BBBC-0877-D6EA-D9F8-6E099AC1BC58}"/>
+              </a:ext>
+            </a:extLst>
+          </p:cNvPr>
+          <p:cNvPicPr>
+            <a:picLocks noChangeAspect="1"/>
+          </p:cNvPicPr>
+          <p:nvPr/>
+        </p:nvPicPr>
+        <p:blipFill>
+          <a:blip r:embed="rId5"/>
+          <a:stretch>
+            <a:fillRect/>
+          </a:stretch>
+        </p:blipFill>
+        <p:spPr>
+          <a:xfrm>
+            <a:off x="676466" y="4072596"/>
+            <a:ext cx="3153408" cy="2028330"/>
+          </a:xfrm>
+          <a:prstGeom prst="rect">
+            <a:avLst/>
+          </a:prstGeom>
+        </p:spPr>
+      </p:pic>
+      <p:pic>
+        <p:nvPicPr>
+          <p:cNvPr id="13" name="Picture 12">
+            <a:extLst>
+              <a:ext uri="{FF2B5EF4-FFF2-40B4-BE49-F238E27FC236}">
+                <a16:creationId xmlns:a16="http://schemas.microsoft.com/office/drawing/2014/main" id="{730D3250-2EF1-B970-A767-25BAA1B77AC6}"/>
+              </a:ext>
+            </a:extLst>
+          </p:cNvPr>
+          <p:cNvPicPr>
+            <a:picLocks noChangeAspect="1"/>
+          </p:cNvPicPr>
+          <p:nvPr/>
+        </p:nvPicPr>
+        <p:blipFill>
+          <a:blip r:embed="rId6"/>
+          <a:stretch>
+            <a:fillRect/>
+          </a:stretch>
+        </p:blipFill>
+        <p:spPr>
+          <a:xfrm>
+            <a:off x="4457901" y="4072596"/>
+            <a:ext cx="3259003" cy="2028330"/>
+          </a:xfrm>
+          <a:prstGeom prst="rect">
+            <a:avLst/>
+          </a:prstGeom>
+        </p:spPr>
+      </p:pic>
+      <p:pic>
+        <p:nvPicPr>
+          <p:cNvPr id="14" name="Picture 13">
+            <a:extLst>
+              <a:ext uri="{FF2B5EF4-FFF2-40B4-BE49-F238E27FC236}">
+                <a16:creationId xmlns:a16="http://schemas.microsoft.com/office/drawing/2014/main" id="{89683B86-8D55-56D9-5E30-8F427948FD97}"/>
+              </a:ext>
+            </a:extLst>
+          </p:cNvPr>
+          <p:cNvPicPr>
+            <a:picLocks noChangeAspect="1"/>
+          </p:cNvPicPr>
+          <p:nvPr/>
+        </p:nvPicPr>
+        <p:blipFill>
+          <a:blip r:embed="rId7"/>
+          <a:stretch>
+            <a:fillRect/>
+          </a:stretch>
+        </p:blipFill>
+        <p:spPr>
+          <a:xfrm>
+            <a:off x="8344932" y="4072596"/>
+            <a:ext cx="3170598" cy="2028330"/>
+          </a:xfrm>
+          <a:prstGeom prst="rect">
+            <a:avLst/>
+          </a:prstGeom>
+        </p:spPr>
+      </p:pic>
+      <p:cxnSp>
+        <p:nvCxnSpPr>
+          <p:cNvPr id="16" name="Straight Arrow Connector 15">
+            <a:extLst>
+              <a:ext uri="{FF2B5EF4-FFF2-40B4-BE49-F238E27FC236}">
+                <a16:creationId xmlns:a16="http://schemas.microsoft.com/office/drawing/2014/main" id="{F952BED0-D4B0-5631-8FB8-5760A6AA2223}"/>
+              </a:ext>
+            </a:extLst>
+          </p:cNvPr>
+          <p:cNvCxnSpPr>
+            <a:cxnSpLocks/>
+          </p:cNvCxnSpPr>
+          <p:nvPr/>
+        </p:nvCxnSpPr>
+        <p:spPr>
+          <a:xfrm flipV="1">
+            <a:off x="1194318" y="1525490"/>
+            <a:ext cx="2276670" cy="976923"/>
+          </a:xfrm>
+          <a:prstGeom prst="straightConnector1">
+            <a:avLst/>
+          </a:prstGeom>
+          <a:ln w="28575">
+            <a:solidFill>
+              <a:srgbClr val="FF0000"/>
+            </a:solidFill>
+            <a:tailEnd type="triangle"/>
+          </a:ln>
+        </p:spPr>
+        <p:style>
+          <a:lnRef idx="2">
+            <a:schemeClr val="accent1"/>
+          </a:lnRef>
+          <a:fillRef idx="0">
+            <a:schemeClr val="accent1"/>
+          </a:fillRef>
+          <a:effectRef idx="1">
+            <a:schemeClr val="accent1"/>
+          </a:effectRef>
+          <a:fontRef idx="minor">
+            <a:schemeClr val="tx1"/>
+          </a:fontRef>
+        </p:style>
+      </p:cxnSp>
+      <p:cxnSp>
+        <p:nvCxnSpPr>
+          <p:cNvPr id="19" name="Straight Arrow Connector 18">
+            <a:extLst>
+              <a:ext uri="{FF2B5EF4-FFF2-40B4-BE49-F238E27FC236}">
+                <a16:creationId xmlns:a16="http://schemas.microsoft.com/office/drawing/2014/main" id="{6D5FDC5C-2E2D-5829-7806-FD7806B03FDB}"/>
+              </a:ext>
+            </a:extLst>
+          </p:cNvPr>
+          <p:cNvCxnSpPr>
+            <a:cxnSpLocks/>
+          </p:cNvCxnSpPr>
+          <p:nvPr/>
+        </p:nvCxnSpPr>
+        <p:spPr>
+          <a:xfrm flipV="1">
+            <a:off x="5045336" y="1364116"/>
+            <a:ext cx="2485017" cy="355463"/>
+          </a:xfrm>
+          <a:prstGeom prst="straightConnector1">
+            <a:avLst/>
+          </a:prstGeom>
+          <a:ln w="28575">
+            <a:solidFill>
+              <a:srgbClr val="FF0000"/>
+            </a:solidFill>
+            <a:tailEnd type="triangle"/>
+          </a:ln>
+        </p:spPr>
+        <p:style>
+          <a:lnRef idx="2">
+            <a:schemeClr val="accent1"/>
+          </a:lnRef>
+          <a:fillRef idx="0">
+            <a:schemeClr val="accent1"/>
+          </a:fillRef>
+          <a:effectRef idx="1">
+            <a:schemeClr val="accent1"/>
+          </a:effectRef>
+          <a:fontRef idx="minor">
+            <a:schemeClr val="tx1"/>
+          </a:fontRef>
+        </p:style>
+      </p:cxnSp>
+      <p:cxnSp>
+        <p:nvCxnSpPr>
+          <p:cNvPr id="21" name="Straight Arrow Connector 20">
+            <a:extLst>
+              <a:ext uri="{FF2B5EF4-FFF2-40B4-BE49-F238E27FC236}">
+                <a16:creationId xmlns:a16="http://schemas.microsoft.com/office/drawing/2014/main" id="{00442EEE-A6A5-2F82-032A-FEBE48BE54CF}"/>
+              </a:ext>
+            </a:extLst>
+          </p:cNvPr>
+          <p:cNvCxnSpPr>
+            <a:cxnSpLocks/>
+          </p:cNvCxnSpPr>
+          <p:nvPr/>
+        </p:nvCxnSpPr>
+        <p:spPr>
+          <a:xfrm flipV="1">
+            <a:off x="8854751" y="1485419"/>
+            <a:ext cx="2333202" cy="568823"/>
+          </a:xfrm>
+          <a:prstGeom prst="straightConnector1">
+            <a:avLst/>
+          </a:prstGeom>
+          <a:ln w="28575">
+            <a:solidFill>
+              <a:srgbClr val="FF0000"/>
+            </a:solidFill>
+            <a:tailEnd type="triangle"/>
+          </a:ln>
+        </p:spPr>
+        <p:style>
+          <a:lnRef idx="2">
+            <a:schemeClr val="accent1"/>
+          </a:lnRef>
+          <a:fillRef idx="0">
+            <a:schemeClr val="accent1"/>
+          </a:fillRef>
+          <a:effectRef idx="1">
+            <a:schemeClr val="accent1"/>
+          </a:effectRef>
+          <a:fontRef idx="minor">
+            <a:schemeClr val="tx1"/>
+          </a:fontRef>
+        </p:style>
+      </p:cxnSp>
+      <p:cxnSp>
+        <p:nvCxnSpPr>
+          <p:cNvPr id="23" name="Straight Arrow Connector 22">
+            <a:extLst>
+              <a:ext uri="{FF2B5EF4-FFF2-40B4-BE49-F238E27FC236}">
+                <a16:creationId xmlns:a16="http://schemas.microsoft.com/office/drawing/2014/main" id="{D7A553C4-5388-B9D3-12D6-C9ACC1F8CF49}"/>
+              </a:ext>
+            </a:extLst>
+          </p:cNvPr>
+          <p:cNvCxnSpPr>
+            <a:cxnSpLocks/>
+          </p:cNvCxnSpPr>
+          <p:nvPr/>
+        </p:nvCxnSpPr>
+        <p:spPr>
+          <a:xfrm>
+            <a:off x="1129004" y="4208086"/>
+            <a:ext cx="2593142" cy="729674"/>
+          </a:xfrm>
+          <a:prstGeom prst="straightConnector1">
+            <a:avLst/>
+          </a:prstGeom>
+          <a:ln w="28575">
+            <a:solidFill>
+              <a:srgbClr val="FF0000"/>
+            </a:solidFill>
+            <a:tailEnd type="triangle"/>
+          </a:ln>
+        </p:spPr>
+        <p:style>
+          <a:lnRef idx="2">
+            <a:schemeClr val="accent1"/>
+          </a:lnRef>
+          <a:fillRef idx="0">
+            <a:schemeClr val="accent1"/>
+          </a:fillRef>
+          <a:effectRef idx="1">
+            <a:schemeClr val="accent1"/>
+          </a:effectRef>
+          <a:fontRef idx="minor">
+            <a:schemeClr val="tx1"/>
+          </a:fontRef>
+        </p:style>
+      </p:cxnSp>
+      <p:cxnSp>
+        <p:nvCxnSpPr>
+          <p:cNvPr id="26" name="Straight Arrow Connector 25">
+            <a:extLst>
+              <a:ext uri="{FF2B5EF4-FFF2-40B4-BE49-F238E27FC236}">
+                <a16:creationId xmlns:a16="http://schemas.microsoft.com/office/drawing/2014/main" id="{2E8D34EE-CA77-10CD-0786-1283AE8879DB}"/>
+              </a:ext>
+            </a:extLst>
+          </p:cNvPr>
+          <p:cNvCxnSpPr>
+            <a:cxnSpLocks/>
+          </p:cNvCxnSpPr>
+          <p:nvPr/>
+        </p:nvCxnSpPr>
+        <p:spPr>
+          <a:xfrm>
+            <a:off x="5045336" y="4208086"/>
+            <a:ext cx="2571078" cy="332563"/>
+          </a:xfrm>
+          <a:prstGeom prst="straightConnector1">
+            <a:avLst/>
+          </a:prstGeom>
+          <a:ln w="28575">
+            <a:solidFill>
+              <a:srgbClr val="FF0000"/>
+            </a:solidFill>
+            <a:tailEnd type="triangle"/>
+          </a:ln>
+        </p:spPr>
+        <p:style>
+          <a:lnRef idx="2">
+            <a:schemeClr val="accent1"/>
+          </a:lnRef>
+          <a:fillRef idx="0">
+            <a:schemeClr val="accent1"/>
+          </a:fillRef>
+          <a:effectRef idx="1">
+            <a:schemeClr val="accent1"/>
+          </a:effectRef>
+          <a:fontRef idx="minor">
+            <a:schemeClr val="tx1"/>
+          </a:fontRef>
+        </p:style>
+      </p:cxnSp>
+      <p:cxnSp>
+        <p:nvCxnSpPr>
+          <p:cNvPr id="31" name="Straight Arrow Connector 30">
+            <a:extLst>
+              <a:ext uri="{FF2B5EF4-FFF2-40B4-BE49-F238E27FC236}">
+                <a16:creationId xmlns:a16="http://schemas.microsoft.com/office/drawing/2014/main" id="{BD57CB56-37F3-526E-7208-399817C723AA}"/>
+              </a:ext>
+            </a:extLst>
+          </p:cNvPr>
+          <p:cNvCxnSpPr>
+            <a:cxnSpLocks/>
+          </p:cNvCxnSpPr>
+          <p:nvPr/>
+        </p:nvCxnSpPr>
+        <p:spPr>
+          <a:xfrm flipV="1">
+            <a:off x="9423699" y="4208086"/>
+            <a:ext cx="1376979" cy="364837"/>
+          </a:xfrm>
+          <a:prstGeom prst="straightConnector1">
+            <a:avLst/>
+          </a:prstGeom>
+          <a:ln w="28575">
+            <a:solidFill>
+              <a:srgbClr val="FF0000"/>
+            </a:solidFill>
+            <a:tailEnd type="triangle"/>
+          </a:ln>
+        </p:spPr>
+        <p:style>
+          <a:lnRef idx="2">
+            <a:schemeClr val="accent1"/>
+          </a:lnRef>
+          <a:fillRef idx="0">
+            <a:schemeClr val="accent1"/>
+          </a:fillRef>
+          <a:effectRef idx="1">
+            <a:schemeClr val="accent1"/>
+          </a:effectRef>
+          <a:fontRef idx="minor">
+            <a:schemeClr val="tx1"/>
+          </a:fontRef>
+        </p:style>
+      </p:cxnSp>
+      <p:sp>
+        <p:nvSpPr>
+          <p:cNvPr id="34" name="TextBox 33">
+            <a:extLst>
+              <a:ext uri="{FF2B5EF4-FFF2-40B4-BE49-F238E27FC236}">
+                <a16:creationId xmlns:a16="http://schemas.microsoft.com/office/drawing/2014/main" id="{279CC838-A0F7-7A8F-4A67-2F514DD27310}"/>
+              </a:ext>
+            </a:extLst>
+          </p:cNvPr>
+          <p:cNvSpPr txBox="1"/>
+          <p:nvPr/>
+        </p:nvSpPr>
+        <p:spPr>
+          <a:xfrm>
+            <a:off x="676465" y="6107131"/>
+            <a:ext cx="3153408" cy="461665"/>
+          </a:xfrm>
+          <a:prstGeom prst="rect">
+            <a:avLst/>
+          </a:prstGeom>
+          <a:noFill/>
+        </p:spPr>
+        <p:txBody>
+          <a:bodyPr wrap="square">
+            <a:spAutoFit/>
+          </a:bodyPr>
+          <a:lstStyle/>
+          <a:p>
+            <a:pPr marL="0" marR="0" lvl="0" indent="0" algn="ctr" defTabSz="914400" rtl="0" eaLnBrk="0" fontAlgn="base" latinLnBrk="0" hangingPunct="0">
+              <a:lnSpc>
+                <a:spcPct val="100000"/>
+              </a:lnSpc>
+              <a:spcBef>
+                <a:spcPct val="0"/>
+              </a:spcBef>
+              <a:spcAft>
+                <a:spcPct val="0"/>
+              </a:spcAft>
+              <a:buClrTx/>
+              <a:buSzTx/>
+              <a:buNone/>
+              <a:tabLst/>
+            </a:pPr>
+            <a:r>
+              <a:rPr kumimoji="0" lang="en-US" altLang="en-US" sz="1200" b="0" i="0" u="none" strike="noStrike" cap="none" normalizeH="0" baseline="0" dirty="0">
+                <a:ln>
+                  <a:noFill/>
+                </a:ln>
+                <a:solidFill>
+                  <a:srgbClr val="0070C0"/>
+                </a:solidFill>
+                <a:effectLst/>
+                <a:latin typeface="Arial" panose="020B0604020202020204" pitchFamily="34" charset="0"/>
+              </a:rPr>
+              <a:t>Employment length and annual income are </a:t>
+            </a:r>
+            <a:r>
+              <a:rPr kumimoji="0" lang="en-US" altLang="en-US" sz="1200" b="1" i="0" u="none" strike="noStrike" cap="none" normalizeH="0" baseline="0" dirty="0">
+                <a:ln>
+                  <a:noFill/>
+                </a:ln>
+                <a:solidFill>
+                  <a:srgbClr val="0070C0"/>
+                </a:solidFill>
+                <a:effectLst/>
+                <a:latin typeface="Arial" panose="020B0604020202020204" pitchFamily="34" charset="0"/>
+              </a:rPr>
+              <a:t>negatively correlated</a:t>
+            </a:r>
+            <a:r>
+              <a:rPr kumimoji="0" lang="en-US" altLang="en-US" sz="1200" b="0" i="0" u="none" strike="noStrike" cap="none" normalizeH="0" baseline="0" dirty="0">
+                <a:ln>
+                  <a:noFill/>
+                </a:ln>
+                <a:solidFill>
+                  <a:srgbClr val="0070C0"/>
+                </a:solidFill>
+                <a:effectLst/>
+                <a:latin typeface="Arial" panose="020B0604020202020204" pitchFamily="34" charset="0"/>
+              </a:rPr>
+              <a:t> with default.</a:t>
+            </a:r>
+          </a:p>
+        </p:txBody>
+      </p:sp>
+      <p:sp>
+        <p:nvSpPr>
+          <p:cNvPr id="35" name="TextBox 34">
+            <a:extLst>
+              <a:ext uri="{FF2B5EF4-FFF2-40B4-BE49-F238E27FC236}">
+                <a16:creationId xmlns:a16="http://schemas.microsoft.com/office/drawing/2014/main" id="{06C06880-69DF-3359-6D35-57D549DE5DE8}"/>
+              </a:ext>
+            </a:extLst>
+          </p:cNvPr>
+          <p:cNvSpPr txBox="1"/>
+          <p:nvPr/>
+        </p:nvSpPr>
+        <p:spPr>
+          <a:xfrm>
+            <a:off x="4457898" y="3212002"/>
+            <a:ext cx="3259000" cy="461665"/>
+          </a:xfrm>
+          <a:prstGeom prst="rect">
+            <a:avLst/>
+          </a:prstGeom>
+          <a:noFill/>
+        </p:spPr>
+        <p:txBody>
+          <a:bodyPr wrap="square">
+            <a:spAutoFit/>
+          </a:bodyPr>
+          <a:lstStyle/>
+          <a:p>
+            <a:pPr marL="0" marR="0" lvl="0" indent="0" algn="ctr" defTabSz="914400" rtl="0" eaLnBrk="0" fontAlgn="base" latinLnBrk="0" hangingPunct="0">
+              <a:lnSpc>
+                <a:spcPct val="100000"/>
+              </a:lnSpc>
+              <a:spcBef>
+                <a:spcPct val="0"/>
+              </a:spcBef>
+              <a:spcAft>
+                <a:spcPct val="0"/>
+              </a:spcAft>
+              <a:buClrTx/>
+              <a:buSzTx/>
+              <a:buNone/>
+              <a:tabLst/>
+            </a:pPr>
+            <a:r>
+              <a:rPr kumimoji="0" lang="en-US" altLang="en-US" sz="1200" b="0" i="0" u="none" strike="noStrike" cap="none" normalizeH="0" baseline="0" dirty="0">
+                <a:ln>
+                  <a:noFill/>
+                </a:ln>
+                <a:solidFill>
+                  <a:srgbClr val="0070C0"/>
+                </a:solidFill>
+                <a:effectLst/>
+                <a:latin typeface="Arial" panose="020B0604020202020204" pitchFamily="34" charset="0"/>
+              </a:rPr>
+              <a:t>Employment length and annual income are </a:t>
+            </a:r>
+            <a:r>
+              <a:rPr kumimoji="0" lang="en-US" altLang="en-US" sz="1200" b="1" i="0" u="none" strike="noStrike" cap="none" normalizeH="0" baseline="0" dirty="0">
+                <a:ln>
+                  <a:noFill/>
+                </a:ln>
+                <a:solidFill>
+                  <a:srgbClr val="0070C0"/>
+                </a:solidFill>
+                <a:effectLst/>
+                <a:latin typeface="Arial" panose="020B0604020202020204" pitchFamily="34" charset="0"/>
+              </a:rPr>
+              <a:t>negatively correlated</a:t>
+            </a:r>
+            <a:r>
+              <a:rPr kumimoji="0" lang="en-US" altLang="en-US" sz="1200" b="0" i="0" u="none" strike="noStrike" cap="none" normalizeH="0" baseline="0" dirty="0">
+                <a:ln>
+                  <a:noFill/>
+                </a:ln>
+                <a:solidFill>
+                  <a:srgbClr val="0070C0"/>
+                </a:solidFill>
+                <a:effectLst/>
+                <a:latin typeface="Arial" panose="020B0604020202020204" pitchFamily="34" charset="0"/>
+              </a:rPr>
+              <a:t> with default.</a:t>
+            </a:r>
+          </a:p>
+        </p:txBody>
+      </p:sp>
+      <p:sp>
+        <p:nvSpPr>
+          <p:cNvPr id="36" name="TextBox 35">
+            <a:extLst>
+              <a:ext uri="{FF2B5EF4-FFF2-40B4-BE49-F238E27FC236}">
+                <a16:creationId xmlns:a16="http://schemas.microsoft.com/office/drawing/2014/main" id="{62DDC6B4-CFB4-E584-CC68-219AA0AEE7C7}"/>
+              </a:ext>
+            </a:extLst>
+          </p:cNvPr>
+          <p:cNvSpPr txBox="1"/>
+          <p:nvPr/>
+        </p:nvSpPr>
+        <p:spPr>
+          <a:xfrm>
+            <a:off x="4457901" y="6118315"/>
+            <a:ext cx="3259000" cy="461665"/>
+          </a:xfrm>
+          <a:prstGeom prst="rect">
+            <a:avLst/>
+          </a:prstGeom>
+          <a:noFill/>
+        </p:spPr>
+        <p:txBody>
+          <a:bodyPr wrap="square">
+            <a:spAutoFit/>
+          </a:bodyPr>
+          <a:lstStyle/>
+          <a:p>
+            <a:pPr marL="0" marR="0" lvl="0" indent="0" algn="ctr" defTabSz="914400" rtl="0" eaLnBrk="0" fontAlgn="base" latinLnBrk="0" hangingPunct="0">
+              <a:lnSpc>
+                <a:spcPct val="100000"/>
+              </a:lnSpc>
+              <a:spcBef>
+                <a:spcPct val="0"/>
+              </a:spcBef>
+              <a:spcAft>
+                <a:spcPct val="0"/>
+              </a:spcAft>
+              <a:buClrTx/>
+              <a:buSzTx/>
+              <a:buNone/>
+              <a:tabLst/>
+            </a:pPr>
+            <a:r>
+              <a:rPr kumimoji="0" lang="en-US" altLang="en-US" sz="1200" b="0" i="0" u="none" strike="noStrike" cap="none" normalizeH="0" baseline="0" dirty="0">
+                <a:ln>
+                  <a:noFill/>
+                </a:ln>
+                <a:solidFill>
+                  <a:srgbClr val="0070C0"/>
+                </a:solidFill>
+                <a:effectLst/>
+                <a:latin typeface="Arial" panose="020B0604020202020204" pitchFamily="34" charset="0"/>
+              </a:rPr>
+              <a:t>Employment length and annual income are </a:t>
+            </a:r>
+            <a:r>
+              <a:rPr kumimoji="0" lang="en-US" altLang="en-US" sz="1200" b="1" i="0" u="none" strike="noStrike" cap="none" normalizeH="0" baseline="0" dirty="0">
+                <a:ln>
+                  <a:noFill/>
+                </a:ln>
+                <a:solidFill>
+                  <a:srgbClr val="0070C0"/>
+                </a:solidFill>
+                <a:effectLst/>
+                <a:latin typeface="Arial" panose="020B0604020202020204" pitchFamily="34" charset="0"/>
+              </a:rPr>
+              <a:t>negatively correlated</a:t>
+            </a:r>
+            <a:r>
+              <a:rPr kumimoji="0" lang="en-US" altLang="en-US" sz="1200" b="0" i="0" u="none" strike="noStrike" cap="none" normalizeH="0" baseline="0" dirty="0">
+                <a:ln>
+                  <a:noFill/>
+                </a:ln>
+                <a:solidFill>
+                  <a:srgbClr val="0070C0"/>
+                </a:solidFill>
+                <a:effectLst/>
+                <a:latin typeface="Arial" panose="020B0604020202020204" pitchFamily="34" charset="0"/>
+              </a:rPr>
+              <a:t> with default.</a:t>
+            </a:r>
+          </a:p>
+        </p:txBody>
+      </p:sp>
+      <p:sp>
+        <p:nvSpPr>
+          <p:cNvPr id="37" name="TextBox 36">
+            <a:extLst>
+              <a:ext uri="{FF2B5EF4-FFF2-40B4-BE49-F238E27FC236}">
+                <a16:creationId xmlns:a16="http://schemas.microsoft.com/office/drawing/2014/main" id="{D128A37A-E3E0-D62B-4756-A301EECC09BE}"/>
+              </a:ext>
+            </a:extLst>
+          </p:cNvPr>
+          <p:cNvSpPr txBox="1"/>
+          <p:nvPr/>
+        </p:nvSpPr>
+        <p:spPr>
+          <a:xfrm>
+            <a:off x="8344920" y="3202650"/>
+            <a:ext cx="3170597" cy="461665"/>
+          </a:xfrm>
+          <a:prstGeom prst="rect">
+            <a:avLst/>
+          </a:prstGeom>
+          <a:noFill/>
+        </p:spPr>
+        <p:txBody>
+          <a:bodyPr wrap="square">
+            <a:spAutoFit/>
+          </a:bodyPr>
+          <a:lstStyle/>
+          <a:p>
+            <a:pPr marL="0" marR="0" lvl="0" indent="0" algn="ctr" defTabSz="914400" rtl="0" eaLnBrk="0" fontAlgn="base" latinLnBrk="0" hangingPunct="0">
+              <a:lnSpc>
+                <a:spcPct val="100000"/>
+              </a:lnSpc>
+              <a:spcBef>
+                <a:spcPct val="0"/>
+              </a:spcBef>
+              <a:spcAft>
+                <a:spcPct val="0"/>
+              </a:spcAft>
+              <a:buClrTx/>
+              <a:buSzTx/>
+              <a:buNone/>
+              <a:tabLst/>
+            </a:pPr>
+            <a:r>
+              <a:rPr kumimoji="0" lang="en-US" altLang="en-US" sz="1200" b="0" i="0" u="none" strike="noStrike" cap="none" normalizeH="0" baseline="0" dirty="0">
+                <a:ln>
+                  <a:noFill/>
+                </a:ln>
+                <a:solidFill>
+                  <a:srgbClr val="0070C0"/>
+                </a:solidFill>
+                <a:effectLst/>
+                <a:latin typeface="Arial" panose="020B0604020202020204" pitchFamily="34" charset="0"/>
+              </a:rPr>
+              <a:t>Employment length and annual income are </a:t>
+            </a:r>
+            <a:r>
+              <a:rPr kumimoji="0" lang="en-US" altLang="en-US" sz="1200" b="1" i="0" u="none" strike="noStrike" cap="none" normalizeH="0" baseline="0" dirty="0">
+                <a:ln>
+                  <a:noFill/>
+                </a:ln>
+                <a:solidFill>
+                  <a:srgbClr val="0070C0"/>
+                </a:solidFill>
+                <a:effectLst/>
+                <a:latin typeface="Arial" panose="020B0604020202020204" pitchFamily="34" charset="0"/>
+              </a:rPr>
+              <a:t>negatively correlated</a:t>
+            </a:r>
+            <a:r>
+              <a:rPr kumimoji="0" lang="en-US" altLang="en-US" sz="1200" b="0" i="0" u="none" strike="noStrike" cap="none" normalizeH="0" baseline="0" dirty="0">
+                <a:ln>
+                  <a:noFill/>
+                </a:ln>
+                <a:solidFill>
+                  <a:srgbClr val="0070C0"/>
+                </a:solidFill>
+                <a:effectLst/>
+                <a:latin typeface="Arial" panose="020B0604020202020204" pitchFamily="34" charset="0"/>
+              </a:rPr>
+              <a:t> with default.</a:t>
+            </a:r>
+          </a:p>
+        </p:txBody>
+      </p:sp>
+      <p:sp>
+        <p:nvSpPr>
+          <p:cNvPr id="38" name="TextBox 37">
+            <a:extLst>
+              <a:ext uri="{FF2B5EF4-FFF2-40B4-BE49-F238E27FC236}">
+                <a16:creationId xmlns:a16="http://schemas.microsoft.com/office/drawing/2014/main" id="{4D603879-D04D-EDA6-A349-7266D7D050FC}"/>
+              </a:ext>
+            </a:extLst>
+          </p:cNvPr>
+          <p:cNvSpPr txBox="1"/>
+          <p:nvPr/>
+        </p:nvSpPr>
+        <p:spPr>
+          <a:xfrm>
+            <a:off x="8344922" y="6107130"/>
+            <a:ext cx="3170597" cy="461665"/>
+          </a:xfrm>
+          <a:prstGeom prst="rect">
+            <a:avLst/>
+          </a:prstGeom>
+          <a:noFill/>
+        </p:spPr>
+        <p:txBody>
+          <a:bodyPr wrap="square">
+            <a:spAutoFit/>
+          </a:bodyPr>
+          <a:lstStyle/>
+          <a:p>
+            <a:pPr marL="0" marR="0" lvl="0" indent="0" algn="ctr" defTabSz="914400" rtl="0" eaLnBrk="0" fontAlgn="base" latinLnBrk="0" hangingPunct="0">
+              <a:lnSpc>
+                <a:spcPct val="100000"/>
+              </a:lnSpc>
+              <a:spcBef>
+                <a:spcPct val="0"/>
+              </a:spcBef>
+              <a:spcAft>
+                <a:spcPct val="0"/>
+              </a:spcAft>
+              <a:buClrTx/>
+              <a:buSzTx/>
+              <a:buNone/>
+              <a:tabLst/>
+            </a:pPr>
+            <a:r>
+              <a:rPr kumimoji="0" lang="en-US" altLang="en-US" sz="1200" b="0" i="0" u="none" strike="noStrike" cap="none" normalizeH="0" baseline="0" dirty="0">
+                <a:ln>
+                  <a:noFill/>
+                </a:ln>
+                <a:solidFill>
+                  <a:srgbClr val="0070C0"/>
+                </a:solidFill>
+                <a:effectLst/>
+                <a:latin typeface="Arial" panose="020B0604020202020204" pitchFamily="34" charset="0"/>
+              </a:rPr>
+              <a:t>Employment length and annual income are </a:t>
+            </a:r>
+            <a:r>
+              <a:rPr kumimoji="0" lang="en-US" altLang="en-US" sz="1200" b="1" i="0" u="none" strike="noStrike" cap="none" normalizeH="0" baseline="0" dirty="0">
+                <a:ln>
+                  <a:noFill/>
+                </a:ln>
+                <a:solidFill>
+                  <a:srgbClr val="0070C0"/>
+                </a:solidFill>
+                <a:effectLst/>
+                <a:latin typeface="Arial" panose="020B0604020202020204" pitchFamily="34" charset="0"/>
+              </a:rPr>
+              <a:t>negatively correlated</a:t>
+            </a:r>
+            <a:r>
+              <a:rPr kumimoji="0" lang="en-US" altLang="en-US" sz="1200" b="0" i="0" u="none" strike="noStrike" cap="none" normalizeH="0" baseline="0" dirty="0">
+                <a:ln>
+                  <a:noFill/>
+                </a:ln>
+                <a:solidFill>
+                  <a:srgbClr val="0070C0"/>
+                </a:solidFill>
+                <a:effectLst/>
+                <a:latin typeface="Arial" panose="020B0604020202020204" pitchFamily="34" charset="0"/>
+              </a:rPr>
+              <a:t> with default.</a:t>
+            </a:r>
           </a:p>
         </p:txBody>
       </p:sp>
@@ -6222,7 +6887,7 @@
 </p:sld>
 </file>
 
-<file path=ppt/slides/slide6.xml><?xml version="1.0" encoding="utf-8"?>
+<file path=ppt/slides/slide5.xml><?xml version="1.0" encoding="utf-8"?>
 <p:sld xmlns:a="http://schemas.openxmlformats.org/drawingml/2006/main" xmlns:r="http://schemas.openxmlformats.org/officeDocument/2006/relationships" xmlns:p="http://schemas.openxmlformats.org/presentationml/2006/main">
   <p:cSld>
     <p:spTree>
@@ -6261,14 +6926,19 @@
             <p:ph type="title"/>
           </p:nvPr>
         </p:nvSpPr>
-        <p:spPr/>
+        <p:spPr>
+          <a:xfrm>
+            <a:off x="838200" y="365126"/>
+            <a:ext cx="10515600" cy="784649"/>
+          </a:xfrm>
+        </p:spPr>
         <p:txBody>
           <a:bodyPr/>
           <a:lstStyle/>
           <a:p>
             <a:r>
               <a:rPr lang="en-US" dirty="0"/>
-              <a:t>Credit Risk Model</a:t>
+              <a:t>Model Performance</a:t>
             </a:r>
           </a:p>
         </p:txBody>
@@ -6289,9 +6959,16 @@
             <p:ph idx="1"/>
           </p:nvPr>
         </p:nvSpPr>
-        <p:spPr/>
-        <p:txBody>
-          <a:bodyPr/>
+        <p:spPr>
+          <a:xfrm>
+            <a:off x="838201" y="3317237"/>
+            <a:ext cx="4564223" cy="545739"/>
+          </a:xfrm>
+        </p:spPr>
+        <p:txBody>
+          <a:bodyPr>
+            <a:normAutofit fontScale="70000" lnSpcReduction="20000"/>
+          </a:bodyPr>
           <a:lstStyle/>
           <a:p>
             <a:pPr marL="0" indent="0">
@@ -6299,20 +6976,8 @@
             </a:pPr>
             <a:r>
               <a:rPr lang="en-US" dirty="0"/>
-              <a:t>Three supervised models were trained on cleaned and engineered features: </a:t>
-            </a:r>
-          </a:p>
-          <a:p>
-            <a:pPr marL="0" indent="0">
-              <a:buNone/>
-            </a:pPr>
-            <a:endParaRPr lang="en-US" dirty="0"/>
-          </a:p>
-          <a:p>
-            <a:pPr marL="0" indent="0">
-              <a:buNone/>
-            </a:pPr>
-            <a:endParaRPr lang="en-US" dirty="0"/>
+              <a:t>Three supervised models were trained on cleaned and engineered features</a:t>
+            </a:r>
           </a:p>
         </p:txBody>
       </p:sp>
@@ -6331,14 +6996,14 @@
           <p:nvPr>
             <p:extLst>
               <p:ext uri="{D42A27DB-BD31-4B8C-83A1-F6EECF244321}">
-                <p14:modId xmlns:p14="http://schemas.microsoft.com/office/powerpoint/2010/main" val="125034424"/>
+                <p14:modId xmlns:p14="http://schemas.microsoft.com/office/powerpoint/2010/main" val="4071301157"/>
               </p:ext>
             </p:extLst>
           </p:nvPr>
         </p:nvGraphicFramePr>
         <p:xfrm>
-          <a:off x="838200" y="2921689"/>
-          <a:ext cx="7083490" cy="1483360"/>
+          <a:off x="923730" y="3914294"/>
+          <a:ext cx="4478693" cy="1483360"/>
         </p:xfrm>
         <a:graphic>
           <a:graphicData uri="http://schemas.openxmlformats.org/drawingml/2006/table">
@@ -6347,38 +7012,31 @@
                 <a:tableStyleId>{5C22544A-7EE6-4342-B048-85BDC9FD1C3A}</a:tableStyleId>
               </a:tblPr>
               <a:tblGrid>
-                <a:gridCol w="2370911">
+                <a:gridCol w="2162286">
                   <a:extLst>
                     <a:ext uri="{9D8B030D-6E8A-4147-A177-3AD203B41FA5}">
                       <a16:colId xmlns:a16="http://schemas.microsoft.com/office/drawing/2014/main" val="316816639"/>
                     </a:ext>
                   </a:extLst>
                 </a:gridCol>
-                <a:gridCol w="793722">
+                <a:gridCol w="769084">
                   <a:extLst>
                     <a:ext uri="{9D8B030D-6E8A-4147-A177-3AD203B41FA5}">
                       <a16:colId xmlns:a16="http://schemas.microsoft.com/office/drawing/2014/main" val="4166317495"/>
                     </a:ext>
                   </a:extLst>
                 </a:gridCol>
-                <a:gridCol w="690465">
+                <a:gridCol w="677526">
                   <a:extLst>
                     <a:ext uri="{9D8B030D-6E8A-4147-A177-3AD203B41FA5}">
                       <a16:colId xmlns:a16="http://schemas.microsoft.com/office/drawing/2014/main" val="2401306007"/>
                     </a:ext>
                   </a:extLst>
                 </a:gridCol>
-                <a:gridCol w="914400">
+                <a:gridCol w="869797">
                   <a:extLst>
                     <a:ext uri="{9D8B030D-6E8A-4147-A177-3AD203B41FA5}">
                       <a16:colId xmlns:a16="http://schemas.microsoft.com/office/drawing/2014/main" val="3609737731"/>
-                    </a:ext>
-                  </a:extLst>
-                </a:gridCol>
-                <a:gridCol w="2313992">
-                  <a:extLst>
-                    <a:ext uri="{9D8B030D-6E8A-4147-A177-3AD203B41FA5}">
-                      <a16:colId xmlns:a16="http://schemas.microsoft.com/office/drawing/2014/main" val="217336101"/>
                     </a:ext>
                   </a:extLst>
                 </a:gridCol>
@@ -6390,7 +7048,7 @@
                     <a:lstStyle/>
                     <a:p>
                       <a:r>
-                        <a:rPr lang="en-US" dirty="0"/>
+                        <a:rPr lang="en-US" sz="1800" dirty="0"/>
                         <a:t>Model</a:t>
                       </a:r>
                     </a:p>
@@ -6402,8 +7060,9 @@
                     <a:bodyPr/>
                     <a:lstStyle/>
                     <a:p>
+                      <a:pPr algn="ctr"/>
                       <a:r>
-                        <a:rPr lang="en-US" dirty="0"/>
+                        <a:rPr lang="en-US" sz="1800" dirty="0"/>
                         <a:t>AUC</a:t>
                       </a:r>
                     </a:p>
@@ -6415,8 +7074,9 @@
                     <a:bodyPr/>
                     <a:lstStyle/>
                     <a:p>
+                      <a:pPr algn="ctr"/>
                       <a:r>
-                        <a:rPr lang="en-US" dirty="0"/>
+                        <a:rPr lang="en-US" sz="1800" dirty="0"/>
                         <a:t>F1</a:t>
                       </a:r>
                     </a:p>
@@ -6428,22 +7088,10 @@
                     <a:bodyPr/>
                     <a:lstStyle/>
                     <a:p>
+                      <a:pPr algn="ctr"/>
                       <a:r>
-                        <a:rPr lang="en-US" dirty="0"/>
+                        <a:rPr lang="en-US" sz="1800" dirty="0"/>
                         <a:t>Recall</a:t>
-                      </a:r>
-                    </a:p>
-                  </a:txBody>
-                  <a:tcPr/>
-                </a:tc>
-                <a:tc>
-                  <a:txBody>
-                    <a:bodyPr/>
-                    <a:lstStyle/>
-                    <a:p>
-                      <a:r>
-                        <a:rPr lang="en-US" dirty="0"/>
-                        <a:t>Comment</a:t>
                       </a:r>
                     </a:p>
                   </a:txBody>
@@ -6462,7 +7110,7 @@
                     <a:lstStyle/>
                     <a:p>
                       <a:r>
-                        <a:rPr lang="en-US" dirty="0"/>
+                        <a:rPr lang="en-US" sz="1800" dirty="0"/>
                         <a:t>Logistic Regression</a:t>
                       </a:r>
                     </a:p>
@@ -6474,7 +7122,11 @@
                     <a:bodyPr/>
                     <a:lstStyle/>
                     <a:p>
-                      <a:endParaRPr lang="en-US"/>
+                      <a:pPr algn="ctr"/>
+                      <a:r>
+                        <a:rPr lang="en-US" sz="1800" b="1" dirty="0"/>
+                        <a:t>0.69</a:t>
+                      </a:r>
                     </a:p>
                   </a:txBody>
                   <a:tcPr/>
@@ -6484,7 +7136,11 @@
                     <a:bodyPr/>
                     <a:lstStyle/>
                     <a:p>
-                      <a:endParaRPr lang="en-US"/>
+                      <a:pPr algn="ctr"/>
+                      <a:r>
+                        <a:rPr lang="en-US" sz="1800" b="1" dirty="0"/>
+                        <a:t>0.32</a:t>
+                      </a:r>
                     </a:p>
                   </a:txBody>
                   <a:tcPr/>
@@ -6494,17 +7150,11 @@
                     <a:bodyPr/>
                     <a:lstStyle/>
                     <a:p>
-                      <a:endParaRPr lang="en-US"/>
-                    </a:p>
-                  </a:txBody>
-                  <a:tcPr/>
-                </a:tc>
-                <a:tc>
-                  <a:txBody>
-                    <a:bodyPr/>
-                    <a:lstStyle/>
-                    <a:p>
-                      <a:endParaRPr lang="en-US"/>
+                      <a:pPr algn="ctr"/>
+                      <a:r>
+                        <a:rPr lang="en-US" sz="1800" b="1" dirty="0"/>
+                        <a:t>0.54</a:t>
+                      </a:r>
                     </a:p>
                   </a:txBody>
                   <a:tcPr/>
@@ -6522,7 +7172,7 @@
                     <a:lstStyle/>
                     <a:p>
                       <a:r>
-                        <a:rPr lang="en-US" dirty="0"/>
+                        <a:rPr lang="en-US" sz="1800" dirty="0"/>
                         <a:t>Random Forest</a:t>
                       </a:r>
                     </a:p>
@@ -6534,7 +7184,11 @@
                     <a:bodyPr/>
                     <a:lstStyle/>
                     <a:p>
-                      <a:endParaRPr lang="en-US"/>
+                      <a:pPr algn="ctr"/>
+                      <a:r>
+                        <a:rPr lang="en-US" sz="1800" dirty="0"/>
+                        <a:t>0.66</a:t>
+                      </a:r>
                     </a:p>
                   </a:txBody>
                   <a:tcPr/>
@@ -6544,7 +7198,11 @@
                     <a:bodyPr/>
                     <a:lstStyle/>
                     <a:p>
-                      <a:endParaRPr lang="en-US"/>
+                      <a:pPr algn="ctr"/>
+                      <a:r>
+                        <a:rPr lang="en-US" sz="1800" dirty="0"/>
+                        <a:t>0.25</a:t>
+                      </a:r>
                     </a:p>
                   </a:txBody>
                   <a:tcPr/>
@@ -6554,17 +7212,11 @@
                     <a:bodyPr/>
                     <a:lstStyle/>
                     <a:p>
-                      <a:endParaRPr lang="en-US"/>
-                    </a:p>
-                  </a:txBody>
-                  <a:tcPr/>
-                </a:tc>
-                <a:tc>
-                  <a:txBody>
-                    <a:bodyPr/>
-                    <a:lstStyle/>
-                    <a:p>
-                      <a:endParaRPr lang="en-US"/>
+                      <a:pPr algn="ctr"/>
+                      <a:r>
+                        <a:rPr lang="en-US" sz="1800" dirty="0"/>
+                        <a:t>0.17</a:t>
+                      </a:r>
                     </a:p>
                   </a:txBody>
                   <a:tcPr/>
@@ -6582,10 +7234,10 @@
                     <a:lstStyle/>
                     <a:p>
                       <a:r>
-                        <a:rPr lang="en-US" dirty="0" err="1"/>
+                        <a:rPr lang="en-US" sz="1800" dirty="0" err="1"/>
                         <a:t>XGBoost</a:t>
                       </a:r>
-                      <a:endParaRPr lang="en-US" dirty="0"/>
+                      <a:endParaRPr lang="en-US" sz="1800" dirty="0"/>
                     </a:p>
                   </a:txBody>
                   <a:tcPr/>
@@ -6595,7 +7247,11 @@
                     <a:bodyPr/>
                     <a:lstStyle/>
                     <a:p>
-                      <a:endParaRPr lang="en-US"/>
+                      <a:pPr algn="ctr"/>
+                      <a:r>
+                        <a:rPr lang="en-US" sz="1800" dirty="0"/>
+                        <a:t>0.69</a:t>
+                      </a:r>
                     </a:p>
                   </a:txBody>
                   <a:tcPr/>
@@ -6605,7 +7261,11 @@
                     <a:bodyPr/>
                     <a:lstStyle/>
                     <a:p>
-                      <a:endParaRPr lang="en-US"/>
+                      <a:pPr algn="ctr"/>
+                      <a:r>
+                        <a:rPr lang="en-US" sz="1800" dirty="0"/>
+                        <a:t>0.15</a:t>
+                      </a:r>
                     </a:p>
                   </a:txBody>
                   <a:tcPr/>
@@ -6615,17 +7275,11 @@
                     <a:bodyPr/>
                     <a:lstStyle/>
                     <a:p>
-                      <a:endParaRPr lang="en-US" dirty="0"/>
-                    </a:p>
-                  </a:txBody>
-                  <a:tcPr/>
-                </a:tc>
-                <a:tc>
-                  <a:txBody>
-                    <a:bodyPr/>
-                    <a:lstStyle/>
-                    <a:p>
-                      <a:endParaRPr lang="en-US" dirty="0"/>
+                      <a:pPr algn="ctr"/>
+                      <a:r>
+                        <a:rPr lang="en-US" sz="1800" dirty="0"/>
+                        <a:t>0.08</a:t>
+                      </a:r>
                     </a:p>
                   </a:txBody>
                   <a:tcPr/>
@@ -6640,10 +7294,513 @@
           </a:graphicData>
         </a:graphic>
       </p:graphicFrame>
+      <p:pic>
+        <p:nvPicPr>
+          <p:cNvPr id="5" name="Picture 4">
+            <a:extLst>
+              <a:ext uri="{FF2B5EF4-FFF2-40B4-BE49-F238E27FC236}">
+                <a16:creationId xmlns:a16="http://schemas.microsoft.com/office/drawing/2014/main" id="{287E979D-6BE1-9C5F-8B00-76722BDAB935}"/>
+              </a:ext>
+            </a:extLst>
+          </p:cNvPr>
+          <p:cNvPicPr>
+            <a:picLocks noChangeAspect="1"/>
+          </p:cNvPicPr>
+          <p:nvPr/>
+        </p:nvPicPr>
+        <p:blipFill>
+          <a:blip r:embed="rId2"/>
+          <a:stretch>
+            <a:fillRect/>
+          </a:stretch>
+        </p:blipFill>
+        <p:spPr>
+          <a:xfrm>
+            <a:off x="5754807" y="2677885"/>
+            <a:ext cx="5598993" cy="3396343"/>
+          </a:xfrm>
+          <a:prstGeom prst="rect">
+            <a:avLst/>
+          </a:prstGeom>
+        </p:spPr>
+      </p:pic>
+      <p:sp>
+        <p:nvSpPr>
+          <p:cNvPr id="7" name="Content Placeholder 2">
+            <a:extLst>
+              <a:ext uri="{FF2B5EF4-FFF2-40B4-BE49-F238E27FC236}">
+                <a16:creationId xmlns:a16="http://schemas.microsoft.com/office/drawing/2014/main" id="{BF83C2C1-F139-3A4C-FFFA-E0085090F748}"/>
+              </a:ext>
+            </a:extLst>
+          </p:cNvPr>
+          <p:cNvSpPr txBox="1">
+            <a:spLocks/>
+          </p:cNvSpPr>
+          <p:nvPr/>
+        </p:nvSpPr>
+        <p:spPr>
+          <a:xfrm>
+            <a:off x="838200" y="1319539"/>
+            <a:ext cx="10515600" cy="1188582"/>
+          </a:xfrm>
+          <a:prstGeom prst="rect">
+            <a:avLst/>
+          </a:prstGeom>
+        </p:spPr>
+        <p:txBody>
+          <a:bodyPr vert="horz" lIns="91440" tIns="45720" rIns="91440" bIns="45720" rtlCol="0">
+            <a:normAutofit lnSpcReduction="10000"/>
+          </a:bodyPr>
+          <a:lstStyle>
+            <a:lvl1pPr marL="228594" indent="-228594" algn="l" defTabSz="914377" rtl="0" eaLnBrk="1" latinLnBrk="0" hangingPunct="1">
+              <a:lnSpc>
+                <a:spcPct val="90000"/>
+              </a:lnSpc>
+              <a:spcBef>
+                <a:spcPts val="1000"/>
+              </a:spcBef>
+              <a:buFont typeface="Arial" panose="020B0604020202020204" pitchFamily="34" charset="0"/>
+              <a:buChar char="•"/>
+              <a:defRPr sz="2800" kern="1200">
+                <a:solidFill>
+                  <a:schemeClr val="tx1"/>
+                </a:solidFill>
+                <a:latin typeface="+mn-lt"/>
+                <a:ea typeface="+mn-ea"/>
+                <a:cs typeface="+mn-cs"/>
+              </a:defRPr>
+            </a:lvl1pPr>
+            <a:lvl2pPr marL="685783" indent="-228594" algn="l" defTabSz="914377" rtl="0" eaLnBrk="1" latinLnBrk="0" hangingPunct="1">
+              <a:lnSpc>
+                <a:spcPct val="90000"/>
+              </a:lnSpc>
+              <a:spcBef>
+                <a:spcPts val="500"/>
+              </a:spcBef>
+              <a:buFont typeface="Arial" panose="020B0604020202020204" pitchFamily="34" charset="0"/>
+              <a:buChar char="•"/>
+              <a:defRPr sz="2400" kern="1200">
+                <a:solidFill>
+                  <a:schemeClr val="tx1"/>
+                </a:solidFill>
+                <a:latin typeface="+mn-lt"/>
+                <a:ea typeface="+mn-ea"/>
+                <a:cs typeface="+mn-cs"/>
+              </a:defRPr>
+            </a:lvl2pPr>
+            <a:lvl3pPr marL="1142971" indent="-228594" algn="l" defTabSz="914377" rtl="0" eaLnBrk="1" latinLnBrk="0" hangingPunct="1">
+              <a:lnSpc>
+                <a:spcPct val="90000"/>
+              </a:lnSpc>
+              <a:spcBef>
+                <a:spcPts val="500"/>
+              </a:spcBef>
+              <a:buFont typeface="Arial" panose="020B0604020202020204" pitchFamily="34" charset="0"/>
+              <a:buChar char="•"/>
+              <a:defRPr sz="2000" kern="1200">
+                <a:solidFill>
+                  <a:schemeClr val="tx1"/>
+                </a:solidFill>
+                <a:latin typeface="+mn-lt"/>
+                <a:ea typeface="+mn-ea"/>
+                <a:cs typeface="+mn-cs"/>
+              </a:defRPr>
+            </a:lvl3pPr>
+            <a:lvl4pPr marL="1600160" indent="-228594" algn="l" defTabSz="914377" rtl="0" eaLnBrk="1" latinLnBrk="0" hangingPunct="1">
+              <a:lnSpc>
+                <a:spcPct val="90000"/>
+              </a:lnSpc>
+              <a:spcBef>
+                <a:spcPts val="500"/>
+              </a:spcBef>
+              <a:buFont typeface="Arial" panose="020B0604020202020204" pitchFamily="34" charset="0"/>
+              <a:buChar char="•"/>
+              <a:defRPr sz="1800" kern="1200">
+                <a:solidFill>
+                  <a:schemeClr val="tx1"/>
+                </a:solidFill>
+                <a:latin typeface="+mn-lt"/>
+                <a:ea typeface="+mn-ea"/>
+                <a:cs typeface="+mn-cs"/>
+              </a:defRPr>
+            </a:lvl4pPr>
+            <a:lvl5pPr marL="2057349" indent="-228594" algn="l" defTabSz="914377" rtl="0" eaLnBrk="1" latinLnBrk="0" hangingPunct="1">
+              <a:lnSpc>
+                <a:spcPct val="90000"/>
+              </a:lnSpc>
+              <a:spcBef>
+                <a:spcPts val="500"/>
+              </a:spcBef>
+              <a:buFont typeface="Arial" panose="020B0604020202020204" pitchFamily="34" charset="0"/>
+              <a:buChar char="•"/>
+              <a:defRPr sz="1800" kern="1200">
+                <a:solidFill>
+                  <a:schemeClr val="tx1"/>
+                </a:solidFill>
+                <a:latin typeface="+mn-lt"/>
+                <a:ea typeface="+mn-ea"/>
+                <a:cs typeface="+mn-cs"/>
+              </a:defRPr>
+            </a:lvl5pPr>
+            <a:lvl6pPr marL="2514537" indent="-228594" algn="l" defTabSz="914377" rtl="0" eaLnBrk="1" latinLnBrk="0" hangingPunct="1">
+              <a:lnSpc>
+                <a:spcPct val="90000"/>
+              </a:lnSpc>
+              <a:spcBef>
+                <a:spcPts val="500"/>
+              </a:spcBef>
+              <a:buFont typeface="Arial" panose="020B0604020202020204" pitchFamily="34" charset="0"/>
+              <a:buChar char="•"/>
+              <a:defRPr sz="1800" kern="1200">
+                <a:solidFill>
+                  <a:schemeClr val="tx1"/>
+                </a:solidFill>
+                <a:latin typeface="+mn-lt"/>
+                <a:ea typeface="+mn-ea"/>
+                <a:cs typeface="+mn-cs"/>
+              </a:defRPr>
+            </a:lvl6pPr>
+            <a:lvl7pPr marL="2971726" indent="-228594" algn="l" defTabSz="914377" rtl="0" eaLnBrk="1" latinLnBrk="0" hangingPunct="1">
+              <a:lnSpc>
+                <a:spcPct val="90000"/>
+              </a:lnSpc>
+              <a:spcBef>
+                <a:spcPts val="500"/>
+              </a:spcBef>
+              <a:buFont typeface="Arial" panose="020B0604020202020204" pitchFamily="34" charset="0"/>
+              <a:buChar char="•"/>
+              <a:defRPr sz="1800" kern="1200">
+                <a:solidFill>
+                  <a:schemeClr val="tx1"/>
+                </a:solidFill>
+                <a:latin typeface="+mn-lt"/>
+                <a:ea typeface="+mn-ea"/>
+                <a:cs typeface="+mn-cs"/>
+              </a:defRPr>
+            </a:lvl7pPr>
+            <a:lvl8pPr marL="3428914" indent="-228594" algn="l" defTabSz="914377" rtl="0" eaLnBrk="1" latinLnBrk="0" hangingPunct="1">
+              <a:lnSpc>
+                <a:spcPct val="90000"/>
+              </a:lnSpc>
+              <a:spcBef>
+                <a:spcPts val="500"/>
+              </a:spcBef>
+              <a:buFont typeface="Arial" panose="020B0604020202020204" pitchFamily="34" charset="0"/>
+              <a:buChar char="•"/>
+              <a:defRPr sz="1800" kern="1200">
+                <a:solidFill>
+                  <a:schemeClr val="tx1"/>
+                </a:solidFill>
+                <a:latin typeface="+mn-lt"/>
+                <a:ea typeface="+mn-ea"/>
+                <a:cs typeface="+mn-cs"/>
+              </a:defRPr>
+            </a:lvl8pPr>
+            <a:lvl9pPr marL="3886103" indent="-228594" algn="l" defTabSz="914377" rtl="0" eaLnBrk="1" latinLnBrk="0" hangingPunct="1">
+              <a:lnSpc>
+                <a:spcPct val="90000"/>
+              </a:lnSpc>
+              <a:spcBef>
+                <a:spcPts val="500"/>
+              </a:spcBef>
+              <a:buFont typeface="Arial" panose="020B0604020202020204" pitchFamily="34" charset="0"/>
+              <a:buChar char="•"/>
+              <a:defRPr sz="1800" kern="1200">
+                <a:solidFill>
+                  <a:schemeClr val="tx1"/>
+                </a:solidFill>
+                <a:latin typeface="+mn-lt"/>
+                <a:ea typeface="+mn-ea"/>
+                <a:cs typeface="+mn-cs"/>
+              </a:defRPr>
+            </a:lvl9pPr>
+          </a:lstStyle>
+          <a:p>
+            <a:pPr marL="0" indent="0">
+              <a:buNone/>
+            </a:pPr>
+            <a:r>
+              <a:rPr lang="en-US" b="1" dirty="0"/>
+              <a:t>Credit Risk Modeling</a:t>
+            </a:r>
+            <a:r>
+              <a:rPr lang="en-US" dirty="0"/>
+              <a:t> helps maximize profitability by predicting loan defaults, enabling smarter approvals, risk-based pricing, and optimized capital allocation.</a:t>
+            </a:r>
+          </a:p>
+        </p:txBody>
+      </p:sp>
     </p:spTree>
     <p:extLst>
       <p:ext uri="{BB962C8B-B14F-4D97-AF65-F5344CB8AC3E}">
         <p14:creationId xmlns:p14="http://schemas.microsoft.com/office/powerpoint/2010/main" val="3438977983"/>
+      </p:ext>
+    </p:extLst>
+  </p:cSld>
+  <p:clrMapOvr>
+    <a:masterClrMapping/>
+  </p:clrMapOvr>
+</p:sld>
+</file>
+
+<file path=ppt/slides/slide6.xml><?xml version="1.0" encoding="utf-8"?>
+<p:sld xmlns:a="http://schemas.openxmlformats.org/drawingml/2006/main" xmlns:r="http://schemas.openxmlformats.org/officeDocument/2006/relationships" xmlns:p="http://schemas.openxmlformats.org/presentationml/2006/main">
+  <p:cSld>
+    <p:spTree>
+      <p:nvGrpSpPr>
+        <p:cNvPr id="1" name=""/>
+        <p:cNvGrpSpPr/>
+        <p:nvPr/>
+      </p:nvGrpSpPr>
+      <p:grpSpPr>
+        <a:xfrm>
+          <a:off x="0" y="0"/>
+          <a:ext cx="0" cy="0"/>
+          <a:chOff x="0" y="0"/>
+          <a:chExt cx="0" cy="0"/>
+        </a:xfrm>
+      </p:grpSpPr>
+      <p:sp>
+        <p:nvSpPr>
+          <p:cNvPr id="2" name="Title 1">
+            <a:extLst>
+              <a:ext uri="{FF2B5EF4-FFF2-40B4-BE49-F238E27FC236}">
+                <a16:creationId xmlns:a16="http://schemas.microsoft.com/office/drawing/2014/main" id="{A1BCC0F1-C14C-46BE-9E0A-F278C8652E68}"/>
+              </a:ext>
+            </a:extLst>
+          </p:cNvPr>
+          <p:cNvSpPr>
+            <a:spLocks noGrp="1"/>
+          </p:cNvSpPr>
+          <p:nvPr>
+            <p:ph type="title"/>
+          </p:nvPr>
+        </p:nvSpPr>
+        <p:spPr>
+          <a:xfrm>
+            <a:off x="838200" y="365126"/>
+            <a:ext cx="10515600" cy="745217"/>
+          </a:xfrm>
+        </p:spPr>
+        <p:txBody>
+          <a:bodyPr/>
+          <a:lstStyle/>
+          <a:p>
+            <a:r>
+              <a:rPr lang="en-US" dirty="0"/>
+              <a:t>Executive Summary</a:t>
+            </a:r>
+          </a:p>
+        </p:txBody>
+      </p:sp>
+      <p:sp>
+        <p:nvSpPr>
+          <p:cNvPr id="3" name="Content Placeholder 2">
+            <a:extLst>
+              <a:ext uri="{FF2B5EF4-FFF2-40B4-BE49-F238E27FC236}">
+                <a16:creationId xmlns:a16="http://schemas.microsoft.com/office/drawing/2014/main" id="{3640A109-967C-0FFF-E750-EBEB454A4A1A}"/>
+              </a:ext>
+            </a:extLst>
+          </p:cNvPr>
+          <p:cNvSpPr>
+            <a:spLocks noGrp="1"/>
+          </p:cNvSpPr>
+          <p:nvPr>
+            <p:ph sz="half" idx="1"/>
+          </p:nvPr>
+        </p:nvSpPr>
+        <p:spPr/>
+        <p:txBody>
+          <a:bodyPr>
+            <a:normAutofit/>
+          </a:bodyPr>
+          <a:lstStyle/>
+          <a:p>
+            <a:r>
+              <a:rPr lang="en-US" sz="2400" dirty="0"/>
+              <a:t>Segment applicants </a:t>
+            </a:r>
+            <a:br>
+              <a:rPr lang="en-US" sz="2400" dirty="0"/>
+            </a:br>
+            <a:r>
+              <a:rPr lang="en-US" sz="2400" dirty="0"/>
+              <a:t>(target low-risk: high income, low </a:t>
+            </a:r>
+            <a:r>
+              <a:rPr lang="en-US" sz="2400" dirty="0" err="1"/>
+              <a:t>revol_util</a:t>
+            </a:r>
+            <a:r>
+              <a:rPr lang="en-US" sz="2400" dirty="0"/>
+              <a:t>, low DTI)</a:t>
+            </a:r>
+          </a:p>
+          <a:p>
+            <a:r>
+              <a:rPr lang="en-US" sz="2400" dirty="0"/>
+              <a:t>Apply risk-based pricing: higher rates for higher predicted default probability.</a:t>
+            </a:r>
+          </a:p>
+          <a:p>
+            <a:r>
+              <a:rPr lang="en-US" sz="2400" dirty="0"/>
+              <a:t>Offer investor 'top safe loans' filter to improve returns.</a:t>
+            </a:r>
+          </a:p>
+          <a:p>
+            <a:r>
+              <a:rPr lang="en-US" sz="2400" dirty="0"/>
+              <a:t>Monitor fairness, performance drift; retrain quarterly.</a:t>
+            </a:r>
+          </a:p>
+        </p:txBody>
+      </p:sp>
+      <p:sp>
+        <p:nvSpPr>
+          <p:cNvPr id="4" name="Content Placeholder 3">
+            <a:extLst>
+              <a:ext uri="{FF2B5EF4-FFF2-40B4-BE49-F238E27FC236}">
+                <a16:creationId xmlns:a16="http://schemas.microsoft.com/office/drawing/2014/main" id="{CCDDCF74-5F47-F190-B1C9-F94A39D2681A}"/>
+              </a:ext>
+            </a:extLst>
+          </p:cNvPr>
+          <p:cNvSpPr>
+            <a:spLocks noGrp="1"/>
+          </p:cNvSpPr>
+          <p:nvPr>
+            <p:ph sz="half" idx="2"/>
+          </p:nvPr>
+        </p:nvSpPr>
+        <p:spPr/>
+        <p:txBody>
+          <a:bodyPr>
+            <a:normAutofit/>
+          </a:bodyPr>
+          <a:lstStyle/>
+          <a:p>
+            <a:r>
+              <a:rPr lang="en-US" sz="2400" dirty="0"/>
+              <a:t>Segment applicants </a:t>
+            </a:r>
+            <a:br>
+              <a:rPr lang="en-US" sz="2400" dirty="0"/>
+            </a:br>
+            <a:r>
+              <a:rPr lang="en-US" sz="2400" dirty="0"/>
+              <a:t>(target low-risk: high income, low </a:t>
+            </a:r>
+            <a:r>
+              <a:rPr lang="en-US" sz="2400" dirty="0" err="1"/>
+              <a:t>revol_util</a:t>
+            </a:r>
+            <a:r>
+              <a:rPr lang="en-US" sz="2400" dirty="0"/>
+              <a:t>, low DTI)</a:t>
+            </a:r>
+          </a:p>
+          <a:p>
+            <a:r>
+              <a:rPr lang="en-US" sz="2400" dirty="0"/>
+              <a:t>Apply risk-based pricing: higher rates for higher predicted default probability.</a:t>
+            </a:r>
+          </a:p>
+          <a:p>
+            <a:r>
+              <a:rPr lang="en-US" sz="2400" dirty="0"/>
+              <a:t>Offer investor 'top safe loans' filter to improve returns.</a:t>
+            </a:r>
+          </a:p>
+          <a:p>
+            <a:r>
+              <a:rPr lang="en-US" sz="2400" dirty="0"/>
+              <a:t>Monitor fairness, performance drift; retrain quarterly.</a:t>
+            </a:r>
+          </a:p>
+        </p:txBody>
+      </p:sp>
+      <p:sp>
+        <p:nvSpPr>
+          <p:cNvPr id="6" name="TextBox 5">
+            <a:extLst>
+              <a:ext uri="{FF2B5EF4-FFF2-40B4-BE49-F238E27FC236}">
+                <a16:creationId xmlns:a16="http://schemas.microsoft.com/office/drawing/2014/main" id="{83262438-3CB5-93D1-4DAC-06FE1AD73140}"/>
+              </a:ext>
+            </a:extLst>
+          </p:cNvPr>
+          <p:cNvSpPr txBox="1"/>
+          <p:nvPr/>
+        </p:nvSpPr>
+        <p:spPr>
+          <a:xfrm>
+            <a:off x="838200" y="1206374"/>
+            <a:ext cx="5181600" cy="523220"/>
+          </a:xfrm>
+          <a:prstGeom prst="rect">
+            <a:avLst/>
+          </a:prstGeom>
+          <a:noFill/>
+        </p:spPr>
+        <p:txBody>
+          <a:bodyPr wrap="square">
+            <a:spAutoFit/>
+          </a:bodyPr>
+          <a:lstStyle/>
+          <a:p>
+            <a:r>
+              <a:rPr lang="en-US" sz="2800" b="1" dirty="0">
+                <a:solidFill>
+                  <a:srgbClr val="0070C0"/>
+                </a:solidFill>
+              </a:rPr>
+              <a:t>Business Recommendation(s)</a:t>
+            </a:r>
+          </a:p>
+        </p:txBody>
+      </p:sp>
+      <p:sp>
+        <p:nvSpPr>
+          <p:cNvPr id="7" name="TextBox 6">
+            <a:extLst>
+              <a:ext uri="{FF2B5EF4-FFF2-40B4-BE49-F238E27FC236}">
+                <a16:creationId xmlns:a16="http://schemas.microsoft.com/office/drawing/2014/main" id="{F49AB288-E1DD-4622-ABB7-39FB2923CB74}"/>
+              </a:ext>
+            </a:extLst>
+          </p:cNvPr>
+          <p:cNvSpPr txBox="1"/>
+          <p:nvPr/>
+        </p:nvSpPr>
+        <p:spPr>
+          <a:xfrm>
+            <a:off x="6172200" y="1206374"/>
+            <a:ext cx="5181600" cy="523220"/>
+          </a:xfrm>
+          <a:prstGeom prst="rect">
+            <a:avLst/>
+          </a:prstGeom>
+          <a:noFill/>
+        </p:spPr>
+        <p:txBody>
+          <a:bodyPr wrap="square">
+            <a:spAutoFit/>
+          </a:bodyPr>
+          <a:lstStyle/>
+          <a:p>
+            <a:r>
+              <a:rPr lang="en-US" sz="2800" b="1" dirty="0">
+                <a:solidFill>
+                  <a:srgbClr val="0070C0"/>
+                </a:solidFill>
+              </a:rPr>
+              <a:t>Next Step(s)</a:t>
+            </a:r>
+          </a:p>
+        </p:txBody>
+      </p:sp>
+    </p:spTree>
+    <p:extLst>
+      <p:ext uri="{BB962C8B-B14F-4D97-AF65-F5344CB8AC3E}">
+        <p14:creationId xmlns:p14="http://schemas.microsoft.com/office/powerpoint/2010/main" val="1742895480"/>
       </p:ext>
     </p:extLst>
   </p:cSld>
@@ -6672,10 +7829,10 @@
       </p:grpSpPr>
       <p:sp>
         <p:nvSpPr>
-          <p:cNvPr id="2" name="Title 1">
-            <a:extLst>
-              <a:ext uri="{FF2B5EF4-FFF2-40B4-BE49-F238E27FC236}">
-                <a16:creationId xmlns:a16="http://schemas.microsoft.com/office/drawing/2014/main" id="{A1BCC0F1-C14C-46BE-9E0A-F278C8652E68}"/>
+          <p:cNvPr id="3" name="Content Placeholder 2">
+            <a:extLst>
+              <a:ext uri="{FF2B5EF4-FFF2-40B4-BE49-F238E27FC236}">
+                <a16:creationId xmlns:a16="http://schemas.microsoft.com/office/drawing/2014/main" id="{7B678A63-D518-446E-7A99-BD6B6A0E5662}"/>
               </a:ext>
             </a:extLst>
           </p:cNvPr>
@@ -6683,75 +7840,39 @@
             <a:spLocks noGrp="1"/>
           </p:cNvSpPr>
           <p:nvPr>
-            <p:ph type="title"/>
-          </p:nvPr>
-        </p:nvSpPr>
-        <p:spPr/>
-        <p:txBody>
-          <a:bodyPr/>
-          <a:lstStyle/>
-          <a:p>
-            <a:r>
-              <a:rPr lang="en-US" dirty="0"/>
-              <a:t>Model Performance</a:t>
-            </a:r>
-          </a:p>
-        </p:txBody>
-      </p:sp>
-      <p:sp>
-        <p:nvSpPr>
-          <p:cNvPr id="3" name="Content Placeholder 2">
-            <a:extLst>
-              <a:ext uri="{FF2B5EF4-FFF2-40B4-BE49-F238E27FC236}">
-                <a16:creationId xmlns:a16="http://schemas.microsoft.com/office/drawing/2014/main" id="{3640A109-967C-0FFF-E750-EBEB454A4A1A}"/>
-              </a:ext>
-            </a:extLst>
-          </p:cNvPr>
-          <p:cNvSpPr>
-            <a:spLocks noGrp="1"/>
-          </p:cNvSpPr>
-          <p:nvPr>
-            <p:ph sz="half" idx="1"/>
-          </p:nvPr>
-        </p:nvSpPr>
-        <p:spPr/>
-        <p:txBody>
-          <a:bodyPr/>
-          <a:lstStyle/>
-          <a:p>
-            <a:endParaRPr lang="en-US"/>
-          </a:p>
-        </p:txBody>
-      </p:sp>
-      <p:sp>
-        <p:nvSpPr>
-          <p:cNvPr id="4" name="Content Placeholder 3">
-            <a:extLst>
-              <a:ext uri="{FF2B5EF4-FFF2-40B4-BE49-F238E27FC236}">
-                <a16:creationId xmlns:a16="http://schemas.microsoft.com/office/drawing/2014/main" id="{CCDDCF74-5F47-F190-B1C9-F94A39D2681A}"/>
-              </a:ext>
-            </a:extLst>
-          </p:cNvPr>
-          <p:cNvSpPr>
-            <a:spLocks noGrp="1"/>
-          </p:cNvSpPr>
-          <p:nvPr>
-            <p:ph sz="half" idx="2"/>
-          </p:nvPr>
-        </p:nvSpPr>
-        <p:spPr/>
-        <p:txBody>
-          <a:bodyPr/>
-          <a:lstStyle/>
-          <a:p>
-            <a:endParaRPr lang="en-US"/>
+            <p:ph idx="1"/>
+          </p:nvPr>
+        </p:nvSpPr>
+        <p:spPr>
+          <a:xfrm>
+            <a:off x="4649754" y="2791788"/>
+            <a:ext cx="2892491" cy="1274423"/>
+          </a:xfrm>
+        </p:spPr>
+        <p:txBody>
+          <a:bodyPr>
+            <a:noAutofit/>
+          </a:bodyPr>
+          <a:lstStyle/>
+          <a:p>
+            <a:pPr marL="0" indent="0" algn="ctr">
+              <a:buNone/>
+            </a:pPr>
+            <a:r>
+              <a:rPr lang="en-US" sz="9600" b="1" dirty="0">
+                <a:solidFill>
+                  <a:srgbClr val="0070C0"/>
+                </a:solidFill>
+              </a:rPr>
+              <a:t>Q&amp;A</a:t>
+            </a:r>
           </a:p>
         </p:txBody>
       </p:sp>
     </p:spTree>
     <p:extLst>
       <p:ext uri="{BB962C8B-B14F-4D97-AF65-F5344CB8AC3E}">
-        <p14:creationId xmlns:p14="http://schemas.microsoft.com/office/powerpoint/2010/main" val="1742895480"/>
+        <p14:creationId xmlns:p14="http://schemas.microsoft.com/office/powerpoint/2010/main" val="1503415575"/>
       </p:ext>
     </p:extLst>
   </p:cSld>

--- a/LendingClubAnalysis.pptx
+++ b/LendingClubAnalysis.pptx
@@ -118,6 +118,6804 @@
 </p:presentation>
 </file>
 
+<file path=ppt/diagrams/colors1.xml><?xml version="1.0" encoding="utf-8"?>
+<dgm:colorsDef xmlns:dgm="http://schemas.openxmlformats.org/drawingml/2006/diagram" xmlns:a="http://schemas.openxmlformats.org/drawingml/2006/main" uniqueId="urn:microsoft.com/office/officeart/2005/8/colors/accent1_2">
+  <dgm:title val=""/>
+  <dgm:desc val=""/>
+  <dgm:catLst>
+    <dgm:cat type="accent1" pri="11200"/>
+  </dgm:catLst>
+  <dgm:styleLbl name="node0">
+    <dgm:fillClrLst meth="repeat">
+      <a:schemeClr val="accent1"/>
+    </dgm:fillClrLst>
+    <dgm:linClrLst meth="repeat">
+      <a:schemeClr val="lt1"/>
+    </dgm:linClrLst>
+    <dgm:effectClrLst/>
+    <dgm:txLinClrLst/>
+    <dgm:txFillClrLst/>
+    <dgm:txEffectClrLst/>
+  </dgm:styleLbl>
+  <dgm:styleLbl name="alignNode1">
+    <dgm:fillClrLst meth="repeat">
+      <a:schemeClr val="accent1"/>
+    </dgm:fillClrLst>
+    <dgm:linClrLst meth="repeat">
+      <a:schemeClr val="accent1"/>
+    </dgm:linClrLst>
+    <dgm:effectClrLst/>
+    <dgm:txLinClrLst/>
+    <dgm:txFillClrLst/>
+    <dgm:txEffectClrLst/>
+  </dgm:styleLbl>
+  <dgm:styleLbl name="node1">
+    <dgm:fillClrLst meth="repeat">
+      <a:schemeClr val="accent1"/>
+    </dgm:fillClrLst>
+    <dgm:linClrLst meth="repeat">
+      <a:schemeClr val="lt1"/>
+    </dgm:linClrLst>
+    <dgm:effectClrLst/>
+    <dgm:txLinClrLst/>
+    <dgm:txFillClrLst/>
+    <dgm:txEffectClrLst/>
+  </dgm:styleLbl>
+  <dgm:styleLbl name="lnNode1">
+    <dgm:fillClrLst meth="repeat">
+      <a:schemeClr val="accent1"/>
+    </dgm:fillClrLst>
+    <dgm:linClrLst meth="repeat">
+      <a:schemeClr val="lt1"/>
+    </dgm:linClrLst>
+    <dgm:effectClrLst/>
+    <dgm:txLinClrLst/>
+    <dgm:txFillClrLst/>
+    <dgm:txEffectClrLst/>
+  </dgm:styleLbl>
+  <dgm:styleLbl name="vennNode1">
+    <dgm:fillClrLst meth="repeat">
+      <a:schemeClr val="accent1">
+        <a:alpha val="50000"/>
+      </a:schemeClr>
+    </dgm:fillClrLst>
+    <dgm:linClrLst meth="repeat">
+      <a:schemeClr val="lt1"/>
+    </dgm:linClrLst>
+    <dgm:effectClrLst/>
+    <dgm:txLinClrLst/>
+    <dgm:txFillClrLst/>
+    <dgm:txEffectClrLst/>
+  </dgm:styleLbl>
+  <dgm:styleLbl name="node2">
+    <dgm:fillClrLst meth="repeat">
+      <a:schemeClr val="accent1"/>
+    </dgm:fillClrLst>
+    <dgm:linClrLst meth="repeat">
+      <a:schemeClr val="lt1"/>
+    </dgm:linClrLst>
+    <dgm:effectClrLst/>
+    <dgm:txLinClrLst/>
+    <dgm:txFillClrLst/>
+    <dgm:txEffectClrLst/>
+  </dgm:styleLbl>
+  <dgm:styleLbl name="node3">
+    <dgm:fillClrLst meth="repeat">
+      <a:schemeClr val="accent1"/>
+    </dgm:fillClrLst>
+    <dgm:linClrLst meth="repeat">
+      <a:schemeClr val="lt1"/>
+    </dgm:linClrLst>
+    <dgm:effectClrLst/>
+    <dgm:txLinClrLst/>
+    <dgm:txFillClrLst/>
+    <dgm:txEffectClrLst/>
+  </dgm:styleLbl>
+  <dgm:styleLbl name="node4">
+    <dgm:fillClrLst meth="repeat">
+      <a:schemeClr val="accent1"/>
+    </dgm:fillClrLst>
+    <dgm:linClrLst meth="repeat">
+      <a:schemeClr val="lt1"/>
+    </dgm:linClrLst>
+    <dgm:effectClrLst/>
+    <dgm:txLinClrLst/>
+    <dgm:txFillClrLst/>
+    <dgm:txEffectClrLst/>
+  </dgm:styleLbl>
+  <dgm:styleLbl name="fgImgPlace1">
+    <dgm:fillClrLst meth="repeat">
+      <a:schemeClr val="accent1">
+        <a:tint val="50000"/>
+      </a:schemeClr>
+    </dgm:fillClrLst>
+    <dgm:linClrLst meth="repeat">
+      <a:schemeClr val="lt1"/>
+    </dgm:linClrLst>
+    <dgm:effectClrLst/>
+    <dgm:txLinClrLst/>
+    <dgm:txFillClrLst meth="repeat">
+      <a:schemeClr val="lt1"/>
+    </dgm:txFillClrLst>
+    <dgm:txEffectClrLst/>
+  </dgm:styleLbl>
+  <dgm:styleLbl name="alignImgPlace1">
+    <dgm:fillClrLst meth="repeat">
+      <a:schemeClr val="accent1">
+        <a:tint val="50000"/>
+      </a:schemeClr>
+    </dgm:fillClrLst>
+    <dgm:linClrLst meth="repeat">
+      <a:schemeClr val="lt1"/>
+    </dgm:linClrLst>
+    <dgm:effectClrLst/>
+    <dgm:txLinClrLst/>
+    <dgm:txFillClrLst meth="repeat">
+      <a:schemeClr val="lt1"/>
+    </dgm:txFillClrLst>
+    <dgm:txEffectClrLst/>
+  </dgm:styleLbl>
+  <dgm:styleLbl name="bgImgPlace1">
+    <dgm:fillClrLst meth="repeat">
+      <a:schemeClr val="accent1">
+        <a:tint val="50000"/>
+      </a:schemeClr>
+    </dgm:fillClrLst>
+    <dgm:linClrLst meth="repeat">
+      <a:schemeClr val="lt1"/>
+    </dgm:linClrLst>
+    <dgm:effectClrLst/>
+    <dgm:txLinClrLst/>
+    <dgm:txFillClrLst meth="repeat">
+      <a:schemeClr val="lt1"/>
+    </dgm:txFillClrLst>
+    <dgm:txEffectClrLst/>
+  </dgm:styleLbl>
+  <dgm:styleLbl name="sibTrans2D1">
+    <dgm:fillClrLst meth="repeat">
+      <a:schemeClr val="accent1">
+        <a:tint val="60000"/>
+      </a:schemeClr>
+    </dgm:fillClrLst>
+    <dgm:linClrLst meth="repeat">
+      <a:schemeClr val="accent1">
+        <a:tint val="60000"/>
+      </a:schemeClr>
+    </dgm:linClrLst>
+    <dgm:effectClrLst/>
+    <dgm:txLinClrLst/>
+    <dgm:txFillClrLst/>
+    <dgm:txEffectClrLst/>
+  </dgm:styleLbl>
+  <dgm:styleLbl name="fgSibTrans2D1">
+    <dgm:fillClrLst meth="repeat">
+      <a:schemeClr val="accent1">
+        <a:tint val="60000"/>
+      </a:schemeClr>
+    </dgm:fillClrLst>
+    <dgm:linClrLst meth="repeat">
+      <a:schemeClr val="accent1">
+        <a:tint val="60000"/>
+      </a:schemeClr>
+    </dgm:linClrLst>
+    <dgm:effectClrLst/>
+    <dgm:txLinClrLst/>
+    <dgm:txFillClrLst/>
+    <dgm:txEffectClrLst/>
+  </dgm:styleLbl>
+  <dgm:styleLbl name="bgSibTrans2D1">
+    <dgm:fillClrLst meth="repeat">
+      <a:schemeClr val="accent1">
+        <a:tint val="60000"/>
+      </a:schemeClr>
+    </dgm:fillClrLst>
+    <dgm:linClrLst meth="repeat">
+      <a:schemeClr val="accent1">
+        <a:tint val="60000"/>
+      </a:schemeClr>
+    </dgm:linClrLst>
+    <dgm:effectClrLst/>
+    <dgm:txLinClrLst/>
+    <dgm:txFillClrLst/>
+    <dgm:txEffectClrLst/>
+  </dgm:styleLbl>
+  <dgm:styleLbl name="sibTrans1D1">
+    <dgm:fillClrLst meth="repeat">
+      <a:schemeClr val="accent1"/>
+    </dgm:fillClrLst>
+    <dgm:linClrLst meth="repeat">
+      <a:schemeClr val="accent1"/>
+    </dgm:linClrLst>
+    <dgm:effectClrLst/>
+    <dgm:txLinClrLst/>
+    <dgm:txFillClrLst meth="repeat">
+      <a:schemeClr val="tx1"/>
+    </dgm:txFillClrLst>
+    <dgm:txEffectClrLst/>
+  </dgm:styleLbl>
+  <dgm:styleLbl name="callout">
+    <dgm:fillClrLst meth="repeat">
+      <a:schemeClr val="accent1"/>
+    </dgm:fillClrLst>
+    <dgm:linClrLst meth="repeat">
+      <a:schemeClr val="accent1">
+        <a:tint val="50000"/>
+      </a:schemeClr>
+    </dgm:linClrLst>
+    <dgm:effectClrLst/>
+    <dgm:txLinClrLst/>
+    <dgm:txFillClrLst meth="repeat">
+      <a:schemeClr val="tx1"/>
+    </dgm:txFillClrLst>
+    <dgm:txEffectClrLst/>
+  </dgm:styleLbl>
+  <dgm:styleLbl name="asst0">
+    <dgm:fillClrLst meth="repeat">
+      <a:schemeClr val="accent1"/>
+    </dgm:fillClrLst>
+    <dgm:linClrLst meth="repeat">
+      <a:schemeClr val="lt1"/>
+    </dgm:linClrLst>
+    <dgm:effectClrLst/>
+    <dgm:txLinClrLst/>
+    <dgm:txFillClrLst/>
+    <dgm:txEffectClrLst/>
+  </dgm:styleLbl>
+  <dgm:styleLbl name="asst1">
+    <dgm:fillClrLst meth="repeat">
+      <a:schemeClr val="accent1"/>
+    </dgm:fillClrLst>
+    <dgm:linClrLst meth="repeat">
+      <a:schemeClr val="lt1"/>
+    </dgm:linClrLst>
+    <dgm:effectClrLst/>
+    <dgm:txLinClrLst/>
+    <dgm:txFillClrLst/>
+    <dgm:txEffectClrLst/>
+  </dgm:styleLbl>
+  <dgm:styleLbl name="asst2">
+    <dgm:fillClrLst meth="repeat">
+      <a:schemeClr val="accent1"/>
+    </dgm:fillClrLst>
+    <dgm:linClrLst meth="repeat">
+      <a:schemeClr val="lt1"/>
+    </dgm:linClrLst>
+    <dgm:effectClrLst/>
+    <dgm:txLinClrLst/>
+    <dgm:txFillClrLst/>
+    <dgm:txEffectClrLst/>
+  </dgm:styleLbl>
+  <dgm:styleLbl name="asst3">
+    <dgm:fillClrLst meth="repeat">
+      <a:schemeClr val="accent1"/>
+    </dgm:fillClrLst>
+    <dgm:linClrLst meth="repeat">
+      <a:schemeClr val="lt1"/>
+    </dgm:linClrLst>
+    <dgm:effectClrLst/>
+    <dgm:txLinClrLst/>
+    <dgm:txFillClrLst/>
+    <dgm:txEffectClrLst/>
+  </dgm:styleLbl>
+  <dgm:styleLbl name="asst4">
+    <dgm:fillClrLst meth="repeat">
+      <a:schemeClr val="accent1"/>
+    </dgm:fillClrLst>
+    <dgm:linClrLst meth="repeat">
+      <a:schemeClr val="lt1"/>
+    </dgm:linClrLst>
+    <dgm:effectClrLst/>
+    <dgm:txLinClrLst/>
+    <dgm:txFillClrLst/>
+    <dgm:txEffectClrLst/>
+  </dgm:styleLbl>
+  <dgm:styleLbl name="parChTrans2D1">
+    <dgm:fillClrLst meth="repeat">
+      <a:schemeClr val="accent1">
+        <a:tint val="60000"/>
+      </a:schemeClr>
+    </dgm:fillClrLst>
+    <dgm:linClrLst meth="repeat">
+      <a:schemeClr val="accent1">
+        <a:tint val="60000"/>
+      </a:schemeClr>
+    </dgm:linClrLst>
+    <dgm:effectClrLst/>
+    <dgm:txLinClrLst/>
+    <dgm:txFillClrLst meth="repeat">
+      <a:schemeClr val="lt1"/>
+    </dgm:txFillClrLst>
+    <dgm:txEffectClrLst/>
+  </dgm:styleLbl>
+  <dgm:styleLbl name="parChTrans2D2">
+    <dgm:fillClrLst meth="repeat">
+      <a:schemeClr val="accent1"/>
+    </dgm:fillClrLst>
+    <dgm:linClrLst meth="repeat">
+      <a:schemeClr val="accent1"/>
+    </dgm:linClrLst>
+    <dgm:effectClrLst/>
+    <dgm:txLinClrLst/>
+    <dgm:txFillClrLst meth="repeat">
+      <a:schemeClr val="lt1"/>
+    </dgm:txFillClrLst>
+    <dgm:txEffectClrLst/>
+  </dgm:styleLbl>
+  <dgm:styleLbl name="parChTrans2D3">
+    <dgm:fillClrLst meth="repeat">
+      <a:schemeClr val="accent1"/>
+    </dgm:fillClrLst>
+    <dgm:linClrLst meth="repeat">
+      <a:schemeClr val="accent1"/>
+    </dgm:linClrLst>
+    <dgm:effectClrLst/>
+    <dgm:txLinClrLst/>
+    <dgm:txFillClrLst meth="repeat">
+      <a:schemeClr val="lt1"/>
+    </dgm:txFillClrLst>
+    <dgm:txEffectClrLst/>
+  </dgm:styleLbl>
+  <dgm:styleLbl name="parChTrans2D4">
+    <dgm:fillClrLst meth="repeat">
+      <a:schemeClr val="accent1"/>
+    </dgm:fillClrLst>
+    <dgm:linClrLst meth="repeat">
+      <a:schemeClr val="accent1"/>
+    </dgm:linClrLst>
+    <dgm:effectClrLst/>
+    <dgm:txLinClrLst/>
+    <dgm:txFillClrLst meth="repeat">
+      <a:schemeClr val="lt1"/>
+    </dgm:txFillClrLst>
+    <dgm:txEffectClrLst/>
+  </dgm:styleLbl>
+  <dgm:styleLbl name="parChTrans1D1">
+    <dgm:fillClrLst meth="repeat">
+      <a:schemeClr val="accent1"/>
+    </dgm:fillClrLst>
+    <dgm:linClrLst meth="repeat">
+      <a:schemeClr val="accent1">
+        <a:shade val="60000"/>
+      </a:schemeClr>
+    </dgm:linClrLst>
+    <dgm:effectClrLst/>
+    <dgm:txLinClrLst/>
+    <dgm:txFillClrLst meth="repeat">
+      <a:schemeClr val="tx1"/>
+    </dgm:txFillClrLst>
+    <dgm:txEffectClrLst/>
+  </dgm:styleLbl>
+  <dgm:styleLbl name="parChTrans1D2">
+    <dgm:fillClrLst meth="repeat">
+      <a:schemeClr val="accent1"/>
+    </dgm:fillClrLst>
+    <dgm:linClrLst meth="repeat">
+      <a:schemeClr val="accent1">
+        <a:shade val="60000"/>
+      </a:schemeClr>
+    </dgm:linClrLst>
+    <dgm:effectClrLst/>
+    <dgm:txLinClrLst/>
+    <dgm:txFillClrLst meth="repeat">
+      <a:schemeClr val="tx1"/>
+    </dgm:txFillClrLst>
+    <dgm:txEffectClrLst/>
+  </dgm:styleLbl>
+  <dgm:styleLbl name="parChTrans1D3">
+    <dgm:fillClrLst meth="repeat">
+      <a:schemeClr val="accent1"/>
+    </dgm:fillClrLst>
+    <dgm:linClrLst meth="repeat">
+      <a:schemeClr val="accent1">
+        <a:shade val="80000"/>
+      </a:schemeClr>
+    </dgm:linClrLst>
+    <dgm:effectClrLst/>
+    <dgm:txLinClrLst/>
+    <dgm:txFillClrLst meth="repeat">
+      <a:schemeClr val="tx1"/>
+    </dgm:txFillClrLst>
+    <dgm:txEffectClrLst/>
+  </dgm:styleLbl>
+  <dgm:styleLbl name="parChTrans1D4">
+    <dgm:fillClrLst meth="repeat">
+      <a:schemeClr val="accent1"/>
+    </dgm:fillClrLst>
+    <dgm:linClrLst meth="repeat">
+      <a:schemeClr val="accent1">
+        <a:shade val="80000"/>
+      </a:schemeClr>
+    </dgm:linClrLst>
+    <dgm:effectClrLst/>
+    <dgm:txLinClrLst/>
+    <dgm:txFillClrLst meth="repeat">
+      <a:schemeClr val="tx1"/>
+    </dgm:txFillClrLst>
+    <dgm:txEffectClrLst/>
+  </dgm:styleLbl>
+  <dgm:styleLbl name="fgAcc1">
+    <dgm:fillClrLst meth="repeat">
+      <a:schemeClr val="lt1">
+        <a:alpha val="90000"/>
+      </a:schemeClr>
+    </dgm:fillClrLst>
+    <dgm:linClrLst meth="repeat">
+      <a:schemeClr val="accent1"/>
+    </dgm:linClrLst>
+    <dgm:effectClrLst/>
+    <dgm:txLinClrLst/>
+    <dgm:txFillClrLst meth="repeat">
+      <a:schemeClr val="dk1"/>
+    </dgm:txFillClrLst>
+    <dgm:txEffectClrLst/>
+  </dgm:styleLbl>
+  <dgm:styleLbl name="conFgAcc1">
+    <dgm:fillClrLst meth="repeat">
+      <a:schemeClr val="lt1">
+        <a:alpha val="90000"/>
+      </a:schemeClr>
+    </dgm:fillClrLst>
+    <dgm:linClrLst meth="repeat">
+      <a:schemeClr val="accent1"/>
+    </dgm:linClrLst>
+    <dgm:effectClrLst/>
+    <dgm:txLinClrLst/>
+    <dgm:txFillClrLst meth="repeat">
+      <a:schemeClr val="dk1"/>
+    </dgm:txFillClrLst>
+    <dgm:txEffectClrLst/>
+  </dgm:styleLbl>
+  <dgm:styleLbl name="alignAcc1">
+    <dgm:fillClrLst meth="repeat">
+      <a:schemeClr val="lt1">
+        <a:alpha val="90000"/>
+      </a:schemeClr>
+    </dgm:fillClrLst>
+    <dgm:linClrLst meth="repeat">
+      <a:schemeClr val="accent1"/>
+    </dgm:linClrLst>
+    <dgm:effectClrLst/>
+    <dgm:txLinClrLst/>
+    <dgm:txFillClrLst meth="repeat">
+      <a:schemeClr val="dk1"/>
+    </dgm:txFillClrLst>
+    <dgm:txEffectClrLst/>
+  </dgm:styleLbl>
+  <dgm:styleLbl name="trAlignAcc1">
+    <dgm:fillClrLst meth="repeat">
+      <a:schemeClr val="lt1">
+        <a:alpha val="40000"/>
+      </a:schemeClr>
+    </dgm:fillClrLst>
+    <dgm:linClrLst meth="repeat">
+      <a:schemeClr val="accent1"/>
+    </dgm:linClrLst>
+    <dgm:effectClrLst/>
+    <dgm:txLinClrLst/>
+    <dgm:txFillClrLst meth="repeat">
+      <a:schemeClr val="dk1"/>
+    </dgm:txFillClrLst>
+    <dgm:txEffectClrLst/>
+  </dgm:styleLbl>
+  <dgm:styleLbl name="bgAcc1">
+    <dgm:fillClrLst meth="repeat">
+      <a:schemeClr val="lt1">
+        <a:alpha val="90000"/>
+      </a:schemeClr>
+    </dgm:fillClrLst>
+    <dgm:linClrLst meth="repeat">
+      <a:schemeClr val="accent1"/>
+    </dgm:linClrLst>
+    <dgm:effectClrLst/>
+    <dgm:txLinClrLst/>
+    <dgm:txFillClrLst meth="repeat">
+      <a:schemeClr val="dk1"/>
+    </dgm:txFillClrLst>
+    <dgm:txEffectClrLst/>
+  </dgm:styleLbl>
+  <dgm:styleLbl name="solidFgAcc1">
+    <dgm:fillClrLst meth="repeat">
+      <a:schemeClr val="lt1"/>
+    </dgm:fillClrLst>
+    <dgm:linClrLst meth="repeat">
+      <a:schemeClr val="accent1"/>
+    </dgm:linClrLst>
+    <dgm:effectClrLst/>
+    <dgm:txLinClrLst/>
+    <dgm:txFillClrLst meth="repeat">
+      <a:schemeClr val="dk1"/>
+    </dgm:txFillClrLst>
+    <dgm:txEffectClrLst/>
+  </dgm:styleLbl>
+  <dgm:styleLbl name="solidAlignAcc1">
+    <dgm:fillClrLst meth="repeat">
+      <a:schemeClr val="lt1"/>
+    </dgm:fillClrLst>
+    <dgm:linClrLst meth="repeat">
+      <a:schemeClr val="accent1"/>
+    </dgm:linClrLst>
+    <dgm:effectClrLst/>
+    <dgm:txLinClrLst/>
+    <dgm:txFillClrLst meth="repeat">
+      <a:schemeClr val="dk1"/>
+    </dgm:txFillClrLst>
+    <dgm:txEffectClrLst/>
+  </dgm:styleLbl>
+  <dgm:styleLbl name="solidBgAcc1">
+    <dgm:fillClrLst meth="repeat">
+      <a:schemeClr val="lt1"/>
+    </dgm:fillClrLst>
+    <dgm:linClrLst meth="repeat">
+      <a:schemeClr val="accent1"/>
+    </dgm:linClrLst>
+    <dgm:effectClrLst/>
+    <dgm:txLinClrLst/>
+    <dgm:txFillClrLst meth="repeat">
+      <a:schemeClr val="dk1"/>
+    </dgm:txFillClrLst>
+    <dgm:txEffectClrLst/>
+  </dgm:styleLbl>
+  <dgm:styleLbl name="fgAccFollowNode1">
+    <dgm:fillClrLst meth="repeat">
+      <a:schemeClr val="accent1">
+        <a:alpha val="90000"/>
+        <a:tint val="40000"/>
+      </a:schemeClr>
+    </dgm:fillClrLst>
+    <dgm:linClrLst meth="repeat">
+      <a:schemeClr val="accent1">
+        <a:alpha val="90000"/>
+        <a:tint val="40000"/>
+      </a:schemeClr>
+    </dgm:linClrLst>
+    <dgm:effectClrLst/>
+    <dgm:txLinClrLst/>
+    <dgm:txFillClrLst meth="repeat">
+      <a:schemeClr val="dk1"/>
+    </dgm:txFillClrLst>
+    <dgm:txEffectClrLst/>
+  </dgm:styleLbl>
+  <dgm:styleLbl name="alignAccFollowNode1">
+    <dgm:fillClrLst meth="repeat">
+      <a:schemeClr val="accent1">
+        <a:alpha val="90000"/>
+        <a:tint val="40000"/>
+      </a:schemeClr>
+    </dgm:fillClrLst>
+    <dgm:linClrLst meth="repeat">
+      <a:schemeClr val="accent1">
+        <a:alpha val="90000"/>
+        <a:tint val="40000"/>
+      </a:schemeClr>
+    </dgm:linClrLst>
+    <dgm:effectClrLst/>
+    <dgm:txLinClrLst/>
+    <dgm:txFillClrLst meth="repeat">
+      <a:schemeClr val="dk1"/>
+    </dgm:txFillClrLst>
+    <dgm:txEffectClrLst/>
+  </dgm:styleLbl>
+  <dgm:styleLbl name="bgAccFollowNode1">
+    <dgm:fillClrLst meth="repeat">
+      <a:schemeClr val="accent1">
+        <a:alpha val="90000"/>
+        <a:tint val="40000"/>
+      </a:schemeClr>
+    </dgm:fillClrLst>
+    <dgm:linClrLst meth="repeat">
+      <a:schemeClr val="accent1">
+        <a:alpha val="90000"/>
+        <a:tint val="40000"/>
+      </a:schemeClr>
+    </dgm:linClrLst>
+    <dgm:effectClrLst/>
+    <dgm:txLinClrLst/>
+    <dgm:txFillClrLst meth="repeat">
+      <a:schemeClr val="dk1"/>
+    </dgm:txFillClrLst>
+    <dgm:txEffectClrLst/>
+  </dgm:styleLbl>
+  <dgm:styleLbl name="fgAcc0">
+    <dgm:fillClrLst meth="repeat">
+      <a:schemeClr val="lt1">
+        <a:alpha val="90000"/>
+      </a:schemeClr>
+    </dgm:fillClrLst>
+    <dgm:linClrLst meth="repeat">
+      <a:schemeClr val="accent1"/>
+    </dgm:linClrLst>
+    <dgm:effectClrLst/>
+    <dgm:txLinClrLst/>
+    <dgm:txFillClrLst meth="repeat">
+      <a:schemeClr val="dk1"/>
+    </dgm:txFillClrLst>
+    <dgm:txEffectClrLst/>
+  </dgm:styleLbl>
+  <dgm:styleLbl name="fgAcc2">
+    <dgm:fillClrLst meth="repeat">
+      <a:schemeClr val="lt1">
+        <a:alpha val="90000"/>
+      </a:schemeClr>
+    </dgm:fillClrLst>
+    <dgm:linClrLst meth="repeat">
+      <a:schemeClr val="accent1"/>
+    </dgm:linClrLst>
+    <dgm:effectClrLst/>
+    <dgm:txLinClrLst/>
+    <dgm:txFillClrLst meth="repeat">
+      <a:schemeClr val="dk1"/>
+    </dgm:txFillClrLst>
+    <dgm:txEffectClrLst/>
+  </dgm:styleLbl>
+  <dgm:styleLbl name="fgAcc3">
+    <dgm:fillClrLst meth="repeat">
+      <a:schemeClr val="lt1">
+        <a:alpha val="90000"/>
+      </a:schemeClr>
+    </dgm:fillClrLst>
+    <dgm:linClrLst meth="repeat">
+      <a:schemeClr val="accent1"/>
+    </dgm:linClrLst>
+    <dgm:effectClrLst/>
+    <dgm:txLinClrLst/>
+    <dgm:txFillClrLst meth="repeat">
+      <a:schemeClr val="dk1"/>
+    </dgm:txFillClrLst>
+    <dgm:txEffectClrLst/>
+  </dgm:styleLbl>
+  <dgm:styleLbl name="fgAcc4">
+    <dgm:fillClrLst meth="repeat">
+      <a:schemeClr val="lt1">
+        <a:alpha val="90000"/>
+      </a:schemeClr>
+    </dgm:fillClrLst>
+    <dgm:linClrLst meth="repeat">
+      <a:schemeClr val="accent1"/>
+    </dgm:linClrLst>
+    <dgm:effectClrLst/>
+    <dgm:txLinClrLst/>
+    <dgm:txFillClrLst meth="repeat">
+      <a:schemeClr val="dk1"/>
+    </dgm:txFillClrLst>
+    <dgm:txEffectClrLst/>
+  </dgm:styleLbl>
+  <dgm:styleLbl name="bgShp">
+    <dgm:fillClrLst meth="repeat">
+      <a:schemeClr val="accent1">
+        <a:tint val="40000"/>
+      </a:schemeClr>
+    </dgm:fillClrLst>
+    <dgm:linClrLst meth="repeat">
+      <a:schemeClr val="accent1"/>
+    </dgm:linClrLst>
+    <dgm:effectClrLst/>
+    <dgm:txLinClrLst/>
+    <dgm:txFillClrLst meth="repeat">
+      <a:schemeClr val="dk1"/>
+    </dgm:txFillClrLst>
+    <dgm:txEffectClrLst/>
+  </dgm:styleLbl>
+  <dgm:styleLbl name="dkBgShp">
+    <dgm:fillClrLst meth="repeat">
+      <a:schemeClr val="accent1">
+        <a:shade val="80000"/>
+      </a:schemeClr>
+    </dgm:fillClrLst>
+    <dgm:linClrLst meth="repeat">
+      <a:schemeClr val="accent1"/>
+    </dgm:linClrLst>
+    <dgm:effectClrLst/>
+    <dgm:txLinClrLst/>
+    <dgm:txFillClrLst meth="repeat">
+      <a:schemeClr val="lt1"/>
+    </dgm:txFillClrLst>
+    <dgm:txEffectClrLst/>
+  </dgm:styleLbl>
+  <dgm:styleLbl name="trBgShp">
+    <dgm:fillClrLst meth="repeat">
+      <a:schemeClr val="accent1">
+        <a:tint val="50000"/>
+        <a:alpha val="40000"/>
+      </a:schemeClr>
+    </dgm:fillClrLst>
+    <dgm:linClrLst meth="repeat">
+      <a:schemeClr val="accent1"/>
+    </dgm:linClrLst>
+    <dgm:effectClrLst/>
+    <dgm:txLinClrLst/>
+    <dgm:txFillClrLst meth="repeat">
+      <a:schemeClr val="lt1"/>
+    </dgm:txFillClrLst>
+    <dgm:txEffectClrLst/>
+  </dgm:styleLbl>
+  <dgm:styleLbl name="fgShp">
+    <dgm:fillClrLst meth="repeat">
+      <a:schemeClr val="accent1">
+        <a:tint val="60000"/>
+      </a:schemeClr>
+    </dgm:fillClrLst>
+    <dgm:linClrLst meth="repeat">
+      <a:schemeClr val="lt1"/>
+    </dgm:linClrLst>
+    <dgm:effectClrLst/>
+    <dgm:txLinClrLst/>
+    <dgm:txFillClrLst meth="repeat">
+      <a:schemeClr val="dk1"/>
+    </dgm:txFillClrLst>
+    <dgm:txEffectClrLst/>
+  </dgm:styleLbl>
+  <dgm:styleLbl name="revTx">
+    <dgm:fillClrLst meth="repeat">
+      <a:schemeClr val="lt1">
+        <a:alpha val="0"/>
+      </a:schemeClr>
+    </dgm:fillClrLst>
+    <dgm:linClrLst meth="repeat">
+      <a:schemeClr val="dk1">
+        <a:alpha val="0"/>
+      </a:schemeClr>
+    </dgm:linClrLst>
+    <dgm:effectClrLst/>
+    <dgm:txLinClrLst/>
+    <dgm:txFillClrLst meth="repeat">
+      <a:schemeClr val="tx1"/>
+    </dgm:txFillClrLst>
+    <dgm:txEffectClrLst/>
+  </dgm:styleLbl>
+</dgm:colorsDef>
+</file>
+
+<file path=ppt/diagrams/colors2.xml><?xml version="1.0" encoding="utf-8"?>
+<dgm:colorsDef xmlns:dgm="http://schemas.openxmlformats.org/drawingml/2006/diagram" xmlns:a="http://schemas.openxmlformats.org/drawingml/2006/main" uniqueId="urn:microsoft.com/office/officeart/2005/8/colors/accent1_2">
+  <dgm:title val=""/>
+  <dgm:desc val=""/>
+  <dgm:catLst>
+    <dgm:cat type="accent1" pri="11200"/>
+  </dgm:catLst>
+  <dgm:styleLbl name="node0">
+    <dgm:fillClrLst meth="repeat">
+      <a:schemeClr val="accent1"/>
+    </dgm:fillClrLst>
+    <dgm:linClrLst meth="repeat">
+      <a:schemeClr val="lt1"/>
+    </dgm:linClrLst>
+    <dgm:effectClrLst/>
+    <dgm:txLinClrLst/>
+    <dgm:txFillClrLst/>
+    <dgm:txEffectClrLst/>
+  </dgm:styleLbl>
+  <dgm:styleLbl name="alignNode1">
+    <dgm:fillClrLst meth="repeat">
+      <a:schemeClr val="accent1"/>
+    </dgm:fillClrLst>
+    <dgm:linClrLst meth="repeat">
+      <a:schemeClr val="accent1"/>
+    </dgm:linClrLst>
+    <dgm:effectClrLst/>
+    <dgm:txLinClrLst/>
+    <dgm:txFillClrLst/>
+    <dgm:txEffectClrLst/>
+  </dgm:styleLbl>
+  <dgm:styleLbl name="node1">
+    <dgm:fillClrLst meth="repeat">
+      <a:schemeClr val="accent1"/>
+    </dgm:fillClrLst>
+    <dgm:linClrLst meth="repeat">
+      <a:schemeClr val="lt1"/>
+    </dgm:linClrLst>
+    <dgm:effectClrLst/>
+    <dgm:txLinClrLst/>
+    <dgm:txFillClrLst/>
+    <dgm:txEffectClrLst/>
+  </dgm:styleLbl>
+  <dgm:styleLbl name="lnNode1">
+    <dgm:fillClrLst meth="repeat">
+      <a:schemeClr val="accent1"/>
+    </dgm:fillClrLst>
+    <dgm:linClrLst meth="repeat">
+      <a:schemeClr val="lt1"/>
+    </dgm:linClrLst>
+    <dgm:effectClrLst/>
+    <dgm:txLinClrLst/>
+    <dgm:txFillClrLst/>
+    <dgm:txEffectClrLst/>
+  </dgm:styleLbl>
+  <dgm:styleLbl name="vennNode1">
+    <dgm:fillClrLst meth="repeat">
+      <a:schemeClr val="accent1">
+        <a:alpha val="50000"/>
+      </a:schemeClr>
+    </dgm:fillClrLst>
+    <dgm:linClrLst meth="repeat">
+      <a:schemeClr val="lt1"/>
+    </dgm:linClrLst>
+    <dgm:effectClrLst/>
+    <dgm:txLinClrLst/>
+    <dgm:txFillClrLst/>
+    <dgm:txEffectClrLst/>
+  </dgm:styleLbl>
+  <dgm:styleLbl name="node2">
+    <dgm:fillClrLst meth="repeat">
+      <a:schemeClr val="accent1"/>
+    </dgm:fillClrLst>
+    <dgm:linClrLst meth="repeat">
+      <a:schemeClr val="lt1"/>
+    </dgm:linClrLst>
+    <dgm:effectClrLst/>
+    <dgm:txLinClrLst/>
+    <dgm:txFillClrLst/>
+    <dgm:txEffectClrLst/>
+  </dgm:styleLbl>
+  <dgm:styleLbl name="node3">
+    <dgm:fillClrLst meth="repeat">
+      <a:schemeClr val="accent1"/>
+    </dgm:fillClrLst>
+    <dgm:linClrLst meth="repeat">
+      <a:schemeClr val="lt1"/>
+    </dgm:linClrLst>
+    <dgm:effectClrLst/>
+    <dgm:txLinClrLst/>
+    <dgm:txFillClrLst/>
+    <dgm:txEffectClrLst/>
+  </dgm:styleLbl>
+  <dgm:styleLbl name="node4">
+    <dgm:fillClrLst meth="repeat">
+      <a:schemeClr val="accent1"/>
+    </dgm:fillClrLst>
+    <dgm:linClrLst meth="repeat">
+      <a:schemeClr val="lt1"/>
+    </dgm:linClrLst>
+    <dgm:effectClrLst/>
+    <dgm:txLinClrLst/>
+    <dgm:txFillClrLst/>
+    <dgm:txEffectClrLst/>
+  </dgm:styleLbl>
+  <dgm:styleLbl name="fgImgPlace1">
+    <dgm:fillClrLst meth="repeat">
+      <a:schemeClr val="accent1">
+        <a:tint val="50000"/>
+      </a:schemeClr>
+    </dgm:fillClrLst>
+    <dgm:linClrLst meth="repeat">
+      <a:schemeClr val="lt1"/>
+    </dgm:linClrLst>
+    <dgm:effectClrLst/>
+    <dgm:txLinClrLst/>
+    <dgm:txFillClrLst meth="repeat">
+      <a:schemeClr val="lt1"/>
+    </dgm:txFillClrLst>
+    <dgm:txEffectClrLst/>
+  </dgm:styleLbl>
+  <dgm:styleLbl name="alignImgPlace1">
+    <dgm:fillClrLst meth="repeat">
+      <a:schemeClr val="accent1">
+        <a:tint val="50000"/>
+      </a:schemeClr>
+    </dgm:fillClrLst>
+    <dgm:linClrLst meth="repeat">
+      <a:schemeClr val="lt1"/>
+    </dgm:linClrLst>
+    <dgm:effectClrLst/>
+    <dgm:txLinClrLst/>
+    <dgm:txFillClrLst meth="repeat">
+      <a:schemeClr val="lt1"/>
+    </dgm:txFillClrLst>
+    <dgm:txEffectClrLst/>
+  </dgm:styleLbl>
+  <dgm:styleLbl name="bgImgPlace1">
+    <dgm:fillClrLst meth="repeat">
+      <a:schemeClr val="accent1">
+        <a:tint val="50000"/>
+      </a:schemeClr>
+    </dgm:fillClrLst>
+    <dgm:linClrLst meth="repeat">
+      <a:schemeClr val="lt1"/>
+    </dgm:linClrLst>
+    <dgm:effectClrLst/>
+    <dgm:txLinClrLst/>
+    <dgm:txFillClrLst meth="repeat">
+      <a:schemeClr val="lt1"/>
+    </dgm:txFillClrLst>
+    <dgm:txEffectClrLst/>
+  </dgm:styleLbl>
+  <dgm:styleLbl name="sibTrans2D1">
+    <dgm:fillClrLst meth="repeat">
+      <a:schemeClr val="accent1">
+        <a:tint val="60000"/>
+      </a:schemeClr>
+    </dgm:fillClrLst>
+    <dgm:linClrLst meth="repeat">
+      <a:schemeClr val="accent1">
+        <a:tint val="60000"/>
+      </a:schemeClr>
+    </dgm:linClrLst>
+    <dgm:effectClrLst/>
+    <dgm:txLinClrLst/>
+    <dgm:txFillClrLst/>
+    <dgm:txEffectClrLst/>
+  </dgm:styleLbl>
+  <dgm:styleLbl name="fgSibTrans2D1">
+    <dgm:fillClrLst meth="repeat">
+      <a:schemeClr val="accent1">
+        <a:tint val="60000"/>
+      </a:schemeClr>
+    </dgm:fillClrLst>
+    <dgm:linClrLst meth="repeat">
+      <a:schemeClr val="accent1">
+        <a:tint val="60000"/>
+      </a:schemeClr>
+    </dgm:linClrLst>
+    <dgm:effectClrLst/>
+    <dgm:txLinClrLst/>
+    <dgm:txFillClrLst/>
+    <dgm:txEffectClrLst/>
+  </dgm:styleLbl>
+  <dgm:styleLbl name="bgSibTrans2D1">
+    <dgm:fillClrLst meth="repeat">
+      <a:schemeClr val="accent1">
+        <a:tint val="60000"/>
+      </a:schemeClr>
+    </dgm:fillClrLst>
+    <dgm:linClrLst meth="repeat">
+      <a:schemeClr val="accent1">
+        <a:tint val="60000"/>
+      </a:schemeClr>
+    </dgm:linClrLst>
+    <dgm:effectClrLst/>
+    <dgm:txLinClrLst/>
+    <dgm:txFillClrLst/>
+    <dgm:txEffectClrLst/>
+  </dgm:styleLbl>
+  <dgm:styleLbl name="sibTrans1D1">
+    <dgm:fillClrLst meth="repeat">
+      <a:schemeClr val="accent1"/>
+    </dgm:fillClrLst>
+    <dgm:linClrLst meth="repeat">
+      <a:schemeClr val="accent1"/>
+    </dgm:linClrLst>
+    <dgm:effectClrLst/>
+    <dgm:txLinClrLst/>
+    <dgm:txFillClrLst meth="repeat">
+      <a:schemeClr val="tx1"/>
+    </dgm:txFillClrLst>
+    <dgm:txEffectClrLst/>
+  </dgm:styleLbl>
+  <dgm:styleLbl name="callout">
+    <dgm:fillClrLst meth="repeat">
+      <a:schemeClr val="accent1"/>
+    </dgm:fillClrLst>
+    <dgm:linClrLst meth="repeat">
+      <a:schemeClr val="accent1">
+        <a:tint val="50000"/>
+      </a:schemeClr>
+    </dgm:linClrLst>
+    <dgm:effectClrLst/>
+    <dgm:txLinClrLst/>
+    <dgm:txFillClrLst meth="repeat">
+      <a:schemeClr val="tx1"/>
+    </dgm:txFillClrLst>
+    <dgm:txEffectClrLst/>
+  </dgm:styleLbl>
+  <dgm:styleLbl name="asst0">
+    <dgm:fillClrLst meth="repeat">
+      <a:schemeClr val="accent1"/>
+    </dgm:fillClrLst>
+    <dgm:linClrLst meth="repeat">
+      <a:schemeClr val="lt1"/>
+    </dgm:linClrLst>
+    <dgm:effectClrLst/>
+    <dgm:txLinClrLst/>
+    <dgm:txFillClrLst/>
+    <dgm:txEffectClrLst/>
+  </dgm:styleLbl>
+  <dgm:styleLbl name="asst1">
+    <dgm:fillClrLst meth="repeat">
+      <a:schemeClr val="accent1"/>
+    </dgm:fillClrLst>
+    <dgm:linClrLst meth="repeat">
+      <a:schemeClr val="lt1"/>
+    </dgm:linClrLst>
+    <dgm:effectClrLst/>
+    <dgm:txLinClrLst/>
+    <dgm:txFillClrLst/>
+    <dgm:txEffectClrLst/>
+  </dgm:styleLbl>
+  <dgm:styleLbl name="asst2">
+    <dgm:fillClrLst meth="repeat">
+      <a:schemeClr val="accent1"/>
+    </dgm:fillClrLst>
+    <dgm:linClrLst meth="repeat">
+      <a:schemeClr val="lt1"/>
+    </dgm:linClrLst>
+    <dgm:effectClrLst/>
+    <dgm:txLinClrLst/>
+    <dgm:txFillClrLst/>
+    <dgm:txEffectClrLst/>
+  </dgm:styleLbl>
+  <dgm:styleLbl name="asst3">
+    <dgm:fillClrLst meth="repeat">
+      <a:schemeClr val="accent1"/>
+    </dgm:fillClrLst>
+    <dgm:linClrLst meth="repeat">
+      <a:schemeClr val="lt1"/>
+    </dgm:linClrLst>
+    <dgm:effectClrLst/>
+    <dgm:txLinClrLst/>
+    <dgm:txFillClrLst/>
+    <dgm:txEffectClrLst/>
+  </dgm:styleLbl>
+  <dgm:styleLbl name="asst4">
+    <dgm:fillClrLst meth="repeat">
+      <a:schemeClr val="accent1"/>
+    </dgm:fillClrLst>
+    <dgm:linClrLst meth="repeat">
+      <a:schemeClr val="lt1"/>
+    </dgm:linClrLst>
+    <dgm:effectClrLst/>
+    <dgm:txLinClrLst/>
+    <dgm:txFillClrLst/>
+    <dgm:txEffectClrLst/>
+  </dgm:styleLbl>
+  <dgm:styleLbl name="parChTrans2D1">
+    <dgm:fillClrLst meth="repeat">
+      <a:schemeClr val="accent1">
+        <a:tint val="60000"/>
+      </a:schemeClr>
+    </dgm:fillClrLst>
+    <dgm:linClrLst meth="repeat">
+      <a:schemeClr val="accent1">
+        <a:tint val="60000"/>
+      </a:schemeClr>
+    </dgm:linClrLst>
+    <dgm:effectClrLst/>
+    <dgm:txLinClrLst/>
+    <dgm:txFillClrLst meth="repeat">
+      <a:schemeClr val="lt1"/>
+    </dgm:txFillClrLst>
+    <dgm:txEffectClrLst/>
+  </dgm:styleLbl>
+  <dgm:styleLbl name="parChTrans2D2">
+    <dgm:fillClrLst meth="repeat">
+      <a:schemeClr val="accent1"/>
+    </dgm:fillClrLst>
+    <dgm:linClrLst meth="repeat">
+      <a:schemeClr val="accent1"/>
+    </dgm:linClrLst>
+    <dgm:effectClrLst/>
+    <dgm:txLinClrLst/>
+    <dgm:txFillClrLst meth="repeat">
+      <a:schemeClr val="lt1"/>
+    </dgm:txFillClrLst>
+    <dgm:txEffectClrLst/>
+  </dgm:styleLbl>
+  <dgm:styleLbl name="parChTrans2D3">
+    <dgm:fillClrLst meth="repeat">
+      <a:schemeClr val="accent1"/>
+    </dgm:fillClrLst>
+    <dgm:linClrLst meth="repeat">
+      <a:schemeClr val="accent1"/>
+    </dgm:linClrLst>
+    <dgm:effectClrLst/>
+    <dgm:txLinClrLst/>
+    <dgm:txFillClrLst meth="repeat">
+      <a:schemeClr val="lt1"/>
+    </dgm:txFillClrLst>
+    <dgm:txEffectClrLst/>
+  </dgm:styleLbl>
+  <dgm:styleLbl name="parChTrans2D4">
+    <dgm:fillClrLst meth="repeat">
+      <a:schemeClr val="accent1"/>
+    </dgm:fillClrLst>
+    <dgm:linClrLst meth="repeat">
+      <a:schemeClr val="accent1"/>
+    </dgm:linClrLst>
+    <dgm:effectClrLst/>
+    <dgm:txLinClrLst/>
+    <dgm:txFillClrLst meth="repeat">
+      <a:schemeClr val="lt1"/>
+    </dgm:txFillClrLst>
+    <dgm:txEffectClrLst/>
+  </dgm:styleLbl>
+  <dgm:styleLbl name="parChTrans1D1">
+    <dgm:fillClrLst meth="repeat">
+      <a:schemeClr val="accent1"/>
+    </dgm:fillClrLst>
+    <dgm:linClrLst meth="repeat">
+      <a:schemeClr val="accent1">
+        <a:shade val="60000"/>
+      </a:schemeClr>
+    </dgm:linClrLst>
+    <dgm:effectClrLst/>
+    <dgm:txLinClrLst/>
+    <dgm:txFillClrLst meth="repeat">
+      <a:schemeClr val="tx1"/>
+    </dgm:txFillClrLst>
+    <dgm:txEffectClrLst/>
+  </dgm:styleLbl>
+  <dgm:styleLbl name="parChTrans1D2">
+    <dgm:fillClrLst meth="repeat">
+      <a:schemeClr val="accent1"/>
+    </dgm:fillClrLst>
+    <dgm:linClrLst meth="repeat">
+      <a:schemeClr val="accent1">
+        <a:shade val="60000"/>
+      </a:schemeClr>
+    </dgm:linClrLst>
+    <dgm:effectClrLst/>
+    <dgm:txLinClrLst/>
+    <dgm:txFillClrLst meth="repeat">
+      <a:schemeClr val="tx1"/>
+    </dgm:txFillClrLst>
+    <dgm:txEffectClrLst/>
+  </dgm:styleLbl>
+  <dgm:styleLbl name="parChTrans1D3">
+    <dgm:fillClrLst meth="repeat">
+      <a:schemeClr val="accent1"/>
+    </dgm:fillClrLst>
+    <dgm:linClrLst meth="repeat">
+      <a:schemeClr val="accent1">
+        <a:shade val="80000"/>
+      </a:schemeClr>
+    </dgm:linClrLst>
+    <dgm:effectClrLst/>
+    <dgm:txLinClrLst/>
+    <dgm:txFillClrLst meth="repeat">
+      <a:schemeClr val="tx1"/>
+    </dgm:txFillClrLst>
+    <dgm:txEffectClrLst/>
+  </dgm:styleLbl>
+  <dgm:styleLbl name="parChTrans1D4">
+    <dgm:fillClrLst meth="repeat">
+      <a:schemeClr val="accent1"/>
+    </dgm:fillClrLst>
+    <dgm:linClrLst meth="repeat">
+      <a:schemeClr val="accent1">
+        <a:shade val="80000"/>
+      </a:schemeClr>
+    </dgm:linClrLst>
+    <dgm:effectClrLst/>
+    <dgm:txLinClrLst/>
+    <dgm:txFillClrLst meth="repeat">
+      <a:schemeClr val="tx1"/>
+    </dgm:txFillClrLst>
+    <dgm:txEffectClrLst/>
+  </dgm:styleLbl>
+  <dgm:styleLbl name="fgAcc1">
+    <dgm:fillClrLst meth="repeat">
+      <a:schemeClr val="lt1">
+        <a:alpha val="90000"/>
+      </a:schemeClr>
+    </dgm:fillClrLst>
+    <dgm:linClrLst meth="repeat">
+      <a:schemeClr val="accent1"/>
+    </dgm:linClrLst>
+    <dgm:effectClrLst/>
+    <dgm:txLinClrLst/>
+    <dgm:txFillClrLst meth="repeat">
+      <a:schemeClr val="dk1"/>
+    </dgm:txFillClrLst>
+    <dgm:txEffectClrLst/>
+  </dgm:styleLbl>
+  <dgm:styleLbl name="conFgAcc1">
+    <dgm:fillClrLst meth="repeat">
+      <a:schemeClr val="lt1">
+        <a:alpha val="90000"/>
+      </a:schemeClr>
+    </dgm:fillClrLst>
+    <dgm:linClrLst meth="repeat">
+      <a:schemeClr val="accent1"/>
+    </dgm:linClrLst>
+    <dgm:effectClrLst/>
+    <dgm:txLinClrLst/>
+    <dgm:txFillClrLst meth="repeat">
+      <a:schemeClr val="dk1"/>
+    </dgm:txFillClrLst>
+    <dgm:txEffectClrLst/>
+  </dgm:styleLbl>
+  <dgm:styleLbl name="alignAcc1">
+    <dgm:fillClrLst meth="repeat">
+      <a:schemeClr val="lt1">
+        <a:alpha val="90000"/>
+      </a:schemeClr>
+    </dgm:fillClrLst>
+    <dgm:linClrLst meth="repeat">
+      <a:schemeClr val="accent1"/>
+    </dgm:linClrLst>
+    <dgm:effectClrLst/>
+    <dgm:txLinClrLst/>
+    <dgm:txFillClrLst meth="repeat">
+      <a:schemeClr val="dk1"/>
+    </dgm:txFillClrLst>
+    <dgm:txEffectClrLst/>
+  </dgm:styleLbl>
+  <dgm:styleLbl name="trAlignAcc1">
+    <dgm:fillClrLst meth="repeat">
+      <a:schemeClr val="lt1">
+        <a:alpha val="40000"/>
+      </a:schemeClr>
+    </dgm:fillClrLst>
+    <dgm:linClrLst meth="repeat">
+      <a:schemeClr val="accent1"/>
+    </dgm:linClrLst>
+    <dgm:effectClrLst/>
+    <dgm:txLinClrLst/>
+    <dgm:txFillClrLst meth="repeat">
+      <a:schemeClr val="dk1"/>
+    </dgm:txFillClrLst>
+    <dgm:txEffectClrLst/>
+  </dgm:styleLbl>
+  <dgm:styleLbl name="bgAcc1">
+    <dgm:fillClrLst meth="repeat">
+      <a:schemeClr val="lt1">
+        <a:alpha val="90000"/>
+      </a:schemeClr>
+    </dgm:fillClrLst>
+    <dgm:linClrLst meth="repeat">
+      <a:schemeClr val="accent1"/>
+    </dgm:linClrLst>
+    <dgm:effectClrLst/>
+    <dgm:txLinClrLst/>
+    <dgm:txFillClrLst meth="repeat">
+      <a:schemeClr val="dk1"/>
+    </dgm:txFillClrLst>
+    <dgm:txEffectClrLst/>
+  </dgm:styleLbl>
+  <dgm:styleLbl name="solidFgAcc1">
+    <dgm:fillClrLst meth="repeat">
+      <a:schemeClr val="lt1"/>
+    </dgm:fillClrLst>
+    <dgm:linClrLst meth="repeat">
+      <a:schemeClr val="accent1"/>
+    </dgm:linClrLst>
+    <dgm:effectClrLst/>
+    <dgm:txLinClrLst/>
+    <dgm:txFillClrLst meth="repeat">
+      <a:schemeClr val="dk1"/>
+    </dgm:txFillClrLst>
+    <dgm:txEffectClrLst/>
+  </dgm:styleLbl>
+  <dgm:styleLbl name="solidAlignAcc1">
+    <dgm:fillClrLst meth="repeat">
+      <a:schemeClr val="lt1"/>
+    </dgm:fillClrLst>
+    <dgm:linClrLst meth="repeat">
+      <a:schemeClr val="accent1"/>
+    </dgm:linClrLst>
+    <dgm:effectClrLst/>
+    <dgm:txLinClrLst/>
+    <dgm:txFillClrLst meth="repeat">
+      <a:schemeClr val="dk1"/>
+    </dgm:txFillClrLst>
+    <dgm:txEffectClrLst/>
+  </dgm:styleLbl>
+  <dgm:styleLbl name="solidBgAcc1">
+    <dgm:fillClrLst meth="repeat">
+      <a:schemeClr val="lt1"/>
+    </dgm:fillClrLst>
+    <dgm:linClrLst meth="repeat">
+      <a:schemeClr val="accent1"/>
+    </dgm:linClrLst>
+    <dgm:effectClrLst/>
+    <dgm:txLinClrLst/>
+    <dgm:txFillClrLst meth="repeat">
+      <a:schemeClr val="dk1"/>
+    </dgm:txFillClrLst>
+    <dgm:txEffectClrLst/>
+  </dgm:styleLbl>
+  <dgm:styleLbl name="fgAccFollowNode1">
+    <dgm:fillClrLst meth="repeat">
+      <a:schemeClr val="accent1">
+        <a:alpha val="90000"/>
+        <a:tint val="40000"/>
+      </a:schemeClr>
+    </dgm:fillClrLst>
+    <dgm:linClrLst meth="repeat">
+      <a:schemeClr val="accent1">
+        <a:alpha val="90000"/>
+        <a:tint val="40000"/>
+      </a:schemeClr>
+    </dgm:linClrLst>
+    <dgm:effectClrLst/>
+    <dgm:txLinClrLst/>
+    <dgm:txFillClrLst meth="repeat">
+      <a:schemeClr val="dk1"/>
+    </dgm:txFillClrLst>
+    <dgm:txEffectClrLst/>
+  </dgm:styleLbl>
+  <dgm:styleLbl name="alignAccFollowNode1">
+    <dgm:fillClrLst meth="repeat">
+      <a:schemeClr val="accent1">
+        <a:alpha val="90000"/>
+        <a:tint val="40000"/>
+      </a:schemeClr>
+    </dgm:fillClrLst>
+    <dgm:linClrLst meth="repeat">
+      <a:schemeClr val="accent1">
+        <a:alpha val="90000"/>
+        <a:tint val="40000"/>
+      </a:schemeClr>
+    </dgm:linClrLst>
+    <dgm:effectClrLst/>
+    <dgm:txLinClrLst/>
+    <dgm:txFillClrLst meth="repeat">
+      <a:schemeClr val="dk1"/>
+    </dgm:txFillClrLst>
+    <dgm:txEffectClrLst/>
+  </dgm:styleLbl>
+  <dgm:styleLbl name="bgAccFollowNode1">
+    <dgm:fillClrLst meth="repeat">
+      <a:schemeClr val="accent1">
+        <a:alpha val="90000"/>
+        <a:tint val="40000"/>
+      </a:schemeClr>
+    </dgm:fillClrLst>
+    <dgm:linClrLst meth="repeat">
+      <a:schemeClr val="accent1">
+        <a:alpha val="90000"/>
+        <a:tint val="40000"/>
+      </a:schemeClr>
+    </dgm:linClrLst>
+    <dgm:effectClrLst/>
+    <dgm:txLinClrLst/>
+    <dgm:txFillClrLst meth="repeat">
+      <a:schemeClr val="dk1"/>
+    </dgm:txFillClrLst>
+    <dgm:txEffectClrLst/>
+  </dgm:styleLbl>
+  <dgm:styleLbl name="fgAcc0">
+    <dgm:fillClrLst meth="repeat">
+      <a:schemeClr val="lt1">
+        <a:alpha val="90000"/>
+      </a:schemeClr>
+    </dgm:fillClrLst>
+    <dgm:linClrLst meth="repeat">
+      <a:schemeClr val="accent1"/>
+    </dgm:linClrLst>
+    <dgm:effectClrLst/>
+    <dgm:txLinClrLst/>
+    <dgm:txFillClrLst meth="repeat">
+      <a:schemeClr val="dk1"/>
+    </dgm:txFillClrLst>
+    <dgm:txEffectClrLst/>
+  </dgm:styleLbl>
+  <dgm:styleLbl name="fgAcc2">
+    <dgm:fillClrLst meth="repeat">
+      <a:schemeClr val="lt1">
+        <a:alpha val="90000"/>
+      </a:schemeClr>
+    </dgm:fillClrLst>
+    <dgm:linClrLst meth="repeat">
+      <a:schemeClr val="accent1"/>
+    </dgm:linClrLst>
+    <dgm:effectClrLst/>
+    <dgm:txLinClrLst/>
+    <dgm:txFillClrLst meth="repeat">
+      <a:schemeClr val="dk1"/>
+    </dgm:txFillClrLst>
+    <dgm:txEffectClrLst/>
+  </dgm:styleLbl>
+  <dgm:styleLbl name="fgAcc3">
+    <dgm:fillClrLst meth="repeat">
+      <a:schemeClr val="lt1">
+        <a:alpha val="90000"/>
+      </a:schemeClr>
+    </dgm:fillClrLst>
+    <dgm:linClrLst meth="repeat">
+      <a:schemeClr val="accent1"/>
+    </dgm:linClrLst>
+    <dgm:effectClrLst/>
+    <dgm:txLinClrLst/>
+    <dgm:txFillClrLst meth="repeat">
+      <a:schemeClr val="dk1"/>
+    </dgm:txFillClrLst>
+    <dgm:txEffectClrLst/>
+  </dgm:styleLbl>
+  <dgm:styleLbl name="fgAcc4">
+    <dgm:fillClrLst meth="repeat">
+      <a:schemeClr val="lt1">
+        <a:alpha val="90000"/>
+      </a:schemeClr>
+    </dgm:fillClrLst>
+    <dgm:linClrLst meth="repeat">
+      <a:schemeClr val="accent1"/>
+    </dgm:linClrLst>
+    <dgm:effectClrLst/>
+    <dgm:txLinClrLst/>
+    <dgm:txFillClrLst meth="repeat">
+      <a:schemeClr val="dk1"/>
+    </dgm:txFillClrLst>
+    <dgm:txEffectClrLst/>
+  </dgm:styleLbl>
+  <dgm:styleLbl name="bgShp">
+    <dgm:fillClrLst meth="repeat">
+      <a:schemeClr val="accent1">
+        <a:tint val="40000"/>
+      </a:schemeClr>
+    </dgm:fillClrLst>
+    <dgm:linClrLst meth="repeat">
+      <a:schemeClr val="accent1"/>
+    </dgm:linClrLst>
+    <dgm:effectClrLst/>
+    <dgm:txLinClrLst/>
+    <dgm:txFillClrLst meth="repeat">
+      <a:schemeClr val="dk1"/>
+    </dgm:txFillClrLst>
+    <dgm:txEffectClrLst/>
+  </dgm:styleLbl>
+  <dgm:styleLbl name="dkBgShp">
+    <dgm:fillClrLst meth="repeat">
+      <a:schemeClr val="accent1">
+        <a:shade val="80000"/>
+      </a:schemeClr>
+    </dgm:fillClrLst>
+    <dgm:linClrLst meth="repeat">
+      <a:schemeClr val="accent1"/>
+    </dgm:linClrLst>
+    <dgm:effectClrLst/>
+    <dgm:txLinClrLst/>
+    <dgm:txFillClrLst meth="repeat">
+      <a:schemeClr val="lt1"/>
+    </dgm:txFillClrLst>
+    <dgm:txEffectClrLst/>
+  </dgm:styleLbl>
+  <dgm:styleLbl name="trBgShp">
+    <dgm:fillClrLst meth="repeat">
+      <a:schemeClr val="accent1">
+        <a:tint val="50000"/>
+        <a:alpha val="40000"/>
+      </a:schemeClr>
+    </dgm:fillClrLst>
+    <dgm:linClrLst meth="repeat">
+      <a:schemeClr val="accent1"/>
+    </dgm:linClrLst>
+    <dgm:effectClrLst/>
+    <dgm:txLinClrLst/>
+    <dgm:txFillClrLst meth="repeat">
+      <a:schemeClr val="lt1"/>
+    </dgm:txFillClrLst>
+    <dgm:txEffectClrLst/>
+  </dgm:styleLbl>
+  <dgm:styleLbl name="fgShp">
+    <dgm:fillClrLst meth="repeat">
+      <a:schemeClr val="accent1">
+        <a:tint val="60000"/>
+      </a:schemeClr>
+    </dgm:fillClrLst>
+    <dgm:linClrLst meth="repeat">
+      <a:schemeClr val="lt1"/>
+    </dgm:linClrLst>
+    <dgm:effectClrLst/>
+    <dgm:txLinClrLst/>
+    <dgm:txFillClrLst meth="repeat">
+      <a:schemeClr val="dk1"/>
+    </dgm:txFillClrLst>
+    <dgm:txEffectClrLst/>
+  </dgm:styleLbl>
+  <dgm:styleLbl name="revTx">
+    <dgm:fillClrLst meth="repeat">
+      <a:schemeClr val="lt1">
+        <a:alpha val="0"/>
+      </a:schemeClr>
+    </dgm:fillClrLst>
+    <dgm:linClrLst meth="repeat">
+      <a:schemeClr val="dk1">
+        <a:alpha val="0"/>
+      </a:schemeClr>
+    </dgm:linClrLst>
+    <dgm:effectClrLst/>
+    <dgm:txLinClrLst/>
+    <dgm:txFillClrLst meth="repeat">
+      <a:schemeClr val="tx1"/>
+    </dgm:txFillClrLst>
+    <dgm:txEffectClrLst/>
+  </dgm:styleLbl>
+</dgm:colorsDef>
+</file>
+
+<file path=ppt/diagrams/data1.xml><?xml version="1.0" encoding="utf-8"?>
+<dgm:dataModel xmlns:dgm="http://schemas.openxmlformats.org/drawingml/2006/diagram" xmlns:a="http://schemas.openxmlformats.org/drawingml/2006/main">
+  <dgm:ptLst>
+    <dgm:pt modelId="{04385937-9A43-476E-AF7D-1F35E62AA58A}" type="doc">
+      <dgm:prSet loTypeId="urn:microsoft.com/office/officeart/2018/2/layout/IconVerticalSolidList" loCatId="icon" qsTypeId="urn:microsoft.com/office/officeart/2005/8/quickstyle/simple1" qsCatId="simple" csTypeId="urn:microsoft.com/office/officeart/2005/8/colors/accent1_2" csCatId="accent1" phldr="1"/>
+      <dgm:spPr/>
+      <dgm:t>
+        <a:bodyPr/>
+        <a:lstStyle/>
+        <a:p>
+          <a:endParaRPr lang="en-US"/>
+        </a:p>
+      </dgm:t>
+    </dgm:pt>
+    <dgm:pt modelId="{AD923A70-EA38-4BEB-AD34-FC0592A15067}">
+      <dgm:prSet/>
+      <dgm:spPr/>
+      <dgm:t>
+        <a:bodyPr/>
+        <a:lstStyle/>
+        <a:p>
+          <a:pPr>
+            <a:lnSpc>
+              <a:spcPct val="100000"/>
+            </a:lnSpc>
+          </a:pPr>
+          <a:r>
+            <a:rPr lang="en-US" dirty="0"/>
+            <a:t>Segment borrowers into personas:    High Earners, Less Credit Utilization</a:t>
+          </a:r>
+        </a:p>
+      </dgm:t>
+    </dgm:pt>
+    <dgm:pt modelId="{0B6924D5-4B33-4B59-AADD-117F9F3F7BEA}" type="parTrans" cxnId="{B442F6F7-4A7B-4FEB-964F-6EFDF304DC58}">
+      <dgm:prSet/>
+      <dgm:spPr/>
+      <dgm:t>
+        <a:bodyPr/>
+        <a:lstStyle/>
+        <a:p>
+          <a:endParaRPr lang="en-US"/>
+        </a:p>
+      </dgm:t>
+    </dgm:pt>
+    <dgm:pt modelId="{88374988-5EAD-4103-BFE9-262A86F3517E}" type="sibTrans" cxnId="{B442F6F7-4A7B-4FEB-964F-6EFDF304DC58}">
+      <dgm:prSet/>
+      <dgm:spPr/>
+      <dgm:t>
+        <a:bodyPr/>
+        <a:lstStyle/>
+        <a:p>
+          <a:endParaRPr lang="en-US"/>
+        </a:p>
+      </dgm:t>
+    </dgm:pt>
+    <dgm:pt modelId="{823442B8-2E32-4DFD-9B5B-A4BC20DD0424}">
+      <dgm:prSet/>
+      <dgm:spPr/>
+      <dgm:t>
+        <a:bodyPr/>
+        <a:lstStyle/>
+        <a:p>
+          <a:pPr>
+            <a:lnSpc>
+              <a:spcPct val="100000"/>
+            </a:lnSpc>
+          </a:pPr>
+          <a:r>
+            <a:rPr lang="en-US"/>
+            <a:t>Prioritize Low-Risk, High-Yield borrowers</a:t>
+          </a:r>
+        </a:p>
+      </dgm:t>
+    </dgm:pt>
+    <dgm:pt modelId="{7CBD04FD-7885-48D2-B429-1B0251199748}" type="parTrans" cxnId="{490A3C31-CD08-475D-9A68-3E2E6D3C0BBC}">
+      <dgm:prSet/>
+      <dgm:spPr/>
+      <dgm:t>
+        <a:bodyPr/>
+        <a:lstStyle/>
+        <a:p>
+          <a:endParaRPr lang="en-US"/>
+        </a:p>
+      </dgm:t>
+    </dgm:pt>
+    <dgm:pt modelId="{7248500B-0FCC-4990-B04A-D2803347441A}" type="sibTrans" cxnId="{490A3C31-CD08-475D-9A68-3E2E6D3C0BBC}">
+      <dgm:prSet/>
+      <dgm:spPr/>
+      <dgm:t>
+        <a:bodyPr/>
+        <a:lstStyle/>
+        <a:p>
+          <a:endParaRPr lang="en-US"/>
+        </a:p>
+      </dgm:t>
+    </dgm:pt>
+    <dgm:pt modelId="{596F2019-A1CA-41FC-AE61-C24EA74715CC}">
+      <dgm:prSet/>
+      <dgm:spPr/>
+      <dgm:t>
+        <a:bodyPr/>
+        <a:lstStyle/>
+        <a:p>
+          <a:pPr>
+            <a:lnSpc>
+              <a:spcPct val="100000"/>
+            </a:lnSpc>
+          </a:pPr>
+          <a:r>
+            <a:rPr lang="en-US"/>
+            <a:t>Tighten Underwriting for High-Risk Segments</a:t>
+          </a:r>
+        </a:p>
+      </dgm:t>
+    </dgm:pt>
+    <dgm:pt modelId="{C0B1AA0A-5333-461E-9499-02362A66CA12}" type="parTrans" cxnId="{4D7E296F-0338-49DD-AE1D-8DFCBEF4B3F7}">
+      <dgm:prSet/>
+      <dgm:spPr/>
+      <dgm:t>
+        <a:bodyPr/>
+        <a:lstStyle/>
+        <a:p>
+          <a:endParaRPr lang="en-US"/>
+        </a:p>
+      </dgm:t>
+    </dgm:pt>
+    <dgm:pt modelId="{C2E72107-CF9E-463E-A40E-AFC9385CB2AD}" type="sibTrans" cxnId="{4D7E296F-0338-49DD-AE1D-8DFCBEF4B3F7}">
+      <dgm:prSet/>
+      <dgm:spPr/>
+      <dgm:t>
+        <a:bodyPr/>
+        <a:lstStyle/>
+        <a:p>
+          <a:endParaRPr lang="en-US"/>
+        </a:p>
+      </dgm:t>
+    </dgm:pt>
+    <dgm:pt modelId="{39C6274F-889E-49EA-A4D3-4C26C7FB1BC3}">
+      <dgm:prSet/>
+      <dgm:spPr/>
+      <dgm:t>
+        <a:bodyPr/>
+        <a:lstStyle/>
+        <a:p>
+          <a:pPr>
+            <a:lnSpc>
+              <a:spcPct val="100000"/>
+            </a:lnSpc>
+          </a:pPr>
+          <a:r>
+            <a:rPr lang="en-US"/>
+            <a:t>Adopt Risk-based pricing</a:t>
+          </a:r>
+        </a:p>
+      </dgm:t>
+    </dgm:pt>
+    <dgm:pt modelId="{FDB4F81D-DF3D-4102-9D40-2EC721759DB8}" type="parTrans" cxnId="{8D534237-DF41-4C28-9353-E1B3EAB78DC2}">
+      <dgm:prSet/>
+      <dgm:spPr/>
+      <dgm:t>
+        <a:bodyPr/>
+        <a:lstStyle/>
+        <a:p>
+          <a:endParaRPr lang="en-US"/>
+        </a:p>
+      </dgm:t>
+    </dgm:pt>
+    <dgm:pt modelId="{2AD1CDC5-4C47-4AC8-A1A6-F093D4DC0CBF}" type="sibTrans" cxnId="{8D534237-DF41-4C28-9353-E1B3EAB78DC2}">
+      <dgm:prSet/>
+      <dgm:spPr/>
+      <dgm:t>
+        <a:bodyPr/>
+        <a:lstStyle/>
+        <a:p>
+          <a:endParaRPr lang="en-US"/>
+        </a:p>
+      </dgm:t>
+    </dgm:pt>
+    <dgm:pt modelId="{2BCE9234-99CD-4CB0-A49F-358B02D654EE}">
+      <dgm:prSet/>
+      <dgm:spPr/>
+      <dgm:t>
+        <a:bodyPr/>
+        <a:lstStyle/>
+        <a:p>
+          <a:pPr>
+            <a:lnSpc>
+              <a:spcPct val="100000"/>
+            </a:lnSpc>
+          </a:pPr>
+          <a:r>
+            <a:rPr lang="en-US" dirty="0"/>
+            <a:t>Implement Early Warning &amp; Collection Triggers to stop bleeding</a:t>
+          </a:r>
+        </a:p>
+      </dgm:t>
+    </dgm:pt>
+    <dgm:pt modelId="{9BC7EC33-7E99-4179-A933-3F3925245C65}" type="parTrans" cxnId="{C5B53951-0583-4239-A2B9-4BDE288839EC}">
+      <dgm:prSet/>
+      <dgm:spPr/>
+      <dgm:t>
+        <a:bodyPr/>
+        <a:lstStyle/>
+        <a:p>
+          <a:endParaRPr lang="en-US"/>
+        </a:p>
+      </dgm:t>
+    </dgm:pt>
+    <dgm:pt modelId="{6E72DF55-FBA7-44F4-B476-AE004C7B8C3D}" type="sibTrans" cxnId="{C5B53951-0583-4239-A2B9-4BDE288839EC}">
+      <dgm:prSet/>
+      <dgm:spPr/>
+      <dgm:t>
+        <a:bodyPr/>
+        <a:lstStyle/>
+        <a:p>
+          <a:endParaRPr lang="en-US"/>
+        </a:p>
+      </dgm:t>
+    </dgm:pt>
+    <dgm:pt modelId="{2F4452C0-6450-4129-9897-2327C31B9F4A}" type="pres">
+      <dgm:prSet presAssocID="{04385937-9A43-476E-AF7D-1F35E62AA58A}" presName="root" presStyleCnt="0">
+        <dgm:presLayoutVars>
+          <dgm:dir/>
+          <dgm:resizeHandles val="exact"/>
+        </dgm:presLayoutVars>
+      </dgm:prSet>
+      <dgm:spPr/>
+    </dgm:pt>
+    <dgm:pt modelId="{78F0E326-9C46-40FE-A63D-37F21C83A388}" type="pres">
+      <dgm:prSet presAssocID="{AD923A70-EA38-4BEB-AD34-FC0592A15067}" presName="compNode" presStyleCnt="0"/>
+      <dgm:spPr/>
+    </dgm:pt>
+    <dgm:pt modelId="{3838ED48-D6B1-4DCF-8378-EA5FB81F6DE5}" type="pres">
+      <dgm:prSet presAssocID="{AD923A70-EA38-4BEB-AD34-FC0592A15067}" presName="bgRect" presStyleLbl="bgShp" presStyleIdx="0" presStyleCnt="5"/>
+      <dgm:spPr/>
+    </dgm:pt>
+    <dgm:pt modelId="{A432D503-323E-4000-B2BC-D627495E6BDF}" type="pres">
+      <dgm:prSet presAssocID="{AD923A70-EA38-4BEB-AD34-FC0592A15067}" presName="iconRect" presStyleLbl="node1" presStyleIdx="0" presStyleCnt="5"/>
+      <dgm:spPr>
+        <a:blipFill>
+          <a:blip xmlns:r="http://schemas.openxmlformats.org/officeDocument/2006/relationships" r:embed="rId1">
+            <a:extLst>
+              <a:ext uri="{28A0092B-C50C-407E-A947-70E740481C1C}">
+                <a14:useLocalDpi xmlns:a14="http://schemas.microsoft.com/office/drawing/2010/main" val="0"/>
+              </a:ext>
+              <a:ext uri="{96DAC541-7B7A-43D3-8B79-37D633B846F1}">
+                <asvg:svgBlip xmlns:asvg="http://schemas.microsoft.com/office/drawing/2016/SVG/main" r:embed="rId2"/>
+              </a:ext>
+            </a:extLst>
+          </a:blip>
+          <a:stretch>
+            <a:fillRect/>
+          </a:stretch>
+        </a:blipFill>
+      </dgm:spPr>
+      <dgm:extLst>
+        <a:ext uri="{E40237B7-FDA0-4F09-8148-C483321AD2D9}">
+          <dgm14:cNvPr xmlns:dgm14="http://schemas.microsoft.com/office/drawing/2010/diagram" id="0" name="" descr="Bank"/>
+        </a:ext>
+      </dgm:extLst>
+    </dgm:pt>
+    <dgm:pt modelId="{BA545F1C-22D9-4C8E-8FE5-9821D4673EFE}" type="pres">
+      <dgm:prSet presAssocID="{AD923A70-EA38-4BEB-AD34-FC0592A15067}" presName="spaceRect" presStyleCnt="0"/>
+      <dgm:spPr/>
+    </dgm:pt>
+    <dgm:pt modelId="{584415E1-4058-4557-A735-A481C6AE6F35}" type="pres">
+      <dgm:prSet presAssocID="{AD923A70-EA38-4BEB-AD34-FC0592A15067}" presName="parTx" presStyleLbl="revTx" presStyleIdx="0" presStyleCnt="5">
+        <dgm:presLayoutVars>
+          <dgm:chMax val="0"/>
+          <dgm:chPref val="0"/>
+        </dgm:presLayoutVars>
+      </dgm:prSet>
+      <dgm:spPr/>
+    </dgm:pt>
+    <dgm:pt modelId="{A9EDD6A1-EB3C-47CD-B726-F9730C3BD11C}" type="pres">
+      <dgm:prSet presAssocID="{88374988-5EAD-4103-BFE9-262A86F3517E}" presName="sibTrans" presStyleCnt="0"/>
+      <dgm:spPr/>
+    </dgm:pt>
+    <dgm:pt modelId="{9A8D8A58-CC62-4DC9-93CA-40126D836C56}" type="pres">
+      <dgm:prSet presAssocID="{823442B8-2E32-4DFD-9B5B-A4BC20DD0424}" presName="compNode" presStyleCnt="0"/>
+      <dgm:spPr/>
+    </dgm:pt>
+    <dgm:pt modelId="{208CBA2C-7321-4CED-8F93-8903B70C657D}" type="pres">
+      <dgm:prSet presAssocID="{823442B8-2E32-4DFD-9B5B-A4BC20DD0424}" presName="bgRect" presStyleLbl="bgShp" presStyleIdx="1" presStyleCnt="5"/>
+      <dgm:spPr/>
+    </dgm:pt>
+    <dgm:pt modelId="{C9DFF613-2E16-445A-B2F7-490ADDE193AA}" type="pres">
+      <dgm:prSet presAssocID="{823442B8-2E32-4DFD-9B5B-A4BC20DD0424}" presName="iconRect" presStyleLbl="node1" presStyleIdx="1" presStyleCnt="5"/>
+      <dgm:spPr>
+        <a:blipFill>
+          <a:blip xmlns:r="http://schemas.openxmlformats.org/officeDocument/2006/relationships" r:embed="rId3">
+            <a:extLst>
+              <a:ext uri="{28A0092B-C50C-407E-A947-70E740481C1C}">
+                <a14:useLocalDpi xmlns:a14="http://schemas.microsoft.com/office/drawing/2010/main" val="0"/>
+              </a:ext>
+              <a:ext uri="{96DAC541-7B7A-43D3-8B79-37D633B846F1}">
+                <asvg:svgBlip xmlns:asvg="http://schemas.microsoft.com/office/drawing/2016/SVG/main" r:embed="rId4"/>
+              </a:ext>
+            </a:extLst>
+          </a:blip>
+          <a:stretch>
+            <a:fillRect/>
+          </a:stretch>
+        </a:blipFill>
+      </dgm:spPr>
+      <dgm:extLst>
+        <a:ext uri="{E40237B7-FDA0-4F09-8148-C483321AD2D9}">
+          <dgm14:cNvPr xmlns:dgm14="http://schemas.microsoft.com/office/drawing/2010/diagram" id="0" name="" descr="Laptop Secure"/>
+        </a:ext>
+      </dgm:extLst>
+    </dgm:pt>
+    <dgm:pt modelId="{335BE2E6-4633-4D3D-827A-4E1B6142DD81}" type="pres">
+      <dgm:prSet presAssocID="{823442B8-2E32-4DFD-9B5B-A4BC20DD0424}" presName="spaceRect" presStyleCnt="0"/>
+      <dgm:spPr/>
+    </dgm:pt>
+    <dgm:pt modelId="{63E40040-31B7-4629-B139-17F2171708DE}" type="pres">
+      <dgm:prSet presAssocID="{823442B8-2E32-4DFD-9B5B-A4BC20DD0424}" presName="parTx" presStyleLbl="revTx" presStyleIdx="1" presStyleCnt="5">
+        <dgm:presLayoutVars>
+          <dgm:chMax val="0"/>
+          <dgm:chPref val="0"/>
+        </dgm:presLayoutVars>
+      </dgm:prSet>
+      <dgm:spPr/>
+    </dgm:pt>
+    <dgm:pt modelId="{D7F7F301-C93F-41C8-AD52-4A2F2C057B6A}" type="pres">
+      <dgm:prSet presAssocID="{7248500B-0FCC-4990-B04A-D2803347441A}" presName="sibTrans" presStyleCnt="0"/>
+      <dgm:spPr/>
+    </dgm:pt>
+    <dgm:pt modelId="{D59AE9F8-64CA-4411-8E69-F51AA25A8E49}" type="pres">
+      <dgm:prSet presAssocID="{596F2019-A1CA-41FC-AE61-C24EA74715CC}" presName="compNode" presStyleCnt="0"/>
+      <dgm:spPr/>
+    </dgm:pt>
+    <dgm:pt modelId="{E3700696-7225-4C06-B5CC-2F4FB30C52A9}" type="pres">
+      <dgm:prSet presAssocID="{596F2019-A1CA-41FC-AE61-C24EA74715CC}" presName="bgRect" presStyleLbl="bgShp" presStyleIdx="2" presStyleCnt="5"/>
+      <dgm:spPr/>
+    </dgm:pt>
+    <dgm:pt modelId="{C6C46D59-5FF8-4EFF-8229-B5F988866B83}" type="pres">
+      <dgm:prSet presAssocID="{596F2019-A1CA-41FC-AE61-C24EA74715CC}" presName="iconRect" presStyleLbl="node1" presStyleIdx="2" presStyleCnt="5"/>
+      <dgm:spPr>
+        <a:blipFill>
+          <a:blip xmlns:r="http://schemas.openxmlformats.org/officeDocument/2006/relationships" r:embed="rId5">
+            <a:extLst>
+              <a:ext uri="{28A0092B-C50C-407E-A947-70E740481C1C}">
+                <a14:useLocalDpi xmlns:a14="http://schemas.microsoft.com/office/drawing/2010/main" val="0"/>
+              </a:ext>
+              <a:ext uri="{96DAC541-7B7A-43D3-8B79-37D633B846F1}">
+                <asvg:svgBlip xmlns:asvg="http://schemas.microsoft.com/office/drawing/2016/SVG/main" r:embed="rId6"/>
+              </a:ext>
+            </a:extLst>
+          </a:blip>
+          <a:stretch>
+            <a:fillRect/>
+          </a:stretch>
+        </a:blipFill>
+      </dgm:spPr>
+      <dgm:extLst>
+        <a:ext uri="{E40237B7-FDA0-4F09-8148-C483321AD2D9}">
+          <dgm14:cNvPr xmlns:dgm14="http://schemas.microsoft.com/office/drawing/2010/diagram" id="0" name="" descr="Flag"/>
+        </a:ext>
+      </dgm:extLst>
+    </dgm:pt>
+    <dgm:pt modelId="{F85678B8-2388-4CE3-8CE4-FFC45A4C1EF9}" type="pres">
+      <dgm:prSet presAssocID="{596F2019-A1CA-41FC-AE61-C24EA74715CC}" presName="spaceRect" presStyleCnt="0"/>
+      <dgm:spPr/>
+    </dgm:pt>
+    <dgm:pt modelId="{FC076D74-9FFD-4893-BA7C-83F5C15E8B29}" type="pres">
+      <dgm:prSet presAssocID="{596F2019-A1CA-41FC-AE61-C24EA74715CC}" presName="parTx" presStyleLbl="revTx" presStyleIdx="2" presStyleCnt="5">
+        <dgm:presLayoutVars>
+          <dgm:chMax val="0"/>
+          <dgm:chPref val="0"/>
+        </dgm:presLayoutVars>
+      </dgm:prSet>
+      <dgm:spPr/>
+    </dgm:pt>
+    <dgm:pt modelId="{AABD97F9-A55B-4B4E-9F5B-E77F217A7F09}" type="pres">
+      <dgm:prSet presAssocID="{C2E72107-CF9E-463E-A40E-AFC9385CB2AD}" presName="sibTrans" presStyleCnt="0"/>
+      <dgm:spPr/>
+    </dgm:pt>
+    <dgm:pt modelId="{35515A97-419A-4F50-9F09-0A4813469482}" type="pres">
+      <dgm:prSet presAssocID="{39C6274F-889E-49EA-A4D3-4C26C7FB1BC3}" presName="compNode" presStyleCnt="0"/>
+      <dgm:spPr/>
+    </dgm:pt>
+    <dgm:pt modelId="{46AB7E4C-5606-4DFE-8360-36CD48A00D15}" type="pres">
+      <dgm:prSet presAssocID="{39C6274F-889E-49EA-A4D3-4C26C7FB1BC3}" presName="bgRect" presStyleLbl="bgShp" presStyleIdx="3" presStyleCnt="5"/>
+      <dgm:spPr/>
+    </dgm:pt>
+    <dgm:pt modelId="{FBA231F9-19C3-4853-8FB4-082A482E495A}" type="pres">
+      <dgm:prSet presAssocID="{39C6274F-889E-49EA-A4D3-4C26C7FB1BC3}" presName="iconRect" presStyleLbl="node1" presStyleIdx="3" presStyleCnt="5"/>
+      <dgm:spPr>
+        <a:blipFill>
+          <a:blip xmlns:r="http://schemas.openxmlformats.org/officeDocument/2006/relationships" r:embed="rId7">
+            <a:extLst>
+              <a:ext uri="{28A0092B-C50C-407E-A947-70E740481C1C}">
+                <a14:useLocalDpi xmlns:a14="http://schemas.microsoft.com/office/drawing/2010/main" val="0"/>
+              </a:ext>
+              <a:ext uri="{96DAC541-7B7A-43D3-8B79-37D633B846F1}">
+                <asvg:svgBlip xmlns:asvg="http://schemas.microsoft.com/office/drawing/2016/SVG/main" r:embed="rId8"/>
+              </a:ext>
+            </a:extLst>
+          </a:blip>
+          <a:stretch>
+            <a:fillRect/>
+          </a:stretch>
+        </a:blipFill>
+      </dgm:spPr>
+      <dgm:extLst>
+        <a:ext uri="{E40237B7-FDA0-4F09-8148-C483321AD2D9}">
+          <dgm14:cNvPr xmlns:dgm14="http://schemas.microsoft.com/office/drawing/2010/diagram" id="0" name="" descr="Financial"/>
+        </a:ext>
+      </dgm:extLst>
+    </dgm:pt>
+    <dgm:pt modelId="{3AB80FAE-DBE0-43E8-B5C8-0DFE82E2D52A}" type="pres">
+      <dgm:prSet presAssocID="{39C6274F-889E-49EA-A4D3-4C26C7FB1BC3}" presName="spaceRect" presStyleCnt="0"/>
+      <dgm:spPr/>
+    </dgm:pt>
+    <dgm:pt modelId="{6B9E7534-548E-4F31-A20C-ABCAEA36DCB6}" type="pres">
+      <dgm:prSet presAssocID="{39C6274F-889E-49EA-A4D3-4C26C7FB1BC3}" presName="parTx" presStyleLbl="revTx" presStyleIdx="3" presStyleCnt="5">
+        <dgm:presLayoutVars>
+          <dgm:chMax val="0"/>
+          <dgm:chPref val="0"/>
+        </dgm:presLayoutVars>
+      </dgm:prSet>
+      <dgm:spPr/>
+    </dgm:pt>
+    <dgm:pt modelId="{8151C079-9B80-459D-9426-489B8F5EDA3D}" type="pres">
+      <dgm:prSet presAssocID="{2AD1CDC5-4C47-4AC8-A1A6-F093D4DC0CBF}" presName="sibTrans" presStyleCnt="0"/>
+      <dgm:spPr/>
+    </dgm:pt>
+    <dgm:pt modelId="{B09225DE-6C97-42FC-B6DC-8C9764D992EA}" type="pres">
+      <dgm:prSet presAssocID="{2BCE9234-99CD-4CB0-A49F-358B02D654EE}" presName="compNode" presStyleCnt="0"/>
+      <dgm:spPr/>
+    </dgm:pt>
+    <dgm:pt modelId="{803F417A-E5F3-4956-90D3-B6204C9065E8}" type="pres">
+      <dgm:prSet presAssocID="{2BCE9234-99CD-4CB0-A49F-358B02D654EE}" presName="bgRect" presStyleLbl="bgShp" presStyleIdx="4" presStyleCnt="5"/>
+      <dgm:spPr/>
+    </dgm:pt>
+    <dgm:pt modelId="{8017D067-2DD2-4067-8676-C89273FFF3B7}" type="pres">
+      <dgm:prSet presAssocID="{2BCE9234-99CD-4CB0-A49F-358B02D654EE}" presName="iconRect" presStyleLbl="node1" presStyleIdx="4" presStyleCnt="5"/>
+      <dgm:spPr>
+        <a:blipFill>
+          <a:blip xmlns:r="http://schemas.openxmlformats.org/officeDocument/2006/relationships" r:embed="rId9">
+            <a:extLst>
+              <a:ext uri="{28A0092B-C50C-407E-A947-70E740481C1C}">
+                <a14:useLocalDpi xmlns:a14="http://schemas.microsoft.com/office/drawing/2010/main" val="0"/>
+              </a:ext>
+              <a:ext uri="{96DAC541-7B7A-43D3-8B79-37D633B846F1}">
+                <asvg:svgBlip xmlns:asvg="http://schemas.microsoft.com/office/drawing/2016/SVG/main" r:embed="rId10"/>
+              </a:ext>
+            </a:extLst>
+          </a:blip>
+          <a:stretch>
+            <a:fillRect/>
+          </a:stretch>
+        </a:blipFill>
+      </dgm:spPr>
+      <dgm:extLst>
+        <a:ext uri="{E40237B7-FDA0-4F09-8148-C483321AD2D9}">
+          <dgm14:cNvPr xmlns:dgm14="http://schemas.microsoft.com/office/drawing/2010/diagram" id="0" name="" descr="Button Control"/>
+        </a:ext>
+      </dgm:extLst>
+    </dgm:pt>
+    <dgm:pt modelId="{D06558A4-8713-445A-B44B-612DE18D662F}" type="pres">
+      <dgm:prSet presAssocID="{2BCE9234-99CD-4CB0-A49F-358B02D654EE}" presName="spaceRect" presStyleCnt="0"/>
+      <dgm:spPr/>
+    </dgm:pt>
+    <dgm:pt modelId="{0CCE1186-0A73-47CD-841D-980C8EAEEDD0}" type="pres">
+      <dgm:prSet presAssocID="{2BCE9234-99CD-4CB0-A49F-358B02D654EE}" presName="parTx" presStyleLbl="revTx" presStyleIdx="4" presStyleCnt="5">
+        <dgm:presLayoutVars>
+          <dgm:chMax val="0"/>
+          <dgm:chPref val="0"/>
+        </dgm:presLayoutVars>
+      </dgm:prSet>
+      <dgm:spPr/>
+    </dgm:pt>
+  </dgm:ptLst>
+  <dgm:cxnLst>
+    <dgm:cxn modelId="{C7158C1D-9846-49B3-96D6-8C4EB1C5CF9E}" type="presOf" srcId="{AD923A70-EA38-4BEB-AD34-FC0592A15067}" destId="{584415E1-4058-4557-A735-A481C6AE6F35}" srcOrd="0" destOrd="0" presId="urn:microsoft.com/office/officeart/2018/2/layout/IconVerticalSolidList"/>
+    <dgm:cxn modelId="{D0BBAF2B-F6DB-42BA-AD73-62DABD8093D4}" type="presOf" srcId="{2BCE9234-99CD-4CB0-A49F-358B02D654EE}" destId="{0CCE1186-0A73-47CD-841D-980C8EAEEDD0}" srcOrd="0" destOrd="0" presId="urn:microsoft.com/office/officeart/2018/2/layout/IconVerticalSolidList"/>
+    <dgm:cxn modelId="{490A3C31-CD08-475D-9A68-3E2E6D3C0BBC}" srcId="{04385937-9A43-476E-AF7D-1F35E62AA58A}" destId="{823442B8-2E32-4DFD-9B5B-A4BC20DD0424}" srcOrd="1" destOrd="0" parTransId="{7CBD04FD-7885-48D2-B429-1B0251199748}" sibTransId="{7248500B-0FCC-4990-B04A-D2803347441A}"/>
+    <dgm:cxn modelId="{8D534237-DF41-4C28-9353-E1B3EAB78DC2}" srcId="{04385937-9A43-476E-AF7D-1F35E62AA58A}" destId="{39C6274F-889E-49EA-A4D3-4C26C7FB1BC3}" srcOrd="3" destOrd="0" parTransId="{FDB4F81D-DF3D-4102-9D40-2EC721759DB8}" sibTransId="{2AD1CDC5-4C47-4AC8-A1A6-F093D4DC0CBF}"/>
+    <dgm:cxn modelId="{EF76B040-2FDC-47FA-8380-FE0C29EFC606}" type="presOf" srcId="{39C6274F-889E-49EA-A4D3-4C26C7FB1BC3}" destId="{6B9E7534-548E-4F31-A20C-ABCAEA36DCB6}" srcOrd="0" destOrd="0" presId="urn:microsoft.com/office/officeart/2018/2/layout/IconVerticalSolidList"/>
+    <dgm:cxn modelId="{BBB2B64A-BCC3-4B6D-B3EB-35456CDE46AF}" type="presOf" srcId="{596F2019-A1CA-41FC-AE61-C24EA74715CC}" destId="{FC076D74-9FFD-4893-BA7C-83F5C15E8B29}" srcOrd="0" destOrd="0" presId="urn:microsoft.com/office/officeart/2018/2/layout/IconVerticalSolidList"/>
+    <dgm:cxn modelId="{C5B53951-0583-4239-A2B9-4BDE288839EC}" srcId="{04385937-9A43-476E-AF7D-1F35E62AA58A}" destId="{2BCE9234-99CD-4CB0-A49F-358B02D654EE}" srcOrd="4" destOrd="0" parTransId="{9BC7EC33-7E99-4179-A933-3F3925245C65}" sibTransId="{6E72DF55-FBA7-44F4-B476-AE004C7B8C3D}"/>
+    <dgm:cxn modelId="{4D7E296F-0338-49DD-AE1D-8DFCBEF4B3F7}" srcId="{04385937-9A43-476E-AF7D-1F35E62AA58A}" destId="{596F2019-A1CA-41FC-AE61-C24EA74715CC}" srcOrd="2" destOrd="0" parTransId="{C0B1AA0A-5333-461E-9499-02362A66CA12}" sibTransId="{C2E72107-CF9E-463E-A40E-AFC9385CB2AD}"/>
+    <dgm:cxn modelId="{48B5D6BD-4A78-48A2-8B50-9529FE6E2DF5}" type="presOf" srcId="{823442B8-2E32-4DFD-9B5B-A4BC20DD0424}" destId="{63E40040-31B7-4629-B139-17F2171708DE}" srcOrd="0" destOrd="0" presId="urn:microsoft.com/office/officeart/2018/2/layout/IconVerticalSolidList"/>
+    <dgm:cxn modelId="{B442F6F7-4A7B-4FEB-964F-6EFDF304DC58}" srcId="{04385937-9A43-476E-AF7D-1F35E62AA58A}" destId="{AD923A70-EA38-4BEB-AD34-FC0592A15067}" srcOrd="0" destOrd="0" parTransId="{0B6924D5-4B33-4B59-AADD-117F9F3F7BEA}" sibTransId="{88374988-5EAD-4103-BFE9-262A86F3517E}"/>
+    <dgm:cxn modelId="{25EEBEFE-156D-40A1-B5D0-0B836B9E7FE6}" type="presOf" srcId="{04385937-9A43-476E-AF7D-1F35E62AA58A}" destId="{2F4452C0-6450-4129-9897-2327C31B9F4A}" srcOrd="0" destOrd="0" presId="urn:microsoft.com/office/officeart/2018/2/layout/IconVerticalSolidList"/>
+    <dgm:cxn modelId="{9F8A042C-7768-4008-BD76-3492EB0E2F57}" type="presParOf" srcId="{2F4452C0-6450-4129-9897-2327C31B9F4A}" destId="{78F0E326-9C46-40FE-A63D-37F21C83A388}" srcOrd="0" destOrd="0" presId="urn:microsoft.com/office/officeart/2018/2/layout/IconVerticalSolidList"/>
+    <dgm:cxn modelId="{F74BCF28-ADB8-4BEC-9B66-0908E45DBB76}" type="presParOf" srcId="{78F0E326-9C46-40FE-A63D-37F21C83A388}" destId="{3838ED48-D6B1-4DCF-8378-EA5FB81F6DE5}" srcOrd="0" destOrd="0" presId="urn:microsoft.com/office/officeart/2018/2/layout/IconVerticalSolidList"/>
+    <dgm:cxn modelId="{9B8DE7DC-8599-4F9E-9E65-432EB1EE4EBE}" type="presParOf" srcId="{78F0E326-9C46-40FE-A63D-37F21C83A388}" destId="{A432D503-323E-4000-B2BC-D627495E6BDF}" srcOrd="1" destOrd="0" presId="urn:microsoft.com/office/officeart/2018/2/layout/IconVerticalSolidList"/>
+    <dgm:cxn modelId="{D000CB66-9564-4E48-B023-FFD679D0CD84}" type="presParOf" srcId="{78F0E326-9C46-40FE-A63D-37F21C83A388}" destId="{BA545F1C-22D9-4C8E-8FE5-9821D4673EFE}" srcOrd="2" destOrd="0" presId="urn:microsoft.com/office/officeart/2018/2/layout/IconVerticalSolidList"/>
+    <dgm:cxn modelId="{BBDDC323-910B-4C7C-82D3-178141255D7A}" type="presParOf" srcId="{78F0E326-9C46-40FE-A63D-37F21C83A388}" destId="{584415E1-4058-4557-A735-A481C6AE6F35}" srcOrd="3" destOrd="0" presId="urn:microsoft.com/office/officeart/2018/2/layout/IconVerticalSolidList"/>
+    <dgm:cxn modelId="{2345AD49-D31A-4510-B182-82D1538C6CAE}" type="presParOf" srcId="{2F4452C0-6450-4129-9897-2327C31B9F4A}" destId="{A9EDD6A1-EB3C-47CD-B726-F9730C3BD11C}" srcOrd="1" destOrd="0" presId="urn:microsoft.com/office/officeart/2018/2/layout/IconVerticalSolidList"/>
+    <dgm:cxn modelId="{0C59C4E3-4EC4-4A92-A3EF-90CEC7C1D8ED}" type="presParOf" srcId="{2F4452C0-6450-4129-9897-2327C31B9F4A}" destId="{9A8D8A58-CC62-4DC9-93CA-40126D836C56}" srcOrd="2" destOrd="0" presId="urn:microsoft.com/office/officeart/2018/2/layout/IconVerticalSolidList"/>
+    <dgm:cxn modelId="{8978C700-1A72-4F3C-A808-9BACD2508D9F}" type="presParOf" srcId="{9A8D8A58-CC62-4DC9-93CA-40126D836C56}" destId="{208CBA2C-7321-4CED-8F93-8903B70C657D}" srcOrd="0" destOrd="0" presId="urn:microsoft.com/office/officeart/2018/2/layout/IconVerticalSolidList"/>
+    <dgm:cxn modelId="{28036037-B82E-4C38-B2CE-F47ECA632CF6}" type="presParOf" srcId="{9A8D8A58-CC62-4DC9-93CA-40126D836C56}" destId="{C9DFF613-2E16-445A-B2F7-490ADDE193AA}" srcOrd="1" destOrd="0" presId="urn:microsoft.com/office/officeart/2018/2/layout/IconVerticalSolidList"/>
+    <dgm:cxn modelId="{1FB70AC8-CD29-40E2-8FE5-C1449BFE9BEB}" type="presParOf" srcId="{9A8D8A58-CC62-4DC9-93CA-40126D836C56}" destId="{335BE2E6-4633-4D3D-827A-4E1B6142DD81}" srcOrd="2" destOrd="0" presId="urn:microsoft.com/office/officeart/2018/2/layout/IconVerticalSolidList"/>
+    <dgm:cxn modelId="{0F19C09F-2D86-4F87-80D5-CB0A69D987B9}" type="presParOf" srcId="{9A8D8A58-CC62-4DC9-93CA-40126D836C56}" destId="{63E40040-31B7-4629-B139-17F2171708DE}" srcOrd="3" destOrd="0" presId="urn:microsoft.com/office/officeart/2018/2/layout/IconVerticalSolidList"/>
+    <dgm:cxn modelId="{47942A06-24C4-4D91-A6D0-C2FA5EA1F4AD}" type="presParOf" srcId="{2F4452C0-6450-4129-9897-2327C31B9F4A}" destId="{D7F7F301-C93F-41C8-AD52-4A2F2C057B6A}" srcOrd="3" destOrd="0" presId="urn:microsoft.com/office/officeart/2018/2/layout/IconVerticalSolidList"/>
+    <dgm:cxn modelId="{D157D285-DBE5-4CDD-9992-39E9994D089A}" type="presParOf" srcId="{2F4452C0-6450-4129-9897-2327C31B9F4A}" destId="{D59AE9F8-64CA-4411-8E69-F51AA25A8E49}" srcOrd="4" destOrd="0" presId="urn:microsoft.com/office/officeart/2018/2/layout/IconVerticalSolidList"/>
+    <dgm:cxn modelId="{76384E4E-D68A-4963-A044-2C5AB414ABB8}" type="presParOf" srcId="{D59AE9F8-64CA-4411-8E69-F51AA25A8E49}" destId="{E3700696-7225-4C06-B5CC-2F4FB30C52A9}" srcOrd="0" destOrd="0" presId="urn:microsoft.com/office/officeart/2018/2/layout/IconVerticalSolidList"/>
+    <dgm:cxn modelId="{788E7BDB-B690-4A2D-9096-22BBDBECBFCC}" type="presParOf" srcId="{D59AE9F8-64CA-4411-8E69-F51AA25A8E49}" destId="{C6C46D59-5FF8-4EFF-8229-B5F988866B83}" srcOrd="1" destOrd="0" presId="urn:microsoft.com/office/officeart/2018/2/layout/IconVerticalSolidList"/>
+    <dgm:cxn modelId="{6A59DDCB-CD40-4358-B730-A3D9B5FDD92E}" type="presParOf" srcId="{D59AE9F8-64CA-4411-8E69-F51AA25A8E49}" destId="{F85678B8-2388-4CE3-8CE4-FFC45A4C1EF9}" srcOrd="2" destOrd="0" presId="urn:microsoft.com/office/officeart/2018/2/layout/IconVerticalSolidList"/>
+    <dgm:cxn modelId="{9A086463-B1D3-4A8C-A9F6-CBF0B877E867}" type="presParOf" srcId="{D59AE9F8-64CA-4411-8E69-F51AA25A8E49}" destId="{FC076D74-9FFD-4893-BA7C-83F5C15E8B29}" srcOrd="3" destOrd="0" presId="urn:microsoft.com/office/officeart/2018/2/layout/IconVerticalSolidList"/>
+    <dgm:cxn modelId="{8C3DDA21-F1F6-4C8D-BCA5-EECB47B39A4E}" type="presParOf" srcId="{2F4452C0-6450-4129-9897-2327C31B9F4A}" destId="{AABD97F9-A55B-4B4E-9F5B-E77F217A7F09}" srcOrd="5" destOrd="0" presId="urn:microsoft.com/office/officeart/2018/2/layout/IconVerticalSolidList"/>
+    <dgm:cxn modelId="{0BB72A11-3F14-45AD-9E74-E522845DCF7D}" type="presParOf" srcId="{2F4452C0-6450-4129-9897-2327C31B9F4A}" destId="{35515A97-419A-4F50-9F09-0A4813469482}" srcOrd="6" destOrd="0" presId="urn:microsoft.com/office/officeart/2018/2/layout/IconVerticalSolidList"/>
+    <dgm:cxn modelId="{4AFCB72F-218D-443E-9EF2-E1D4C060DB41}" type="presParOf" srcId="{35515A97-419A-4F50-9F09-0A4813469482}" destId="{46AB7E4C-5606-4DFE-8360-36CD48A00D15}" srcOrd="0" destOrd="0" presId="urn:microsoft.com/office/officeart/2018/2/layout/IconVerticalSolidList"/>
+    <dgm:cxn modelId="{CAD001AF-2F0B-4359-941C-21EE0BA60263}" type="presParOf" srcId="{35515A97-419A-4F50-9F09-0A4813469482}" destId="{FBA231F9-19C3-4853-8FB4-082A482E495A}" srcOrd="1" destOrd="0" presId="urn:microsoft.com/office/officeart/2018/2/layout/IconVerticalSolidList"/>
+    <dgm:cxn modelId="{1850B842-EBCC-4F6E-99E8-639EAB607FE5}" type="presParOf" srcId="{35515A97-419A-4F50-9F09-0A4813469482}" destId="{3AB80FAE-DBE0-43E8-B5C8-0DFE82E2D52A}" srcOrd="2" destOrd="0" presId="urn:microsoft.com/office/officeart/2018/2/layout/IconVerticalSolidList"/>
+    <dgm:cxn modelId="{F2143211-B020-4651-A948-9406F3BB78ED}" type="presParOf" srcId="{35515A97-419A-4F50-9F09-0A4813469482}" destId="{6B9E7534-548E-4F31-A20C-ABCAEA36DCB6}" srcOrd="3" destOrd="0" presId="urn:microsoft.com/office/officeart/2018/2/layout/IconVerticalSolidList"/>
+    <dgm:cxn modelId="{33076DF2-DA9B-4477-8D88-CC7570160309}" type="presParOf" srcId="{2F4452C0-6450-4129-9897-2327C31B9F4A}" destId="{8151C079-9B80-459D-9426-489B8F5EDA3D}" srcOrd="7" destOrd="0" presId="urn:microsoft.com/office/officeart/2018/2/layout/IconVerticalSolidList"/>
+    <dgm:cxn modelId="{85B24D50-1F34-41FF-B7BC-3074A2121141}" type="presParOf" srcId="{2F4452C0-6450-4129-9897-2327C31B9F4A}" destId="{B09225DE-6C97-42FC-B6DC-8C9764D992EA}" srcOrd="8" destOrd="0" presId="urn:microsoft.com/office/officeart/2018/2/layout/IconVerticalSolidList"/>
+    <dgm:cxn modelId="{E23A8DA1-8F66-42E6-959C-7B642F1FF039}" type="presParOf" srcId="{B09225DE-6C97-42FC-B6DC-8C9764D992EA}" destId="{803F417A-E5F3-4956-90D3-B6204C9065E8}" srcOrd="0" destOrd="0" presId="urn:microsoft.com/office/officeart/2018/2/layout/IconVerticalSolidList"/>
+    <dgm:cxn modelId="{17CBC285-465C-4D50-B5E5-D24CE3BAB5AA}" type="presParOf" srcId="{B09225DE-6C97-42FC-B6DC-8C9764D992EA}" destId="{8017D067-2DD2-4067-8676-C89273FFF3B7}" srcOrd="1" destOrd="0" presId="urn:microsoft.com/office/officeart/2018/2/layout/IconVerticalSolidList"/>
+    <dgm:cxn modelId="{41F0D47A-4817-4A7B-99F8-E3BA5913FC5C}" type="presParOf" srcId="{B09225DE-6C97-42FC-B6DC-8C9764D992EA}" destId="{D06558A4-8713-445A-B44B-612DE18D662F}" srcOrd="2" destOrd="0" presId="urn:microsoft.com/office/officeart/2018/2/layout/IconVerticalSolidList"/>
+    <dgm:cxn modelId="{61CD7278-643E-4A35-A0FD-AAD5C911A1A2}" type="presParOf" srcId="{B09225DE-6C97-42FC-B6DC-8C9764D992EA}" destId="{0CCE1186-0A73-47CD-841D-980C8EAEEDD0}" srcOrd="3" destOrd="0" presId="urn:microsoft.com/office/officeart/2018/2/layout/IconVerticalSolidList"/>
+  </dgm:cxnLst>
+  <dgm:bg/>
+  <dgm:whole/>
+  <dgm:extLst>
+    <a:ext uri="http://schemas.microsoft.com/office/drawing/2008/diagram">
+      <dsp:dataModelExt xmlns:dsp="http://schemas.microsoft.com/office/drawing/2008/diagram" relId="rId6" minVer="http://schemas.openxmlformats.org/drawingml/2006/diagram"/>
+    </a:ext>
+  </dgm:extLst>
+</dgm:dataModel>
+</file>
+
+<file path=ppt/diagrams/data2.xml><?xml version="1.0" encoding="utf-8"?>
+<dgm:dataModel xmlns:dgm="http://schemas.openxmlformats.org/drawingml/2006/diagram" xmlns:a="http://schemas.openxmlformats.org/drawingml/2006/main">
+  <dgm:ptLst>
+    <dgm:pt modelId="{04385937-9A43-476E-AF7D-1F35E62AA58A}" type="doc">
+      <dgm:prSet loTypeId="urn:microsoft.com/office/officeart/2018/2/layout/IconVerticalSolidList" loCatId="icon" qsTypeId="urn:microsoft.com/office/officeart/2005/8/quickstyle/simple1" qsCatId="simple" csTypeId="urn:microsoft.com/office/officeart/2005/8/colors/accent1_2" csCatId="accent1" phldr="1"/>
+      <dgm:spPr/>
+      <dgm:t>
+        <a:bodyPr/>
+        <a:lstStyle/>
+        <a:p>
+          <a:endParaRPr lang="en-US"/>
+        </a:p>
+      </dgm:t>
+    </dgm:pt>
+    <dgm:pt modelId="{AD923A70-EA38-4BEB-AD34-FC0592A15067}">
+      <dgm:prSet/>
+      <dgm:spPr/>
+      <dgm:t>
+        <a:bodyPr/>
+        <a:lstStyle/>
+        <a:p>
+          <a:pPr>
+            <a:lnSpc>
+              <a:spcPct val="100000"/>
+            </a:lnSpc>
+          </a:pPr>
+          <a:r>
+            <a:rPr lang="en-US" dirty="0"/>
+            <a:t>Address Class Imbalance more effectively.</a:t>
+          </a:r>
+        </a:p>
+      </dgm:t>
+    </dgm:pt>
+    <dgm:pt modelId="{0B6924D5-4B33-4B59-AADD-117F9F3F7BEA}" type="parTrans" cxnId="{B442F6F7-4A7B-4FEB-964F-6EFDF304DC58}">
+      <dgm:prSet/>
+      <dgm:spPr/>
+      <dgm:t>
+        <a:bodyPr/>
+        <a:lstStyle/>
+        <a:p>
+          <a:endParaRPr lang="en-US"/>
+        </a:p>
+      </dgm:t>
+    </dgm:pt>
+    <dgm:pt modelId="{88374988-5EAD-4103-BFE9-262A86F3517E}" type="sibTrans" cxnId="{B442F6F7-4A7B-4FEB-964F-6EFDF304DC58}">
+      <dgm:prSet/>
+      <dgm:spPr/>
+      <dgm:t>
+        <a:bodyPr/>
+        <a:lstStyle/>
+        <a:p>
+          <a:endParaRPr lang="en-US"/>
+        </a:p>
+      </dgm:t>
+    </dgm:pt>
+    <dgm:pt modelId="{823442B8-2E32-4DFD-9B5B-A4BC20DD0424}">
+      <dgm:prSet/>
+      <dgm:spPr/>
+      <dgm:t>
+        <a:bodyPr/>
+        <a:lstStyle/>
+        <a:p>
+          <a:pPr>
+            <a:lnSpc>
+              <a:spcPct val="100000"/>
+            </a:lnSpc>
+          </a:pPr>
+          <a:r>
+            <a:rPr lang="en-US" dirty="0"/>
+            <a:t>Enhance feature engineering.</a:t>
+          </a:r>
+        </a:p>
+      </dgm:t>
+    </dgm:pt>
+    <dgm:pt modelId="{7CBD04FD-7885-48D2-B429-1B0251199748}" type="parTrans" cxnId="{490A3C31-CD08-475D-9A68-3E2E6D3C0BBC}">
+      <dgm:prSet/>
+      <dgm:spPr/>
+      <dgm:t>
+        <a:bodyPr/>
+        <a:lstStyle/>
+        <a:p>
+          <a:endParaRPr lang="en-US"/>
+        </a:p>
+      </dgm:t>
+    </dgm:pt>
+    <dgm:pt modelId="{7248500B-0FCC-4990-B04A-D2803347441A}" type="sibTrans" cxnId="{490A3C31-CD08-475D-9A68-3E2E6D3C0BBC}">
+      <dgm:prSet/>
+      <dgm:spPr/>
+      <dgm:t>
+        <a:bodyPr/>
+        <a:lstStyle/>
+        <a:p>
+          <a:endParaRPr lang="en-US"/>
+        </a:p>
+      </dgm:t>
+    </dgm:pt>
+    <dgm:pt modelId="{596F2019-A1CA-41FC-AE61-C24EA74715CC}">
+      <dgm:prSet/>
+      <dgm:spPr/>
+      <dgm:t>
+        <a:bodyPr/>
+        <a:lstStyle/>
+        <a:p>
+          <a:pPr>
+            <a:lnSpc>
+              <a:spcPct val="100000"/>
+            </a:lnSpc>
+          </a:pPr>
+          <a:r>
+            <a:rPr lang="en-US" dirty="0"/>
+            <a:t>Augment additional datasets.</a:t>
+          </a:r>
+        </a:p>
+      </dgm:t>
+    </dgm:pt>
+    <dgm:pt modelId="{C0B1AA0A-5333-461E-9499-02362A66CA12}" type="parTrans" cxnId="{4D7E296F-0338-49DD-AE1D-8DFCBEF4B3F7}">
+      <dgm:prSet/>
+      <dgm:spPr/>
+      <dgm:t>
+        <a:bodyPr/>
+        <a:lstStyle/>
+        <a:p>
+          <a:endParaRPr lang="en-US"/>
+        </a:p>
+      </dgm:t>
+    </dgm:pt>
+    <dgm:pt modelId="{C2E72107-CF9E-463E-A40E-AFC9385CB2AD}" type="sibTrans" cxnId="{4D7E296F-0338-49DD-AE1D-8DFCBEF4B3F7}">
+      <dgm:prSet/>
+      <dgm:spPr/>
+      <dgm:t>
+        <a:bodyPr/>
+        <a:lstStyle/>
+        <a:p>
+          <a:endParaRPr lang="en-US"/>
+        </a:p>
+      </dgm:t>
+    </dgm:pt>
+    <dgm:pt modelId="{39C6274F-889E-49EA-A4D3-4C26C7FB1BC3}">
+      <dgm:prSet/>
+      <dgm:spPr/>
+      <dgm:t>
+        <a:bodyPr/>
+        <a:lstStyle/>
+        <a:p>
+          <a:pPr>
+            <a:lnSpc>
+              <a:spcPct val="100000"/>
+            </a:lnSpc>
+          </a:pPr>
+          <a:r>
+            <a:rPr lang="en-US" dirty="0"/>
+            <a:t>Collect more loan data.</a:t>
+          </a:r>
+        </a:p>
+      </dgm:t>
+    </dgm:pt>
+    <dgm:pt modelId="{FDB4F81D-DF3D-4102-9D40-2EC721759DB8}" type="parTrans" cxnId="{8D534237-DF41-4C28-9353-E1B3EAB78DC2}">
+      <dgm:prSet/>
+      <dgm:spPr/>
+      <dgm:t>
+        <a:bodyPr/>
+        <a:lstStyle/>
+        <a:p>
+          <a:endParaRPr lang="en-US"/>
+        </a:p>
+      </dgm:t>
+    </dgm:pt>
+    <dgm:pt modelId="{2AD1CDC5-4C47-4AC8-A1A6-F093D4DC0CBF}" type="sibTrans" cxnId="{8D534237-DF41-4C28-9353-E1B3EAB78DC2}">
+      <dgm:prSet/>
+      <dgm:spPr/>
+      <dgm:t>
+        <a:bodyPr/>
+        <a:lstStyle/>
+        <a:p>
+          <a:endParaRPr lang="en-US"/>
+        </a:p>
+      </dgm:t>
+    </dgm:pt>
+    <dgm:pt modelId="{2BCE9234-99CD-4CB0-A49F-358B02D654EE}">
+      <dgm:prSet/>
+      <dgm:spPr/>
+      <dgm:t>
+        <a:bodyPr/>
+        <a:lstStyle/>
+        <a:p>
+          <a:pPr>
+            <a:lnSpc>
+              <a:spcPct val="100000"/>
+            </a:lnSpc>
+          </a:pPr>
+          <a:r>
+            <a:rPr lang="en-US" dirty="0"/>
+            <a:t>Optimize threshold of Profit Maximization.</a:t>
+          </a:r>
+        </a:p>
+      </dgm:t>
+    </dgm:pt>
+    <dgm:pt modelId="{9BC7EC33-7E99-4179-A933-3F3925245C65}" type="parTrans" cxnId="{C5B53951-0583-4239-A2B9-4BDE288839EC}">
+      <dgm:prSet/>
+      <dgm:spPr/>
+      <dgm:t>
+        <a:bodyPr/>
+        <a:lstStyle/>
+        <a:p>
+          <a:endParaRPr lang="en-US"/>
+        </a:p>
+      </dgm:t>
+    </dgm:pt>
+    <dgm:pt modelId="{6E72DF55-FBA7-44F4-B476-AE004C7B8C3D}" type="sibTrans" cxnId="{C5B53951-0583-4239-A2B9-4BDE288839EC}">
+      <dgm:prSet/>
+      <dgm:spPr/>
+      <dgm:t>
+        <a:bodyPr/>
+        <a:lstStyle/>
+        <a:p>
+          <a:endParaRPr lang="en-US"/>
+        </a:p>
+      </dgm:t>
+    </dgm:pt>
+    <dgm:pt modelId="{2F4452C0-6450-4129-9897-2327C31B9F4A}" type="pres">
+      <dgm:prSet presAssocID="{04385937-9A43-476E-AF7D-1F35E62AA58A}" presName="root" presStyleCnt="0">
+        <dgm:presLayoutVars>
+          <dgm:dir/>
+          <dgm:resizeHandles val="exact"/>
+        </dgm:presLayoutVars>
+      </dgm:prSet>
+      <dgm:spPr/>
+    </dgm:pt>
+    <dgm:pt modelId="{78F0E326-9C46-40FE-A63D-37F21C83A388}" type="pres">
+      <dgm:prSet presAssocID="{AD923A70-EA38-4BEB-AD34-FC0592A15067}" presName="compNode" presStyleCnt="0"/>
+      <dgm:spPr/>
+    </dgm:pt>
+    <dgm:pt modelId="{3838ED48-D6B1-4DCF-8378-EA5FB81F6DE5}" type="pres">
+      <dgm:prSet presAssocID="{AD923A70-EA38-4BEB-AD34-FC0592A15067}" presName="bgRect" presStyleLbl="bgShp" presStyleIdx="0" presStyleCnt="5" custLinFactY="-54632" custLinFactNeighborX="-540" custLinFactNeighborY="-100000"/>
+      <dgm:spPr/>
+    </dgm:pt>
+    <dgm:pt modelId="{A432D503-323E-4000-B2BC-D627495E6BDF}" type="pres">
+      <dgm:prSet presAssocID="{AD923A70-EA38-4BEB-AD34-FC0592A15067}" presName="iconRect" presStyleLbl="node1" presStyleIdx="0" presStyleCnt="5"/>
+      <dgm:spPr>
+        <a:blipFill>
+          <a:blip xmlns:r="http://schemas.openxmlformats.org/officeDocument/2006/relationships" r:embed="rId1">
+            <a:extLst>
+              <a:ext uri="{96DAC541-7B7A-43D3-8B79-37D633B846F1}">
+                <asvg:svgBlip xmlns:asvg="http://schemas.microsoft.com/office/drawing/2016/SVG/main" r:embed="rId2"/>
+              </a:ext>
+            </a:extLst>
+          </a:blip>
+          <a:srcRect/>
+          <a:stretch>
+            <a:fillRect/>
+          </a:stretch>
+        </a:blipFill>
+      </dgm:spPr>
+      <dgm:extLst>
+        <a:ext uri="{E40237B7-FDA0-4F09-8148-C483321AD2D9}">
+          <dgm14:cNvPr xmlns:dgm14="http://schemas.microsoft.com/office/drawing/2010/diagram" id="0" name="" descr="Scales of justice with solid fill"/>
+        </a:ext>
+      </dgm:extLst>
+    </dgm:pt>
+    <dgm:pt modelId="{BA545F1C-22D9-4C8E-8FE5-9821D4673EFE}" type="pres">
+      <dgm:prSet presAssocID="{AD923A70-EA38-4BEB-AD34-FC0592A15067}" presName="spaceRect" presStyleCnt="0"/>
+      <dgm:spPr/>
+    </dgm:pt>
+    <dgm:pt modelId="{584415E1-4058-4557-A735-A481C6AE6F35}" type="pres">
+      <dgm:prSet presAssocID="{AD923A70-EA38-4BEB-AD34-FC0592A15067}" presName="parTx" presStyleLbl="revTx" presStyleIdx="0" presStyleCnt="5">
+        <dgm:presLayoutVars>
+          <dgm:chMax val="0"/>
+          <dgm:chPref val="0"/>
+        </dgm:presLayoutVars>
+      </dgm:prSet>
+      <dgm:spPr/>
+    </dgm:pt>
+    <dgm:pt modelId="{A9EDD6A1-EB3C-47CD-B726-F9730C3BD11C}" type="pres">
+      <dgm:prSet presAssocID="{88374988-5EAD-4103-BFE9-262A86F3517E}" presName="sibTrans" presStyleCnt="0"/>
+      <dgm:spPr/>
+    </dgm:pt>
+    <dgm:pt modelId="{9A8D8A58-CC62-4DC9-93CA-40126D836C56}" type="pres">
+      <dgm:prSet presAssocID="{823442B8-2E32-4DFD-9B5B-A4BC20DD0424}" presName="compNode" presStyleCnt="0"/>
+      <dgm:spPr/>
+    </dgm:pt>
+    <dgm:pt modelId="{208CBA2C-7321-4CED-8F93-8903B70C657D}" type="pres">
+      <dgm:prSet presAssocID="{823442B8-2E32-4DFD-9B5B-A4BC20DD0424}" presName="bgRect" presStyleLbl="bgShp" presStyleIdx="1" presStyleCnt="5"/>
+      <dgm:spPr/>
+    </dgm:pt>
+    <dgm:pt modelId="{C9DFF613-2E16-445A-B2F7-490ADDE193AA}" type="pres">
+      <dgm:prSet presAssocID="{823442B8-2E32-4DFD-9B5B-A4BC20DD0424}" presName="iconRect" presStyleLbl="node1" presStyleIdx="1" presStyleCnt="5"/>
+      <dgm:spPr>
+        <a:blipFill>
+          <a:blip xmlns:r="http://schemas.openxmlformats.org/officeDocument/2006/relationships" r:embed="rId3">
+            <a:extLst>
+              <a:ext uri="{96DAC541-7B7A-43D3-8B79-37D633B846F1}">
+                <asvg:svgBlip xmlns:asvg="http://schemas.microsoft.com/office/drawing/2016/SVG/main" r:embed="rId4"/>
+              </a:ext>
+            </a:extLst>
+          </a:blip>
+          <a:srcRect/>
+          <a:stretch>
+            <a:fillRect/>
+          </a:stretch>
+        </a:blipFill>
+      </dgm:spPr>
+      <dgm:extLst>
+        <a:ext uri="{E40237B7-FDA0-4F09-8148-C483321AD2D9}">
+          <dgm14:cNvPr xmlns:dgm14="http://schemas.microsoft.com/office/drawing/2010/diagram" id="0" name="" descr="Bridge scene outline"/>
+        </a:ext>
+      </dgm:extLst>
+    </dgm:pt>
+    <dgm:pt modelId="{335BE2E6-4633-4D3D-827A-4E1B6142DD81}" type="pres">
+      <dgm:prSet presAssocID="{823442B8-2E32-4DFD-9B5B-A4BC20DD0424}" presName="spaceRect" presStyleCnt="0"/>
+      <dgm:spPr/>
+    </dgm:pt>
+    <dgm:pt modelId="{63E40040-31B7-4629-B139-17F2171708DE}" type="pres">
+      <dgm:prSet presAssocID="{823442B8-2E32-4DFD-9B5B-A4BC20DD0424}" presName="parTx" presStyleLbl="revTx" presStyleIdx="1" presStyleCnt="5">
+        <dgm:presLayoutVars>
+          <dgm:chMax val="0"/>
+          <dgm:chPref val="0"/>
+        </dgm:presLayoutVars>
+      </dgm:prSet>
+      <dgm:spPr/>
+    </dgm:pt>
+    <dgm:pt modelId="{D7F7F301-C93F-41C8-AD52-4A2F2C057B6A}" type="pres">
+      <dgm:prSet presAssocID="{7248500B-0FCC-4990-B04A-D2803347441A}" presName="sibTrans" presStyleCnt="0"/>
+      <dgm:spPr/>
+    </dgm:pt>
+    <dgm:pt modelId="{D59AE9F8-64CA-4411-8E69-F51AA25A8E49}" type="pres">
+      <dgm:prSet presAssocID="{596F2019-A1CA-41FC-AE61-C24EA74715CC}" presName="compNode" presStyleCnt="0"/>
+      <dgm:spPr/>
+    </dgm:pt>
+    <dgm:pt modelId="{E3700696-7225-4C06-B5CC-2F4FB30C52A9}" type="pres">
+      <dgm:prSet presAssocID="{596F2019-A1CA-41FC-AE61-C24EA74715CC}" presName="bgRect" presStyleLbl="bgShp" presStyleIdx="2" presStyleCnt="5"/>
+      <dgm:spPr/>
+    </dgm:pt>
+    <dgm:pt modelId="{C6C46D59-5FF8-4EFF-8229-B5F988866B83}" type="pres">
+      <dgm:prSet presAssocID="{596F2019-A1CA-41FC-AE61-C24EA74715CC}" presName="iconRect" presStyleLbl="node1" presStyleIdx="2" presStyleCnt="5"/>
+      <dgm:spPr>
+        <a:blipFill>
+          <a:blip xmlns:r="http://schemas.openxmlformats.org/officeDocument/2006/relationships" r:embed="rId5">
+            <a:extLst>
+              <a:ext uri="{96DAC541-7B7A-43D3-8B79-37D633B846F1}">
+                <asvg:svgBlip xmlns:asvg="http://schemas.microsoft.com/office/drawing/2016/SVG/main" r:embed="rId6"/>
+              </a:ext>
+            </a:extLst>
+          </a:blip>
+          <a:srcRect/>
+          <a:stretch>
+            <a:fillRect/>
+          </a:stretch>
+        </a:blipFill>
+      </dgm:spPr>
+      <dgm:extLst>
+        <a:ext uri="{E40237B7-FDA0-4F09-8148-C483321AD2D9}">
+          <dgm14:cNvPr xmlns:dgm14="http://schemas.microsoft.com/office/drawing/2010/diagram" id="0" name="" descr="Database with solid fill"/>
+        </a:ext>
+      </dgm:extLst>
+    </dgm:pt>
+    <dgm:pt modelId="{F85678B8-2388-4CE3-8CE4-FFC45A4C1EF9}" type="pres">
+      <dgm:prSet presAssocID="{596F2019-A1CA-41FC-AE61-C24EA74715CC}" presName="spaceRect" presStyleCnt="0"/>
+      <dgm:spPr/>
+    </dgm:pt>
+    <dgm:pt modelId="{FC076D74-9FFD-4893-BA7C-83F5C15E8B29}" type="pres">
+      <dgm:prSet presAssocID="{596F2019-A1CA-41FC-AE61-C24EA74715CC}" presName="parTx" presStyleLbl="revTx" presStyleIdx="2" presStyleCnt="5">
+        <dgm:presLayoutVars>
+          <dgm:chMax val="0"/>
+          <dgm:chPref val="0"/>
+        </dgm:presLayoutVars>
+      </dgm:prSet>
+      <dgm:spPr/>
+    </dgm:pt>
+    <dgm:pt modelId="{AABD97F9-A55B-4B4E-9F5B-E77F217A7F09}" type="pres">
+      <dgm:prSet presAssocID="{C2E72107-CF9E-463E-A40E-AFC9385CB2AD}" presName="sibTrans" presStyleCnt="0"/>
+      <dgm:spPr/>
+    </dgm:pt>
+    <dgm:pt modelId="{35515A97-419A-4F50-9F09-0A4813469482}" type="pres">
+      <dgm:prSet presAssocID="{39C6274F-889E-49EA-A4D3-4C26C7FB1BC3}" presName="compNode" presStyleCnt="0"/>
+      <dgm:spPr/>
+    </dgm:pt>
+    <dgm:pt modelId="{46AB7E4C-5606-4DFE-8360-36CD48A00D15}" type="pres">
+      <dgm:prSet presAssocID="{39C6274F-889E-49EA-A4D3-4C26C7FB1BC3}" presName="bgRect" presStyleLbl="bgShp" presStyleIdx="3" presStyleCnt="5"/>
+      <dgm:spPr/>
+    </dgm:pt>
+    <dgm:pt modelId="{FBA231F9-19C3-4853-8FB4-082A482E495A}" type="pres">
+      <dgm:prSet presAssocID="{39C6274F-889E-49EA-A4D3-4C26C7FB1BC3}" presName="iconRect" presStyleLbl="node1" presStyleIdx="3" presStyleCnt="5"/>
+      <dgm:spPr>
+        <a:blipFill>
+          <a:blip xmlns:r="http://schemas.openxmlformats.org/officeDocument/2006/relationships" r:embed="rId7">
+            <a:extLst>
+              <a:ext uri="{96DAC541-7B7A-43D3-8B79-37D633B846F1}">
+                <asvg:svgBlip xmlns:asvg="http://schemas.microsoft.com/office/drawing/2016/SVG/main" r:embed="rId8"/>
+              </a:ext>
+            </a:extLst>
+          </a:blip>
+          <a:srcRect/>
+          <a:stretch>
+            <a:fillRect/>
+          </a:stretch>
+        </a:blipFill>
+      </dgm:spPr>
+      <dgm:extLst>
+        <a:ext uri="{E40237B7-FDA0-4F09-8148-C483321AD2D9}">
+          <dgm14:cNvPr xmlns:dgm14="http://schemas.microsoft.com/office/drawing/2010/diagram" id="0" name="" descr="Document with solid fill"/>
+        </a:ext>
+      </dgm:extLst>
+    </dgm:pt>
+    <dgm:pt modelId="{3AB80FAE-DBE0-43E8-B5C8-0DFE82E2D52A}" type="pres">
+      <dgm:prSet presAssocID="{39C6274F-889E-49EA-A4D3-4C26C7FB1BC3}" presName="spaceRect" presStyleCnt="0"/>
+      <dgm:spPr/>
+    </dgm:pt>
+    <dgm:pt modelId="{6B9E7534-548E-4F31-A20C-ABCAEA36DCB6}" type="pres">
+      <dgm:prSet presAssocID="{39C6274F-889E-49EA-A4D3-4C26C7FB1BC3}" presName="parTx" presStyleLbl="revTx" presStyleIdx="3" presStyleCnt="5">
+        <dgm:presLayoutVars>
+          <dgm:chMax val="0"/>
+          <dgm:chPref val="0"/>
+        </dgm:presLayoutVars>
+      </dgm:prSet>
+      <dgm:spPr/>
+    </dgm:pt>
+    <dgm:pt modelId="{8151C079-9B80-459D-9426-489B8F5EDA3D}" type="pres">
+      <dgm:prSet presAssocID="{2AD1CDC5-4C47-4AC8-A1A6-F093D4DC0CBF}" presName="sibTrans" presStyleCnt="0"/>
+      <dgm:spPr/>
+    </dgm:pt>
+    <dgm:pt modelId="{B09225DE-6C97-42FC-B6DC-8C9764D992EA}" type="pres">
+      <dgm:prSet presAssocID="{2BCE9234-99CD-4CB0-A49F-358B02D654EE}" presName="compNode" presStyleCnt="0"/>
+      <dgm:spPr/>
+    </dgm:pt>
+    <dgm:pt modelId="{803F417A-E5F3-4956-90D3-B6204C9065E8}" type="pres">
+      <dgm:prSet presAssocID="{2BCE9234-99CD-4CB0-A49F-358B02D654EE}" presName="bgRect" presStyleLbl="bgShp" presStyleIdx="4" presStyleCnt="5"/>
+      <dgm:spPr/>
+    </dgm:pt>
+    <dgm:pt modelId="{8017D067-2DD2-4067-8676-C89273FFF3B7}" type="pres">
+      <dgm:prSet presAssocID="{2BCE9234-99CD-4CB0-A49F-358B02D654EE}" presName="iconRect" presStyleLbl="node1" presStyleIdx="4" presStyleCnt="5"/>
+      <dgm:spPr>
+        <a:blipFill>
+          <a:blip xmlns:r="http://schemas.openxmlformats.org/officeDocument/2006/relationships" r:embed="rId9">
+            <a:extLst>
+              <a:ext uri="{96DAC541-7B7A-43D3-8B79-37D633B846F1}">
+                <asvg:svgBlip xmlns:asvg="http://schemas.microsoft.com/office/drawing/2016/SVG/main" r:embed="rId10"/>
+              </a:ext>
+            </a:extLst>
+          </a:blip>
+          <a:srcRect/>
+          <a:stretch>
+            <a:fillRect/>
+          </a:stretch>
+        </a:blipFill>
+      </dgm:spPr>
+      <dgm:extLst>
+        <a:ext uri="{E40237B7-FDA0-4F09-8148-C483321AD2D9}">
+          <dgm14:cNvPr xmlns:dgm14="http://schemas.microsoft.com/office/drawing/2010/diagram" id="0" name="" descr="Maximize with solid fill"/>
+        </a:ext>
+      </dgm:extLst>
+    </dgm:pt>
+    <dgm:pt modelId="{D06558A4-8713-445A-B44B-612DE18D662F}" type="pres">
+      <dgm:prSet presAssocID="{2BCE9234-99CD-4CB0-A49F-358B02D654EE}" presName="spaceRect" presStyleCnt="0"/>
+      <dgm:spPr/>
+    </dgm:pt>
+    <dgm:pt modelId="{0CCE1186-0A73-47CD-841D-980C8EAEEDD0}" type="pres">
+      <dgm:prSet presAssocID="{2BCE9234-99CD-4CB0-A49F-358B02D654EE}" presName="parTx" presStyleLbl="revTx" presStyleIdx="4" presStyleCnt="5">
+        <dgm:presLayoutVars>
+          <dgm:chMax val="0"/>
+          <dgm:chPref val="0"/>
+        </dgm:presLayoutVars>
+      </dgm:prSet>
+      <dgm:spPr/>
+    </dgm:pt>
+  </dgm:ptLst>
+  <dgm:cxnLst>
+    <dgm:cxn modelId="{C7158C1D-9846-49B3-96D6-8C4EB1C5CF9E}" type="presOf" srcId="{AD923A70-EA38-4BEB-AD34-FC0592A15067}" destId="{584415E1-4058-4557-A735-A481C6AE6F35}" srcOrd="0" destOrd="0" presId="urn:microsoft.com/office/officeart/2018/2/layout/IconVerticalSolidList"/>
+    <dgm:cxn modelId="{D0BBAF2B-F6DB-42BA-AD73-62DABD8093D4}" type="presOf" srcId="{2BCE9234-99CD-4CB0-A49F-358B02D654EE}" destId="{0CCE1186-0A73-47CD-841D-980C8EAEEDD0}" srcOrd="0" destOrd="0" presId="urn:microsoft.com/office/officeart/2018/2/layout/IconVerticalSolidList"/>
+    <dgm:cxn modelId="{490A3C31-CD08-475D-9A68-3E2E6D3C0BBC}" srcId="{04385937-9A43-476E-AF7D-1F35E62AA58A}" destId="{823442B8-2E32-4DFD-9B5B-A4BC20DD0424}" srcOrd="1" destOrd="0" parTransId="{7CBD04FD-7885-48D2-B429-1B0251199748}" sibTransId="{7248500B-0FCC-4990-B04A-D2803347441A}"/>
+    <dgm:cxn modelId="{8D534237-DF41-4C28-9353-E1B3EAB78DC2}" srcId="{04385937-9A43-476E-AF7D-1F35E62AA58A}" destId="{39C6274F-889E-49EA-A4D3-4C26C7FB1BC3}" srcOrd="3" destOrd="0" parTransId="{FDB4F81D-DF3D-4102-9D40-2EC721759DB8}" sibTransId="{2AD1CDC5-4C47-4AC8-A1A6-F093D4DC0CBF}"/>
+    <dgm:cxn modelId="{EF76B040-2FDC-47FA-8380-FE0C29EFC606}" type="presOf" srcId="{39C6274F-889E-49EA-A4D3-4C26C7FB1BC3}" destId="{6B9E7534-548E-4F31-A20C-ABCAEA36DCB6}" srcOrd="0" destOrd="0" presId="urn:microsoft.com/office/officeart/2018/2/layout/IconVerticalSolidList"/>
+    <dgm:cxn modelId="{BBB2B64A-BCC3-4B6D-B3EB-35456CDE46AF}" type="presOf" srcId="{596F2019-A1CA-41FC-AE61-C24EA74715CC}" destId="{FC076D74-9FFD-4893-BA7C-83F5C15E8B29}" srcOrd="0" destOrd="0" presId="urn:microsoft.com/office/officeart/2018/2/layout/IconVerticalSolidList"/>
+    <dgm:cxn modelId="{C5B53951-0583-4239-A2B9-4BDE288839EC}" srcId="{04385937-9A43-476E-AF7D-1F35E62AA58A}" destId="{2BCE9234-99CD-4CB0-A49F-358B02D654EE}" srcOrd="4" destOrd="0" parTransId="{9BC7EC33-7E99-4179-A933-3F3925245C65}" sibTransId="{6E72DF55-FBA7-44F4-B476-AE004C7B8C3D}"/>
+    <dgm:cxn modelId="{4D7E296F-0338-49DD-AE1D-8DFCBEF4B3F7}" srcId="{04385937-9A43-476E-AF7D-1F35E62AA58A}" destId="{596F2019-A1CA-41FC-AE61-C24EA74715CC}" srcOrd="2" destOrd="0" parTransId="{C0B1AA0A-5333-461E-9499-02362A66CA12}" sibTransId="{C2E72107-CF9E-463E-A40E-AFC9385CB2AD}"/>
+    <dgm:cxn modelId="{48B5D6BD-4A78-48A2-8B50-9529FE6E2DF5}" type="presOf" srcId="{823442B8-2E32-4DFD-9B5B-A4BC20DD0424}" destId="{63E40040-31B7-4629-B139-17F2171708DE}" srcOrd="0" destOrd="0" presId="urn:microsoft.com/office/officeart/2018/2/layout/IconVerticalSolidList"/>
+    <dgm:cxn modelId="{B442F6F7-4A7B-4FEB-964F-6EFDF304DC58}" srcId="{04385937-9A43-476E-AF7D-1F35E62AA58A}" destId="{AD923A70-EA38-4BEB-AD34-FC0592A15067}" srcOrd="0" destOrd="0" parTransId="{0B6924D5-4B33-4B59-AADD-117F9F3F7BEA}" sibTransId="{88374988-5EAD-4103-BFE9-262A86F3517E}"/>
+    <dgm:cxn modelId="{25EEBEFE-156D-40A1-B5D0-0B836B9E7FE6}" type="presOf" srcId="{04385937-9A43-476E-AF7D-1F35E62AA58A}" destId="{2F4452C0-6450-4129-9897-2327C31B9F4A}" srcOrd="0" destOrd="0" presId="urn:microsoft.com/office/officeart/2018/2/layout/IconVerticalSolidList"/>
+    <dgm:cxn modelId="{9F8A042C-7768-4008-BD76-3492EB0E2F57}" type="presParOf" srcId="{2F4452C0-6450-4129-9897-2327C31B9F4A}" destId="{78F0E326-9C46-40FE-A63D-37F21C83A388}" srcOrd="0" destOrd="0" presId="urn:microsoft.com/office/officeart/2018/2/layout/IconVerticalSolidList"/>
+    <dgm:cxn modelId="{F74BCF28-ADB8-4BEC-9B66-0908E45DBB76}" type="presParOf" srcId="{78F0E326-9C46-40FE-A63D-37F21C83A388}" destId="{3838ED48-D6B1-4DCF-8378-EA5FB81F6DE5}" srcOrd="0" destOrd="0" presId="urn:microsoft.com/office/officeart/2018/2/layout/IconVerticalSolidList"/>
+    <dgm:cxn modelId="{9B8DE7DC-8599-4F9E-9E65-432EB1EE4EBE}" type="presParOf" srcId="{78F0E326-9C46-40FE-A63D-37F21C83A388}" destId="{A432D503-323E-4000-B2BC-D627495E6BDF}" srcOrd="1" destOrd="0" presId="urn:microsoft.com/office/officeart/2018/2/layout/IconVerticalSolidList"/>
+    <dgm:cxn modelId="{D000CB66-9564-4E48-B023-FFD679D0CD84}" type="presParOf" srcId="{78F0E326-9C46-40FE-A63D-37F21C83A388}" destId="{BA545F1C-22D9-4C8E-8FE5-9821D4673EFE}" srcOrd="2" destOrd="0" presId="urn:microsoft.com/office/officeart/2018/2/layout/IconVerticalSolidList"/>
+    <dgm:cxn modelId="{BBDDC323-910B-4C7C-82D3-178141255D7A}" type="presParOf" srcId="{78F0E326-9C46-40FE-A63D-37F21C83A388}" destId="{584415E1-4058-4557-A735-A481C6AE6F35}" srcOrd="3" destOrd="0" presId="urn:microsoft.com/office/officeart/2018/2/layout/IconVerticalSolidList"/>
+    <dgm:cxn modelId="{2345AD49-D31A-4510-B182-82D1538C6CAE}" type="presParOf" srcId="{2F4452C0-6450-4129-9897-2327C31B9F4A}" destId="{A9EDD6A1-EB3C-47CD-B726-F9730C3BD11C}" srcOrd="1" destOrd="0" presId="urn:microsoft.com/office/officeart/2018/2/layout/IconVerticalSolidList"/>
+    <dgm:cxn modelId="{0C59C4E3-4EC4-4A92-A3EF-90CEC7C1D8ED}" type="presParOf" srcId="{2F4452C0-6450-4129-9897-2327C31B9F4A}" destId="{9A8D8A58-CC62-4DC9-93CA-40126D836C56}" srcOrd="2" destOrd="0" presId="urn:microsoft.com/office/officeart/2018/2/layout/IconVerticalSolidList"/>
+    <dgm:cxn modelId="{8978C700-1A72-4F3C-A808-9BACD2508D9F}" type="presParOf" srcId="{9A8D8A58-CC62-4DC9-93CA-40126D836C56}" destId="{208CBA2C-7321-4CED-8F93-8903B70C657D}" srcOrd="0" destOrd="0" presId="urn:microsoft.com/office/officeart/2018/2/layout/IconVerticalSolidList"/>
+    <dgm:cxn modelId="{28036037-B82E-4C38-B2CE-F47ECA632CF6}" type="presParOf" srcId="{9A8D8A58-CC62-4DC9-93CA-40126D836C56}" destId="{C9DFF613-2E16-445A-B2F7-490ADDE193AA}" srcOrd="1" destOrd="0" presId="urn:microsoft.com/office/officeart/2018/2/layout/IconVerticalSolidList"/>
+    <dgm:cxn modelId="{1FB70AC8-CD29-40E2-8FE5-C1449BFE9BEB}" type="presParOf" srcId="{9A8D8A58-CC62-4DC9-93CA-40126D836C56}" destId="{335BE2E6-4633-4D3D-827A-4E1B6142DD81}" srcOrd="2" destOrd="0" presId="urn:microsoft.com/office/officeart/2018/2/layout/IconVerticalSolidList"/>
+    <dgm:cxn modelId="{0F19C09F-2D86-4F87-80D5-CB0A69D987B9}" type="presParOf" srcId="{9A8D8A58-CC62-4DC9-93CA-40126D836C56}" destId="{63E40040-31B7-4629-B139-17F2171708DE}" srcOrd="3" destOrd="0" presId="urn:microsoft.com/office/officeart/2018/2/layout/IconVerticalSolidList"/>
+    <dgm:cxn modelId="{47942A06-24C4-4D91-A6D0-C2FA5EA1F4AD}" type="presParOf" srcId="{2F4452C0-6450-4129-9897-2327C31B9F4A}" destId="{D7F7F301-C93F-41C8-AD52-4A2F2C057B6A}" srcOrd="3" destOrd="0" presId="urn:microsoft.com/office/officeart/2018/2/layout/IconVerticalSolidList"/>
+    <dgm:cxn modelId="{D157D285-DBE5-4CDD-9992-39E9994D089A}" type="presParOf" srcId="{2F4452C0-6450-4129-9897-2327C31B9F4A}" destId="{D59AE9F8-64CA-4411-8E69-F51AA25A8E49}" srcOrd="4" destOrd="0" presId="urn:microsoft.com/office/officeart/2018/2/layout/IconVerticalSolidList"/>
+    <dgm:cxn modelId="{76384E4E-D68A-4963-A044-2C5AB414ABB8}" type="presParOf" srcId="{D59AE9F8-64CA-4411-8E69-F51AA25A8E49}" destId="{E3700696-7225-4C06-B5CC-2F4FB30C52A9}" srcOrd="0" destOrd="0" presId="urn:microsoft.com/office/officeart/2018/2/layout/IconVerticalSolidList"/>
+    <dgm:cxn modelId="{788E7BDB-B690-4A2D-9096-22BBDBECBFCC}" type="presParOf" srcId="{D59AE9F8-64CA-4411-8E69-F51AA25A8E49}" destId="{C6C46D59-5FF8-4EFF-8229-B5F988866B83}" srcOrd="1" destOrd="0" presId="urn:microsoft.com/office/officeart/2018/2/layout/IconVerticalSolidList"/>
+    <dgm:cxn modelId="{6A59DDCB-CD40-4358-B730-A3D9B5FDD92E}" type="presParOf" srcId="{D59AE9F8-64CA-4411-8E69-F51AA25A8E49}" destId="{F85678B8-2388-4CE3-8CE4-FFC45A4C1EF9}" srcOrd="2" destOrd="0" presId="urn:microsoft.com/office/officeart/2018/2/layout/IconVerticalSolidList"/>
+    <dgm:cxn modelId="{9A086463-B1D3-4A8C-A9F6-CBF0B877E867}" type="presParOf" srcId="{D59AE9F8-64CA-4411-8E69-F51AA25A8E49}" destId="{FC076D74-9FFD-4893-BA7C-83F5C15E8B29}" srcOrd="3" destOrd="0" presId="urn:microsoft.com/office/officeart/2018/2/layout/IconVerticalSolidList"/>
+    <dgm:cxn modelId="{8C3DDA21-F1F6-4C8D-BCA5-EECB47B39A4E}" type="presParOf" srcId="{2F4452C0-6450-4129-9897-2327C31B9F4A}" destId="{AABD97F9-A55B-4B4E-9F5B-E77F217A7F09}" srcOrd="5" destOrd="0" presId="urn:microsoft.com/office/officeart/2018/2/layout/IconVerticalSolidList"/>
+    <dgm:cxn modelId="{0BB72A11-3F14-45AD-9E74-E522845DCF7D}" type="presParOf" srcId="{2F4452C0-6450-4129-9897-2327C31B9F4A}" destId="{35515A97-419A-4F50-9F09-0A4813469482}" srcOrd="6" destOrd="0" presId="urn:microsoft.com/office/officeart/2018/2/layout/IconVerticalSolidList"/>
+    <dgm:cxn modelId="{4AFCB72F-218D-443E-9EF2-E1D4C060DB41}" type="presParOf" srcId="{35515A97-419A-4F50-9F09-0A4813469482}" destId="{46AB7E4C-5606-4DFE-8360-36CD48A00D15}" srcOrd="0" destOrd="0" presId="urn:microsoft.com/office/officeart/2018/2/layout/IconVerticalSolidList"/>
+    <dgm:cxn modelId="{CAD001AF-2F0B-4359-941C-21EE0BA60263}" type="presParOf" srcId="{35515A97-419A-4F50-9F09-0A4813469482}" destId="{FBA231F9-19C3-4853-8FB4-082A482E495A}" srcOrd="1" destOrd="0" presId="urn:microsoft.com/office/officeart/2018/2/layout/IconVerticalSolidList"/>
+    <dgm:cxn modelId="{1850B842-EBCC-4F6E-99E8-639EAB607FE5}" type="presParOf" srcId="{35515A97-419A-4F50-9F09-0A4813469482}" destId="{3AB80FAE-DBE0-43E8-B5C8-0DFE82E2D52A}" srcOrd="2" destOrd="0" presId="urn:microsoft.com/office/officeart/2018/2/layout/IconVerticalSolidList"/>
+    <dgm:cxn modelId="{F2143211-B020-4651-A948-9406F3BB78ED}" type="presParOf" srcId="{35515A97-419A-4F50-9F09-0A4813469482}" destId="{6B9E7534-548E-4F31-A20C-ABCAEA36DCB6}" srcOrd="3" destOrd="0" presId="urn:microsoft.com/office/officeart/2018/2/layout/IconVerticalSolidList"/>
+    <dgm:cxn modelId="{33076DF2-DA9B-4477-8D88-CC7570160309}" type="presParOf" srcId="{2F4452C0-6450-4129-9897-2327C31B9F4A}" destId="{8151C079-9B80-459D-9426-489B8F5EDA3D}" srcOrd="7" destOrd="0" presId="urn:microsoft.com/office/officeart/2018/2/layout/IconVerticalSolidList"/>
+    <dgm:cxn modelId="{85B24D50-1F34-41FF-B7BC-3074A2121141}" type="presParOf" srcId="{2F4452C0-6450-4129-9897-2327C31B9F4A}" destId="{B09225DE-6C97-42FC-B6DC-8C9764D992EA}" srcOrd="8" destOrd="0" presId="urn:microsoft.com/office/officeart/2018/2/layout/IconVerticalSolidList"/>
+    <dgm:cxn modelId="{E23A8DA1-8F66-42E6-959C-7B642F1FF039}" type="presParOf" srcId="{B09225DE-6C97-42FC-B6DC-8C9764D992EA}" destId="{803F417A-E5F3-4956-90D3-B6204C9065E8}" srcOrd="0" destOrd="0" presId="urn:microsoft.com/office/officeart/2018/2/layout/IconVerticalSolidList"/>
+    <dgm:cxn modelId="{17CBC285-465C-4D50-B5E5-D24CE3BAB5AA}" type="presParOf" srcId="{B09225DE-6C97-42FC-B6DC-8C9764D992EA}" destId="{8017D067-2DD2-4067-8676-C89273FFF3B7}" srcOrd="1" destOrd="0" presId="urn:microsoft.com/office/officeart/2018/2/layout/IconVerticalSolidList"/>
+    <dgm:cxn modelId="{41F0D47A-4817-4A7B-99F8-E3BA5913FC5C}" type="presParOf" srcId="{B09225DE-6C97-42FC-B6DC-8C9764D992EA}" destId="{D06558A4-8713-445A-B44B-612DE18D662F}" srcOrd="2" destOrd="0" presId="urn:microsoft.com/office/officeart/2018/2/layout/IconVerticalSolidList"/>
+    <dgm:cxn modelId="{61CD7278-643E-4A35-A0FD-AAD5C911A1A2}" type="presParOf" srcId="{B09225DE-6C97-42FC-B6DC-8C9764D992EA}" destId="{0CCE1186-0A73-47CD-841D-980C8EAEEDD0}" srcOrd="3" destOrd="0" presId="urn:microsoft.com/office/officeart/2018/2/layout/IconVerticalSolidList"/>
+  </dgm:cxnLst>
+  <dgm:bg/>
+  <dgm:whole/>
+  <dgm:extLst>
+    <a:ext uri="http://schemas.microsoft.com/office/drawing/2008/diagram">
+      <dsp:dataModelExt xmlns:dsp="http://schemas.microsoft.com/office/drawing/2008/diagram" relId="rId11" minVer="http://schemas.openxmlformats.org/drawingml/2006/diagram"/>
+    </a:ext>
+  </dgm:extLst>
+</dgm:dataModel>
+</file>
+
+<file path=ppt/diagrams/drawing1.xml><?xml version="1.0" encoding="utf-8"?>
+<dsp:drawing xmlns:dgm="http://schemas.openxmlformats.org/drawingml/2006/diagram" xmlns:dsp="http://schemas.microsoft.com/office/drawing/2008/diagram" xmlns:a="http://schemas.openxmlformats.org/drawingml/2006/main">
+  <dsp:spTree>
+    <dsp:nvGrpSpPr>
+      <dsp:cNvPr id="0" name=""/>
+      <dsp:cNvGrpSpPr/>
+    </dsp:nvGrpSpPr>
+    <dsp:grpSpPr/>
+    <dsp:sp modelId="{3838ED48-D6B1-4DCF-8378-EA5FB81F6DE5}">
+      <dsp:nvSpPr>
+        <dsp:cNvPr id="0" name=""/>
+        <dsp:cNvSpPr/>
+      </dsp:nvSpPr>
+      <dsp:spPr>
+        <a:xfrm>
+          <a:off x="0" y="3399"/>
+          <a:ext cx="4965441" cy="724089"/>
+        </a:xfrm>
+        <a:prstGeom prst="roundRect">
+          <a:avLst>
+            <a:gd name="adj" fmla="val 10000"/>
+          </a:avLst>
+        </a:prstGeom>
+        <a:solidFill>
+          <a:schemeClr val="accent1">
+            <a:tint val="40000"/>
+            <a:hueOff val="0"/>
+            <a:satOff val="0"/>
+            <a:lumOff val="0"/>
+            <a:alphaOff val="0"/>
+          </a:schemeClr>
+        </a:solidFill>
+        <a:ln>
+          <a:noFill/>
+        </a:ln>
+        <a:effectLst/>
+      </dsp:spPr>
+      <dsp:style>
+        <a:lnRef idx="0">
+          <a:scrgbClr r="0" g="0" b="0"/>
+        </a:lnRef>
+        <a:fillRef idx="1">
+          <a:scrgbClr r="0" g="0" b="0"/>
+        </a:fillRef>
+        <a:effectRef idx="0">
+          <a:scrgbClr r="0" g="0" b="0"/>
+        </a:effectRef>
+        <a:fontRef idx="minor"/>
+      </dsp:style>
+    </dsp:sp>
+    <dsp:sp modelId="{A432D503-323E-4000-B2BC-D627495E6BDF}">
+      <dsp:nvSpPr>
+        <dsp:cNvPr id="0" name=""/>
+        <dsp:cNvSpPr/>
+      </dsp:nvSpPr>
+      <dsp:spPr>
+        <a:xfrm>
+          <a:off x="219037" y="166319"/>
+          <a:ext cx="398249" cy="398249"/>
+        </a:xfrm>
+        <a:prstGeom prst="rect">
+          <a:avLst/>
+        </a:prstGeom>
+        <a:blipFill>
+          <a:blip xmlns:r="http://schemas.openxmlformats.org/officeDocument/2006/relationships" r:embed="rId1">
+            <a:extLst>
+              <a:ext uri="{28A0092B-C50C-407E-A947-70E740481C1C}">
+                <a14:useLocalDpi xmlns:a14="http://schemas.microsoft.com/office/drawing/2010/main" val="0"/>
+              </a:ext>
+              <a:ext uri="{96DAC541-7B7A-43D3-8B79-37D633B846F1}">
+                <asvg:svgBlip xmlns:asvg="http://schemas.microsoft.com/office/drawing/2016/SVG/main" r:embed="rId2"/>
+              </a:ext>
+            </a:extLst>
+          </a:blip>
+          <a:stretch>
+            <a:fillRect/>
+          </a:stretch>
+        </a:blipFill>
+        <a:ln w="19050" cap="flat" cmpd="sng" algn="ctr">
+          <a:solidFill>
+            <a:schemeClr val="lt1">
+              <a:hueOff val="0"/>
+              <a:satOff val="0"/>
+              <a:lumOff val="0"/>
+              <a:alphaOff val="0"/>
+            </a:schemeClr>
+          </a:solidFill>
+          <a:prstDash val="solid"/>
+          <a:miter lim="800000"/>
+        </a:ln>
+        <a:effectLst/>
+      </dsp:spPr>
+      <dsp:style>
+        <a:lnRef idx="2">
+          <a:scrgbClr r="0" g="0" b="0"/>
+        </a:lnRef>
+        <a:fillRef idx="1">
+          <a:scrgbClr r="0" g="0" b="0"/>
+        </a:fillRef>
+        <a:effectRef idx="0">
+          <a:scrgbClr r="0" g="0" b="0"/>
+        </a:effectRef>
+        <a:fontRef idx="minor">
+          <a:schemeClr val="lt1"/>
+        </a:fontRef>
+      </dsp:style>
+    </dsp:sp>
+    <dsp:sp modelId="{584415E1-4058-4557-A735-A481C6AE6F35}">
+      <dsp:nvSpPr>
+        <dsp:cNvPr id="0" name=""/>
+        <dsp:cNvSpPr/>
+      </dsp:nvSpPr>
+      <dsp:spPr>
+        <a:xfrm>
+          <a:off x="836323" y="3399"/>
+          <a:ext cx="4129117" cy="724089"/>
+        </a:xfrm>
+        <a:prstGeom prst="rect">
+          <a:avLst/>
+        </a:prstGeom>
+        <a:noFill/>
+        <a:ln>
+          <a:noFill/>
+        </a:ln>
+        <a:effectLst/>
+      </dsp:spPr>
+      <dsp:style>
+        <a:lnRef idx="0">
+          <a:scrgbClr r="0" g="0" b="0"/>
+        </a:lnRef>
+        <a:fillRef idx="0">
+          <a:scrgbClr r="0" g="0" b="0"/>
+        </a:fillRef>
+        <a:effectRef idx="0">
+          <a:scrgbClr r="0" g="0" b="0"/>
+        </a:effectRef>
+        <a:fontRef idx="minor"/>
+      </dsp:style>
+      <dsp:txBody>
+        <a:bodyPr spcFirstLastPara="0" vert="horz" wrap="square" lIns="76633" tIns="76633" rIns="76633" bIns="76633" numCol="1" spcCol="1270" anchor="ctr" anchorCtr="0">
+          <a:noAutofit/>
+        </a:bodyPr>
+        <a:lstStyle/>
+        <a:p>
+          <a:pPr marL="0" lvl="0" indent="0" algn="l" defTabSz="800100">
+            <a:lnSpc>
+              <a:spcPct val="100000"/>
+            </a:lnSpc>
+            <a:spcBef>
+              <a:spcPct val="0"/>
+            </a:spcBef>
+            <a:spcAft>
+              <a:spcPct val="35000"/>
+            </a:spcAft>
+            <a:buNone/>
+          </a:pPr>
+          <a:r>
+            <a:rPr lang="en-US" sz="1800" kern="1200" dirty="0"/>
+            <a:t>Segment borrowers into personas:    High Earners, Less Credit Utilization</a:t>
+          </a:r>
+        </a:p>
+      </dsp:txBody>
+      <dsp:txXfrm>
+        <a:off x="836323" y="3399"/>
+        <a:ext cx="4129117" cy="724089"/>
+      </dsp:txXfrm>
+    </dsp:sp>
+    <dsp:sp modelId="{208CBA2C-7321-4CED-8F93-8903B70C657D}">
+      <dsp:nvSpPr>
+        <dsp:cNvPr id="0" name=""/>
+        <dsp:cNvSpPr/>
+      </dsp:nvSpPr>
+      <dsp:spPr>
+        <a:xfrm>
+          <a:off x="0" y="908511"/>
+          <a:ext cx="4965441" cy="724089"/>
+        </a:xfrm>
+        <a:prstGeom prst="roundRect">
+          <a:avLst>
+            <a:gd name="adj" fmla="val 10000"/>
+          </a:avLst>
+        </a:prstGeom>
+        <a:solidFill>
+          <a:schemeClr val="accent1">
+            <a:tint val="40000"/>
+            <a:hueOff val="0"/>
+            <a:satOff val="0"/>
+            <a:lumOff val="0"/>
+            <a:alphaOff val="0"/>
+          </a:schemeClr>
+        </a:solidFill>
+        <a:ln>
+          <a:noFill/>
+        </a:ln>
+        <a:effectLst/>
+      </dsp:spPr>
+      <dsp:style>
+        <a:lnRef idx="0">
+          <a:scrgbClr r="0" g="0" b="0"/>
+        </a:lnRef>
+        <a:fillRef idx="1">
+          <a:scrgbClr r="0" g="0" b="0"/>
+        </a:fillRef>
+        <a:effectRef idx="0">
+          <a:scrgbClr r="0" g="0" b="0"/>
+        </a:effectRef>
+        <a:fontRef idx="minor"/>
+      </dsp:style>
+    </dsp:sp>
+    <dsp:sp modelId="{C9DFF613-2E16-445A-B2F7-490ADDE193AA}">
+      <dsp:nvSpPr>
+        <dsp:cNvPr id="0" name=""/>
+        <dsp:cNvSpPr/>
+      </dsp:nvSpPr>
+      <dsp:spPr>
+        <a:xfrm>
+          <a:off x="219037" y="1071431"/>
+          <a:ext cx="398249" cy="398249"/>
+        </a:xfrm>
+        <a:prstGeom prst="rect">
+          <a:avLst/>
+        </a:prstGeom>
+        <a:blipFill>
+          <a:blip xmlns:r="http://schemas.openxmlformats.org/officeDocument/2006/relationships" r:embed="rId3">
+            <a:extLst>
+              <a:ext uri="{28A0092B-C50C-407E-A947-70E740481C1C}">
+                <a14:useLocalDpi xmlns:a14="http://schemas.microsoft.com/office/drawing/2010/main" val="0"/>
+              </a:ext>
+              <a:ext uri="{96DAC541-7B7A-43D3-8B79-37D633B846F1}">
+                <asvg:svgBlip xmlns:asvg="http://schemas.microsoft.com/office/drawing/2016/SVG/main" r:embed="rId4"/>
+              </a:ext>
+            </a:extLst>
+          </a:blip>
+          <a:stretch>
+            <a:fillRect/>
+          </a:stretch>
+        </a:blipFill>
+        <a:ln w="19050" cap="flat" cmpd="sng" algn="ctr">
+          <a:solidFill>
+            <a:schemeClr val="lt1">
+              <a:hueOff val="0"/>
+              <a:satOff val="0"/>
+              <a:lumOff val="0"/>
+              <a:alphaOff val="0"/>
+            </a:schemeClr>
+          </a:solidFill>
+          <a:prstDash val="solid"/>
+          <a:miter lim="800000"/>
+        </a:ln>
+        <a:effectLst/>
+      </dsp:spPr>
+      <dsp:style>
+        <a:lnRef idx="2">
+          <a:scrgbClr r="0" g="0" b="0"/>
+        </a:lnRef>
+        <a:fillRef idx="1">
+          <a:scrgbClr r="0" g="0" b="0"/>
+        </a:fillRef>
+        <a:effectRef idx="0">
+          <a:scrgbClr r="0" g="0" b="0"/>
+        </a:effectRef>
+        <a:fontRef idx="minor">
+          <a:schemeClr val="lt1"/>
+        </a:fontRef>
+      </dsp:style>
+    </dsp:sp>
+    <dsp:sp modelId="{63E40040-31B7-4629-B139-17F2171708DE}">
+      <dsp:nvSpPr>
+        <dsp:cNvPr id="0" name=""/>
+        <dsp:cNvSpPr/>
+      </dsp:nvSpPr>
+      <dsp:spPr>
+        <a:xfrm>
+          <a:off x="836323" y="908511"/>
+          <a:ext cx="4129117" cy="724089"/>
+        </a:xfrm>
+        <a:prstGeom prst="rect">
+          <a:avLst/>
+        </a:prstGeom>
+        <a:noFill/>
+        <a:ln>
+          <a:noFill/>
+        </a:ln>
+        <a:effectLst/>
+      </dsp:spPr>
+      <dsp:style>
+        <a:lnRef idx="0">
+          <a:scrgbClr r="0" g="0" b="0"/>
+        </a:lnRef>
+        <a:fillRef idx="0">
+          <a:scrgbClr r="0" g="0" b="0"/>
+        </a:fillRef>
+        <a:effectRef idx="0">
+          <a:scrgbClr r="0" g="0" b="0"/>
+        </a:effectRef>
+        <a:fontRef idx="minor"/>
+      </dsp:style>
+      <dsp:txBody>
+        <a:bodyPr spcFirstLastPara="0" vert="horz" wrap="square" lIns="76633" tIns="76633" rIns="76633" bIns="76633" numCol="1" spcCol="1270" anchor="ctr" anchorCtr="0">
+          <a:noAutofit/>
+        </a:bodyPr>
+        <a:lstStyle/>
+        <a:p>
+          <a:pPr marL="0" lvl="0" indent="0" algn="l" defTabSz="800100">
+            <a:lnSpc>
+              <a:spcPct val="100000"/>
+            </a:lnSpc>
+            <a:spcBef>
+              <a:spcPct val="0"/>
+            </a:spcBef>
+            <a:spcAft>
+              <a:spcPct val="35000"/>
+            </a:spcAft>
+            <a:buNone/>
+          </a:pPr>
+          <a:r>
+            <a:rPr lang="en-US" sz="1800" kern="1200"/>
+            <a:t>Prioritize Low-Risk, High-Yield borrowers</a:t>
+          </a:r>
+        </a:p>
+      </dsp:txBody>
+      <dsp:txXfrm>
+        <a:off x="836323" y="908511"/>
+        <a:ext cx="4129117" cy="724089"/>
+      </dsp:txXfrm>
+    </dsp:sp>
+    <dsp:sp modelId="{E3700696-7225-4C06-B5CC-2F4FB30C52A9}">
+      <dsp:nvSpPr>
+        <dsp:cNvPr id="0" name=""/>
+        <dsp:cNvSpPr/>
+      </dsp:nvSpPr>
+      <dsp:spPr>
+        <a:xfrm>
+          <a:off x="0" y="1813624"/>
+          <a:ext cx="4965441" cy="724089"/>
+        </a:xfrm>
+        <a:prstGeom prst="roundRect">
+          <a:avLst>
+            <a:gd name="adj" fmla="val 10000"/>
+          </a:avLst>
+        </a:prstGeom>
+        <a:solidFill>
+          <a:schemeClr val="accent1">
+            <a:tint val="40000"/>
+            <a:hueOff val="0"/>
+            <a:satOff val="0"/>
+            <a:lumOff val="0"/>
+            <a:alphaOff val="0"/>
+          </a:schemeClr>
+        </a:solidFill>
+        <a:ln>
+          <a:noFill/>
+        </a:ln>
+        <a:effectLst/>
+      </dsp:spPr>
+      <dsp:style>
+        <a:lnRef idx="0">
+          <a:scrgbClr r="0" g="0" b="0"/>
+        </a:lnRef>
+        <a:fillRef idx="1">
+          <a:scrgbClr r="0" g="0" b="0"/>
+        </a:fillRef>
+        <a:effectRef idx="0">
+          <a:scrgbClr r="0" g="0" b="0"/>
+        </a:effectRef>
+        <a:fontRef idx="minor"/>
+      </dsp:style>
+    </dsp:sp>
+    <dsp:sp modelId="{C6C46D59-5FF8-4EFF-8229-B5F988866B83}">
+      <dsp:nvSpPr>
+        <dsp:cNvPr id="0" name=""/>
+        <dsp:cNvSpPr/>
+      </dsp:nvSpPr>
+      <dsp:spPr>
+        <a:xfrm>
+          <a:off x="219037" y="1976544"/>
+          <a:ext cx="398249" cy="398249"/>
+        </a:xfrm>
+        <a:prstGeom prst="rect">
+          <a:avLst/>
+        </a:prstGeom>
+        <a:blipFill>
+          <a:blip xmlns:r="http://schemas.openxmlformats.org/officeDocument/2006/relationships" r:embed="rId5">
+            <a:extLst>
+              <a:ext uri="{28A0092B-C50C-407E-A947-70E740481C1C}">
+                <a14:useLocalDpi xmlns:a14="http://schemas.microsoft.com/office/drawing/2010/main" val="0"/>
+              </a:ext>
+              <a:ext uri="{96DAC541-7B7A-43D3-8B79-37D633B846F1}">
+                <asvg:svgBlip xmlns:asvg="http://schemas.microsoft.com/office/drawing/2016/SVG/main" r:embed="rId6"/>
+              </a:ext>
+            </a:extLst>
+          </a:blip>
+          <a:stretch>
+            <a:fillRect/>
+          </a:stretch>
+        </a:blipFill>
+        <a:ln w="19050" cap="flat" cmpd="sng" algn="ctr">
+          <a:solidFill>
+            <a:schemeClr val="lt1">
+              <a:hueOff val="0"/>
+              <a:satOff val="0"/>
+              <a:lumOff val="0"/>
+              <a:alphaOff val="0"/>
+            </a:schemeClr>
+          </a:solidFill>
+          <a:prstDash val="solid"/>
+          <a:miter lim="800000"/>
+        </a:ln>
+        <a:effectLst/>
+      </dsp:spPr>
+      <dsp:style>
+        <a:lnRef idx="2">
+          <a:scrgbClr r="0" g="0" b="0"/>
+        </a:lnRef>
+        <a:fillRef idx="1">
+          <a:scrgbClr r="0" g="0" b="0"/>
+        </a:fillRef>
+        <a:effectRef idx="0">
+          <a:scrgbClr r="0" g="0" b="0"/>
+        </a:effectRef>
+        <a:fontRef idx="minor">
+          <a:schemeClr val="lt1"/>
+        </a:fontRef>
+      </dsp:style>
+    </dsp:sp>
+    <dsp:sp modelId="{FC076D74-9FFD-4893-BA7C-83F5C15E8B29}">
+      <dsp:nvSpPr>
+        <dsp:cNvPr id="0" name=""/>
+        <dsp:cNvSpPr/>
+      </dsp:nvSpPr>
+      <dsp:spPr>
+        <a:xfrm>
+          <a:off x="836323" y="1813624"/>
+          <a:ext cx="4129117" cy="724089"/>
+        </a:xfrm>
+        <a:prstGeom prst="rect">
+          <a:avLst/>
+        </a:prstGeom>
+        <a:noFill/>
+        <a:ln>
+          <a:noFill/>
+        </a:ln>
+        <a:effectLst/>
+      </dsp:spPr>
+      <dsp:style>
+        <a:lnRef idx="0">
+          <a:scrgbClr r="0" g="0" b="0"/>
+        </a:lnRef>
+        <a:fillRef idx="0">
+          <a:scrgbClr r="0" g="0" b="0"/>
+        </a:fillRef>
+        <a:effectRef idx="0">
+          <a:scrgbClr r="0" g="0" b="0"/>
+        </a:effectRef>
+        <a:fontRef idx="minor"/>
+      </dsp:style>
+      <dsp:txBody>
+        <a:bodyPr spcFirstLastPara="0" vert="horz" wrap="square" lIns="76633" tIns="76633" rIns="76633" bIns="76633" numCol="1" spcCol="1270" anchor="ctr" anchorCtr="0">
+          <a:noAutofit/>
+        </a:bodyPr>
+        <a:lstStyle/>
+        <a:p>
+          <a:pPr marL="0" lvl="0" indent="0" algn="l" defTabSz="800100">
+            <a:lnSpc>
+              <a:spcPct val="100000"/>
+            </a:lnSpc>
+            <a:spcBef>
+              <a:spcPct val="0"/>
+            </a:spcBef>
+            <a:spcAft>
+              <a:spcPct val="35000"/>
+            </a:spcAft>
+            <a:buNone/>
+          </a:pPr>
+          <a:r>
+            <a:rPr lang="en-US" sz="1800" kern="1200"/>
+            <a:t>Tighten Underwriting for High-Risk Segments</a:t>
+          </a:r>
+        </a:p>
+      </dsp:txBody>
+      <dsp:txXfrm>
+        <a:off x="836323" y="1813624"/>
+        <a:ext cx="4129117" cy="724089"/>
+      </dsp:txXfrm>
+    </dsp:sp>
+    <dsp:sp modelId="{46AB7E4C-5606-4DFE-8360-36CD48A00D15}">
+      <dsp:nvSpPr>
+        <dsp:cNvPr id="0" name=""/>
+        <dsp:cNvSpPr/>
+      </dsp:nvSpPr>
+      <dsp:spPr>
+        <a:xfrm>
+          <a:off x="0" y="2718736"/>
+          <a:ext cx="4965441" cy="724089"/>
+        </a:xfrm>
+        <a:prstGeom prst="roundRect">
+          <a:avLst>
+            <a:gd name="adj" fmla="val 10000"/>
+          </a:avLst>
+        </a:prstGeom>
+        <a:solidFill>
+          <a:schemeClr val="accent1">
+            <a:tint val="40000"/>
+            <a:hueOff val="0"/>
+            <a:satOff val="0"/>
+            <a:lumOff val="0"/>
+            <a:alphaOff val="0"/>
+          </a:schemeClr>
+        </a:solidFill>
+        <a:ln>
+          <a:noFill/>
+        </a:ln>
+        <a:effectLst/>
+      </dsp:spPr>
+      <dsp:style>
+        <a:lnRef idx="0">
+          <a:scrgbClr r="0" g="0" b="0"/>
+        </a:lnRef>
+        <a:fillRef idx="1">
+          <a:scrgbClr r="0" g="0" b="0"/>
+        </a:fillRef>
+        <a:effectRef idx="0">
+          <a:scrgbClr r="0" g="0" b="0"/>
+        </a:effectRef>
+        <a:fontRef idx="minor"/>
+      </dsp:style>
+    </dsp:sp>
+    <dsp:sp modelId="{FBA231F9-19C3-4853-8FB4-082A482E495A}">
+      <dsp:nvSpPr>
+        <dsp:cNvPr id="0" name=""/>
+        <dsp:cNvSpPr/>
+      </dsp:nvSpPr>
+      <dsp:spPr>
+        <a:xfrm>
+          <a:off x="219037" y="2881656"/>
+          <a:ext cx="398249" cy="398249"/>
+        </a:xfrm>
+        <a:prstGeom prst="rect">
+          <a:avLst/>
+        </a:prstGeom>
+        <a:blipFill>
+          <a:blip xmlns:r="http://schemas.openxmlformats.org/officeDocument/2006/relationships" r:embed="rId7">
+            <a:extLst>
+              <a:ext uri="{28A0092B-C50C-407E-A947-70E740481C1C}">
+                <a14:useLocalDpi xmlns:a14="http://schemas.microsoft.com/office/drawing/2010/main" val="0"/>
+              </a:ext>
+              <a:ext uri="{96DAC541-7B7A-43D3-8B79-37D633B846F1}">
+                <asvg:svgBlip xmlns:asvg="http://schemas.microsoft.com/office/drawing/2016/SVG/main" r:embed="rId8"/>
+              </a:ext>
+            </a:extLst>
+          </a:blip>
+          <a:stretch>
+            <a:fillRect/>
+          </a:stretch>
+        </a:blipFill>
+        <a:ln w="19050" cap="flat" cmpd="sng" algn="ctr">
+          <a:solidFill>
+            <a:schemeClr val="lt1">
+              <a:hueOff val="0"/>
+              <a:satOff val="0"/>
+              <a:lumOff val="0"/>
+              <a:alphaOff val="0"/>
+            </a:schemeClr>
+          </a:solidFill>
+          <a:prstDash val="solid"/>
+          <a:miter lim="800000"/>
+        </a:ln>
+        <a:effectLst/>
+      </dsp:spPr>
+      <dsp:style>
+        <a:lnRef idx="2">
+          <a:scrgbClr r="0" g="0" b="0"/>
+        </a:lnRef>
+        <a:fillRef idx="1">
+          <a:scrgbClr r="0" g="0" b="0"/>
+        </a:fillRef>
+        <a:effectRef idx="0">
+          <a:scrgbClr r="0" g="0" b="0"/>
+        </a:effectRef>
+        <a:fontRef idx="minor">
+          <a:schemeClr val="lt1"/>
+        </a:fontRef>
+      </dsp:style>
+    </dsp:sp>
+    <dsp:sp modelId="{6B9E7534-548E-4F31-A20C-ABCAEA36DCB6}">
+      <dsp:nvSpPr>
+        <dsp:cNvPr id="0" name=""/>
+        <dsp:cNvSpPr/>
+      </dsp:nvSpPr>
+      <dsp:spPr>
+        <a:xfrm>
+          <a:off x="836323" y="2718736"/>
+          <a:ext cx="4129117" cy="724089"/>
+        </a:xfrm>
+        <a:prstGeom prst="rect">
+          <a:avLst/>
+        </a:prstGeom>
+        <a:noFill/>
+        <a:ln>
+          <a:noFill/>
+        </a:ln>
+        <a:effectLst/>
+      </dsp:spPr>
+      <dsp:style>
+        <a:lnRef idx="0">
+          <a:scrgbClr r="0" g="0" b="0"/>
+        </a:lnRef>
+        <a:fillRef idx="0">
+          <a:scrgbClr r="0" g="0" b="0"/>
+        </a:fillRef>
+        <a:effectRef idx="0">
+          <a:scrgbClr r="0" g="0" b="0"/>
+        </a:effectRef>
+        <a:fontRef idx="minor"/>
+      </dsp:style>
+      <dsp:txBody>
+        <a:bodyPr spcFirstLastPara="0" vert="horz" wrap="square" lIns="76633" tIns="76633" rIns="76633" bIns="76633" numCol="1" spcCol="1270" anchor="ctr" anchorCtr="0">
+          <a:noAutofit/>
+        </a:bodyPr>
+        <a:lstStyle/>
+        <a:p>
+          <a:pPr marL="0" lvl="0" indent="0" algn="l" defTabSz="800100">
+            <a:lnSpc>
+              <a:spcPct val="100000"/>
+            </a:lnSpc>
+            <a:spcBef>
+              <a:spcPct val="0"/>
+            </a:spcBef>
+            <a:spcAft>
+              <a:spcPct val="35000"/>
+            </a:spcAft>
+            <a:buNone/>
+          </a:pPr>
+          <a:r>
+            <a:rPr lang="en-US" sz="1800" kern="1200"/>
+            <a:t>Adopt Risk-based pricing</a:t>
+          </a:r>
+        </a:p>
+      </dsp:txBody>
+      <dsp:txXfrm>
+        <a:off x="836323" y="2718736"/>
+        <a:ext cx="4129117" cy="724089"/>
+      </dsp:txXfrm>
+    </dsp:sp>
+    <dsp:sp modelId="{803F417A-E5F3-4956-90D3-B6204C9065E8}">
+      <dsp:nvSpPr>
+        <dsp:cNvPr id="0" name=""/>
+        <dsp:cNvSpPr/>
+      </dsp:nvSpPr>
+      <dsp:spPr>
+        <a:xfrm>
+          <a:off x="0" y="3623848"/>
+          <a:ext cx="4965441" cy="724089"/>
+        </a:xfrm>
+        <a:prstGeom prst="roundRect">
+          <a:avLst>
+            <a:gd name="adj" fmla="val 10000"/>
+          </a:avLst>
+        </a:prstGeom>
+        <a:solidFill>
+          <a:schemeClr val="accent1">
+            <a:tint val="40000"/>
+            <a:hueOff val="0"/>
+            <a:satOff val="0"/>
+            <a:lumOff val="0"/>
+            <a:alphaOff val="0"/>
+          </a:schemeClr>
+        </a:solidFill>
+        <a:ln>
+          <a:noFill/>
+        </a:ln>
+        <a:effectLst/>
+      </dsp:spPr>
+      <dsp:style>
+        <a:lnRef idx="0">
+          <a:scrgbClr r="0" g="0" b="0"/>
+        </a:lnRef>
+        <a:fillRef idx="1">
+          <a:scrgbClr r="0" g="0" b="0"/>
+        </a:fillRef>
+        <a:effectRef idx="0">
+          <a:scrgbClr r="0" g="0" b="0"/>
+        </a:effectRef>
+        <a:fontRef idx="minor"/>
+      </dsp:style>
+    </dsp:sp>
+    <dsp:sp modelId="{8017D067-2DD2-4067-8676-C89273FFF3B7}">
+      <dsp:nvSpPr>
+        <dsp:cNvPr id="0" name=""/>
+        <dsp:cNvSpPr/>
+      </dsp:nvSpPr>
+      <dsp:spPr>
+        <a:xfrm>
+          <a:off x="219037" y="3786768"/>
+          <a:ext cx="398249" cy="398249"/>
+        </a:xfrm>
+        <a:prstGeom prst="rect">
+          <a:avLst/>
+        </a:prstGeom>
+        <a:blipFill>
+          <a:blip xmlns:r="http://schemas.openxmlformats.org/officeDocument/2006/relationships" r:embed="rId9">
+            <a:extLst>
+              <a:ext uri="{28A0092B-C50C-407E-A947-70E740481C1C}">
+                <a14:useLocalDpi xmlns:a14="http://schemas.microsoft.com/office/drawing/2010/main" val="0"/>
+              </a:ext>
+              <a:ext uri="{96DAC541-7B7A-43D3-8B79-37D633B846F1}">
+                <asvg:svgBlip xmlns:asvg="http://schemas.microsoft.com/office/drawing/2016/SVG/main" r:embed="rId10"/>
+              </a:ext>
+            </a:extLst>
+          </a:blip>
+          <a:stretch>
+            <a:fillRect/>
+          </a:stretch>
+        </a:blipFill>
+        <a:ln w="19050" cap="flat" cmpd="sng" algn="ctr">
+          <a:solidFill>
+            <a:schemeClr val="lt1">
+              <a:hueOff val="0"/>
+              <a:satOff val="0"/>
+              <a:lumOff val="0"/>
+              <a:alphaOff val="0"/>
+            </a:schemeClr>
+          </a:solidFill>
+          <a:prstDash val="solid"/>
+          <a:miter lim="800000"/>
+        </a:ln>
+        <a:effectLst/>
+      </dsp:spPr>
+      <dsp:style>
+        <a:lnRef idx="2">
+          <a:scrgbClr r="0" g="0" b="0"/>
+        </a:lnRef>
+        <a:fillRef idx="1">
+          <a:scrgbClr r="0" g="0" b="0"/>
+        </a:fillRef>
+        <a:effectRef idx="0">
+          <a:scrgbClr r="0" g="0" b="0"/>
+        </a:effectRef>
+        <a:fontRef idx="minor">
+          <a:schemeClr val="lt1"/>
+        </a:fontRef>
+      </dsp:style>
+    </dsp:sp>
+    <dsp:sp modelId="{0CCE1186-0A73-47CD-841D-980C8EAEEDD0}">
+      <dsp:nvSpPr>
+        <dsp:cNvPr id="0" name=""/>
+        <dsp:cNvSpPr/>
+      </dsp:nvSpPr>
+      <dsp:spPr>
+        <a:xfrm>
+          <a:off x="836323" y="3623848"/>
+          <a:ext cx="4129117" cy="724089"/>
+        </a:xfrm>
+        <a:prstGeom prst="rect">
+          <a:avLst/>
+        </a:prstGeom>
+        <a:noFill/>
+        <a:ln>
+          <a:noFill/>
+        </a:ln>
+        <a:effectLst/>
+      </dsp:spPr>
+      <dsp:style>
+        <a:lnRef idx="0">
+          <a:scrgbClr r="0" g="0" b="0"/>
+        </a:lnRef>
+        <a:fillRef idx="0">
+          <a:scrgbClr r="0" g="0" b="0"/>
+        </a:fillRef>
+        <a:effectRef idx="0">
+          <a:scrgbClr r="0" g="0" b="0"/>
+        </a:effectRef>
+        <a:fontRef idx="minor"/>
+      </dsp:style>
+      <dsp:txBody>
+        <a:bodyPr spcFirstLastPara="0" vert="horz" wrap="square" lIns="76633" tIns="76633" rIns="76633" bIns="76633" numCol="1" spcCol="1270" anchor="ctr" anchorCtr="0">
+          <a:noAutofit/>
+        </a:bodyPr>
+        <a:lstStyle/>
+        <a:p>
+          <a:pPr marL="0" lvl="0" indent="0" algn="l" defTabSz="800100">
+            <a:lnSpc>
+              <a:spcPct val="100000"/>
+            </a:lnSpc>
+            <a:spcBef>
+              <a:spcPct val="0"/>
+            </a:spcBef>
+            <a:spcAft>
+              <a:spcPct val="35000"/>
+            </a:spcAft>
+            <a:buNone/>
+          </a:pPr>
+          <a:r>
+            <a:rPr lang="en-US" sz="1800" kern="1200" dirty="0"/>
+            <a:t>Implement Early Warning &amp; Collection Triggers to stop bleeding</a:t>
+          </a:r>
+        </a:p>
+      </dsp:txBody>
+      <dsp:txXfrm>
+        <a:off x="836323" y="3623848"/>
+        <a:ext cx="4129117" cy="724089"/>
+      </dsp:txXfrm>
+    </dsp:sp>
+  </dsp:spTree>
+</dsp:drawing>
+</file>
+
+<file path=ppt/diagrams/drawing2.xml><?xml version="1.0" encoding="utf-8"?>
+<dsp:drawing xmlns:dgm="http://schemas.openxmlformats.org/drawingml/2006/diagram" xmlns:dsp="http://schemas.microsoft.com/office/drawing/2008/diagram" xmlns:a="http://schemas.openxmlformats.org/drawingml/2006/main">
+  <dsp:spTree>
+    <dsp:nvGrpSpPr>
+      <dsp:cNvPr id="0" name=""/>
+      <dsp:cNvGrpSpPr/>
+    </dsp:nvGrpSpPr>
+    <dsp:grpSpPr/>
+    <dsp:sp modelId="{3838ED48-D6B1-4DCF-8378-EA5FB81F6DE5}">
+      <dsp:nvSpPr>
+        <dsp:cNvPr id="0" name=""/>
+        <dsp:cNvSpPr/>
+      </dsp:nvSpPr>
+      <dsp:spPr>
+        <a:xfrm>
+          <a:off x="0" y="0"/>
+          <a:ext cx="4965442" cy="724089"/>
+        </a:xfrm>
+        <a:prstGeom prst="roundRect">
+          <a:avLst>
+            <a:gd name="adj" fmla="val 10000"/>
+          </a:avLst>
+        </a:prstGeom>
+        <a:solidFill>
+          <a:schemeClr val="accent1">
+            <a:tint val="40000"/>
+            <a:hueOff val="0"/>
+            <a:satOff val="0"/>
+            <a:lumOff val="0"/>
+            <a:alphaOff val="0"/>
+          </a:schemeClr>
+        </a:solidFill>
+        <a:ln>
+          <a:noFill/>
+        </a:ln>
+        <a:effectLst/>
+      </dsp:spPr>
+      <dsp:style>
+        <a:lnRef idx="0">
+          <a:scrgbClr r="0" g="0" b="0"/>
+        </a:lnRef>
+        <a:fillRef idx="1">
+          <a:scrgbClr r="0" g="0" b="0"/>
+        </a:fillRef>
+        <a:effectRef idx="0">
+          <a:scrgbClr r="0" g="0" b="0"/>
+        </a:effectRef>
+        <a:fontRef idx="minor"/>
+      </dsp:style>
+    </dsp:sp>
+    <dsp:sp modelId="{A432D503-323E-4000-B2BC-D627495E6BDF}">
+      <dsp:nvSpPr>
+        <dsp:cNvPr id="0" name=""/>
+        <dsp:cNvSpPr/>
+      </dsp:nvSpPr>
+      <dsp:spPr>
+        <a:xfrm>
+          <a:off x="219037" y="166319"/>
+          <a:ext cx="398249" cy="398249"/>
+        </a:xfrm>
+        <a:prstGeom prst="rect">
+          <a:avLst/>
+        </a:prstGeom>
+        <a:blipFill>
+          <a:blip xmlns:r="http://schemas.openxmlformats.org/officeDocument/2006/relationships" r:embed="rId1">
+            <a:extLst>
+              <a:ext uri="{96DAC541-7B7A-43D3-8B79-37D633B846F1}">
+                <asvg:svgBlip xmlns:asvg="http://schemas.microsoft.com/office/drawing/2016/SVG/main" r:embed="rId2"/>
+              </a:ext>
+            </a:extLst>
+          </a:blip>
+          <a:srcRect/>
+          <a:stretch>
+            <a:fillRect/>
+          </a:stretch>
+        </a:blipFill>
+        <a:ln w="19050" cap="flat" cmpd="sng" algn="ctr">
+          <a:solidFill>
+            <a:schemeClr val="lt1">
+              <a:hueOff val="0"/>
+              <a:satOff val="0"/>
+              <a:lumOff val="0"/>
+              <a:alphaOff val="0"/>
+            </a:schemeClr>
+          </a:solidFill>
+          <a:prstDash val="solid"/>
+          <a:miter lim="800000"/>
+        </a:ln>
+        <a:effectLst/>
+      </dsp:spPr>
+      <dsp:style>
+        <a:lnRef idx="2">
+          <a:scrgbClr r="0" g="0" b="0"/>
+        </a:lnRef>
+        <a:fillRef idx="1">
+          <a:scrgbClr r="0" g="0" b="0"/>
+        </a:fillRef>
+        <a:effectRef idx="0">
+          <a:scrgbClr r="0" g="0" b="0"/>
+        </a:effectRef>
+        <a:fontRef idx="minor">
+          <a:schemeClr val="lt1"/>
+        </a:fontRef>
+      </dsp:style>
+    </dsp:sp>
+    <dsp:sp modelId="{584415E1-4058-4557-A735-A481C6AE6F35}">
+      <dsp:nvSpPr>
+        <dsp:cNvPr id="0" name=""/>
+        <dsp:cNvSpPr/>
+      </dsp:nvSpPr>
+      <dsp:spPr>
+        <a:xfrm>
+          <a:off x="836323" y="3399"/>
+          <a:ext cx="4129118" cy="724089"/>
+        </a:xfrm>
+        <a:prstGeom prst="rect">
+          <a:avLst/>
+        </a:prstGeom>
+        <a:noFill/>
+        <a:ln>
+          <a:noFill/>
+        </a:ln>
+        <a:effectLst/>
+      </dsp:spPr>
+      <dsp:style>
+        <a:lnRef idx="0">
+          <a:scrgbClr r="0" g="0" b="0"/>
+        </a:lnRef>
+        <a:fillRef idx="0">
+          <a:scrgbClr r="0" g="0" b="0"/>
+        </a:fillRef>
+        <a:effectRef idx="0">
+          <a:scrgbClr r="0" g="0" b="0"/>
+        </a:effectRef>
+        <a:fontRef idx="minor"/>
+      </dsp:style>
+      <dsp:txBody>
+        <a:bodyPr spcFirstLastPara="0" vert="horz" wrap="square" lIns="76633" tIns="76633" rIns="76633" bIns="76633" numCol="1" spcCol="1270" anchor="ctr" anchorCtr="0">
+          <a:noAutofit/>
+        </a:bodyPr>
+        <a:lstStyle/>
+        <a:p>
+          <a:pPr marL="0" lvl="0" indent="0" algn="l" defTabSz="800100">
+            <a:lnSpc>
+              <a:spcPct val="100000"/>
+            </a:lnSpc>
+            <a:spcBef>
+              <a:spcPct val="0"/>
+            </a:spcBef>
+            <a:spcAft>
+              <a:spcPct val="35000"/>
+            </a:spcAft>
+            <a:buNone/>
+          </a:pPr>
+          <a:r>
+            <a:rPr lang="en-US" sz="1800" kern="1200" dirty="0"/>
+            <a:t>Address Class Imbalance more effectively.</a:t>
+          </a:r>
+        </a:p>
+      </dsp:txBody>
+      <dsp:txXfrm>
+        <a:off x="836323" y="3399"/>
+        <a:ext cx="4129118" cy="724089"/>
+      </dsp:txXfrm>
+    </dsp:sp>
+    <dsp:sp modelId="{208CBA2C-7321-4CED-8F93-8903B70C657D}">
+      <dsp:nvSpPr>
+        <dsp:cNvPr id="0" name=""/>
+        <dsp:cNvSpPr/>
+      </dsp:nvSpPr>
+      <dsp:spPr>
+        <a:xfrm>
+          <a:off x="0" y="908511"/>
+          <a:ext cx="4965442" cy="724089"/>
+        </a:xfrm>
+        <a:prstGeom prst="roundRect">
+          <a:avLst>
+            <a:gd name="adj" fmla="val 10000"/>
+          </a:avLst>
+        </a:prstGeom>
+        <a:solidFill>
+          <a:schemeClr val="accent1">
+            <a:tint val="40000"/>
+            <a:hueOff val="0"/>
+            <a:satOff val="0"/>
+            <a:lumOff val="0"/>
+            <a:alphaOff val="0"/>
+          </a:schemeClr>
+        </a:solidFill>
+        <a:ln>
+          <a:noFill/>
+        </a:ln>
+        <a:effectLst/>
+      </dsp:spPr>
+      <dsp:style>
+        <a:lnRef idx="0">
+          <a:scrgbClr r="0" g="0" b="0"/>
+        </a:lnRef>
+        <a:fillRef idx="1">
+          <a:scrgbClr r="0" g="0" b="0"/>
+        </a:fillRef>
+        <a:effectRef idx="0">
+          <a:scrgbClr r="0" g="0" b="0"/>
+        </a:effectRef>
+        <a:fontRef idx="minor"/>
+      </dsp:style>
+    </dsp:sp>
+    <dsp:sp modelId="{C9DFF613-2E16-445A-B2F7-490ADDE193AA}">
+      <dsp:nvSpPr>
+        <dsp:cNvPr id="0" name=""/>
+        <dsp:cNvSpPr/>
+      </dsp:nvSpPr>
+      <dsp:spPr>
+        <a:xfrm>
+          <a:off x="219037" y="1071431"/>
+          <a:ext cx="398249" cy="398249"/>
+        </a:xfrm>
+        <a:prstGeom prst="rect">
+          <a:avLst/>
+        </a:prstGeom>
+        <a:blipFill>
+          <a:blip xmlns:r="http://schemas.openxmlformats.org/officeDocument/2006/relationships" r:embed="rId3">
+            <a:extLst>
+              <a:ext uri="{96DAC541-7B7A-43D3-8B79-37D633B846F1}">
+                <asvg:svgBlip xmlns:asvg="http://schemas.microsoft.com/office/drawing/2016/SVG/main" r:embed="rId4"/>
+              </a:ext>
+            </a:extLst>
+          </a:blip>
+          <a:srcRect/>
+          <a:stretch>
+            <a:fillRect/>
+          </a:stretch>
+        </a:blipFill>
+        <a:ln w="19050" cap="flat" cmpd="sng" algn="ctr">
+          <a:solidFill>
+            <a:schemeClr val="lt1">
+              <a:hueOff val="0"/>
+              <a:satOff val="0"/>
+              <a:lumOff val="0"/>
+              <a:alphaOff val="0"/>
+            </a:schemeClr>
+          </a:solidFill>
+          <a:prstDash val="solid"/>
+          <a:miter lim="800000"/>
+        </a:ln>
+        <a:effectLst/>
+      </dsp:spPr>
+      <dsp:style>
+        <a:lnRef idx="2">
+          <a:scrgbClr r="0" g="0" b="0"/>
+        </a:lnRef>
+        <a:fillRef idx="1">
+          <a:scrgbClr r="0" g="0" b="0"/>
+        </a:fillRef>
+        <a:effectRef idx="0">
+          <a:scrgbClr r="0" g="0" b="0"/>
+        </a:effectRef>
+        <a:fontRef idx="minor">
+          <a:schemeClr val="lt1"/>
+        </a:fontRef>
+      </dsp:style>
+    </dsp:sp>
+    <dsp:sp modelId="{63E40040-31B7-4629-B139-17F2171708DE}">
+      <dsp:nvSpPr>
+        <dsp:cNvPr id="0" name=""/>
+        <dsp:cNvSpPr/>
+      </dsp:nvSpPr>
+      <dsp:spPr>
+        <a:xfrm>
+          <a:off x="836323" y="908511"/>
+          <a:ext cx="4129118" cy="724089"/>
+        </a:xfrm>
+        <a:prstGeom prst="rect">
+          <a:avLst/>
+        </a:prstGeom>
+        <a:noFill/>
+        <a:ln>
+          <a:noFill/>
+        </a:ln>
+        <a:effectLst/>
+      </dsp:spPr>
+      <dsp:style>
+        <a:lnRef idx="0">
+          <a:scrgbClr r="0" g="0" b="0"/>
+        </a:lnRef>
+        <a:fillRef idx="0">
+          <a:scrgbClr r="0" g="0" b="0"/>
+        </a:fillRef>
+        <a:effectRef idx="0">
+          <a:scrgbClr r="0" g="0" b="0"/>
+        </a:effectRef>
+        <a:fontRef idx="minor"/>
+      </dsp:style>
+      <dsp:txBody>
+        <a:bodyPr spcFirstLastPara="0" vert="horz" wrap="square" lIns="76633" tIns="76633" rIns="76633" bIns="76633" numCol="1" spcCol="1270" anchor="ctr" anchorCtr="0">
+          <a:noAutofit/>
+        </a:bodyPr>
+        <a:lstStyle/>
+        <a:p>
+          <a:pPr marL="0" lvl="0" indent="0" algn="l" defTabSz="800100">
+            <a:lnSpc>
+              <a:spcPct val="100000"/>
+            </a:lnSpc>
+            <a:spcBef>
+              <a:spcPct val="0"/>
+            </a:spcBef>
+            <a:spcAft>
+              <a:spcPct val="35000"/>
+            </a:spcAft>
+            <a:buNone/>
+          </a:pPr>
+          <a:r>
+            <a:rPr lang="en-US" sz="1800" kern="1200" dirty="0"/>
+            <a:t>Enhance feature engineering.</a:t>
+          </a:r>
+        </a:p>
+      </dsp:txBody>
+      <dsp:txXfrm>
+        <a:off x="836323" y="908511"/>
+        <a:ext cx="4129118" cy="724089"/>
+      </dsp:txXfrm>
+    </dsp:sp>
+    <dsp:sp modelId="{E3700696-7225-4C06-B5CC-2F4FB30C52A9}">
+      <dsp:nvSpPr>
+        <dsp:cNvPr id="0" name=""/>
+        <dsp:cNvSpPr/>
+      </dsp:nvSpPr>
+      <dsp:spPr>
+        <a:xfrm>
+          <a:off x="0" y="1813624"/>
+          <a:ext cx="4965442" cy="724089"/>
+        </a:xfrm>
+        <a:prstGeom prst="roundRect">
+          <a:avLst>
+            <a:gd name="adj" fmla="val 10000"/>
+          </a:avLst>
+        </a:prstGeom>
+        <a:solidFill>
+          <a:schemeClr val="accent1">
+            <a:tint val="40000"/>
+            <a:hueOff val="0"/>
+            <a:satOff val="0"/>
+            <a:lumOff val="0"/>
+            <a:alphaOff val="0"/>
+          </a:schemeClr>
+        </a:solidFill>
+        <a:ln>
+          <a:noFill/>
+        </a:ln>
+        <a:effectLst/>
+      </dsp:spPr>
+      <dsp:style>
+        <a:lnRef idx="0">
+          <a:scrgbClr r="0" g="0" b="0"/>
+        </a:lnRef>
+        <a:fillRef idx="1">
+          <a:scrgbClr r="0" g="0" b="0"/>
+        </a:fillRef>
+        <a:effectRef idx="0">
+          <a:scrgbClr r="0" g="0" b="0"/>
+        </a:effectRef>
+        <a:fontRef idx="minor"/>
+      </dsp:style>
+    </dsp:sp>
+    <dsp:sp modelId="{C6C46D59-5FF8-4EFF-8229-B5F988866B83}">
+      <dsp:nvSpPr>
+        <dsp:cNvPr id="0" name=""/>
+        <dsp:cNvSpPr/>
+      </dsp:nvSpPr>
+      <dsp:spPr>
+        <a:xfrm>
+          <a:off x="219037" y="1976544"/>
+          <a:ext cx="398249" cy="398249"/>
+        </a:xfrm>
+        <a:prstGeom prst="rect">
+          <a:avLst/>
+        </a:prstGeom>
+        <a:blipFill>
+          <a:blip xmlns:r="http://schemas.openxmlformats.org/officeDocument/2006/relationships" r:embed="rId5">
+            <a:extLst>
+              <a:ext uri="{96DAC541-7B7A-43D3-8B79-37D633B846F1}">
+                <asvg:svgBlip xmlns:asvg="http://schemas.microsoft.com/office/drawing/2016/SVG/main" r:embed="rId6"/>
+              </a:ext>
+            </a:extLst>
+          </a:blip>
+          <a:srcRect/>
+          <a:stretch>
+            <a:fillRect/>
+          </a:stretch>
+        </a:blipFill>
+        <a:ln w="19050" cap="flat" cmpd="sng" algn="ctr">
+          <a:solidFill>
+            <a:schemeClr val="lt1">
+              <a:hueOff val="0"/>
+              <a:satOff val="0"/>
+              <a:lumOff val="0"/>
+              <a:alphaOff val="0"/>
+            </a:schemeClr>
+          </a:solidFill>
+          <a:prstDash val="solid"/>
+          <a:miter lim="800000"/>
+        </a:ln>
+        <a:effectLst/>
+      </dsp:spPr>
+      <dsp:style>
+        <a:lnRef idx="2">
+          <a:scrgbClr r="0" g="0" b="0"/>
+        </a:lnRef>
+        <a:fillRef idx="1">
+          <a:scrgbClr r="0" g="0" b="0"/>
+        </a:fillRef>
+        <a:effectRef idx="0">
+          <a:scrgbClr r="0" g="0" b="0"/>
+        </a:effectRef>
+        <a:fontRef idx="minor">
+          <a:schemeClr val="lt1"/>
+        </a:fontRef>
+      </dsp:style>
+    </dsp:sp>
+    <dsp:sp modelId="{FC076D74-9FFD-4893-BA7C-83F5C15E8B29}">
+      <dsp:nvSpPr>
+        <dsp:cNvPr id="0" name=""/>
+        <dsp:cNvSpPr/>
+      </dsp:nvSpPr>
+      <dsp:spPr>
+        <a:xfrm>
+          <a:off x="836323" y="1813624"/>
+          <a:ext cx="4129118" cy="724089"/>
+        </a:xfrm>
+        <a:prstGeom prst="rect">
+          <a:avLst/>
+        </a:prstGeom>
+        <a:noFill/>
+        <a:ln>
+          <a:noFill/>
+        </a:ln>
+        <a:effectLst/>
+      </dsp:spPr>
+      <dsp:style>
+        <a:lnRef idx="0">
+          <a:scrgbClr r="0" g="0" b="0"/>
+        </a:lnRef>
+        <a:fillRef idx="0">
+          <a:scrgbClr r="0" g="0" b="0"/>
+        </a:fillRef>
+        <a:effectRef idx="0">
+          <a:scrgbClr r="0" g="0" b="0"/>
+        </a:effectRef>
+        <a:fontRef idx="minor"/>
+      </dsp:style>
+      <dsp:txBody>
+        <a:bodyPr spcFirstLastPara="0" vert="horz" wrap="square" lIns="76633" tIns="76633" rIns="76633" bIns="76633" numCol="1" spcCol="1270" anchor="ctr" anchorCtr="0">
+          <a:noAutofit/>
+        </a:bodyPr>
+        <a:lstStyle/>
+        <a:p>
+          <a:pPr marL="0" lvl="0" indent="0" algn="l" defTabSz="800100">
+            <a:lnSpc>
+              <a:spcPct val="100000"/>
+            </a:lnSpc>
+            <a:spcBef>
+              <a:spcPct val="0"/>
+            </a:spcBef>
+            <a:spcAft>
+              <a:spcPct val="35000"/>
+            </a:spcAft>
+            <a:buNone/>
+          </a:pPr>
+          <a:r>
+            <a:rPr lang="en-US" sz="1800" kern="1200" dirty="0"/>
+            <a:t>Augment additional datasets.</a:t>
+          </a:r>
+        </a:p>
+      </dsp:txBody>
+      <dsp:txXfrm>
+        <a:off x="836323" y="1813624"/>
+        <a:ext cx="4129118" cy="724089"/>
+      </dsp:txXfrm>
+    </dsp:sp>
+    <dsp:sp modelId="{46AB7E4C-5606-4DFE-8360-36CD48A00D15}">
+      <dsp:nvSpPr>
+        <dsp:cNvPr id="0" name=""/>
+        <dsp:cNvSpPr/>
+      </dsp:nvSpPr>
+      <dsp:spPr>
+        <a:xfrm>
+          <a:off x="0" y="2718736"/>
+          <a:ext cx="4965442" cy="724089"/>
+        </a:xfrm>
+        <a:prstGeom prst="roundRect">
+          <a:avLst>
+            <a:gd name="adj" fmla="val 10000"/>
+          </a:avLst>
+        </a:prstGeom>
+        <a:solidFill>
+          <a:schemeClr val="accent1">
+            <a:tint val="40000"/>
+            <a:hueOff val="0"/>
+            <a:satOff val="0"/>
+            <a:lumOff val="0"/>
+            <a:alphaOff val="0"/>
+          </a:schemeClr>
+        </a:solidFill>
+        <a:ln>
+          <a:noFill/>
+        </a:ln>
+        <a:effectLst/>
+      </dsp:spPr>
+      <dsp:style>
+        <a:lnRef idx="0">
+          <a:scrgbClr r="0" g="0" b="0"/>
+        </a:lnRef>
+        <a:fillRef idx="1">
+          <a:scrgbClr r="0" g="0" b="0"/>
+        </a:fillRef>
+        <a:effectRef idx="0">
+          <a:scrgbClr r="0" g="0" b="0"/>
+        </a:effectRef>
+        <a:fontRef idx="minor"/>
+      </dsp:style>
+    </dsp:sp>
+    <dsp:sp modelId="{FBA231F9-19C3-4853-8FB4-082A482E495A}">
+      <dsp:nvSpPr>
+        <dsp:cNvPr id="0" name=""/>
+        <dsp:cNvSpPr/>
+      </dsp:nvSpPr>
+      <dsp:spPr>
+        <a:xfrm>
+          <a:off x="219037" y="2881656"/>
+          <a:ext cx="398249" cy="398249"/>
+        </a:xfrm>
+        <a:prstGeom prst="rect">
+          <a:avLst/>
+        </a:prstGeom>
+        <a:blipFill>
+          <a:blip xmlns:r="http://schemas.openxmlformats.org/officeDocument/2006/relationships" r:embed="rId7">
+            <a:extLst>
+              <a:ext uri="{96DAC541-7B7A-43D3-8B79-37D633B846F1}">
+                <asvg:svgBlip xmlns:asvg="http://schemas.microsoft.com/office/drawing/2016/SVG/main" r:embed="rId8"/>
+              </a:ext>
+            </a:extLst>
+          </a:blip>
+          <a:srcRect/>
+          <a:stretch>
+            <a:fillRect/>
+          </a:stretch>
+        </a:blipFill>
+        <a:ln w="19050" cap="flat" cmpd="sng" algn="ctr">
+          <a:solidFill>
+            <a:schemeClr val="lt1">
+              <a:hueOff val="0"/>
+              <a:satOff val="0"/>
+              <a:lumOff val="0"/>
+              <a:alphaOff val="0"/>
+            </a:schemeClr>
+          </a:solidFill>
+          <a:prstDash val="solid"/>
+          <a:miter lim="800000"/>
+        </a:ln>
+        <a:effectLst/>
+      </dsp:spPr>
+      <dsp:style>
+        <a:lnRef idx="2">
+          <a:scrgbClr r="0" g="0" b="0"/>
+        </a:lnRef>
+        <a:fillRef idx="1">
+          <a:scrgbClr r="0" g="0" b="0"/>
+        </a:fillRef>
+        <a:effectRef idx="0">
+          <a:scrgbClr r="0" g="0" b="0"/>
+        </a:effectRef>
+        <a:fontRef idx="minor">
+          <a:schemeClr val="lt1"/>
+        </a:fontRef>
+      </dsp:style>
+    </dsp:sp>
+    <dsp:sp modelId="{6B9E7534-548E-4F31-A20C-ABCAEA36DCB6}">
+      <dsp:nvSpPr>
+        <dsp:cNvPr id="0" name=""/>
+        <dsp:cNvSpPr/>
+      </dsp:nvSpPr>
+      <dsp:spPr>
+        <a:xfrm>
+          <a:off x="836323" y="2718736"/>
+          <a:ext cx="4129118" cy="724089"/>
+        </a:xfrm>
+        <a:prstGeom prst="rect">
+          <a:avLst/>
+        </a:prstGeom>
+        <a:noFill/>
+        <a:ln>
+          <a:noFill/>
+        </a:ln>
+        <a:effectLst/>
+      </dsp:spPr>
+      <dsp:style>
+        <a:lnRef idx="0">
+          <a:scrgbClr r="0" g="0" b="0"/>
+        </a:lnRef>
+        <a:fillRef idx="0">
+          <a:scrgbClr r="0" g="0" b="0"/>
+        </a:fillRef>
+        <a:effectRef idx="0">
+          <a:scrgbClr r="0" g="0" b="0"/>
+        </a:effectRef>
+        <a:fontRef idx="minor"/>
+      </dsp:style>
+      <dsp:txBody>
+        <a:bodyPr spcFirstLastPara="0" vert="horz" wrap="square" lIns="76633" tIns="76633" rIns="76633" bIns="76633" numCol="1" spcCol="1270" anchor="ctr" anchorCtr="0">
+          <a:noAutofit/>
+        </a:bodyPr>
+        <a:lstStyle/>
+        <a:p>
+          <a:pPr marL="0" lvl="0" indent="0" algn="l" defTabSz="800100">
+            <a:lnSpc>
+              <a:spcPct val="100000"/>
+            </a:lnSpc>
+            <a:spcBef>
+              <a:spcPct val="0"/>
+            </a:spcBef>
+            <a:spcAft>
+              <a:spcPct val="35000"/>
+            </a:spcAft>
+            <a:buNone/>
+          </a:pPr>
+          <a:r>
+            <a:rPr lang="en-US" sz="1800" kern="1200" dirty="0"/>
+            <a:t>Collect more loan data.</a:t>
+          </a:r>
+        </a:p>
+      </dsp:txBody>
+      <dsp:txXfrm>
+        <a:off x="836323" y="2718736"/>
+        <a:ext cx="4129118" cy="724089"/>
+      </dsp:txXfrm>
+    </dsp:sp>
+    <dsp:sp modelId="{803F417A-E5F3-4956-90D3-B6204C9065E8}">
+      <dsp:nvSpPr>
+        <dsp:cNvPr id="0" name=""/>
+        <dsp:cNvSpPr/>
+      </dsp:nvSpPr>
+      <dsp:spPr>
+        <a:xfrm>
+          <a:off x="0" y="3623848"/>
+          <a:ext cx="4965442" cy="724089"/>
+        </a:xfrm>
+        <a:prstGeom prst="roundRect">
+          <a:avLst>
+            <a:gd name="adj" fmla="val 10000"/>
+          </a:avLst>
+        </a:prstGeom>
+        <a:solidFill>
+          <a:schemeClr val="accent1">
+            <a:tint val="40000"/>
+            <a:hueOff val="0"/>
+            <a:satOff val="0"/>
+            <a:lumOff val="0"/>
+            <a:alphaOff val="0"/>
+          </a:schemeClr>
+        </a:solidFill>
+        <a:ln>
+          <a:noFill/>
+        </a:ln>
+        <a:effectLst/>
+      </dsp:spPr>
+      <dsp:style>
+        <a:lnRef idx="0">
+          <a:scrgbClr r="0" g="0" b="0"/>
+        </a:lnRef>
+        <a:fillRef idx="1">
+          <a:scrgbClr r="0" g="0" b="0"/>
+        </a:fillRef>
+        <a:effectRef idx="0">
+          <a:scrgbClr r="0" g="0" b="0"/>
+        </a:effectRef>
+        <a:fontRef idx="minor"/>
+      </dsp:style>
+    </dsp:sp>
+    <dsp:sp modelId="{8017D067-2DD2-4067-8676-C89273FFF3B7}">
+      <dsp:nvSpPr>
+        <dsp:cNvPr id="0" name=""/>
+        <dsp:cNvSpPr/>
+      </dsp:nvSpPr>
+      <dsp:spPr>
+        <a:xfrm>
+          <a:off x="219037" y="3786768"/>
+          <a:ext cx="398249" cy="398249"/>
+        </a:xfrm>
+        <a:prstGeom prst="rect">
+          <a:avLst/>
+        </a:prstGeom>
+        <a:blipFill>
+          <a:blip xmlns:r="http://schemas.openxmlformats.org/officeDocument/2006/relationships" r:embed="rId9">
+            <a:extLst>
+              <a:ext uri="{96DAC541-7B7A-43D3-8B79-37D633B846F1}">
+                <asvg:svgBlip xmlns:asvg="http://schemas.microsoft.com/office/drawing/2016/SVG/main" r:embed="rId10"/>
+              </a:ext>
+            </a:extLst>
+          </a:blip>
+          <a:srcRect/>
+          <a:stretch>
+            <a:fillRect/>
+          </a:stretch>
+        </a:blipFill>
+        <a:ln w="19050" cap="flat" cmpd="sng" algn="ctr">
+          <a:solidFill>
+            <a:schemeClr val="lt1">
+              <a:hueOff val="0"/>
+              <a:satOff val="0"/>
+              <a:lumOff val="0"/>
+              <a:alphaOff val="0"/>
+            </a:schemeClr>
+          </a:solidFill>
+          <a:prstDash val="solid"/>
+          <a:miter lim="800000"/>
+        </a:ln>
+        <a:effectLst/>
+      </dsp:spPr>
+      <dsp:style>
+        <a:lnRef idx="2">
+          <a:scrgbClr r="0" g="0" b="0"/>
+        </a:lnRef>
+        <a:fillRef idx="1">
+          <a:scrgbClr r="0" g="0" b="0"/>
+        </a:fillRef>
+        <a:effectRef idx="0">
+          <a:scrgbClr r="0" g="0" b="0"/>
+        </a:effectRef>
+        <a:fontRef idx="minor">
+          <a:schemeClr val="lt1"/>
+        </a:fontRef>
+      </dsp:style>
+    </dsp:sp>
+    <dsp:sp modelId="{0CCE1186-0A73-47CD-841D-980C8EAEEDD0}">
+      <dsp:nvSpPr>
+        <dsp:cNvPr id="0" name=""/>
+        <dsp:cNvSpPr/>
+      </dsp:nvSpPr>
+      <dsp:spPr>
+        <a:xfrm>
+          <a:off x="836323" y="3623848"/>
+          <a:ext cx="4129118" cy="724089"/>
+        </a:xfrm>
+        <a:prstGeom prst="rect">
+          <a:avLst/>
+        </a:prstGeom>
+        <a:noFill/>
+        <a:ln>
+          <a:noFill/>
+        </a:ln>
+        <a:effectLst/>
+      </dsp:spPr>
+      <dsp:style>
+        <a:lnRef idx="0">
+          <a:scrgbClr r="0" g="0" b="0"/>
+        </a:lnRef>
+        <a:fillRef idx="0">
+          <a:scrgbClr r="0" g="0" b="0"/>
+        </a:fillRef>
+        <a:effectRef idx="0">
+          <a:scrgbClr r="0" g="0" b="0"/>
+        </a:effectRef>
+        <a:fontRef idx="minor"/>
+      </dsp:style>
+      <dsp:txBody>
+        <a:bodyPr spcFirstLastPara="0" vert="horz" wrap="square" lIns="76633" tIns="76633" rIns="76633" bIns="76633" numCol="1" spcCol="1270" anchor="ctr" anchorCtr="0">
+          <a:noAutofit/>
+        </a:bodyPr>
+        <a:lstStyle/>
+        <a:p>
+          <a:pPr marL="0" lvl="0" indent="0" algn="l" defTabSz="800100">
+            <a:lnSpc>
+              <a:spcPct val="100000"/>
+            </a:lnSpc>
+            <a:spcBef>
+              <a:spcPct val="0"/>
+            </a:spcBef>
+            <a:spcAft>
+              <a:spcPct val="35000"/>
+            </a:spcAft>
+            <a:buNone/>
+          </a:pPr>
+          <a:r>
+            <a:rPr lang="en-US" sz="1800" kern="1200" dirty="0"/>
+            <a:t>Optimize threshold of Profit Maximization.</a:t>
+          </a:r>
+        </a:p>
+      </dsp:txBody>
+      <dsp:txXfrm>
+        <a:off x="836323" y="3623848"/>
+        <a:ext cx="4129118" cy="724089"/>
+      </dsp:txXfrm>
+    </dsp:sp>
+  </dsp:spTree>
+</dsp:drawing>
+</file>
+
+<file path=ppt/diagrams/layout1.xml><?xml version="1.0" encoding="utf-8"?>
+<dgm:layoutDef xmlns:dgm="http://schemas.openxmlformats.org/drawingml/2006/diagram" xmlns:a="http://schemas.openxmlformats.org/drawingml/2006/main" uniqueId="urn:microsoft.com/office/officeart/2018/2/layout/IconVerticalSolidList">
+  <dgm:title val="Icon Vertical Solid List"/>
+  <dgm:desc val="Use to show a series of visuals from top to bottom with Level 1 or Level 1 and Level 2 text grouped in a shape. Works best with icons or small pictures with lengthier descriptions."/>
+  <dgm:catLst>
+    <dgm:cat type="icon" pri="500"/>
+  </dgm:catLst>
+  <dgm:sampData useDef="1">
+    <dgm:dataModel>
+      <dgm:ptLst/>
+      <dgm:bg/>
+      <dgm:whole/>
+    </dgm:dataModel>
+  </dgm:sampData>
+  <dgm:styleData useDef="1">
+    <dgm:dataModel>
+      <dgm:ptLst/>
+      <dgm:bg/>
+      <dgm:whole/>
+    </dgm:dataModel>
+  </dgm:styleData>
+  <dgm:clrData useDef="1">
+    <dgm:dataModel>
+      <dgm:ptLst/>
+      <dgm:bg/>
+      <dgm:whole/>
+    </dgm:dataModel>
+  </dgm:clrData>
+  <dgm:layoutNode name="root">
+    <dgm:varLst>
+      <dgm:dir/>
+      <dgm:resizeHandles val="exact"/>
+    </dgm:varLst>
+    <dgm:choose name="Name0">
+      <dgm:if name="Name1" axis="self" func="var" arg="dir" op="equ" val="norm">
+        <dgm:alg type="lin">
+          <dgm:param type="linDir" val="fromT"/>
+          <dgm:param type="nodeHorzAlign" val="l"/>
+        </dgm:alg>
+      </dgm:if>
+      <dgm:else name="Name2">
+        <dgm:alg type="lin">
+          <dgm:param type="linDir" val="fromT"/>
+          <dgm:param type="nodeHorzAlign" val="r"/>
+        </dgm:alg>
+      </dgm:else>
+    </dgm:choose>
+    <dgm:shape xmlns:r="http://schemas.openxmlformats.org/officeDocument/2006/relationships" r:blip="">
+      <dgm:adjLst/>
+    </dgm:shape>
+    <dgm:presOf/>
+    <dgm:choose name="Name3">
+      <dgm:if name="Name4" axis="ch" ptType="node" func="cnt" op="lte" val="3">
+        <dgm:constrLst>
+          <dgm:constr type="h" for="ch" forName="compNode" refType="h" fact="0.3"/>
+          <dgm:constr type="w" for="ch" forName="compNode" refType="w"/>
+          <dgm:constr type="h" for="ch" forName="sibTrans" refType="h" refFor="ch" refForName="compNode" fact="0.25"/>
+          <dgm:constr type="primFontSz" for="des" forName="parTx" val="25"/>
+          <dgm:constr type="primFontSz" for="des" forName="desTx" refType="primFontSz" refFor="des" refForName="parTx" op="lte" fact="0.75"/>
+          <dgm:constr type="h" for="des" forName="compNode" op="equ"/>
+          <dgm:constr type="h" for="des" forName="bgRect" op="equ"/>
+          <dgm:constr type="h" for="des" forName="iconRect" op="equ"/>
+          <dgm:constr type="w" for="des" forName="iconRect" op="equ"/>
+          <dgm:constr type="h" for="des" forName="spaceRect" op="equ"/>
+          <dgm:constr type="h" for="des" forName="parTx" op="equ"/>
+          <dgm:constr type="h" for="des" forName="desTx" op="equ"/>
+        </dgm:constrLst>
+      </dgm:if>
+      <dgm:if name="Name5" axis="ch" ptType="node" func="cnt" op="lte" val="4">
+        <dgm:constrLst>
+          <dgm:constr type="h" for="ch" forName="compNode" refType="h" fact="0.3"/>
+          <dgm:constr type="w" for="ch" forName="compNode" refType="w"/>
+          <dgm:constr type="h" for="ch" forName="sibTrans" refType="h" refFor="ch" refForName="compNode" fact="0.25"/>
+          <dgm:constr type="primFontSz" for="des" forName="parTx" val="22"/>
+          <dgm:constr type="primFontSz" for="des" forName="desTx" refType="primFontSz" refFor="des" refForName="parTx" op="lte" fact="0.75"/>
+          <dgm:constr type="h" for="des" forName="compNode" op="equ"/>
+          <dgm:constr type="h" for="des" forName="bgRect" op="equ"/>
+          <dgm:constr type="h" for="des" forName="iconRect" op="equ"/>
+          <dgm:constr type="w" for="des" forName="iconRect" op="equ"/>
+          <dgm:constr type="h" for="des" forName="spaceRect" op="equ"/>
+          <dgm:constr type="h" for="des" forName="parTx" op="equ"/>
+          <dgm:constr type="h" for="des" forName="desTx" op="equ"/>
+        </dgm:constrLst>
+      </dgm:if>
+      <dgm:if name="Name6" axis="ch" ptType="node" func="cnt" op="lte" val="6">
+        <dgm:constrLst>
+          <dgm:constr type="h" for="ch" forName="compNode" refType="h" fact="0.3"/>
+          <dgm:constr type="w" for="ch" forName="compNode" refType="w"/>
+          <dgm:constr type="h" for="ch" forName="sibTrans" refType="h" refFor="ch" refForName="compNode" fact="0.25"/>
+          <dgm:constr type="primFontSz" for="des" forName="parTx" val="19"/>
+          <dgm:constr type="primFontSz" for="des" forName="desTx" refType="primFontSz" refFor="des" refForName="parTx" op="lte" fact="0.75"/>
+          <dgm:constr type="h" for="des" forName="compNode" op="equ"/>
+          <dgm:constr type="h" for="des" forName="bgRect" op="equ"/>
+          <dgm:constr type="h" for="des" forName="iconRect" op="equ"/>
+          <dgm:constr type="w" for="des" forName="iconRect" op="equ"/>
+          <dgm:constr type="h" for="des" forName="spaceRect" op="equ"/>
+          <dgm:constr type="h" for="des" forName="parTx" op="equ"/>
+          <dgm:constr type="h" for="des" forName="desTx" op="equ"/>
+        </dgm:constrLst>
+      </dgm:if>
+      <dgm:else name="Name7">
+        <dgm:constrLst>
+          <dgm:constr type="h" for="ch" forName="compNode" refType="h" fact="0.3"/>
+          <dgm:constr type="w" for="ch" forName="compNode" refType="w"/>
+          <dgm:constr type="h" for="ch" forName="sibTrans" refType="h" refFor="ch" refForName="compNode" fact="0.25"/>
+          <dgm:constr type="primFontSz" for="des" forName="parTx" val="16"/>
+          <dgm:constr type="primFontSz" for="des" forName="desTx" refType="primFontSz" refFor="des" refForName="parTx" op="lte" fact="0.75"/>
+          <dgm:constr type="h" for="des" forName="compNode" op="equ"/>
+          <dgm:constr type="h" for="des" forName="bgRect" op="equ"/>
+          <dgm:constr type="h" for="des" forName="iconRect" op="equ"/>
+          <dgm:constr type="w" for="des" forName="iconRect" op="equ"/>
+          <dgm:constr type="h" for="des" forName="spaceRect" op="equ"/>
+          <dgm:constr type="h" for="des" forName="parTx" op="equ"/>
+          <dgm:constr type="h" for="des" forName="desTx" op="equ"/>
+        </dgm:constrLst>
+      </dgm:else>
+    </dgm:choose>
+    <dgm:ruleLst>
+      <dgm:rule type="h" for="ch" forName="compNode" val="0" fact="NaN" max="NaN"/>
+    </dgm:ruleLst>
+    <dgm:forEach name="Name8" axis="ch" ptType="node">
+      <dgm:layoutNode name="compNode">
+        <dgm:alg type="composite"/>
+        <dgm:shape xmlns:r="http://schemas.openxmlformats.org/officeDocument/2006/relationships" r:blip="">
+          <dgm:adjLst/>
+        </dgm:shape>
+        <dgm:presOf axis="self"/>
+        <dgm:choose name="Name9">
+          <dgm:if name="Name10" axis="ch" ptType="node" func="cnt" op="gte" val="1">
+            <dgm:constrLst>
+              <dgm:constr type="w" for="ch" forName="bgRect" refType="w"/>
+              <dgm:constr type="h" for="ch" forName="bgRect" refType="h"/>
+              <dgm:constr type="l" for="ch" forName="bgRect"/>
+              <dgm:constr type="t" for="ch" forName="bgRect"/>
+              <dgm:constr type="h" for="ch" forName="iconRect" refType="h" fact="0.55"/>
+              <dgm:constr type="w" for="ch" forName="iconRect" refType="h" refFor="ch" refForName="iconRect"/>
+              <dgm:constr type="l" for="ch" forName="iconRect" refType="h" refFor="ch" refForName="iconRect" fact="0.55"/>
+              <dgm:constr type="ctrY" for="ch" forName="iconRect" refType="ctrY" refFor="ch" refForName="bgRect"/>
+              <dgm:constr type="w" for="ch" forName="spaceRect" refType="l" refFor="ch" refForName="iconRect"/>
+              <dgm:constr type="h" for="ch" forName="spaceRect" refType="h"/>
+              <dgm:constr type="l" for="ch" forName="spaceRect" refType="r" refFor="ch" refForName="iconRect"/>
+              <dgm:constr type="t" for="ch" forName="spaceRect"/>
+              <dgm:constr type="w" for="ch" forName="parTx" refType="w" fact="0.45"/>
+              <dgm:constr type="h" for="ch" forName="parTx" refType="h"/>
+              <dgm:constr type="l" for="ch" forName="parTx" refType="r" refFor="ch" refForName="spaceRect"/>
+              <dgm:constr type="t" for="ch" forName="parTx"/>
+              <dgm:constr type="h" for="ch" forName="desTx" refType="h"/>
+              <dgm:constr type="l" for="ch" forName="desTx" refType="r" refFor="ch" refForName="parTx"/>
+              <dgm:constr type="t" for="ch" forName="desTx"/>
+            </dgm:constrLst>
+          </dgm:if>
+          <dgm:else name="Name11">
+            <dgm:constrLst>
+              <dgm:constr type="w" for="ch" forName="bgRect" refType="w"/>
+              <dgm:constr type="h" for="ch" forName="bgRect" refType="h"/>
+              <dgm:constr type="l" for="ch" forName="bgRect"/>
+              <dgm:constr type="t" for="ch" forName="bgRect"/>
+              <dgm:constr type="h" for="ch" forName="iconRect" refType="h" fact="0.55"/>
+              <dgm:constr type="w" for="ch" forName="iconRect" refType="h" refFor="ch" refForName="iconRect"/>
+              <dgm:constr type="l" for="ch" forName="iconRect" refType="h" refFor="ch" refForName="iconRect" fact="0.55"/>
+              <dgm:constr type="ctrY" for="ch" forName="iconRect" refType="ctrY" refFor="ch" refForName="bgRect"/>
+              <dgm:constr type="w" for="ch" forName="spaceRect" refType="l" refFor="ch" refForName="iconRect"/>
+              <dgm:constr type="h" for="ch" forName="spaceRect" refType="h"/>
+              <dgm:constr type="l" for="ch" forName="spaceRect" refType="r" refFor="ch" refForName="iconRect"/>
+              <dgm:constr type="t" for="ch" forName="spaceRect"/>
+              <dgm:constr type="h" for="ch" forName="parTx" refType="h"/>
+              <dgm:constr type="l" for="ch" forName="parTx" refType="r" refFor="ch" refForName="spaceRect"/>
+              <dgm:constr type="t" for="ch" forName="parTx"/>
+            </dgm:constrLst>
+          </dgm:else>
+        </dgm:choose>
+        <dgm:ruleLst>
+          <dgm:rule type="h" val="INF" fact="NaN" max="NaN"/>
+        </dgm:ruleLst>
+        <dgm:layoutNode name="bgRect" styleLbl="bgShp">
+          <dgm:alg type="sp"/>
+          <dgm:shape xmlns:r="http://schemas.openxmlformats.org/officeDocument/2006/relationships" type="roundRect" r:blip="">
+            <dgm:adjLst>
+              <dgm:adj idx="1" val="0.1"/>
+            </dgm:adjLst>
+          </dgm:shape>
+          <dgm:presOf/>
+          <dgm:constrLst/>
+          <dgm:ruleLst/>
+        </dgm:layoutNode>
+        <dgm:layoutNode name="iconRect" styleLbl="node1">
+          <dgm:alg type="sp"/>
+          <dgm:shape xmlns:r="http://schemas.openxmlformats.org/officeDocument/2006/relationships" type="rect" r:blip="" blipPhldr="1">
+            <dgm:adjLst/>
+          </dgm:shape>
+          <dgm:presOf/>
+          <dgm:constrLst/>
+          <dgm:ruleLst/>
+        </dgm:layoutNode>
+        <dgm:layoutNode name="spaceRect">
+          <dgm:alg type="sp"/>
+          <dgm:shape xmlns:r="http://schemas.openxmlformats.org/officeDocument/2006/relationships" r:blip="">
+            <dgm:adjLst/>
+          </dgm:shape>
+          <dgm:presOf/>
+          <dgm:constrLst/>
+          <dgm:ruleLst/>
+        </dgm:layoutNode>
+        <dgm:layoutNode name="parTx" styleLbl="revTx">
+          <dgm:varLst>
+            <dgm:chMax val="0"/>
+            <dgm:chPref val="0"/>
+          </dgm:varLst>
+          <dgm:alg type="tx">
+            <dgm:param type="txAnchorVert" val="mid"/>
+            <dgm:param type="parTxLTRAlign" val="l"/>
+            <dgm:param type="shpTxLTRAlignCh" val="l"/>
+            <dgm:param type="parTxRTLAlign" val="r"/>
+            <dgm:param type="shpTxRTLAlignCh" val="r"/>
+          </dgm:alg>
+          <dgm:shape xmlns:r="http://schemas.openxmlformats.org/officeDocument/2006/relationships" type="rect" r:blip="">
+            <dgm:adjLst/>
+          </dgm:shape>
+          <dgm:presOf axis="self" ptType="node"/>
+          <dgm:constrLst>
+            <dgm:constr type="lMarg" refType="h" fact="0.3"/>
+            <dgm:constr type="rMarg" refType="h" fact="0.3"/>
+            <dgm:constr type="tMarg" refType="h" fact="0.3"/>
+            <dgm:constr type="bMarg" refType="h" fact="0.3"/>
+          </dgm:constrLst>
+          <dgm:ruleLst>
+            <dgm:rule type="primFontSz" val="14" fact="NaN" max="NaN"/>
+            <dgm:rule type="h" val="INF" fact="NaN" max="NaN"/>
+          </dgm:ruleLst>
+        </dgm:layoutNode>
+        <dgm:choose name="Name12">
+          <dgm:if name="Name13" axis="ch" ptType="node" func="cnt" op="gte" val="1">
+            <dgm:layoutNode name="desTx" styleLbl="revTx">
+              <dgm:varLst/>
+              <dgm:alg type="tx">
+                <dgm:param type="txAnchorVertCh" val="mid"/>
+                <dgm:param type="parTxLTRAlign" val="l"/>
+                <dgm:param type="shpTxLTRAlignCh" val="l"/>
+                <dgm:param type="parTxRTLAlign" val="r"/>
+                <dgm:param type="shpTxRTLAlignCh" val="r"/>
+                <dgm:param type="stBulletLvl" val="0"/>
+              </dgm:alg>
+              <dgm:shape xmlns:r="http://schemas.openxmlformats.org/officeDocument/2006/relationships" type="rect" r:blip="">
+                <dgm:adjLst/>
+              </dgm:shape>
+              <dgm:presOf axis="des" ptType="node"/>
+              <dgm:constrLst>
+                <dgm:constr type="primFontSz" val="18"/>
+                <dgm:constr type="secFontSz" refType="primFontSz"/>
+                <dgm:constr type="lMarg" refType="h" fact="0.3"/>
+                <dgm:constr type="rMarg" refType="h" fact="0.3"/>
+                <dgm:constr type="tMarg" refType="h" fact="0.3"/>
+                <dgm:constr type="bMarg" refType="h" fact="0.3"/>
+              </dgm:constrLst>
+              <dgm:ruleLst>
+                <dgm:rule type="primFontSz" val="11" fact="NaN" max="NaN"/>
+              </dgm:ruleLst>
+            </dgm:layoutNode>
+          </dgm:if>
+          <dgm:else name="Name14"/>
+        </dgm:choose>
+      </dgm:layoutNode>
+      <dgm:forEach name="Name15" axis="followSib" ptType="sibTrans" cnt="1">
+        <dgm:layoutNode name="sibTrans">
+          <dgm:alg type="sp"/>
+          <dgm:shape xmlns:r="http://schemas.openxmlformats.org/officeDocument/2006/relationships" r:blip="">
+            <dgm:adjLst/>
+          </dgm:shape>
+          <dgm:presOf axis="self"/>
+          <dgm:constrLst/>
+          <dgm:ruleLst/>
+        </dgm:layoutNode>
+      </dgm:forEach>
+    </dgm:forEach>
+  </dgm:layoutNode>
+  <dgm:extLst>
+    <a:ext uri="{68A01E43-0DF5-4B5B-8FA6-DAF915123BFB}">
+      <dgm1612:lstStyle xmlns:dgm1612="http://schemas.microsoft.com/office/drawing/2016/12/diagram">
+        <a:lvl1pPr>
+          <a:lnSpc>
+            <a:spcPct val="100000"/>
+          </a:lnSpc>
+        </a:lvl1pPr>
+        <a:lvl2pPr>
+          <a:lnSpc>
+            <a:spcPct val="100000"/>
+          </a:lnSpc>
+        </a:lvl2pPr>
+      </dgm1612:lstStyle>
+    </a:ext>
+  </dgm:extLst>
+</dgm:layoutDef>
+</file>
+
+<file path=ppt/diagrams/layout2.xml><?xml version="1.0" encoding="utf-8"?>
+<dgm:layoutDef xmlns:dgm="http://schemas.openxmlformats.org/drawingml/2006/diagram" xmlns:a="http://schemas.openxmlformats.org/drawingml/2006/main" uniqueId="urn:microsoft.com/office/officeart/2018/2/layout/IconVerticalSolidList">
+  <dgm:title val="Icon Vertical Solid List"/>
+  <dgm:desc val="Use to show a series of visuals from top to bottom with Level 1 or Level 1 and Level 2 text grouped in a shape. Works best with icons or small pictures with lengthier descriptions."/>
+  <dgm:catLst>
+    <dgm:cat type="icon" pri="500"/>
+  </dgm:catLst>
+  <dgm:sampData useDef="1">
+    <dgm:dataModel>
+      <dgm:ptLst/>
+      <dgm:bg/>
+      <dgm:whole/>
+    </dgm:dataModel>
+  </dgm:sampData>
+  <dgm:styleData useDef="1">
+    <dgm:dataModel>
+      <dgm:ptLst/>
+      <dgm:bg/>
+      <dgm:whole/>
+    </dgm:dataModel>
+  </dgm:styleData>
+  <dgm:clrData useDef="1">
+    <dgm:dataModel>
+      <dgm:ptLst/>
+      <dgm:bg/>
+      <dgm:whole/>
+    </dgm:dataModel>
+  </dgm:clrData>
+  <dgm:layoutNode name="root">
+    <dgm:varLst>
+      <dgm:dir/>
+      <dgm:resizeHandles val="exact"/>
+    </dgm:varLst>
+    <dgm:choose name="Name0">
+      <dgm:if name="Name1" axis="self" func="var" arg="dir" op="equ" val="norm">
+        <dgm:alg type="lin">
+          <dgm:param type="linDir" val="fromT"/>
+          <dgm:param type="nodeHorzAlign" val="l"/>
+        </dgm:alg>
+      </dgm:if>
+      <dgm:else name="Name2">
+        <dgm:alg type="lin">
+          <dgm:param type="linDir" val="fromT"/>
+          <dgm:param type="nodeHorzAlign" val="r"/>
+        </dgm:alg>
+      </dgm:else>
+    </dgm:choose>
+    <dgm:shape xmlns:r="http://schemas.openxmlformats.org/officeDocument/2006/relationships" r:blip="">
+      <dgm:adjLst/>
+    </dgm:shape>
+    <dgm:presOf/>
+    <dgm:choose name="Name3">
+      <dgm:if name="Name4" axis="ch" ptType="node" func="cnt" op="lte" val="3">
+        <dgm:constrLst>
+          <dgm:constr type="h" for="ch" forName="compNode" refType="h" fact="0.3"/>
+          <dgm:constr type="w" for="ch" forName="compNode" refType="w"/>
+          <dgm:constr type="h" for="ch" forName="sibTrans" refType="h" refFor="ch" refForName="compNode" fact="0.25"/>
+          <dgm:constr type="primFontSz" for="des" forName="parTx" val="25"/>
+          <dgm:constr type="primFontSz" for="des" forName="desTx" refType="primFontSz" refFor="des" refForName="parTx" op="lte" fact="0.75"/>
+          <dgm:constr type="h" for="des" forName="compNode" op="equ"/>
+          <dgm:constr type="h" for="des" forName="bgRect" op="equ"/>
+          <dgm:constr type="h" for="des" forName="iconRect" op="equ"/>
+          <dgm:constr type="w" for="des" forName="iconRect" op="equ"/>
+          <dgm:constr type="h" for="des" forName="spaceRect" op="equ"/>
+          <dgm:constr type="h" for="des" forName="parTx" op="equ"/>
+          <dgm:constr type="h" for="des" forName="desTx" op="equ"/>
+        </dgm:constrLst>
+      </dgm:if>
+      <dgm:if name="Name5" axis="ch" ptType="node" func="cnt" op="lte" val="4">
+        <dgm:constrLst>
+          <dgm:constr type="h" for="ch" forName="compNode" refType="h" fact="0.3"/>
+          <dgm:constr type="w" for="ch" forName="compNode" refType="w"/>
+          <dgm:constr type="h" for="ch" forName="sibTrans" refType="h" refFor="ch" refForName="compNode" fact="0.25"/>
+          <dgm:constr type="primFontSz" for="des" forName="parTx" val="22"/>
+          <dgm:constr type="primFontSz" for="des" forName="desTx" refType="primFontSz" refFor="des" refForName="parTx" op="lte" fact="0.75"/>
+          <dgm:constr type="h" for="des" forName="compNode" op="equ"/>
+          <dgm:constr type="h" for="des" forName="bgRect" op="equ"/>
+          <dgm:constr type="h" for="des" forName="iconRect" op="equ"/>
+          <dgm:constr type="w" for="des" forName="iconRect" op="equ"/>
+          <dgm:constr type="h" for="des" forName="spaceRect" op="equ"/>
+          <dgm:constr type="h" for="des" forName="parTx" op="equ"/>
+          <dgm:constr type="h" for="des" forName="desTx" op="equ"/>
+        </dgm:constrLst>
+      </dgm:if>
+      <dgm:if name="Name6" axis="ch" ptType="node" func="cnt" op="lte" val="6">
+        <dgm:constrLst>
+          <dgm:constr type="h" for="ch" forName="compNode" refType="h" fact="0.3"/>
+          <dgm:constr type="w" for="ch" forName="compNode" refType="w"/>
+          <dgm:constr type="h" for="ch" forName="sibTrans" refType="h" refFor="ch" refForName="compNode" fact="0.25"/>
+          <dgm:constr type="primFontSz" for="des" forName="parTx" val="19"/>
+          <dgm:constr type="primFontSz" for="des" forName="desTx" refType="primFontSz" refFor="des" refForName="parTx" op="lte" fact="0.75"/>
+          <dgm:constr type="h" for="des" forName="compNode" op="equ"/>
+          <dgm:constr type="h" for="des" forName="bgRect" op="equ"/>
+          <dgm:constr type="h" for="des" forName="iconRect" op="equ"/>
+          <dgm:constr type="w" for="des" forName="iconRect" op="equ"/>
+          <dgm:constr type="h" for="des" forName="spaceRect" op="equ"/>
+          <dgm:constr type="h" for="des" forName="parTx" op="equ"/>
+          <dgm:constr type="h" for="des" forName="desTx" op="equ"/>
+        </dgm:constrLst>
+      </dgm:if>
+      <dgm:else name="Name7">
+        <dgm:constrLst>
+          <dgm:constr type="h" for="ch" forName="compNode" refType="h" fact="0.3"/>
+          <dgm:constr type="w" for="ch" forName="compNode" refType="w"/>
+          <dgm:constr type="h" for="ch" forName="sibTrans" refType="h" refFor="ch" refForName="compNode" fact="0.25"/>
+          <dgm:constr type="primFontSz" for="des" forName="parTx" val="16"/>
+          <dgm:constr type="primFontSz" for="des" forName="desTx" refType="primFontSz" refFor="des" refForName="parTx" op="lte" fact="0.75"/>
+          <dgm:constr type="h" for="des" forName="compNode" op="equ"/>
+          <dgm:constr type="h" for="des" forName="bgRect" op="equ"/>
+          <dgm:constr type="h" for="des" forName="iconRect" op="equ"/>
+          <dgm:constr type="w" for="des" forName="iconRect" op="equ"/>
+          <dgm:constr type="h" for="des" forName="spaceRect" op="equ"/>
+          <dgm:constr type="h" for="des" forName="parTx" op="equ"/>
+          <dgm:constr type="h" for="des" forName="desTx" op="equ"/>
+        </dgm:constrLst>
+      </dgm:else>
+    </dgm:choose>
+    <dgm:ruleLst>
+      <dgm:rule type="h" for="ch" forName="compNode" val="0" fact="NaN" max="NaN"/>
+    </dgm:ruleLst>
+    <dgm:forEach name="Name8" axis="ch" ptType="node">
+      <dgm:layoutNode name="compNode">
+        <dgm:alg type="composite"/>
+        <dgm:shape xmlns:r="http://schemas.openxmlformats.org/officeDocument/2006/relationships" r:blip="">
+          <dgm:adjLst/>
+        </dgm:shape>
+        <dgm:presOf axis="self"/>
+        <dgm:choose name="Name9">
+          <dgm:if name="Name10" axis="ch" ptType="node" func="cnt" op="gte" val="1">
+            <dgm:constrLst>
+              <dgm:constr type="w" for="ch" forName="bgRect" refType="w"/>
+              <dgm:constr type="h" for="ch" forName="bgRect" refType="h"/>
+              <dgm:constr type="l" for="ch" forName="bgRect"/>
+              <dgm:constr type="t" for="ch" forName="bgRect"/>
+              <dgm:constr type="h" for="ch" forName="iconRect" refType="h" fact="0.55"/>
+              <dgm:constr type="w" for="ch" forName="iconRect" refType="h" refFor="ch" refForName="iconRect"/>
+              <dgm:constr type="l" for="ch" forName="iconRect" refType="h" refFor="ch" refForName="iconRect" fact="0.55"/>
+              <dgm:constr type="ctrY" for="ch" forName="iconRect" refType="ctrY" refFor="ch" refForName="bgRect"/>
+              <dgm:constr type="w" for="ch" forName="spaceRect" refType="l" refFor="ch" refForName="iconRect"/>
+              <dgm:constr type="h" for="ch" forName="spaceRect" refType="h"/>
+              <dgm:constr type="l" for="ch" forName="spaceRect" refType="r" refFor="ch" refForName="iconRect"/>
+              <dgm:constr type="t" for="ch" forName="spaceRect"/>
+              <dgm:constr type="w" for="ch" forName="parTx" refType="w" fact="0.45"/>
+              <dgm:constr type="h" for="ch" forName="parTx" refType="h"/>
+              <dgm:constr type="l" for="ch" forName="parTx" refType="r" refFor="ch" refForName="spaceRect"/>
+              <dgm:constr type="t" for="ch" forName="parTx"/>
+              <dgm:constr type="h" for="ch" forName="desTx" refType="h"/>
+              <dgm:constr type="l" for="ch" forName="desTx" refType="r" refFor="ch" refForName="parTx"/>
+              <dgm:constr type="t" for="ch" forName="desTx"/>
+            </dgm:constrLst>
+          </dgm:if>
+          <dgm:else name="Name11">
+            <dgm:constrLst>
+              <dgm:constr type="w" for="ch" forName="bgRect" refType="w"/>
+              <dgm:constr type="h" for="ch" forName="bgRect" refType="h"/>
+              <dgm:constr type="l" for="ch" forName="bgRect"/>
+              <dgm:constr type="t" for="ch" forName="bgRect"/>
+              <dgm:constr type="h" for="ch" forName="iconRect" refType="h" fact="0.55"/>
+              <dgm:constr type="w" for="ch" forName="iconRect" refType="h" refFor="ch" refForName="iconRect"/>
+              <dgm:constr type="l" for="ch" forName="iconRect" refType="h" refFor="ch" refForName="iconRect" fact="0.55"/>
+              <dgm:constr type="ctrY" for="ch" forName="iconRect" refType="ctrY" refFor="ch" refForName="bgRect"/>
+              <dgm:constr type="w" for="ch" forName="spaceRect" refType="l" refFor="ch" refForName="iconRect"/>
+              <dgm:constr type="h" for="ch" forName="spaceRect" refType="h"/>
+              <dgm:constr type="l" for="ch" forName="spaceRect" refType="r" refFor="ch" refForName="iconRect"/>
+              <dgm:constr type="t" for="ch" forName="spaceRect"/>
+              <dgm:constr type="h" for="ch" forName="parTx" refType="h"/>
+              <dgm:constr type="l" for="ch" forName="parTx" refType="r" refFor="ch" refForName="spaceRect"/>
+              <dgm:constr type="t" for="ch" forName="parTx"/>
+            </dgm:constrLst>
+          </dgm:else>
+        </dgm:choose>
+        <dgm:ruleLst>
+          <dgm:rule type="h" val="INF" fact="NaN" max="NaN"/>
+        </dgm:ruleLst>
+        <dgm:layoutNode name="bgRect" styleLbl="bgShp">
+          <dgm:alg type="sp"/>
+          <dgm:shape xmlns:r="http://schemas.openxmlformats.org/officeDocument/2006/relationships" type="roundRect" r:blip="">
+            <dgm:adjLst>
+              <dgm:adj idx="1" val="0.1"/>
+            </dgm:adjLst>
+          </dgm:shape>
+          <dgm:presOf/>
+          <dgm:constrLst/>
+          <dgm:ruleLst/>
+        </dgm:layoutNode>
+        <dgm:layoutNode name="iconRect" styleLbl="node1">
+          <dgm:alg type="sp"/>
+          <dgm:shape xmlns:r="http://schemas.openxmlformats.org/officeDocument/2006/relationships" type="rect" r:blip="" blipPhldr="1">
+            <dgm:adjLst/>
+          </dgm:shape>
+          <dgm:presOf/>
+          <dgm:constrLst/>
+          <dgm:ruleLst/>
+        </dgm:layoutNode>
+        <dgm:layoutNode name="spaceRect">
+          <dgm:alg type="sp"/>
+          <dgm:shape xmlns:r="http://schemas.openxmlformats.org/officeDocument/2006/relationships" r:blip="">
+            <dgm:adjLst/>
+          </dgm:shape>
+          <dgm:presOf/>
+          <dgm:constrLst/>
+          <dgm:ruleLst/>
+        </dgm:layoutNode>
+        <dgm:layoutNode name="parTx" styleLbl="revTx">
+          <dgm:varLst>
+            <dgm:chMax val="0"/>
+            <dgm:chPref val="0"/>
+          </dgm:varLst>
+          <dgm:alg type="tx">
+            <dgm:param type="txAnchorVert" val="mid"/>
+            <dgm:param type="parTxLTRAlign" val="l"/>
+            <dgm:param type="shpTxLTRAlignCh" val="l"/>
+            <dgm:param type="parTxRTLAlign" val="r"/>
+            <dgm:param type="shpTxRTLAlignCh" val="r"/>
+          </dgm:alg>
+          <dgm:shape xmlns:r="http://schemas.openxmlformats.org/officeDocument/2006/relationships" type="rect" r:blip="">
+            <dgm:adjLst/>
+          </dgm:shape>
+          <dgm:presOf axis="self" ptType="node"/>
+          <dgm:constrLst>
+            <dgm:constr type="lMarg" refType="h" fact="0.3"/>
+            <dgm:constr type="rMarg" refType="h" fact="0.3"/>
+            <dgm:constr type="tMarg" refType="h" fact="0.3"/>
+            <dgm:constr type="bMarg" refType="h" fact="0.3"/>
+          </dgm:constrLst>
+          <dgm:ruleLst>
+            <dgm:rule type="primFontSz" val="14" fact="NaN" max="NaN"/>
+            <dgm:rule type="h" val="INF" fact="NaN" max="NaN"/>
+          </dgm:ruleLst>
+        </dgm:layoutNode>
+        <dgm:choose name="Name12">
+          <dgm:if name="Name13" axis="ch" ptType="node" func="cnt" op="gte" val="1">
+            <dgm:layoutNode name="desTx" styleLbl="revTx">
+              <dgm:varLst/>
+              <dgm:alg type="tx">
+                <dgm:param type="txAnchorVertCh" val="mid"/>
+                <dgm:param type="parTxLTRAlign" val="l"/>
+                <dgm:param type="shpTxLTRAlignCh" val="l"/>
+                <dgm:param type="parTxRTLAlign" val="r"/>
+                <dgm:param type="shpTxRTLAlignCh" val="r"/>
+                <dgm:param type="stBulletLvl" val="0"/>
+              </dgm:alg>
+              <dgm:shape xmlns:r="http://schemas.openxmlformats.org/officeDocument/2006/relationships" type="rect" r:blip="">
+                <dgm:adjLst/>
+              </dgm:shape>
+              <dgm:presOf axis="des" ptType="node"/>
+              <dgm:constrLst>
+                <dgm:constr type="primFontSz" val="18"/>
+                <dgm:constr type="secFontSz" refType="primFontSz"/>
+                <dgm:constr type="lMarg" refType="h" fact="0.3"/>
+                <dgm:constr type="rMarg" refType="h" fact="0.3"/>
+                <dgm:constr type="tMarg" refType="h" fact="0.3"/>
+                <dgm:constr type="bMarg" refType="h" fact="0.3"/>
+              </dgm:constrLst>
+              <dgm:ruleLst>
+                <dgm:rule type="primFontSz" val="11" fact="NaN" max="NaN"/>
+              </dgm:ruleLst>
+            </dgm:layoutNode>
+          </dgm:if>
+          <dgm:else name="Name14"/>
+        </dgm:choose>
+      </dgm:layoutNode>
+      <dgm:forEach name="Name15" axis="followSib" ptType="sibTrans" cnt="1">
+        <dgm:layoutNode name="sibTrans">
+          <dgm:alg type="sp"/>
+          <dgm:shape xmlns:r="http://schemas.openxmlformats.org/officeDocument/2006/relationships" r:blip="">
+            <dgm:adjLst/>
+          </dgm:shape>
+          <dgm:presOf axis="self"/>
+          <dgm:constrLst/>
+          <dgm:ruleLst/>
+        </dgm:layoutNode>
+      </dgm:forEach>
+    </dgm:forEach>
+  </dgm:layoutNode>
+  <dgm:extLst>
+    <a:ext uri="{68A01E43-0DF5-4B5B-8FA6-DAF915123BFB}">
+      <dgm1612:lstStyle xmlns:dgm1612="http://schemas.microsoft.com/office/drawing/2016/12/diagram">
+        <a:lvl1pPr>
+          <a:lnSpc>
+            <a:spcPct val="100000"/>
+          </a:lnSpc>
+        </a:lvl1pPr>
+        <a:lvl2pPr>
+          <a:lnSpc>
+            <a:spcPct val="100000"/>
+          </a:lnSpc>
+        </a:lvl2pPr>
+      </dgm1612:lstStyle>
+    </a:ext>
+  </dgm:extLst>
+</dgm:layoutDef>
+</file>
+
+<file path=ppt/diagrams/quickStyle1.xml><?xml version="1.0" encoding="utf-8"?>
+<dgm:styleDef xmlns:dgm="http://schemas.openxmlformats.org/drawingml/2006/diagram" xmlns:a="http://schemas.openxmlformats.org/drawingml/2006/main" uniqueId="urn:microsoft.com/office/officeart/2005/8/quickstyle/simple1">
+  <dgm:title val=""/>
+  <dgm:desc val=""/>
+  <dgm:catLst>
+    <dgm:cat type="simple" pri="10100"/>
+  </dgm:catLst>
+  <dgm:scene3d>
+    <a:camera prst="orthographicFront"/>
+    <a:lightRig rig="threePt" dir="t"/>
+  </dgm:scene3d>
+  <dgm:styleLbl name="node0">
+    <dgm:scene3d>
+      <a:camera prst="orthographicFront"/>
+      <a:lightRig rig="threePt" dir="t"/>
+    </dgm:scene3d>
+    <dgm:sp3d/>
+    <dgm:txPr/>
+    <dgm:style>
+      <a:lnRef idx="2">
+        <a:scrgbClr r="0" g="0" b="0"/>
+      </a:lnRef>
+      <a:fillRef idx="1">
+        <a:scrgbClr r="0" g="0" b="0"/>
+      </a:fillRef>
+      <a:effectRef idx="0">
+        <a:scrgbClr r="0" g="0" b="0"/>
+      </a:effectRef>
+      <a:fontRef idx="minor">
+        <a:schemeClr val="lt1"/>
+      </a:fontRef>
+    </dgm:style>
+  </dgm:styleLbl>
+  <dgm:styleLbl name="lnNode1">
+    <dgm:scene3d>
+      <a:camera prst="orthographicFront"/>
+      <a:lightRig rig="threePt" dir="t"/>
+    </dgm:scene3d>
+    <dgm:sp3d/>
+    <dgm:txPr/>
+    <dgm:style>
+      <a:lnRef idx="2">
+        <a:scrgbClr r="0" g="0" b="0"/>
+      </a:lnRef>
+      <a:fillRef idx="1">
+        <a:scrgbClr r="0" g="0" b="0"/>
+      </a:fillRef>
+      <a:effectRef idx="0">
+        <a:scrgbClr r="0" g="0" b="0"/>
+      </a:effectRef>
+      <a:fontRef idx="minor">
+        <a:schemeClr val="lt1"/>
+      </a:fontRef>
+    </dgm:style>
+  </dgm:styleLbl>
+  <dgm:styleLbl name="vennNode1">
+    <dgm:scene3d>
+      <a:camera prst="orthographicFront"/>
+      <a:lightRig rig="threePt" dir="t"/>
+    </dgm:scene3d>
+    <dgm:sp3d/>
+    <dgm:txPr/>
+    <dgm:style>
+      <a:lnRef idx="2">
+        <a:scrgbClr r="0" g="0" b="0"/>
+      </a:lnRef>
+      <a:fillRef idx="1">
+        <a:scrgbClr r="0" g="0" b="0"/>
+      </a:fillRef>
+      <a:effectRef idx="0">
+        <a:scrgbClr r="0" g="0" b="0"/>
+      </a:effectRef>
+      <a:fontRef idx="minor">
+        <a:schemeClr val="tx1"/>
+      </a:fontRef>
+    </dgm:style>
+  </dgm:styleLbl>
+  <dgm:styleLbl name="alignNode1">
+    <dgm:scene3d>
+      <a:camera prst="orthographicFront"/>
+      <a:lightRig rig="threePt" dir="t"/>
+    </dgm:scene3d>
+    <dgm:sp3d/>
+    <dgm:txPr/>
+    <dgm:style>
+      <a:lnRef idx="2">
+        <a:scrgbClr r="0" g="0" b="0"/>
+      </a:lnRef>
+      <a:fillRef idx="1">
+        <a:scrgbClr r="0" g="0" b="0"/>
+      </a:fillRef>
+      <a:effectRef idx="0">
+        <a:scrgbClr r="0" g="0" b="0"/>
+      </a:effectRef>
+      <a:fontRef idx="minor">
+        <a:schemeClr val="lt1"/>
+      </a:fontRef>
+    </dgm:style>
+  </dgm:styleLbl>
+  <dgm:styleLbl name="node1">
+    <dgm:scene3d>
+      <a:camera prst="orthographicFront"/>
+      <a:lightRig rig="threePt" dir="t"/>
+    </dgm:scene3d>
+    <dgm:sp3d/>
+    <dgm:txPr/>
+    <dgm:style>
+      <a:lnRef idx="2">
+        <a:scrgbClr r="0" g="0" b="0"/>
+      </a:lnRef>
+      <a:fillRef idx="1">
+        <a:scrgbClr r="0" g="0" b="0"/>
+      </a:fillRef>
+      <a:effectRef idx="0">
+        <a:scrgbClr r="0" g="0" b="0"/>
+      </a:effectRef>
+      <a:fontRef idx="minor">
+        <a:schemeClr val="lt1"/>
+      </a:fontRef>
+    </dgm:style>
+  </dgm:styleLbl>
+  <dgm:styleLbl name="node2">
+    <dgm:scene3d>
+      <a:camera prst="orthographicFront"/>
+      <a:lightRig rig="threePt" dir="t"/>
+    </dgm:scene3d>
+    <dgm:sp3d/>
+    <dgm:txPr/>
+    <dgm:style>
+      <a:lnRef idx="2">
+        <a:scrgbClr r="0" g="0" b="0"/>
+      </a:lnRef>
+      <a:fillRef idx="1">
+        <a:scrgbClr r="0" g="0" b="0"/>
+      </a:fillRef>
+      <a:effectRef idx="0">
+        <a:scrgbClr r="0" g="0" b="0"/>
+      </a:effectRef>
+      <a:fontRef idx="minor">
+        <a:schemeClr val="lt1"/>
+      </a:fontRef>
+    </dgm:style>
+  </dgm:styleLbl>
+  <dgm:styleLbl name="node3">
+    <dgm:scene3d>
+      <a:camera prst="orthographicFront"/>
+      <a:lightRig rig="threePt" dir="t"/>
+    </dgm:scene3d>
+    <dgm:sp3d/>
+    <dgm:txPr/>
+    <dgm:style>
+      <a:lnRef idx="2">
+        <a:scrgbClr r="0" g="0" b="0"/>
+      </a:lnRef>
+      <a:fillRef idx="1">
+        <a:scrgbClr r="0" g="0" b="0"/>
+      </a:fillRef>
+      <a:effectRef idx="0">
+        <a:scrgbClr r="0" g="0" b="0"/>
+      </a:effectRef>
+      <a:fontRef idx="minor">
+        <a:schemeClr val="lt1"/>
+      </a:fontRef>
+    </dgm:style>
+  </dgm:styleLbl>
+  <dgm:styleLbl name="node4">
+    <dgm:scene3d>
+      <a:camera prst="orthographicFront"/>
+      <a:lightRig rig="threePt" dir="t"/>
+    </dgm:scene3d>
+    <dgm:sp3d/>
+    <dgm:txPr/>
+    <dgm:style>
+      <a:lnRef idx="2">
+        <a:scrgbClr r="0" g="0" b="0"/>
+      </a:lnRef>
+      <a:fillRef idx="1">
+        <a:scrgbClr r="0" g="0" b="0"/>
+      </a:fillRef>
+      <a:effectRef idx="0">
+        <a:scrgbClr r="0" g="0" b="0"/>
+      </a:effectRef>
+      <a:fontRef idx="minor">
+        <a:schemeClr val="lt1"/>
+      </a:fontRef>
+    </dgm:style>
+  </dgm:styleLbl>
+  <dgm:styleLbl name="fgImgPlace1">
+    <dgm:scene3d>
+      <a:camera prst="orthographicFront"/>
+      <a:lightRig rig="threePt" dir="t"/>
+    </dgm:scene3d>
+    <dgm:sp3d/>
+    <dgm:txPr/>
+    <dgm:style>
+      <a:lnRef idx="2">
+        <a:scrgbClr r="0" g="0" b="0"/>
+      </a:lnRef>
+      <a:fillRef idx="1">
+        <a:scrgbClr r="0" g="0" b="0"/>
+      </a:fillRef>
+      <a:effectRef idx="0">
+        <a:scrgbClr r="0" g="0" b="0"/>
+      </a:effectRef>
+      <a:fontRef idx="minor"/>
+    </dgm:style>
+  </dgm:styleLbl>
+  <dgm:styleLbl name="alignImgPlace1">
+    <dgm:scene3d>
+      <a:camera prst="orthographicFront"/>
+      <a:lightRig rig="threePt" dir="t"/>
+    </dgm:scene3d>
+    <dgm:sp3d/>
+    <dgm:txPr/>
+    <dgm:style>
+      <a:lnRef idx="2">
+        <a:scrgbClr r="0" g="0" b="0"/>
+      </a:lnRef>
+      <a:fillRef idx="1">
+        <a:scrgbClr r="0" g="0" b="0"/>
+      </a:fillRef>
+      <a:effectRef idx="0">
+        <a:scrgbClr r="0" g="0" b="0"/>
+      </a:effectRef>
+      <a:fontRef idx="minor"/>
+    </dgm:style>
+  </dgm:styleLbl>
+  <dgm:styleLbl name="bgImgPlace1">
+    <dgm:scene3d>
+      <a:camera prst="orthographicFront"/>
+      <a:lightRig rig="threePt" dir="t"/>
+    </dgm:scene3d>
+    <dgm:sp3d/>
+    <dgm:txPr/>
+    <dgm:style>
+      <a:lnRef idx="2">
+        <a:scrgbClr r="0" g="0" b="0"/>
+      </a:lnRef>
+      <a:fillRef idx="1">
+        <a:scrgbClr r="0" g="0" b="0"/>
+      </a:fillRef>
+      <a:effectRef idx="0">
+        <a:scrgbClr r="0" g="0" b="0"/>
+      </a:effectRef>
+      <a:fontRef idx="minor"/>
+    </dgm:style>
+  </dgm:styleLbl>
+  <dgm:styleLbl name="sibTrans2D1">
+    <dgm:scene3d>
+      <a:camera prst="orthographicFront"/>
+      <a:lightRig rig="threePt" dir="t"/>
+    </dgm:scene3d>
+    <dgm:sp3d/>
+    <dgm:txPr/>
+    <dgm:style>
+      <a:lnRef idx="0">
+        <a:scrgbClr r="0" g="0" b="0"/>
+      </a:lnRef>
+      <a:fillRef idx="1">
+        <a:scrgbClr r="0" g="0" b="0"/>
+      </a:fillRef>
+      <a:effectRef idx="0">
+        <a:scrgbClr r="0" g="0" b="0"/>
+      </a:effectRef>
+      <a:fontRef idx="minor">
+        <a:schemeClr val="lt1"/>
+      </a:fontRef>
+    </dgm:style>
+  </dgm:styleLbl>
+  <dgm:styleLbl name="fgSibTrans2D1">
+    <dgm:scene3d>
+      <a:camera prst="orthographicFront"/>
+      <a:lightRig rig="threePt" dir="t"/>
+    </dgm:scene3d>
+    <dgm:sp3d/>
+    <dgm:txPr/>
+    <dgm:style>
+      <a:lnRef idx="0">
+        <a:scrgbClr r="0" g="0" b="0"/>
+      </a:lnRef>
+      <a:fillRef idx="1">
+        <a:scrgbClr r="0" g="0" b="0"/>
+      </a:fillRef>
+      <a:effectRef idx="0">
+        <a:scrgbClr r="0" g="0" b="0"/>
+      </a:effectRef>
+      <a:fontRef idx="minor">
+        <a:schemeClr val="lt1"/>
+      </a:fontRef>
+    </dgm:style>
+  </dgm:styleLbl>
+  <dgm:styleLbl name="bgSibTrans2D1">
+    <dgm:scene3d>
+      <a:camera prst="orthographicFront"/>
+      <a:lightRig rig="threePt" dir="t"/>
+    </dgm:scene3d>
+    <dgm:sp3d/>
+    <dgm:txPr/>
+    <dgm:style>
+      <a:lnRef idx="0">
+        <a:scrgbClr r="0" g="0" b="0"/>
+      </a:lnRef>
+      <a:fillRef idx="1">
+        <a:scrgbClr r="0" g="0" b="0"/>
+      </a:fillRef>
+      <a:effectRef idx="0">
+        <a:scrgbClr r="0" g="0" b="0"/>
+      </a:effectRef>
+      <a:fontRef idx="minor">
+        <a:schemeClr val="lt1"/>
+      </a:fontRef>
+    </dgm:style>
+  </dgm:styleLbl>
+  <dgm:styleLbl name="sibTrans1D1">
+    <dgm:scene3d>
+      <a:camera prst="orthographicFront"/>
+      <a:lightRig rig="threePt" dir="t"/>
+    </dgm:scene3d>
+    <dgm:sp3d/>
+    <dgm:txPr/>
+    <dgm:style>
+      <a:lnRef idx="1">
+        <a:scrgbClr r="0" g="0" b="0"/>
+      </a:lnRef>
+      <a:fillRef idx="0">
+        <a:scrgbClr r="0" g="0" b="0"/>
+      </a:fillRef>
+      <a:effectRef idx="0">
+        <a:scrgbClr r="0" g="0" b="0"/>
+      </a:effectRef>
+      <a:fontRef idx="minor"/>
+    </dgm:style>
+  </dgm:styleLbl>
+  <dgm:styleLbl name="callout">
+    <dgm:scene3d>
+      <a:camera prst="orthographicFront"/>
+      <a:lightRig rig="threePt" dir="t"/>
+    </dgm:scene3d>
+    <dgm:sp3d/>
+    <dgm:txPr/>
+    <dgm:style>
+      <a:lnRef idx="2">
+        <a:scrgbClr r="0" g="0" b="0"/>
+      </a:lnRef>
+      <a:fillRef idx="1">
+        <a:scrgbClr r="0" g="0" b="0"/>
+      </a:fillRef>
+      <a:effectRef idx="0">
+        <a:scrgbClr r="0" g="0" b="0"/>
+      </a:effectRef>
+      <a:fontRef idx="minor"/>
+    </dgm:style>
+  </dgm:styleLbl>
+  <dgm:styleLbl name="asst0">
+    <dgm:scene3d>
+      <a:camera prst="orthographicFront"/>
+      <a:lightRig rig="threePt" dir="t"/>
+    </dgm:scene3d>
+    <dgm:sp3d/>
+    <dgm:txPr/>
+    <dgm:style>
+      <a:lnRef idx="2">
+        <a:scrgbClr r="0" g="0" b="0"/>
+      </a:lnRef>
+      <a:fillRef idx="1">
+        <a:scrgbClr r="0" g="0" b="0"/>
+      </a:fillRef>
+      <a:effectRef idx="0">
+        <a:scrgbClr r="0" g="0" b="0"/>
+      </a:effectRef>
+      <a:fontRef idx="minor">
+        <a:schemeClr val="lt1"/>
+      </a:fontRef>
+    </dgm:style>
+  </dgm:styleLbl>
+  <dgm:styleLbl name="asst1">
+    <dgm:scene3d>
+      <a:camera prst="orthographicFront"/>
+      <a:lightRig rig="threePt" dir="t"/>
+    </dgm:scene3d>
+    <dgm:sp3d/>
+    <dgm:txPr/>
+    <dgm:style>
+      <a:lnRef idx="2">
+        <a:scrgbClr r="0" g="0" b="0"/>
+      </a:lnRef>
+      <a:fillRef idx="1">
+        <a:scrgbClr r="0" g="0" b="0"/>
+      </a:fillRef>
+      <a:effectRef idx="0">
+        <a:scrgbClr r="0" g="0" b="0"/>
+      </a:effectRef>
+      <a:fontRef idx="minor">
+        <a:schemeClr val="lt1"/>
+      </a:fontRef>
+    </dgm:style>
+  </dgm:styleLbl>
+  <dgm:styleLbl name="asst2">
+    <dgm:scene3d>
+      <a:camera prst="orthographicFront"/>
+      <a:lightRig rig="threePt" dir="t"/>
+    </dgm:scene3d>
+    <dgm:sp3d/>
+    <dgm:txPr/>
+    <dgm:style>
+      <a:lnRef idx="2">
+        <a:scrgbClr r="0" g="0" b="0"/>
+      </a:lnRef>
+      <a:fillRef idx="1">
+        <a:scrgbClr r="0" g="0" b="0"/>
+      </a:fillRef>
+      <a:effectRef idx="0">
+        <a:scrgbClr r="0" g="0" b="0"/>
+      </a:effectRef>
+      <a:fontRef idx="minor">
+        <a:schemeClr val="lt1"/>
+      </a:fontRef>
+    </dgm:style>
+  </dgm:styleLbl>
+  <dgm:styleLbl name="asst3">
+    <dgm:scene3d>
+      <a:camera prst="orthographicFront"/>
+      <a:lightRig rig="threePt" dir="t"/>
+    </dgm:scene3d>
+    <dgm:sp3d/>
+    <dgm:txPr/>
+    <dgm:style>
+      <a:lnRef idx="2">
+        <a:scrgbClr r="0" g="0" b="0"/>
+      </a:lnRef>
+      <a:fillRef idx="1">
+        <a:scrgbClr r="0" g="0" b="0"/>
+      </a:fillRef>
+      <a:effectRef idx="0">
+        <a:scrgbClr r="0" g="0" b="0"/>
+      </a:effectRef>
+      <a:fontRef idx="minor">
+        <a:schemeClr val="lt1"/>
+      </a:fontRef>
+    </dgm:style>
+  </dgm:styleLbl>
+  <dgm:styleLbl name="asst4">
+    <dgm:scene3d>
+      <a:camera prst="orthographicFront"/>
+      <a:lightRig rig="threePt" dir="t"/>
+    </dgm:scene3d>
+    <dgm:sp3d/>
+    <dgm:txPr/>
+    <dgm:style>
+      <a:lnRef idx="2">
+        <a:scrgbClr r="0" g="0" b="0"/>
+      </a:lnRef>
+      <a:fillRef idx="1">
+        <a:scrgbClr r="0" g="0" b="0"/>
+      </a:fillRef>
+      <a:effectRef idx="0">
+        <a:scrgbClr r="0" g="0" b="0"/>
+      </a:effectRef>
+      <a:fontRef idx="minor">
+        <a:schemeClr val="lt1"/>
+      </a:fontRef>
+    </dgm:style>
+  </dgm:styleLbl>
+  <dgm:styleLbl name="parChTrans2D1">
+    <dgm:scene3d>
+      <a:camera prst="orthographicFront"/>
+      <a:lightRig rig="threePt" dir="t"/>
+    </dgm:scene3d>
+    <dgm:sp3d/>
+    <dgm:txPr/>
+    <dgm:style>
+      <a:lnRef idx="2">
+        <a:scrgbClr r="0" g="0" b="0"/>
+      </a:lnRef>
+      <a:fillRef idx="1">
+        <a:scrgbClr r="0" g="0" b="0"/>
+      </a:fillRef>
+      <a:effectRef idx="0">
+        <a:scrgbClr r="0" g="0" b="0"/>
+      </a:effectRef>
+      <a:fontRef idx="minor">
+        <a:schemeClr val="lt1"/>
+      </a:fontRef>
+    </dgm:style>
+  </dgm:styleLbl>
+  <dgm:styleLbl name="parChTrans2D2">
+    <dgm:scene3d>
+      <a:camera prst="orthographicFront"/>
+      <a:lightRig rig="threePt" dir="t"/>
+    </dgm:scene3d>
+    <dgm:sp3d/>
+    <dgm:txPr/>
+    <dgm:style>
+      <a:lnRef idx="2">
+        <a:scrgbClr r="0" g="0" b="0"/>
+      </a:lnRef>
+      <a:fillRef idx="1">
+        <a:scrgbClr r="0" g="0" b="0"/>
+      </a:fillRef>
+      <a:effectRef idx="0">
+        <a:scrgbClr r="0" g="0" b="0"/>
+      </a:effectRef>
+      <a:fontRef idx="minor">
+        <a:schemeClr val="lt1"/>
+      </a:fontRef>
+    </dgm:style>
+  </dgm:styleLbl>
+  <dgm:styleLbl name="parChTrans2D3">
+    <dgm:scene3d>
+      <a:camera prst="orthographicFront"/>
+      <a:lightRig rig="threePt" dir="t"/>
+    </dgm:scene3d>
+    <dgm:sp3d/>
+    <dgm:txPr/>
+    <dgm:style>
+      <a:lnRef idx="2">
+        <a:scrgbClr r="0" g="0" b="0"/>
+      </a:lnRef>
+      <a:fillRef idx="1">
+        <a:scrgbClr r="0" g="0" b="0"/>
+      </a:fillRef>
+      <a:effectRef idx="0">
+        <a:scrgbClr r="0" g="0" b="0"/>
+      </a:effectRef>
+      <a:fontRef idx="minor">
+        <a:schemeClr val="lt1"/>
+      </a:fontRef>
+    </dgm:style>
+  </dgm:styleLbl>
+  <dgm:styleLbl name="parChTrans2D4">
+    <dgm:scene3d>
+      <a:camera prst="orthographicFront"/>
+      <a:lightRig rig="threePt" dir="t"/>
+    </dgm:scene3d>
+    <dgm:sp3d/>
+    <dgm:txPr/>
+    <dgm:style>
+      <a:lnRef idx="2">
+        <a:scrgbClr r="0" g="0" b="0"/>
+      </a:lnRef>
+      <a:fillRef idx="1">
+        <a:scrgbClr r="0" g="0" b="0"/>
+      </a:fillRef>
+      <a:effectRef idx="0">
+        <a:scrgbClr r="0" g="0" b="0"/>
+      </a:effectRef>
+      <a:fontRef idx="minor">
+        <a:schemeClr val="lt1"/>
+      </a:fontRef>
+    </dgm:style>
+  </dgm:styleLbl>
+  <dgm:styleLbl name="parChTrans1D1">
+    <dgm:scene3d>
+      <a:camera prst="orthographicFront"/>
+      <a:lightRig rig="threePt" dir="t"/>
+    </dgm:scene3d>
+    <dgm:sp3d/>
+    <dgm:txPr/>
+    <dgm:style>
+      <a:lnRef idx="2">
+        <a:scrgbClr r="0" g="0" b="0"/>
+      </a:lnRef>
+      <a:fillRef idx="0">
+        <a:scrgbClr r="0" g="0" b="0"/>
+      </a:fillRef>
+      <a:effectRef idx="0">
+        <a:scrgbClr r="0" g="0" b="0"/>
+      </a:effectRef>
+      <a:fontRef idx="minor"/>
+    </dgm:style>
+  </dgm:styleLbl>
+  <dgm:styleLbl name="parChTrans1D2">
+    <dgm:scene3d>
+      <a:camera prst="orthographicFront"/>
+      <a:lightRig rig="threePt" dir="t"/>
+    </dgm:scene3d>
+    <dgm:sp3d/>
+    <dgm:txPr/>
+    <dgm:style>
+      <a:lnRef idx="2">
+        <a:scrgbClr r="0" g="0" b="0"/>
+      </a:lnRef>
+      <a:fillRef idx="0">
+        <a:scrgbClr r="0" g="0" b="0"/>
+      </a:fillRef>
+      <a:effectRef idx="0">
+        <a:scrgbClr r="0" g="0" b="0"/>
+      </a:effectRef>
+      <a:fontRef idx="minor"/>
+    </dgm:style>
+  </dgm:styleLbl>
+  <dgm:styleLbl name="parChTrans1D3">
+    <dgm:scene3d>
+      <a:camera prst="orthographicFront"/>
+      <a:lightRig rig="threePt" dir="t"/>
+    </dgm:scene3d>
+    <dgm:sp3d/>
+    <dgm:txPr/>
+    <dgm:style>
+      <a:lnRef idx="2">
+        <a:scrgbClr r="0" g="0" b="0"/>
+      </a:lnRef>
+      <a:fillRef idx="0">
+        <a:scrgbClr r="0" g="0" b="0"/>
+      </a:fillRef>
+      <a:effectRef idx="0">
+        <a:scrgbClr r="0" g="0" b="0"/>
+      </a:effectRef>
+      <a:fontRef idx="minor"/>
+    </dgm:style>
+  </dgm:styleLbl>
+  <dgm:styleLbl name="parChTrans1D4">
+    <dgm:scene3d>
+      <a:camera prst="orthographicFront"/>
+      <a:lightRig rig="threePt" dir="t"/>
+    </dgm:scene3d>
+    <dgm:sp3d/>
+    <dgm:txPr/>
+    <dgm:style>
+      <a:lnRef idx="2">
+        <a:scrgbClr r="0" g="0" b="0"/>
+      </a:lnRef>
+      <a:fillRef idx="0">
+        <a:scrgbClr r="0" g="0" b="0"/>
+      </a:fillRef>
+      <a:effectRef idx="0">
+        <a:scrgbClr r="0" g="0" b="0"/>
+      </a:effectRef>
+      <a:fontRef idx="minor"/>
+    </dgm:style>
+  </dgm:styleLbl>
+  <dgm:styleLbl name="fgAcc1">
+    <dgm:scene3d>
+      <a:camera prst="orthographicFront"/>
+      <a:lightRig rig="threePt" dir="t"/>
+    </dgm:scene3d>
+    <dgm:sp3d/>
+    <dgm:txPr/>
+    <dgm:style>
+      <a:lnRef idx="2">
+        <a:scrgbClr r="0" g="0" b="0"/>
+      </a:lnRef>
+      <a:fillRef idx="1">
+        <a:scrgbClr r="0" g="0" b="0"/>
+      </a:fillRef>
+      <a:effectRef idx="0">
+        <a:scrgbClr r="0" g="0" b="0"/>
+      </a:effectRef>
+      <a:fontRef idx="minor"/>
+    </dgm:style>
+  </dgm:styleLbl>
+  <dgm:styleLbl name="conFgAcc1">
+    <dgm:scene3d>
+      <a:camera prst="orthographicFront"/>
+      <a:lightRig rig="threePt" dir="t"/>
+    </dgm:scene3d>
+    <dgm:sp3d/>
+    <dgm:txPr/>
+    <dgm:style>
+      <a:lnRef idx="2">
+        <a:scrgbClr r="0" g="0" b="0"/>
+      </a:lnRef>
+      <a:fillRef idx="1">
+        <a:scrgbClr r="0" g="0" b="0"/>
+      </a:fillRef>
+      <a:effectRef idx="0">
+        <a:scrgbClr r="0" g="0" b="0"/>
+      </a:effectRef>
+      <a:fontRef idx="minor"/>
+    </dgm:style>
+  </dgm:styleLbl>
+  <dgm:styleLbl name="alignAcc1">
+    <dgm:scene3d>
+      <a:camera prst="orthographicFront"/>
+      <a:lightRig rig="threePt" dir="t"/>
+    </dgm:scene3d>
+    <dgm:sp3d/>
+    <dgm:txPr/>
+    <dgm:style>
+      <a:lnRef idx="2">
+        <a:scrgbClr r="0" g="0" b="0"/>
+      </a:lnRef>
+      <a:fillRef idx="1">
+        <a:scrgbClr r="0" g="0" b="0"/>
+      </a:fillRef>
+      <a:effectRef idx="0">
+        <a:scrgbClr r="0" g="0" b="0"/>
+      </a:effectRef>
+      <a:fontRef idx="minor"/>
+    </dgm:style>
+  </dgm:styleLbl>
+  <dgm:styleLbl name="trAlignAcc1">
+    <dgm:scene3d>
+      <a:camera prst="orthographicFront"/>
+      <a:lightRig rig="threePt" dir="t"/>
+    </dgm:scene3d>
+    <dgm:sp3d/>
+    <dgm:txPr/>
+    <dgm:style>
+      <a:lnRef idx="1">
+        <a:scrgbClr r="0" g="0" b="0"/>
+      </a:lnRef>
+      <a:fillRef idx="1">
+        <a:scrgbClr r="0" g="0" b="0"/>
+      </a:fillRef>
+      <a:effectRef idx="0">
+        <a:scrgbClr r="0" g="0" b="0"/>
+      </a:effectRef>
+      <a:fontRef idx="minor"/>
+    </dgm:style>
+  </dgm:styleLbl>
+  <dgm:styleLbl name="bgAcc1">
+    <dgm:scene3d>
+      <a:camera prst="orthographicFront"/>
+      <a:lightRig rig="threePt" dir="t"/>
+    </dgm:scene3d>
+    <dgm:sp3d/>
+    <dgm:txPr/>
+    <dgm:style>
+      <a:lnRef idx="2">
+        <a:scrgbClr r="0" g="0" b="0"/>
+      </a:lnRef>
+      <a:fillRef idx="1">
+        <a:scrgbClr r="0" g="0" b="0"/>
+      </a:fillRef>
+      <a:effectRef idx="0">
+        <a:scrgbClr r="0" g="0" b="0"/>
+      </a:effectRef>
+      <a:fontRef idx="minor"/>
+    </dgm:style>
+  </dgm:styleLbl>
+  <dgm:styleLbl name="solidFgAcc1">
+    <dgm:scene3d>
+      <a:camera prst="orthographicFront"/>
+      <a:lightRig rig="threePt" dir="t"/>
+    </dgm:scene3d>
+    <dgm:sp3d/>
+    <dgm:txPr/>
+    <dgm:style>
+      <a:lnRef idx="2">
+        <a:scrgbClr r="0" g="0" b="0"/>
+      </a:lnRef>
+      <a:fillRef idx="1">
+        <a:scrgbClr r="0" g="0" b="0"/>
+      </a:fillRef>
+      <a:effectRef idx="0">
+        <a:scrgbClr r="0" g="0" b="0"/>
+      </a:effectRef>
+      <a:fontRef idx="minor"/>
+    </dgm:style>
+  </dgm:styleLbl>
+  <dgm:styleLbl name="solidAlignAcc1">
+    <dgm:scene3d>
+      <a:camera prst="orthographicFront"/>
+      <a:lightRig rig="threePt" dir="t"/>
+    </dgm:scene3d>
+    <dgm:sp3d/>
+    <dgm:txPr/>
+    <dgm:style>
+      <a:lnRef idx="2">
+        <a:scrgbClr r="0" g="0" b="0"/>
+      </a:lnRef>
+      <a:fillRef idx="1">
+        <a:scrgbClr r="0" g="0" b="0"/>
+      </a:fillRef>
+      <a:effectRef idx="0">
+        <a:scrgbClr r="0" g="0" b="0"/>
+      </a:effectRef>
+      <a:fontRef idx="minor"/>
+    </dgm:style>
+  </dgm:styleLbl>
+  <dgm:styleLbl name="solidBgAcc1">
+    <dgm:scene3d>
+      <a:camera prst="orthographicFront"/>
+      <a:lightRig rig="threePt" dir="t"/>
+    </dgm:scene3d>
+    <dgm:sp3d/>
+    <dgm:txPr/>
+    <dgm:style>
+      <a:lnRef idx="2">
+        <a:scrgbClr r="0" g="0" b="0"/>
+      </a:lnRef>
+      <a:fillRef idx="1">
+        <a:scrgbClr r="0" g="0" b="0"/>
+      </a:fillRef>
+      <a:effectRef idx="0">
+        <a:scrgbClr r="0" g="0" b="0"/>
+      </a:effectRef>
+      <a:fontRef idx="minor"/>
+    </dgm:style>
+  </dgm:styleLbl>
+  <dgm:styleLbl name="fgAccFollowNode1">
+    <dgm:scene3d>
+      <a:camera prst="orthographicFront"/>
+      <a:lightRig rig="threePt" dir="t"/>
+    </dgm:scene3d>
+    <dgm:sp3d/>
+    <dgm:txPr/>
+    <dgm:style>
+      <a:lnRef idx="2">
+        <a:scrgbClr r="0" g="0" b="0"/>
+      </a:lnRef>
+      <a:fillRef idx="1">
+        <a:scrgbClr r="0" g="0" b="0"/>
+      </a:fillRef>
+      <a:effectRef idx="0">
+        <a:scrgbClr r="0" g="0" b="0"/>
+      </a:effectRef>
+      <a:fontRef idx="minor"/>
+    </dgm:style>
+  </dgm:styleLbl>
+  <dgm:styleLbl name="alignAccFollowNode1">
+    <dgm:scene3d>
+      <a:camera prst="orthographicFront"/>
+      <a:lightRig rig="threePt" dir="t"/>
+    </dgm:scene3d>
+    <dgm:sp3d/>
+    <dgm:txPr/>
+    <dgm:style>
+      <a:lnRef idx="2">
+        <a:scrgbClr r="0" g="0" b="0"/>
+      </a:lnRef>
+      <a:fillRef idx="1">
+        <a:scrgbClr r="0" g="0" b="0"/>
+      </a:fillRef>
+      <a:effectRef idx="0">
+        <a:scrgbClr r="0" g="0" b="0"/>
+      </a:effectRef>
+      <a:fontRef idx="minor"/>
+    </dgm:style>
+  </dgm:styleLbl>
+  <dgm:styleLbl name="bgAccFollowNode1">
+    <dgm:scene3d>
+      <a:camera prst="orthographicFront"/>
+      <a:lightRig rig="threePt" dir="t"/>
+    </dgm:scene3d>
+    <dgm:sp3d/>
+    <dgm:txPr/>
+    <dgm:style>
+      <a:lnRef idx="2">
+        <a:scrgbClr r="0" g="0" b="0"/>
+      </a:lnRef>
+      <a:fillRef idx="1">
+        <a:scrgbClr r="0" g="0" b="0"/>
+      </a:fillRef>
+      <a:effectRef idx="0">
+        <a:scrgbClr r="0" g="0" b="0"/>
+      </a:effectRef>
+      <a:fontRef idx="minor"/>
+    </dgm:style>
+  </dgm:styleLbl>
+  <dgm:styleLbl name="fgAcc0">
+    <dgm:scene3d>
+      <a:camera prst="orthographicFront"/>
+      <a:lightRig rig="threePt" dir="t"/>
+    </dgm:scene3d>
+    <dgm:sp3d/>
+    <dgm:txPr/>
+    <dgm:style>
+      <a:lnRef idx="2">
+        <a:scrgbClr r="0" g="0" b="0"/>
+      </a:lnRef>
+      <a:fillRef idx="1">
+        <a:scrgbClr r="0" g="0" b="0"/>
+      </a:fillRef>
+      <a:effectRef idx="0">
+        <a:scrgbClr r="0" g="0" b="0"/>
+      </a:effectRef>
+      <a:fontRef idx="minor"/>
+    </dgm:style>
+  </dgm:styleLbl>
+  <dgm:styleLbl name="fgAcc2">
+    <dgm:scene3d>
+      <a:camera prst="orthographicFront"/>
+      <a:lightRig rig="threePt" dir="t"/>
+    </dgm:scene3d>
+    <dgm:sp3d/>
+    <dgm:txPr/>
+    <dgm:style>
+      <a:lnRef idx="2">
+        <a:scrgbClr r="0" g="0" b="0"/>
+      </a:lnRef>
+      <a:fillRef idx="1">
+        <a:scrgbClr r="0" g="0" b="0"/>
+      </a:fillRef>
+      <a:effectRef idx="0">
+        <a:scrgbClr r="0" g="0" b="0"/>
+      </a:effectRef>
+      <a:fontRef idx="minor"/>
+    </dgm:style>
+  </dgm:styleLbl>
+  <dgm:styleLbl name="fgAcc3">
+    <dgm:scene3d>
+      <a:camera prst="orthographicFront"/>
+      <a:lightRig rig="threePt" dir="t"/>
+    </dgm:scene3d>
+    <dgm:sp3d/>
+    <dgm:txPr/>
+    <dgm:style>
+      <a:lnRef idx="2">
+        <a:scrgbClr r="0" g="0" b="0"/>
+      </a:lnRef>
+      <a:fillRef idx="1">
+        <a:scrgbClr r="0" g="0" b="0"/>
+      </a:fillRef>
+      <a:effectRef idx="0">
+        <a:scrgbClr r="0" g="0" b="0"/>
+      </a:effectRef>
+      <a:fontRef idx="minor"/>
+    </dgm:style>
+  </dgm:styleLbl>
+  <dgm:styleLbl name="fgAcc4">
+    <dgm:scene3d>
+      <a:camera prst="orthographicFront"/>
+      <a:lightRig rig="threePt" dir="t"/>
+    </dgm:scene3d>
+    <dgm:sp3d/>
+    <dgm:txPr/>
+    <dgm:style>
+      <a:lnRef idx="2">
+        <a:scrgbClr r="0" g="0" b="0"/>
+      </a:lnRef>
+      <a:fillRef idx="1">
+        <a:scrgbClr r="0" g="0" b="0"/>
+      </a:fillRef>
+      <a:effectRef idx="0">
+        <a:scrgbClr r="0" g="0" b="0"/>
+      </a:effectRef>
+      <a:fontRef idx="minor"/>
+    </dgm:style>
+  </dgm:styleLbl>
+  <dgm:styleLbl name="bgShp">
+    <dgm:scene3d>
+      <a:camera prst="orthographicFront"/>
+      <a:lightRig rig="threePt" dir="t"/>
+    </dgm:scene3d>
+    <dgm:sp3d/>
+    <dgm:txPr/>
+    <dgm:style>
+      <a:lnRef idx="0">
+        <a:scrgbClr r="0" g="0" b="0"/>
+      </a:lnRef>
+      <a:fillRef idx="1">
+        <a:scrgbClr r="0" g="0" b="0"/>
+      </a:fillRef>
+      <a:effectRef idx="0">
+        <a:scrgbClr r="0" g="0" b="0"/>
+      </a:effectRef>
+      <a:fontRef idx="minor"/>
+    </dgm:style>
+  </dgm:styleLbl>
+  <dgm:styleLbl name="dkBgShp">
+    <dgm:scene3d>
+      <a:camera prst="orthographicFront"/>
+      <a:lightRig rig="threePt" dir="t"/>
+    </dgm:scene3d>
+    <dgm:sp3d/>
+    <dgm:txPr/>
+    <dgm:style>
+      <a:lnRef idx="0">
+        <a:scrgbClr r="0" g="0" b="0"/>
+      </a:lnRef>
+      <a:fillRef idx="1">
+        <a:scrgbClr r="0" g="0" b="0"/>
+      </a:fillRef>
+      <a:effectRef idx="0">
+        <a:scrgbClr r="0" g="0" b="0"/>
+      </a:effectRef>
+      <a:fontRef idx="minor"/>
+    </dgm:style>
+  </dgm:styleLbl>
+  <dgm:styleLbl name="trBgShp">
+    <dgm:scene3d>
+      <a:camera prst="orthographicFront"/>
+      <a:lightRig rig="threePt" dir="t"/>
+    </dgm:scene3d>
+    <dgm:sp3d/>
+    <dgm:txPr/>
+    <dgm:style>
+      <a:lnRef idx="0">
+        <a:scrgbClr r="0" g="0" b="0"/>
+      </a:lnRef>
+      <a:fillRef idx="1">
+        <a:scrgbClr r="0" g="0" b="0"/>
+      </a:fillRef>
+      <a:effectRef idx="0">
+        <a:scrgbClr r="0" g="0" b="0"/>
+      </a:effectRef>
+      <a:fontRef idx="minor"/>
+    </dgm:style>
+  </dgm:styleLbl>
+  <dgm:styleLbl name="fgShp">
+    <dgm:scene3d>
+      <a:camera prst="orthographicFront"/>
+      <a:lightRig rig="threePt" dir="t"/>
+    </dgm:scene3d>
+    <dgm:sp3d/>
+    <dgm:txPr/>
+    <dgm:style>
+      <a:lnRef idx="2">
+        <a:scrgbClr r="0" g="0" b="0"/>
+      </a:lnRef>
+      <a:fillRef idx="1">
+        <a:scrgbClr r="0" g="0" b="0"/>
+      </a:fillRef>
+      <a:effectRef idx="0">
+        <a:scrgbClr r="0" g="0" b="0"/>
+      </a:effectRef>
+      <a:fontRef idx="minor"/>
+    </dgm:style>
+  </dgm:styleLbl>
+  <dgm:styleLbl name="revTx">
+    <dgm:scene3d>
+      <a:camera prst="orthographicFront"/>
+      <a:lightRig rig="threePt" dir="t"/>
+    </dgm:scene3d>
+    <dgm:sp3d/>
+    <dgm:txPr/>
+    <dgm:style>
+      <a:lnRef idx="0">
+        <a:scrgbClr r="0" g="0" b="0"/>
+      </a:lnRef>
+      <a:fillRef idx="0">
+        <a:scrgbClr r="0" g="0" b="0"/>
+      </a:fillRef>
+      <a:effectRef idx="0">
+        <a:scrgbClr r="0" g="0" b="0"/>
+      </a:effectRef>
+      <a:fontRef idx="minor"/>
+    </dgm:style>
+  </dgm:styleLbl>
+</dgm:styleDef>
+</file>
+
+<file path=ppt/diagrams/quickStyle2.xml><?xml version="1.0" encoding="utf-8"?>
+<dgm:styleDef xmlns:dgm="http://schemas.openxmlformats.org/drawingml/2006/diagram" xmlns:a="http://schemas.openxmlformats.org/drawingml/2006/main" uniqueId="urn:microsoft.com/office/officeart/2005/8/quickstyle/simple1">
+  <dgm:title val=""/>
+  <dgm:desc val=""/>
+  <dgm:catLst>
+    <dgm:cat type="simple" pri="10100"/>
+  </dgm:catLst>
+  <dgm:scene3d>
+    <a:camera prst="orthographicFront"/>
+    <a:lightRig rig="threePt" dir="t"/>
+  </dgm:scene3d>
+  <dgm:styleLbl name="node0">
+    <dgm:scene3d>
+      <a:camera prst="orthographicFront"/>
+      <a:lightRig rig="threePt" dir="t"/>
+    </dgm:scene3d>
+    <dgm:sp3d/>
+    <dgm:txPr/>
+    <dgm:style>
+      <a:lnRef idx="2">
+        <a:scrgbClr r="0" g="0" b="0"/>
+      </a:lnRef>
+      <a:fillRef idx="1">
+        <a:scrgbClr r="0" g="0" b="0"/>
+      </a:fillRef>
+      <a:effectRef idx="0">
+        <a:scrgbClr r="0" g="0" b="0"/>
+      </a:effectRef>
+      <a:fontRef idx="minor">
+        <a:schemeClr val="lt1"/>
+      </a:fontRef>
+    </dgm:style>
+  </dgm:styleLbl>
+  <dgm:styleLbl name="lnNode1">
+    <dgm:scene3d>
+      <a:camera prst="orthographicFront"/>
+      <a:lightRig rig="threePt" dir="t"/>
+    </dgm:scene3d>
+    <dgm:sp3d/>
+    <dgm:txPr/>
+    <dgm:style>
+      <a:lnRef idx="2">
+        <a:scrgbClr r="0" g="0" b="0"/>
+      </a:lnRef>
+      <a:fillRef idx="1">
+        <a:scrgbClr r="0" g="0" b="0"/>
+      </a:fillRef>
+      <a:effectRef idx="0">
+        <a:scrgbClr r="0" g="0" b="0"/>
+      </a:effectRef>
+      <a:fontRef idx="minor">
+        <a:schemeClr val="lt1"/>
+      </a:fontRef>
+    </dgm:style>
+  </dgm:styleLbl>
+  <dgm:styleLbl name="vennNode1">
+    <dgm:scene3d>
+      <a:camera prst="orthographicFront"/>
+      <a:lightRig rig="threePt" dir="t"/>
+    </dgm:scene3d>
+    <dgm:sp3d/>
+    <dgm:txPr/>
+    <dgm:style>
+      <a:lnRef idx="2">
+        <a:scrgbClr r="0" g="0" b="0"/>
+      </a:lnRef>
+      <a:fillRef idx="1">
+        <a:scrgbClr r="0" g="0" b="0"/>
+      </a:fillRef>
+      <a:effectRef idx="0">
+        <a:scrgbClr r="0" g="0" b="0"/>
+      </a:effectRef>
+      <a:fontRef idx="minor">
+        <a:schemeClr val="tx1"/>
+      </a:fontRef>
+    </dgm:style>
+  </dgm:styleLbl>
+  <dgm:styleLbl name="alignNode1">
+    <dgm:scene3d>
+      <a:camera prst="orthographicFront"/>
+      <a:lightRig rig="threePt" dir="t"/>
+    </dgm:scene3d>
+    <dgm:sp3d/>
+    <dgm:txPr/>
+    <dgm:style>
+      <a:lnRef idx="2">
+        <a:scrgbClr r="0" g="0" b="0"/>
+      </a:lnRef>
+      <a:fillRef idx="1">
+        <a:scrgbClr r="0" g="0" b="0"/>
+      </a:fillRef>
+      <a:effectRef idx="0">
+        <a:scrgbClr r="0" g="0" b="0"/>
+      </a:effectRef>
+      <a:fontRef idx="minor">
+        <a:schemeClr val="lt1"/>
+      </a:fontRef>
+    </dgm:style>
+  </dgm:styleLbl>
+  <dgm:styleLbl name="node1">
+    <dgm:scene3d>
+      <a:camera prst="orthographicFront"/>
+      <a:lightRig rig="threePt" dir="t"/>
+    </dgm:scene3d>
+    <dgm:sp3d/>
+    <dgm:txPr/>
+    <dgm:style>
+      <a:lnRef idx="2">
+        <a:scrgbClr r="0" g="0" b="0"/>
+      </a:lnRef>
+      <a:fillRef idx="1">
+        <a:scrgbClr r="0" g="0" b="0"/>
+      </a:fillRef>
+      <a:effectRef idx="0">
+        <a:scrgbClr r="0" g="0" b="0"/>
+      </a:effectRef>
+      <a:fontRef idx="minor">
+        <a:schemeClr val="lt1"/>
+      </a:fontRef>
+    </dgm:style>
+  </dgm:styleLbl>
+  <dgm:styleLbl name="node2">
+    <dgm:scene3d>
+      <a:camera prst="orthographicFront"/>
+      <a:lightRig rig="threePt" dir="t"/>
+    </dgm:scene3d>
+    <dgm:sp3d/>
+    <dgm:txPr/>
+    <dgm:style>
+      <a:lnRef idx="2">
+        <a:scrgbClr r="0" g="0" b="0"/>
+      </a:lnRef>
+      <a:fillRef idx="1">
+        <a:scrgbClr r="0" g="0" b="0"/>
+      </a:fillRef>
+      <a:effectRef idx="0">
+        <a:scrgbClr r="0" g="0" b="0"/>
+      </a:effectRef>
+      <a:fontRef idx="minor">
+        <a:schemeClr val="lt1"/>
+      </a:fontRef>
+    </dgm:style>
+  </dgm:styleLbl>
+  <dgm:styleLbl name="node3">
+    <dgm:scene3d>
+      <a:camera prst="orthographicFront"/>
+      <a:lightRig rig="threePt" dir="t"/>
+    </dgm:scene3d>
+    <dgm:sp3d/>
+    <dgm:txPr/>
+    <dgm:style>
+      <a:lnRef idx="2">
+        <a:scrgbClr r="0" g="0" b="0"/>
+      </a:lnRef>
+      <a:fillRef idx="1">
+        <a:scrgbClr r="0" g="0" b="0"/>
+      </a:fillRef>
+      <a:effectRef idx="0">
+        <a:scrgbClr r="0" g="0" b="0"/>
+      </a:effectRef>
+      <a:fontRef idx="minor">
+        <a:schemeClr val="lt1"/>
+      </a:fontRef>
+    </dgm:style>
+  </dgm:styleLbl>
+  <dgm:styleLbl name="node4">
+    <dgm:scene3d>
+      <a:camera prst="orthographicFront"/>
+      <a:lightRig rig="threePt" dir="t"/>
+    </dgm:scene3d>
+    <dgm:sp3d/>
+    <dgm:txPr/>
+    <dgm:style>
+      <a:lnRef idx="2">
+        <a:scrgbClr r="0" g="0" b="0"/>
+      </a:lnRef>
+      <a:fillRef idx="1">
+        <a:scrgbClr r="0" g="0" b="0"/>
+      </a:fillRef>
+      <a:effectRef idx="0">
+        <a:scrgbClr r="0" g="0" b="0"/>
+      </a:effectRef>
+      <a:fontRef idx="minor">
+        <a:schemeClr val="lt1"/>
+      </a:fontRef>
+    </dgm:style>
+  </dgm:styleLbl>
+  <dgm:styleLbl name="fgImgPlace1">
+    <dgm:scene3d>
+      <a:camera prst="orthographicFront"/>
+      <a:lightRig rig="threePt" dir="t"/>
+    </dgm:scene3d>
+    <dgm:sp3d/>
+    <dgm:txPr/>
+    <dgm:style>
+      <a:lnRef idx="2">
+        <a:scrgbClr r="0" g="0" b="0"/>
+      </a:lnRef>
+      <a:fillRef idx="1">
+        <a:scrgbClr r="0" g="0" b="0"/>
+      </a:fillRef>
+      <a:effectRef idx="0">
+        <a:scrgbClr r="0" g="0" b="0"/>
+      </a:effectRef>
+      <a:fontRef idx="minor"/>
+    </dgm:style>
+  </dgm:styleLbl>
+  <dgm:styleLbl name="alignImgPlace1">
+    <dgm:scene3d>
+      <a:camera prst="orthographicFront"/>
+      <a:lightRig rig="threePt" dir="t"/>
+    </dgm:scene3d>
+    <dgm:sp3d/>
+    <dgm:txPr/>
+    <dgm:style>
+      <a:lnRef idx="2">
+        <a:scrgbClr r="0" g="0" b="0"/>
+      </a:lnRef>
+      <a:fillRef idx="1">
+        <a:scrgbClr r="0" g="0" b="0"/>
+      </a:fillRef>
+      <a:effectRef idx="0">
+        <a:scrgbClr r="0" g="0" b="0"/>
+      </a:effectRef>
+      <a:fontRef idx="minor"/>
+    </dgm:style>
+  </dgm:styleLbl>
+  <dgm:styleLbl name="bgImgPlace1">
+    <dgm:scene3d>
+      <a:camera prst="orthographicFront"/>
+      <a:lightRig rig="threePt" dir="t"/>
+    </dgm:scene3d>
+    <dgm:sp3d/>
+    <dgm:txPr/>
+    <dgm:style>
+      <a:lnRef idx="2">
+        <a:scrgbClr r="0" g="0" b="0"/>
+      </a:lnRef>
+      <a:fillRef idx="1">
+        <a:scrgbClr r="0" g="0" b="0"/>
+      </a:fillRef>
+      <a:effectRef idx="0">
+        <a:scrgbClr r="0" g="0" b="0"/>
+      </a:effectRef>
+      <a:fontRef idx="minor"/>
+    </dgm:style>
+  </dgm:styleLbl>
+  <dgm:styleLbl name="sibTrans2D1">
+    <dgm:scene3d>
+      <a:camera prst="orthographicFront"/>
+      <a:lightRig rig="threePt" dir="t"/>
+    </dgm:scene3d>
+    <dgm:sp3d/>
+    <dgm:txPr/>
+    <dgm:style>
+      <a:lnRef idx="0">
+        <a:scrgbClr r="0" g="0" b="0"/>
+      </a:lnRef>
+      <a:fillRef idx="1">
+        <a:scrgbClr r="0" g="0" b="0"/>
+      </a:fillRef>
+      <a:effectRef idx="0">
+        <a:scrgbClr r="0" g="0" b="0"/>
+      </a:effectRef>
+      <a:fontRef idx="minor">
+        <a:schemeClr val="lt1"/>
+      </a:fontRef>
+    </dgm:style>
+  </dgm:styleLbl>
+  <dgm:styleLbl name="fgSibTrans2D1">
+    <dgm:scene3d>
+      <a:camera prst="orthographicFront"/>
+      <a:lightRig rig="threePt" dir="t"/>
+    </dgm:scene3d>
+    <dgm:sp3d/>
+    <dgm:txPr/>
+    <dgm:style>
+      <a:lnRef idx="0">
+        <a:scrgbClr r="0" g="0" b="0"/>
+      </a:lnRef>
+      <a:fillRef idx="1">
+        <a:scrgbClr r="0" g="0" b="0"/>
+      </a:fillRef>
+      <a:effectRef idx="0">
+        <a:scrgbClr r="0" g="0" b="0"/>
+      </a:effectRef>
+      <a:fontRef idx="minor">
+        <a:schemeClr val="lt1"/>
+      </a:fontRef>
+    </dgm:style>
+  </dgm:styleLbl>
+  <dgm:styleLbl name="bgSibTrans2D1">
+    <dgm:scene3d>
+      <a:camera prst="orthographicFront"/>
+      <a:lightRig rig="threePt" dir="t"/>
+    </dgm:scene3d>
+    <dgm:sp3d/>
+    <dgm:txPr/>
+    <dgm:style>
+      <a:lnRef idx="0">
+        <a:scrgbClr r="0" g="0" b="0"/>
+      </a:lnRef>
+      <a:fillRef idx="1">
+        <a:scrgbClr r="0" g="0" b="0"/>
+      </a:fillRef>
+      <a:effectRef idx="0">
+        <a:scrgbClr r="0" g="0" b="0"/>
+      </a:effectRef>
+      <a:fontRef idx="minor">
+        <a:schemeClr val="lt1"/>
+      </a:fontRef>
+    </dgm:style>
+  </dgm:styleLbl>
+  <dgm:styleLbl name="sibTrans1D1">
+    <dgm:scene3d>
+      <a:camera prst="orthographicFront"/>
+      <a:lightRig rig="threePt" dir="t"/>
+    </dgm:scene3d>
+    <dgm:sp3d/>
+    <dgm:txPr/>
+    <dgm:style>
+      <a:lnRef idx="1">
+        <a:scrgbClr r="0" g="0" b="0"/>
+      </a:lnRef>
+      <a:fillRef idx="0">
+        <a:scrgbClr r="0" g="0" b="0"/>
+      </a:fillRef>
+      <a:effectRef idx="0">
+        <a:scrgbClr r="0" g="0" b="0"/>
+      </a:effectRef>
+      <a:fontRef idx="minor"/>
+    </dgm:style>
+  </dgm:styleLbl>
+  <dgm:styleLbl name="callout">
+    <dgm:scene3d>
+      <a:camera prst="orthographicFront"/>
+      <a:lightRig rig="threePt" dir="t"/>
+    </dgm:scene3d>
+    <dgm:sp3d/>
+    <dgm:txPr/>
+    <dgm:style>
+      <a:lnRef idx="2">
+        <a:scrgbClr r="0" g="0" b="0"/>
+      </a:lnRef>
+      <a:fillRef idx="1">
+        <a:scrgbClr r="0" g="0" b="0"/>
+      </a:fillRef>
+      <a:effectRef idx="0">
+        <a:scrgbClr r="0" g="0" b="0"/>
+      </a:effectRef>
+      <a:fontRef idx="minor"/>
+    </dgm:style>
+  </dgm:styleLbl>
+  <dgm:styleLbl name="asst0">
+    <dgm:scene3d>
+      <a:camera prst="orthographicFront"/>
+      <a:lightRig rig="threePt" dir="t"/>
+    </dgm:scene3d>
+    <dgm:sp3d/>
+    <dgm:txPr/>
+    <dgm:style>
+      <a:lnRef idx="2">
+        <a:scrgbClr r="0" g="0" b="0"/>
+      </a:lnRef>
+      <a:fillRef idx="1">
+        <a:scrgbClr r="0" g="0" b="0"/>
+      </a:fillRef>
+      <a:effectRef idx="0">
+        <a:scrgbClr r="0" g="0" b="0"/>
+      </a:effectRef>
+      <a:fontRef idx="minor">
+        <a:schemeClr val="lt1"/>
+      </a:fontRef>
+    </dgm:style>
+  </dgm:styleLbl>
+  <dgm:styleLbl name="asst1">
+    <dgm:scene3d>
+      <a:camera prst="orthographicFront"/>
+      <a:lightRig rig="threePt" dir="t"/>
+    </dgm:scene3d>
+    <dgm:sp3d/>
+    <dgm:txPr/>
+    <dgm:style>
+      <a:lnRef idx="2">
+        <a:scrgbClr r="0" g="0" b="0"/>
+      </a:lnRef>
+      <a:fillRef idx="1">
+        <a:scrgbClr r="0" g="0" b="0"/>
+      </a:fillRef>
+      <a:effectRef idx="0">
+        <a:scrgbClr r="0" g="0" b="0"/>
+      </a:effectRef>
+      <a:fontRef idx="minor">
+        <a:schemeClr val="lt1"/>
+      </a:fontRef>
+    </dgm:style>
+  </dgm:styleLbl>
+  <dgm:styleLbl name="asst2">
+    <dgm:scene3d>
+      <a:camera prst="orthographicFront"/>
+      <a:lightRig rig="threePt" dir="t"/>
+    </dgm:scene3d>
+    <dgm:sp3d/>
+    <dgm:txPr/>
+    <dgm:style>
+      <a:lnRef idx="2">
+        <a:scrgbClr r="0" g="0" b="0"/>
+      </a:lnRef>
+      <a:fillRef idx="1">
+        <a:scrgbClr r="0" g="0" b="0"/>
+      </a:fillRef>
+      <a:effectRef idx="0">
+        <a:scrgbClr r="0" g="0" b="0"/>
+      </a:effectRef>
+      <a:fontRef idx="minor">
+        <a:schemeClr val="lt1"/>
+      </a:fontRef>
+    </dgm:style>
+  </dgm:styleLbl>
+  <dgm:styleLbl name="asst3">
+    <dgm:scene3d>
+      <a:camera prst="orthographicFront"/>
+      <a:lightRig rig="threePt" dir="t"/>
+    </dgm:scene3d>
+    <dgm:sp3d/>
+    <dgm:txPr/>
+    <dgm:style>
+      <a:lnRef idx="2">
+        <a:scrgbClr r="0" g="0" b="0"/>
+      </a:lnRef>
+      <a:fillRef idx="1">
+        <a:scrgbClr r="0" g="0" b="0"/>
+      </a:fillRef>
+      <a:effectRef idx="0">
+        <a:scrgbClr r="0" g="0" b="0"/>
+      </a:effectRef>
+      <a:fontRef idx="minor">
+        <a:schemeClr val="lt1"/>
+      </a:fontRef>
+    </dgm:style>
+  </dgm:styleLbl>
+  <dgm:styleLbl name="asst4">
+    <dgm:scene3d>
+      <a:camera prst="orthographicFront"/>
+      <a:lightRig rig="threePt" dir="t"/>
+    </dgm:scene3d>
+    <dgm:sp3d/>
+    <dgm:txPr/>
+    <dgm:style>
+      <a:lnRef idx="2">
+        <a:scrgbClr r="0" g="0" b="0"/>
+      </a:lnRef>
+      <a:fillRef idx="1">
+        <a:scrgbClr r="0" g="0" b="0"/>
+      </a:fillRef>
+      <a:effectRef idx="0">
+        <a:scrgbClr r="0" g="0" b="0"/>
+      </a:effectRef>
+      <a:fontRef idx="minor">
+        <a:schemeClr val="lt1"/>
+      </a:fontRef>
+    </dgm:style>
+  </dgm:styleLbl>
+  <dgm:styleLbl name="parChTrans2D1">
+    <dgm:scene3d>
+      <a:camera prst="orthographicFront"/>
+      <a:lightRig rig="threePt" dir="t"/>
+    </dgm:scene3d>
+    <dgm:sp3d/>
+    <dgm:txPr/>
+    <dgm:style>
+      <a:lnRef idx="2">
+        <a:scrgbClr r="0" g="0" b="0"/>
+      </a:lnRef>
+      <a:fillRef idx="1">
+        <a:scrgbClr r="0" g="0" b="0"/>
+      </a:fillRef>
+      <a:effectRef idx="0">
+        <a:scrgbClr r="0" g="0" b="0"/>
+      </a:effectRef>
+      <a:fontRef idx="minor">
+        <a:schemeClr val="lt1"/>
+      </a:fontRef>
+    </dgm:style>
+  </dgm:styleLbl>
+  <dgm:styleLbl name="parChTrans2D2">
+    <dgm:scene3d>
+      <a:camera prst="orthographicFront"/>
+      <a:lightRig rig="threePt" dir="t"/>
+    </dgm:scene3d>
+    <dgm:sp3d/>
+    <dgm:txPr/>
+    <dgm:style>
+      <a:lnRef idx="2">
+        <a:scrgbClr r="0" g="0" b="0"/>
+      </a:lnRef>
+      <a:fillRef idx="1">
+        <a:scrgbClr r="0" g="0" b="0"/>
+      </a:fillRef>
+      <a:effectRef idx="0">
+        <a:scrgbClr r="0" g="0" b="0"/>
+      </a:effectRef>
+      <a:fontRef idx="minor">
+        <a:schemeClr val="lt1"/>
+      </a:fontRef>
+    </dgm:style>
+  </dgm:styleLbl>
+  <dgm:styleLbl name="parChTrans2D3">
+    <dgm:scene3d>
+      <a:camera prst="orthographicFront"/>
+      <a:lightRig rig="threePt" dir="t"/>
+    </dgm:scene3d>
+    <dgm:sp3d/>
+    <dgm:txPr/>
+    <dgm:style>
+      <a:lnRef idx="2">
+        <a:scrgbClr r="0" g="0" b="0"/>
+      </a:lnRef>
+      <a:fillRef idx="1">
+        <a:scrgbClr r="0" g="0" b="0"/>
+      </a:fillRef>
+      <a:effectRef idx="0">
+        <a:scrgbClr r="0" g="0" b="0"/>
+      </a:effectRef>
+      <a:fontRef idx="minor">
+        <a:schemeClr val="lt1"/>
+      </a:fontRef>
+    </dgm:style>
+  </dgm:styleLbl>
+  <dgm:styleLbl name="parChTrans2D4">
+    <dgm:scene3d>
+      <a:camera prst="orthographicFront"/>
+      <a:lightRig rig="threePt" dir="t"/>
+    </dgm:scene3d>
+    <dgm:sp3d/>
+    <dgm:txPr/>
+    <dgm:style>
+      <a:lnRef idx="2">
+        <a:scrgbClr r="0" g="0" b="0"/>
+      </a:lnRef>
+      <a:fillRef idx="1">
+        <a:scrgbClr r="0" g="0" b="0"/>
+      </a:fillRef>
+      <a:effectRef idx="0">
+        <a:scrgbClr r="0" g="0" b="0"/>
+      </a:effectRef>
+      <a:fontRef idx="minor">
+        <a:schemeClr val="lt1"/>
+      </a:fontRef>
+    </dgm:style>
+  </dgm:styleLbl>
+  <dgm:styleLbl name="parChTrans1D1">
+    <dgm:scene3d>
+      <a:camera prst="orthographicFront"/>
+      <a:lightRig rig="threePt" dir="t"/>
+    </dgm:scene3d>
+    <dgm:sp3d/>
+    <dgm:txPr/>
+    <dgm:style>
+      <a:lnRef idx="2">
+        <a:scrgbClr r="0" g="0" b="0"/>
+      </a:lnRef>
+      <a:fillRef idx="0">
+        <a:scrgbClr r="0" g="0" b="0"/>
+      </a:fillRef>
+      <a:effectRef idx="0">
+        <a:scrgbClr r="0" g="0" b="0"/>
+      </a:effectRef>
+      <a:fontRef idx="minor"/>
+    </dgm:style>
+  </dgm:styleLbl>
+  <dgm:styleLbl name="parChTrans1D2">
+    <dgm:scene3d>
+      <a:camera prst="orthographicFront"/>
+      <a:lightRig rig="threePt" dir="t"/>
+    </dgm:scene3d>
+    <dgm:sp3d/>
+    <dgm:txPr/>
+    <dgm:style>
+      <a:lnRef idx="2">
+        <a:scrgbClr r="0" g="0" b="0"/>
+      </a:lnRef>
+      <a:fillRef idx="0">
+        <a:scrgbClr r="0" g="0" b="0"/>
+      </a:fillRef>
+      <a:effectRef idx="0">
+        <a:scrgbClr r="0" g="0" b="0"/>
+      </a:effectRef>
+      <a:fontRef idx="minor"/>
+    </dgm:style>
+  </dgm:styleLbl>
+  <dgm:styleLbl name="parChTrans1D3">
+    <dgm:scene3d>
+      <a:camera prst="orthographicFront"/>
+      <a:lightRig rig="threePt" dir="t"/>
+    </dgm:scene3d>
+    <dgm:sp3d/>
+    <dgm:txPr/>
+    <dgm:style>
+      <a:lnRef idx="2">
+        <a:scrgbClr r="0" g="0" b="0"/>
+      </a:lnRef>
+      <a:fillRef idx="0">
+        <a:scrgbClr r="0" g="0" b="0"/>
+      </a:fillRef>
+      <a:effectRef idx="0">
+        <a:scrgbClr r="0" g="0" b="0"/>
+      </a:effectRef>
+      <a:fontRef idx="minor"/>
+    </dgm:style>
+  </dgm:styleLbl>
+  <dgm:styleLbl name="parChTrans1D4">
+    <dgm:scene3d>
+      <a:camera prst="orthographicFront"/>
+      <a:lightRig rig="threePt" dir="t"/>
+    </dgm:scene3d>
+    <dgm:sp3d/>
+    <dgm:txPr/>
+    <dgm:style>
+      <a:lnRef idx="2">
+        <a:scrgbClr r="0" g="0" b="0"/>
+      </a:lnRef>
+      <a:fillRef idx="0">
+        <a:scrgbClr r="0" g="0" b="0"/>
+      </a:fillRef>
+      <a:effectRef idx="0">
+        <a:scrgbClr r="0" g="0" b="0"/>
+      </a:effectRef>
+      <a:fontRef idx="minor"/>
+    </dgm:style>
+  </dgm:styleLbl>
+  <dgm:styleLbl name="fgAcc1">
+    <dgm:scene3d>
+      <a:camera prst="orthographicFront"/>
+      <a:lightRig rig="threePt" dir="t"/>
+    </dgm:scene3d>
+    <dgm:sp3d/>
+    <dgm:txPr/>
+    <dgm:style>
+      <a:lnRef idx="2">
+        <a:scrgbClr r="0" g="0" b="0"/>
+      </a:lnRef>
+      <a:fillRef idx="1">
+        <a:scrgbClr r="0" g="0" b="0"/>
+      </a:fillRef>
+      <a:effectRef idx="0">
+        <a:scrgbClr r="0" g="0" b="0"/>
+      </a:effectRef>
+      <a:fontRef idx="minor"/>
+    </dgm:style>
+  </dgm:styleLbl>
+  <dgm:styleLbl name="conFgAcc1">
+    <dgm:scene3d>
+      <a:camera prst="orthographicFront"/>
+      <a:lightRig rig="threePt" dir="t"/>
+    </dgm:scene3d>
+    <dgm:sp3d/>
+    <dgm:txPr/>
+    <dgm:style>
+      <a:lnRef idx="2">
+        <a:scrgbClr r="0" g="0" b="0"/>
+      </a:lnRef>
+      <a:fillRef idx="1">
+        <a:scrgbClr r="0" g="0" b="0"/>
+      </a:fillRef>
+      <a:effectRef idx="0">
+        <a:scrgbClr r="0" g="0" b="0"/>
+      </a:effectRef>
+      <a:fontRef idx="minor"/>
+    </dgm:style>
+  </dgm:styleLbl>
+  <dgm:styleLbl name="alignAcc1">
+    <dgm:scene3d>
+      <a:camera prst="orthographicFront"/>
+      <a:lightRig rig="threePt" dir="t"/>
+    </dgm:scene3d>
+    <dgm:sp3d/>
+    <dgm:txPr/>
+    <dgm:style>
+      <a:lnRef idx="2">
+        <a:scrgbClr r="0" g="0" b="0"/>
+      </a:lnRef>
+      <a:fillRef idx="1">
+        <a:scrgbClr r="0" g="0" b="0"/>
+      </a:fillRef>
+      <a:effectRef idx="0">
+        <a:scrgbClr r="0" g="0" b="0"/>
+      </a:effectRef>
+      <a:fontRef idx="minor"/>
+    </dgm:style>
+  </dgm:styleLbl>
+  <dgm:styleLbl name="trAlignAcc1">
+    <dgm:scene3d>
+      <a:camera prst="orthographicFront"/>
+      <a:lightRig rig="threePt" dir="t"/>
+    </dgm:scene3d>
+    <dgm:sp3d/>
+    <dgm:txPr/>
+    <dgm:style>
+      <a:lnRef idx="1">
+        <a:scrgbClr r="0" g="0" b="0"/>
+      </a:lnRef>
+      <a:fillRef idx="1">
+        <a:scrgbClr r="0" g="0" b="0"/>
+      </a:fillRef>
+      <a:effectRef idx="0">
+        <a:scrgbClr r="0" g="0" b="0"/>
+      </a:effectRef>
+      <a:fontRef idx="minor"/>
+    </dgm:style>
+  </dgm:styleLbl>
+  <dgm:styleLbl name="bgAcc1">
+    <dgm:scene3d>
+      <a:camera prst="orthographicFront"/>
+      <a:lightRig rig="threePt" dir="t"/>
+    </dgm:scene3d>
+    <dgm:sp3d/>
+    <dgm:txPr/>
+    <dgm:style>
+      <a:lnRef idx="2">
+        <a:scrgbClr r="0" g="0" b="0"/>
+      </a:lnRef>
+      <a:fillRef idx="1">
+        <a:scrgbClr r="0" g="0" b="0"/>
+      </a:fillRef>
+      <a:effectRef idx="0">
+        <a:scrgbClr r="0" g="0" b="0"/>
+      </a:effectRef>
+      <a:fontRef idx="minor"/>
+    </dgm:style>
+  </dgm:styleLbl>
+  <dgm:styleLbl name="solidFgAcc1">
+    <dgm:scene3d>
+      <a:camera prst="orthographicFront"/>
+      <a:lightRig rig="threePt" dir="t"/>
+    </dgm:scene3d>
+    <dgm:sp3d/>
+    <dgm:txPr/>
+    <dgm:style>
+      <a:lnRef idx="2">
+        <a:scrgbClr r="0" g="0" b="0"/>
+      </a:lnRef>
+      <a:fillRef idx="1">
+        <a:scrgbClr r="0" g="0" b="0"/>
+      </a:fillRef>
+      <a:effectRef idx="0">
+        <a:scrgbClr r="0" g="0" b="0"/>
+      </a:effectRef>
+      <a:fontRef idx="minor"/>
+    </dgm:style>
+  </dgm:styleLbl>
+  <dgm:styleLbl name="solidAlignAcc1">
+    <dgm:scene3d>
+      <a:camera prst="orthographicFront"/>
+      <a:lightRig rig="threePt" dir="t"/>
+    </dgm:scene3d>
+    <dgm:sp3d/>
+    <dgm:txPr/>
+    <dgm:style>
+      <a:lnRef idx="2">
+        <a:scrgbClr r="0" g="0" b="0"/>
+      </a:lnRef>
+      <a:fillRef idx="1">
+        <a:scrgbClr r="0" g="0" b="0"/>
+      </a:fillRef>
+      <a:effectRef idx="0">
+        <a:scrgbClr r="0" g="0" b="0"/>
+      </a:effectRef>
+      <a:fontRef idx="minor"/>
+    </dgm:style>
+  </dgm:styleLbl>
+  <dgm:styleLbl name="solidBgAcc1">
+    <dgm:scene3d>
+      <a:camera prst="orthographicFront"/>
+      <a:lightRig rig="threePt" dir="t"/>
+    </dgm:scene3d>
+    <dgm:sp3d/>
+    <dgm:txPr/>
+    <dgm:style>
+      <a:lnRef idx="2">
+        <a:scrgbClr r="0" g="0" b="0"/>
+      </a:lnRef>
+      <a:fillRef idx="1">
+        <a:scrgbClr r="0" g="0" b="0"/>
+      </a:fillRef>
+      <a:effectRef idx="0">
+        <a:scrgbClr r="0" g="0" b="0"/>
+      </a:effectRef>
+      <a:fontRef idx="minor"/>
+    </dgm:style>
+  </dgm:styleLbl>
+  <dgm:styleLbl name="fgAccFollowNode1">
+    <dgm:scene3d>
+      <a:camera prst="orthographicFront"/>
+      <a:lightRig rig="threePt" dir="t"/>
+    </dgm:scene3d>
+    <dgm:sp3d/>
+    <dgm:txPr/>
+    <dgm:style>
+      <a:lnRef idx="2">
+        <a:scrgbClr r="0" g="0" b="0"/>
+      </a:lnRef>
+      <a:fillRef idx="1">
+        <a:scrgbClr r="0" g="0" b="0"/>
+      </a:fillRef>
+      <a:effectRef idx="0">
+        <a:scrgbClr r="0" g="0" b="0"/>
+      </a:effectRef>
+      <a:fontRef idx="minor"/>
+    </dgm:style>
+  </dgm:styleLbl>
+  <dgm:styleLbl name="alignAccFollowNode1">
+    <dgm:scene3d>
+      <a:camera prst="orthographicFront"/>
+      <a:lightRig rig="threePt" dir="t"/>
+    </dgm:scene3d>
+    <dgm:sp3d/>
+    <dgm:txPr/>
+    <dgm:style>
+      <a:lnRef idx="2">
+        <a:scrgbClr r="0" g="0" b="0"/>
+      </a:lnRef>
+      <a:fillRef idx="1">
+        <a:scrgbClr r="0" g="0" b="0"/>
+      </a:fillRef>
+      <a:effectRef idx="0">
+        <a:scrgbClr r="0" g="0" b="0"/>
+      </a:effectRef>
+      <a:fontRef idx="minor"/>
+    </dgm:style>
+  </dgm:styleLbl>
+  <dgm:styleLbl name="bgAccFollowNode1">
+    <dgm:scene3d>
+      <a:camera prst="orthographicFront"/>
+      <a:lightRig rig="threePt" dir="t"/>
+    </dgm:scene3d>
+    <dgm:sp3d/>
+    <dgm:txPr/>
+    <dgm:style>
+      <a:lnRef idx="2">
+        <a:scrgbClr r="0" g="0" b="0"/>
+      </a:lnRef>
+      <a:fillRef idx="1">
+        <a:scrgbClr r="0" g="0" b="0"/>
+      </a:fillRef>
+      <a:effectRef idx="0">
+        <a:scrgbClr r="0" g="0" b="0"/>
+      </a:effectRef>
+      <a:fontRef idx="minor"/>
+    </dgm:style>
+  </dgm:styleLbl>
+  <dgm:styleLbl name="fgAcc0">
+    <dgm:scene3d>
+      <a:camera prst="orthographicFront"/>
+      <a:lightRig rig="threePt" dir="t"/>
+    </dgm:scene3d>
+    <dgm:sp3d/>
+    <dgm:txPr/>
+    <dgm:style>
+      <a:lnRef idx="2">
+        <a:scrgbClr r="0" g="0" b="0"/>
+      </a:lnRef>
+      <a:fillRef idx="1">
+        <a:scrgbClr r="0" g="0" b="0"/>
+      </a:fillRef>
+      <a:effectRef idx="0">
+        <a:scrgbClr r="0" g="0" b="0"/>
+      </a:effectRef>
+      <a:fontRef idx="minor"/>
+    </dgm:style>
+  </dgm:styleLbl>
+  <dgm:styleLbl name="fgAcc2">
+    <dgm:scene3d>
+      <a:camera prst="orthographicFront"/>
+      <a:lightRig rig="threePt" dir="t"/>
+    </dgm:scene3d>
+    <dgm:sp3d/>
+    <dgm:txPr/>
+    <dgm:style>
+      <a:lnRef idx="2">
+        <a:scrgbClr r="0" g="0" b="0"/>
+      </a:lnRef>
+      <a:fillRef idx="1">
+        <a:scrgbClr r="0" g="0" b="0"/>
+      </a:fillRef>
+      <a:effectRef idx="0">
+        <a:scrgbClr r="0" g="0" b="0"/>
+      </a:effectRef>
+      <a:fontRef idx="minor"/>
+    </dgm:style>
+  </dgm:styleLbl>
+  <dgm:styleLbl name="fgAcc3">
+    <dgm:scene3d>
+      <a:camera prst="orthographicFront"/>
+      <a:lightRig rig="threePt" dir="t"/>
+    </dgm:scene3d>
+    <dgm:sp3d/>
+    <dgm:txPr/>
+    <dgm:style>
+      <a:lnRef idx="2">
+        <a:scrgbClr r="0" g="0" b="0"/>
+      </a:lnRef>
+      <a:fillRef idx="1">
+        <a:scrgbClr r="0" g="0" b="0"/>
+      </a:fillRef>
+      <a:effectRef idx="0">
+        <a:scrgbClr r="0" g="0" b="0"/>
+      </a:effectRef>
+      <a:fontRef idx="minor"/>
+    </dgm:style>
+  </dgm:styleLbl>
+  <dgm:styleLbl name="fgAcc4">
+    <dgm:scene3d>
+      <a:camera prst="orthographicFront"/>
+      <a:lightRig rig="threePt" dir="t"/>
+    </dgm:scene3d>
+    <dgm:sp3d/>
+    <dgm:txPr/>
+    <dgm:style>
+      <a:lnRef idx="2">
+        <a:scrgbClr r="0" g="0" b="0"/>
+      </a:lnRef>
+      <a:fillRef idx="1">
+        <a:scrgbClr r="0" g="0" b="0"/>
+      </a:fillRef>
+      <a:effectRef idx="0">
+        <a:scrgbClr r="0" g="0" b="0"/>
+      </a:effectRef>
+      <a:fontRef idx="minor"/>
+    </dgm:style>
+  </dgm:styleLbl>
+  <dgm:styleLbl name="bgShp">
+    <dgm:scene3d>
+      <a:camera prst="orthographicFront"/>
+      <a:lightRig rig="threePt" dir="t"/>
+    </dgm:scene3d>
+    <dgm:sp3d/>
+    <dgm:txPr/>
+    <dgm:style>
+      <a:lnRef idx="0">
+        <a:scrgbClr r="0" g="0" b="0"/>
+      </a:lnRef>
+      <a:fillRef idx="1">
+        <a:scrgbClr r="0" g="0" b="0"/>
+      </a:fillRef>
+      <a:effectRef idx="0">
+        <a:scrgbClr r="0" g="0" b="0"/>
+      </a:effectRef>
+      <a:fontRef idx="minor"/>
+    </dgm:style>
+  </dgm:styleLbl>
+  <dgm:styleLbl name="dkBgShp">
+    <dgm:scene3d>
+      <a:camera prst="orthographicFront"/>
+      <a:lightRig rig="threePt" dir="t"/>
+    </dgm:scene3d>
+    <dgm:sp3d/>
+    <dgm:txPr/>
+    <dgm:style>
+      <a:lnRef idx="0">
+        <a:scrgbClr r="0" g="0" b="0"/>
+      </a:lnRef>
+      <a:fillRef idx="1">
+        <a:scrgbClr r="0" g="0" b="0"/>
+      </a:fillRef>
+      <a:effectRef idx="0">
+        <a:scrgbClr r="0" g="0" b="0"/>
+      </a:effectRef>
+      <a:fontRef idx="minor"/>
+    </dgm:style>
+  </dgm:styleLbl>
+  <dgm:styleLbl name="trBgShp">
+    <dgm:scene3d>
+      <a:camera prst="orthographicFront"/>
+      <a:lightRig rig="threePt" dir="t"/>
+    </dgm:scene3d>
+    <dgm:sp3d/>
+    <dgm:txPr/>
+    <dgm:style>
+      <a:lnRef idx="0">
+        <a:scrgbClr r="0" g="0" b="0"/>
+      </a:lnRef>
+      <a:fillRef idx="1">
+        <a:scrgbClr r="0" g="0" b="0"/>
+      </a:fillRef>
+      <a:effectRef idx="0">
+        <a:scrgbClr r="0" g="0" b="0"/>
+      </a:effectRef>
+      <a:fontRef idx="minor"/>
+    </dgm:style>
+  </dgm:styleLbl>
+  <dgm:styleLbl name="fgShp">
+    <dgm:scene3d>
+      <a:camera prst="orthographicFront"/>
+      <a:lightRig rig="threePt" dir="t"/>
+    </dgm:scene3d>
+    <dgm:sp3d/>
+    <dgm:txPr/>
+    <dgm:style>
+      <a:lnRef idx="2">
+        <a:scrgbClr r="0" g="0" b="0"/>
+      </a:lnRef>
+      <a:fillRef idx="1">
+        <a:scrgbClr r="0" g="0" b="0"/>
+      </a:fillRef>
+      <a:effectRef idx="0">
+        <a:scrgbClr r="0" g="0" b="0"/>
+      </a:effectRef>
+      <a:fontRef idx="minor"/>
+    </dgm:style>
+  </dgm:styleLbl>
+  <dgm:styleLbl name="revTx">
+    <dgm:scene3d>
+      <a:camera prst="orthographicFront"/>
+      <a:lightRig rig="threePt" dir="t"/>
+    </dgm:scene3d>
+    <dgm:sp3d/>
+    <dgm:txPr/>
+    <dgm:style>
+      <a:lnRef idx="0">
+        <a:scrgbClr r="0" g="0" b="0"/>
+      </a:lnRef>
+      <a:fillRef idx="0">
+        <a:scrgbClr r="0" g="0" b="0"/>
+      </a:fillRef>
+      <a:effectRef idx="0">
+        <a:scrgbClr r="0" g="0" b="0"/>
+      </a:effectRef>
+      <a:fontRef idx="minor"/>
+    </dgm:style>
+  </dgm:styleLbl>
+</dgm:styleDef>
+</file>
+
 <file path=ppt/slideLayouts/slideLayout1.xml><?xml version="1.0" encoding="utf-8"?>
 <p:sldLayout xmlns:a="http://schemas.openxmlformats.org/drawingml/2006/main" xmlns:r="http://schemas.openxmlformats.org/officeDocument/2006/relationships" xmlns:p="http://schemas.openxmlformats.org/presentationml/2006/main" type="title" preserve="1">
   <p:cSld name="Title Slide">
@@ -265,7 +7063,7 @@
           <a:p>
             <a:fld id="{5A44F993-D2FB-064D-A1E3-6601C8185FF0}" type="datetimeFigureOut">
               <a:rPr lang="en-US" smtClean="0"/>
-              <a:t>10/28/25</a:t>
+              <a:t>10/29/25</a:t>
             </a:fld>
             <a:endParaRPr lang="en-US"/>
           </a:p>
@@ -463,7 +7261,7 @@
           <a:p>
             <a:fld id="{5A44F993-D2FB-064D-A1E3-6601C8185FF0}" type="datetimeFigureOut">
               <a:rPr lang="en-US" smtClean="0"/>
-              <a:t>10/28/25</a:t>
+              <a:t>10/29/25</a:t>
             </a:fld>
             <a:endParaRPr lang="en-US"/>
           </a:p>
@@ -671,7 +7469,7 @@
           <a:p>
             <a:fld id="{5A44F993-D2FB-064D-A1E3-6601C8185FF0}" type="datetimeFigureOut">
               <a:rPr lang="en-US" smtClean="0"/>
-              <a:t>10/28/25</a:t>
+              <a:t>10/29/25</a:t>
             </a:fld>
             <a:endParaRPr lang="en-US"/>
           </a:p>
@@ -869,7 +7667,7 @@
           <a:p>
             <a:fld id="{5A44F993-D2FB-064D-A1E3-6601C8185FF0}" type="datetimeFigureOut">
               <a:rPr lang="en-US" smtClean="0"/>
-              <a:t>10/28/25</a:t>
+              <a:t>10/29/25</a:t>
             </a:fld>
             <a:endParaRPr lang="en-US"/>
           </a:p>
@@ -1144,7 +7942,7 @@
           <a:p>
             <a:fld id="{5A44F993-D2FB-064D-A1E3-6601C8185FF0}" type="datetimeFigureOut">
               <a:rPr lang="en-US" smtClean="0"/>
-              <a:t>10/28/25</a:t>
+              <a:t>10/29/25</a:t>
             </a:fld>
             <a:endParaRPr lang="en-US"/>
           </a:p>
@@ -1409,7 +8207,7 @@
           <a:p>
             <a:fld id="{5A44F993-D2FB-064D-A1E3-6601C8185FF0}" type="datetimeFigureOut">
               <a:rPr lang="en-US" smtClean="0"/>
-              <a:t>10/28/25</a:t>
+              <a:t>10/29/25</a:t>
             </a:fld>
             <a:endParaRPr lang="en-US"/>
           </a:p>
@@ -1821,7 +8619,7 @@
           <a:p>
             <a:fld id="{5A44F993-D2FB-064D-A1E3-6601C8185FF0}" type="datetimeFigureOut">
               <a:rPr lang="en-US" smtClean="0"/>
-              <a:t>10/28/25</a:t>
+              <a:t>10/29/25</a:t>
             </a:fld>
             <a:endParaRPr lang="en-US"/>
           </a:p>
@@ -1962,7 +8760,7 @@
           <a:p>
             <a:fld id="{5A44F993-D2FB-064D-A1E3-6601C8185FF0}" type="datetimeFigureOut">
               <a:rPr lang="en-US" smtClean="0"/>
-              <a:t>10/28/25</a:t>
+              <a:t>10/29/25</a:t>
             </a:fld>
             <a:endParaRPr lang="en-US"/>
           </a:p>
@@ -2075,7 +8873,7 @@
           <a:p>
             <a:fld id="{5A44F993-D2FB-064D-A1E3-6601C8185FF0}" type="datetimeFigureOut">
               <a:rPr lang="en-US" smtClean="0"/>
-              <a:t>10/28/25</a:t>
+              <a:t>10/29/25</a:t>
             </a:fld>
             <a:endParaRPr lang="en-US"/>
           </a:p>
@@ -2386,7 +9184,7 @@
           <a:p>
             <a:fld id="{5A44F993-D2FB-064D-A1E3-6601C8185FF0}" type="datetimeFigureOut">
               <a:rPr lang="en-US" smtClean="0"/>
-              <a:t>10/28/25</a:t>
+              <a:t>10/29/25</a:t>
             </a:fld>
             <a:endParaRPr lang="en-US"/>
           </a:p>
@@ -2674,7 +9472,7 @@
           <a:p>
             <a:fld id="{5A44F993-D2FB-064D-A1E3-6601C8185FF0}" type="datetimeFigureOut">
               <a:rPr lang="en-US" smtClean="0"/>
-              <a:t>10/28/25</a:t>
+              <a:t>10/29/25</a:t>
             </a:fld>
             <a:endParaRPr lang="en-US"/>
           </a:p>
@@ -2915,7 +9713,7 @@
           <a:p>
             <a:fld id="{5A44F993-D2FB-064D-A1E3-6601C8185FF0}" type="datetimeFigureOut">
               <a:rPr lang="en-US" smtClean="0"/>
-              <a:t>10/28/25</a:t>
+              <a:t>10/29/25</a:t>
             </a:fld>
             <a:endParaRPr lang="en-US"/>
           </a:p>
@@ -3958,19 +10756,11 @@
           <a:p>
             <a:pPr algn="l"/>
             <a:r>
-              <a:rPr lang="en-US" b="1" u="sng" dirty="0">
-                <a:solidFill>
-                  <a:srgbClr val="0070C0"/>
-                </a:solidFill>
-              </a:rPr>
+              <a:rPr lang="en-US" b="1" u="sng" dirty="0"/>
               <a:t>Sundar</a:t>
             </a:r>
             <a:r>
-              <a:rPr lang="en-US" dirty="0">
-                <a:solidFill>
-                  <a:srgbClr val="0070C0"/>
-                </a:solidFill>
-              </a:rPr>
+              <a:rPr lang="en-US" dirty="0"/>
               <a:t>esan Manoharan</a:t>
             </a:r>
           </a:p>
@@ -5920,38 +12710,6 @@
       </p:sp>
       <p:pic>
         <p:nvPicPr>
-          <p:cNvPr id="6" name="Content Placeholder 5">
-            <a:extLst>
-              <a:ext uri="{FF2B5EF4-FFF2-40B4-BE49-F238E27FC236}">
-                <a16:creationId xmlns:a16="http://schemas.microsoft.com/office/drawing/2014/main" id="{2688D3CE-83CB-3A60-A371-246491D4740C}"/>
-              </a:ext>
-            </a:extLst>
-          </p:cNvPr>
-          <p:cNvPicPr>
-            <a:picLocks noGrp="1" noChangeAspect="1"/>
-          </p:cNvPicPr>
-          <p:nvPr>
-            <p:ph sz="half" idx="2"/>
-          </p:nvPr>
-        </p:nvPicPr>
-        <p:blipFill>
-          <a:blip r:embed="rId2"/>
-          <a:stretch>
-            <a:fillRect/>
-          </a:stretch>
-        </p:blipFill>
-        <p:spPr>
-          <a:xfrm>
-            <a:off x="676467" y="1282544"/>
-            <a:ext cx="3153408" cy="1929458"/>
-          </a:xfrm>
-          <a:prstGeom prst="rect">
-            <a:avLst/>
-          </a:prstGeom>
-        </p:spPr>
-      </p:pic>
-      <p:pic>
-        <p:nvPicPr>
           <p:cNvPr id="7" name="Picture 6">
             <a:extLst>
               <a:ext uri="{FF2B5EF4-FFF2-40B4-BE49-F238E27FC236}">
@@ -5965,7 +12723,7 @@
           <p:nvPr/>
         </p:nvPicPr>
         <p:blipFill>
-          <a:blip r:embed="rId3"/>
+          <a:blip r:embed="rId2"/>
           <a:stretch>
             <a:fillRect/>
           </a:stretch>
@@ -5995,7 +12753,7 @@
           <p:nvPr/>
         </p:nvPicPr>
         <p:blipFill>
-          <a:blip r:embed="rId4"/>
+          <a:blip r:embed="rId3"/>
           <a:stretch>
             <a:fillRect/>
           </a:stretch>
@@ -6054,6 +12812,75 @@
               <a:tabLst/>
             </a:pPr>
             <a:r>
+              <a:rPr kumimoji="0" lang="en-US" altLang="en-US" sz="1200" i="0" u="none" strike="noStrike" cap="none" normalizeH="0" baseline="0" dirty="0">
+                <a:ln>
+                  <a:noFill/>
+                </a:ln>
+                <a:solidFill>
+                  <a:srgbClr val="0070C0"/>
+                </a:solidFill>
+                <a:effectLst/>
+                <a:latin typeface="Arial" panose="020B0604020202020204" pitchFamily="34" charset="0"/>
+              </a:rPr>
+              <a:t>Higher </a:t>
+            </a:r>
+            <a:r>
+              <a:rPr kumimoji="0" lang="en-US" altLang="en-US" sz="1200" b="1" i="0" u="none" strike="noStrike" cap="none" normalizeH="0" baseline="0" dirty="0">
+                <a:ln>
+                  <a:noFill/>
+                </a:ln>
+                <a:solidFill>
+                  <a:srgbClr val="0070C0"/>
+                </a:solidFill>
+                <a:effectLst/>
+                <a:latin typeface="Arial" panose="020B0604020202020204" pitchFamily="34" charset="0"/>
+              </a:rPr>
+              <a:t>Annual Income lowers </a:t>
+            </a:r>
+            <a:r>
+              <a:rPr kumimoji="0" lang="en-US" altLang="en-US" sz="1200" i="0" u="none" strike="noStrike" cap="none" normalizeH="0" baseline="0" dirty="0">
+                <a:ln>
+                  <a:noFill/>
+                </a:ln>
+                <a:solidFill>
+                  <a:srgbClr val="0070C0"/>
+                </a:solidFill>
+                <a:effectLst/>
+                <a:latin typeface="Arial" panose="020B0604020202020204" pitchFamily="34" charset="0"/>
+              </a:rPr>
+              <a:t>the </a:t>
+            </a:r>
+          </a:p>
+          <a:p>
+            <a:pPr marL="0" marR="0" lvl="0" indent="0" algn="ctr" defTabSz="914400" rtl="0" eaLnBrk="0" fontAlgn="base" latinLnBrk="0" hangingPunct="0">
+              <a:lnSpc>
+                <a:spcPct val="100000"/>
+              </a:lnSpc>
+              <a:spcBef>
+                <a:spcPct val="0"/>
+              </a:spcBef>
+              <a:spcAft>
+                <a:spcPct val="0"/>
+              </a:spcAft>
+              <a:buClrTx/>
+              <a:buSzTx/>
+              <a:buNone/>
+              <a:tabLst/>
+            </a:pPr>
+            <a:r>
+              <a:rPr kumimoji="0" lang="en-US" altLang="en-US" sz="1200" i="0" u="none" strike="noStrike" cap="none" normalizeH="0" baseline="0" dirty="0">
+                <a:ln>
+                  <a:noFill/>
+                </a:ln>
+                <a:solidFill>
+                  <a:srgbClr val="0070C0"/>
+                </a:solidFill>
+                <a:effectLst/>
+                <a:latin typeface="Arial" panose="020B0604020202020204" pitchFamily="34" charset="0"/>
+              </a:rPr>
+              <a:t>chance of </a:t>
+            </a:r>
+            <a:r>
               <a:rPr kumimoji="0" lang="en-US" altLang="en-US" sz="1200" b="0" i="0" u="none" strike="noStrike" cap="none" normalizeH="0" baseline="0" dirty="0">
                 <a:ln>
                   <a:noFill/>
@@ -6064,33 +12891,7 @@
                 <a:effectLst/>
                 <a:latin typeface="Arial" panose="020B0604020202020204" pitchFamily="34" charset="0"/>
               </a:rPr>
-              <a:t>Employment length and annual income are </a:t>
-            </a:r>
-            <a:r>
-              <a:rPr kumimoji="0" lang="en-US" altLang="en-US" sz="1200" b="1" i="0" u="none" strike="noStrike" cap="none" normalizeH="0" baseline="0" dirty="0">
-                <a:ln>
-                  <a:noFill/>
-                </a:ln>
-                <a:solidFill>
-                  <a:srgbClr val="0070C0"/>
-                </a:solidFill>
-                <a:effectLst/>
-                <a:latin typeface="Arial" panose="020B0604020202020204" pitchFamily="34" charset="0"/>
-              </a:rPr>
-              <a:t>negatively correlated</a:t>
-            </a:r>
-            <a:r>
-              <a:rPr kumimoji="0" lang="en-US" altLang="en-US" sz="1200" b="0" i="0" u="none" strike="noStrike" cap="none" normalizeH="0" baseline="0" dirty="0">
-                <a:ln>
-                  <a:noFill/>
-                </a:ln>
-                <a:solidFill>
-                  <a:srgbClr val="0070C0"/>
-                </a:solidFill>
-                <a:effectLst/>
-                <a:latin typeface="Arial" panose="020B0604020202020204" pitchFamily="34" charset="0"/>
-              </a:rPr>
-              <a:t> with default.</a:t>
+              <a:t>default.</a:t>
             </a:r>
           </a:p>
         </p:txBody>
@@ -6110,7 +12911,7 @@
           <p:nvPr/>
         </p:nvPicPr>
         <p:blipFill>
-          <a:blip r:embed="rId5"/>
+          <a:blip r:embed="rId4"/>
           <a:stretch>
             <a:fillRect/>
           </a:stretch>
@@ -6140,7 +12941,7 @@
           <p:nvPr/>
         </p:nvPicPr>
         <p:blipFill>
-          <a:blip r:embed="rId6"/>
+          <a:blip r:embed="rId5"/>
           <a:stretch>
             <a:fillRect/>
           </a:stretch>
@@ -6170,7 +12971,7 @@
           <p:nvPr/>
         </p:nvPicPr>
         <p:blipFill>
-          <a:blip r:embed="rId7"/>
+          <a:blip r:embed="rId6"/>
           <a:stretch>
             <a:fillRect/>
           </a:stretch>
@@ -6185,50 +12986,6 @@
           </a:prstGeom>
         </p:spPr>
       </p:pic>
-      <p:cxnSp>
-        <p:nvCxnSpPr>
-          <p:cNvPr id="16" name="Straight Arrow Connector 15">
-            <a:extLst>
-              <a:ext uri="{FF2B5EF4-FFF2-40B4-BE49-F238E27FC236}">
-                <a16:creationId xmlns:a16="http://schemas.microsoft.com/office/drawing/2014/main" id="{F952BED0-D4B0-5631-8FB8-5760A6AA2223}"/>
-              </a:ext>
-            </a:extLst>
-          </p:cNvPr>
-          <p:cNvCxnSpPr>
-            <a:cxnSpLocks/>
-          </p:cNvCxnSpPr>
-          <p:nvPr/>
-        </p:nvCxnSpPr>
-        <p:spPr>
-          <a:xfrm flipV="1">
-            <a:off x="1194318" y="1525490"/>
-            <a:ext cx="2276670" cy="976923"/>
-          </a:xfrm>
-          <a:prstGeom prst="straightConnector1">
-            <a:avLst/>
-          </a:prstGeom>
-          <a:ln w="28575">
-            <a:solidFill>
-              <a:srgbClr val="FF0000"/>
-            </a:solidFill>
-            <a:tailEnd type="triangle"/>
-          </a:ln>
-        </p:spPr>
-        <p:style>
-          <a:lnRef idx="2">
-            <a:schemeClr val="accent1"/>
-          </a:lnRef>
-          <a:fillRef idx="0">
-            <a:schemeClr val="accent1"/>
-          </a:fillRef>
-          <a:effectRef idx="1">
-            <a:schemeClr val="accent1"/>
-          </a:effectRef>
-          <a:fontRef idx="minor">
-            <a:schemeClr val="tx1"/>
-          </a:fontRef>
-        </p:style>
-      </p:cxnSp>
       <p:cxnSp>
         <p:nvCxnSpPr>
           <p:cNvPr id="19" name="Straight Arrow Connector 18">
@@ -6333,8 +13090,8 @@
         </p:nvCxnSpPr>
         <p:spPr>
           <a:xfrm>
-            <a:off x="1129004" y="4208086"/>
-            <a:ext cx="2593142" cy="729674"/>
+            <a:off x="1194318" y="4286951"/>
+            <a:ext cx="2527828" cy="650809"/>
           </a:xfrm>
           <a:prstGeom prst="straightConnector1">
             <a:avLst/>
@@ -6493,6 +13250,33 @@
               <a:tabLst/>
             </a:pPr>
             <a:r>
+              <a:rPr lang="en-US" altLang="en-US" sz="1200" dirty="0">
+                <a:solidFill>
+                  <a:srgbClr val="0070C0"/>
+                </a:solidFill>
+                <a:latin typeface="Arial" panose="020B0604020202020204" pitchFamily="34" charset="0"/>
+              </a:rPr>
+              <a:t>Borrower with greater number of Credit Lines are </a:t>
+            </a:r>
+            <a:r>
+              <a:rPr lang="en-US" altLang="en-US" sz="1200" b="1" dirty="0">
+                <a:solidFill>
+                  <a:srgbClr val="0070C0"/>
+                </a:solidFill>
+                <a:latin typeface="Arial" panose="020B0604020202020204" pitchFamily="34" charset="0"/>
+              </a:rPr>
+              <a:t>less likely</a:t>
+            </a:r>
+            <a:r>
+              <a:rPr lang="en-US" altLang="en-US" sz="1200" dirty="0">
+                <a:solidFill>
+                  <a:srgbClr val="0070C0"/>
+                </a:solidFill>
+                <a:latin typeface="Arial" panose="020B0604020202020204" pitchFamily="34" charset="0"/>
+              </a:rPr>
+              <a:t> to </a:t>
+            </a:r>
+            <a:r>
               <a:rPr kumimoji="0" lang="en-US" altLang="en-US" sz="1200" b="0" i="0" u="none" strike="noStrike" cap="none" normalizeH="0" baseline="0" dirty="0">
                 <a:ln>
                   <a:noFill/>
@@ -6503,33 +13287,7 @@
                 <a:effectLst/>
                 <a:latin typeface="Arial" panose="020B0604020202020204" pitchFamily="34" charset="0"/>
               </a:rPr>
-              <a:t>Employment length and annual income are </a:t>
-            </a:r>
-            <a:r>
-              <a:rPr kumimoji="0" lang="en-US" altLang="en-US" sz="1200" b="1" i="0" u="none" strike="noStrike" cap="none" normalizeH="0" baseline="0" dirty="0">
-                <a:ln>
-                  <a:noFill/>
-                </a:ln>
-                <a:solidFill>
-                  <a:srgbClr val="0070C0"/>
-                </a:solidFill>
-                <a:effectLst/>
-                <a:latin typeface="Arial" panose="020B0604020202020204" pitchFamily="34" charset="0"/>
-              </a:rPr>
-              <a:t>negatively correlated</a:t>
-            </a:r>
-            <a:r>
-              <a:rPr kumimoji="0" lang="en-US" altLang="en-US" sz="1200" b="0" i="0" u="none" strike="noStrike" cap="none" normalizeH="0" baseline="0" dirty="0">
-                <a:ln>
-                  <a:noFill/>
-                </a:ln>
-                <a:solidFill>
-                  <a:srgbClr val="0070C0"/>
-                </a:solidFill>
-                <a:effectLst/>
-                <a:latin typeface="Arial" panose="020B0604020202020204" pitchFamily="34" charset="0"/>
-              </a:rPr>
-              <a:t> with default.</a:t>
+              <a:t>default.</a:t>
             </a:r>
           </a:p>
         </p:txBody>
@@ -6549,7 +13307,7 @@
         <p:spPr>
           <a:xfrm>
             <a:off x="4457898" y="3212002"/>
-            <a:ext cx="3259000" cy="461665"/>
+            <a:ext cx="3259000" cy="276999"/>
           </a:xfrm>
           <a:prstGeom prst="rect">
             <a:avLst/>
@@ -6578,6 +13336,32 @@
               <a:tabLst/>
             </a:pPr>
             <a:r>
+              <a:rPr kumimoji="0" lang="en-US" altLang="en-US" sz="1200" i="0" u="none" strike="noStrike" cap="none" normalizeH="0" baseline="0" dirty="0">
+                <a:ln>
+                  <a:noFill/>
+                </a:ln>
+                <a:solidFill>
+                  <a:srgbClr val="0070C0"/>
+                </a:solidFill>
+                <a:effectLst/>
+                <a:latin typeface="Arial" panose="020B0604020202020204" pitchFamily="34" charset="0"/>
+              </a:rPr>
+              <a:t>Higher </a:t>
+            </a:r>
+            <a:r>
+              <a:rPr kumimoji="0" lang="en-US" altLang="en-US" sz="1200" b="1" i="0" u="none" strike="noStrike" cap="none" normalizeH="0" baseline="0" dirty="0">
+                <a:ln>
+                  <a:noFill/>
+                </a:ln>
+                <a:solidFill>
+                  <a:srgbClr val="0070C0"/>
+                </a:solidFill>
+                <a:effectLst/>
+                <a:latin typeface="Arial" panose="020B0604020202020204" pitchFamily="34" charset="0"/>
+              </a:rPr>
+              <a:t>DTI</a:t>
+            </a:r>
+            <a:r>
               <a:rPr kumimoji="0" lang="en-US" altLang="en-US" sz="1200" b="0" i="0" u="none" strike="noStrike" cap="none" normalizeH="0" baseline="0" dirty="0">
                 <a:ln>
                   <a:noFill/>
@@ -6588,7 +13372,7 @@
                 <a:effectLst/>
                 <a:latin typeface="Arial" panose="020B0604020202020204" pitchFamily="34" charset="0"/>
               </a:rPr>
-              <a:t>Employment length and annual income are </a:t>
+              <a:t> shows </a:t>
             </a:r>
             <a:r>
               <a:rPr kumimoji="0" lang="en-US" altLang="en-US" sz="1200" b="1" i="0" u="none" strike="noStrike" cap="none" normalizeH="0" baseline="0" dirty="0">
@@ -6601,7 +13385,7 @@
                 <a:effectLst/>
                 <a:latin typeface="Arial" panose="020B0604020202020204" pitchFamily="34" charset="0"/>
               </a:rPr>
-              <a:t>negatively correlated</a:t>
+              <a:t>most likely to </a:t>
             </a:r>
             <a:r>
               <a:rPr kumimoji="0" lang="en-US" altLang="en-US" sz="1200" b="0" i="0" u="none" strike="noStrike" cap="none" normalizeH="0" baseline="0" dirty="0">
@@ -6614,7 +13398,7 @@
                 <a:effectLst/>
                 <a:latin typeface="Arial" panose="020B0604020202020204" pitchFamily="34" charset="0"/>
               </a:rPr>
-              <a:t> with default.</a:t>
+              <a:t>default</a:t>
             </a:r>
           </a:p>
         </p:txBody>
@@ -6673,7 +13457,7 @@
                 <a:effectLst/>
                 <a:latin typeface="Arial" panose="020B0604020202020204" pitchFamily="34" charset="0"/>
               </a:rPr>
-              <a:t>Employment length and annual income are </a:t>
+              <a:t>Having </a:t>
             </a:r>
             <a:r>
               <a:rPr kumimoji="0" lang="en-US" altLang="en-US" sz="1200" b="1" i="0" u="none" strike="noStrike" cap="none" normalizeH="0" baseline="0" dirty="0">
@@ -6686,7 +13470,7 @@
                 <a:effectLst/>
                 <a:latin typeface="Arial" panose="020B0604020202020204" pitchFamily="34" charset="0"/>
               </a:rPr>
-              <a:t>negatively correlated</a:t>
+              <a:t>Credit Lines</a:t>
             </a:r>
             <a:r>
               <a:rPr kumimoji="0" lang="en-US" altLang="en-US" sz="1200" b="0" i="0" u="none" strike="noStrike" cap="none" normalizeH="0" baseline="0" dirty="0">
@@ -6699,7 +13483,89 @@
                 <a:effectLst/>
                 <a:latin typeface="Arial" panose="020B0604020202020204" pitchFamily="34" charset="0"/>
               </a:rPr>
-              <a:t> with default.</a:t>
+              <a:t> for </a:t>
+            </a:r>
+            <a:r>
+              <a:rPr kumimoji="0" lang="en-US" altLang="en-US" sz="1200" b="1" i="0" u="none" strike="noStrike" cap="none" normalizeH="0" baseline="0" dirty="0">
+                <a:ln>
+                  <a:noFill/>
+                </a:ln>
+                <a:solidFill>
+                  <a:srgbClr val="0070C0"/>
+                </a:solidFill>
+                <a:effectLst/>
+                <a:latin typeface="Arial" panose="020B0604020202020204" pitchFamily="34" charset="0"/>
+              </a:rPr>
+              <a:t>longer </a:t>
+            </a:r>
+            <a:r>
+              <a:rPr kumimoji="0" lang="en-US" altLang="en-US" sz="1200" b="0" i="0" u="none" strike="noStrike" cap="none" normalizeH="0" baseline="0" dirty="0">
+                <a:ln>
+                  <a:noFill/>
+                </a:ln>
+                <a:solidFill>
+                  <a:srgbClr val="0070C0"/>
+                </a:solidFill>
+                <a:effectLst/>
+                <a:latin typeface="Arial" panose="020B0604020202020204" pitchFamily="34" charset="0"/>
+              </a:rPr>
+              <a:t>time </a:t>
+            </a:r>
+          </a:p>
+          <a:p>
+            <a:pPr marL="0" marR="0" lvl="0" indent="0" algn="ctr" defTabSz="914400" rtl="0" eaLnBrk="0" fontAlgn="base" latinLnBrk="0" hangingPunct="0">
+              <a:lnSpc>
+                <a:spcPct val="100000"/>
+              </a:lnSpc>
+              <a:spcBef>
+                <a:spcPct val="0"/>
+              </a:spcBef>
+              <a:spcAft>
+                <a:spcPct val="0"/>
+              </a:spcAft>
+              <a:buClrTx/>
+              <a:buSzTx/>
+              <a:buNone/>
+              <a:tabLst/>
+            </a:pPr>
+            <a:r>
+              <a:rPr kumimoji="0" lang="en-US" altLang="en-US" sz="1200" b="0" i="0" u="none" strike="noStrike" cap="none" normalizeH="0" baseline="0" dirty="0">
+                <a:ln>
+                  <a:noFill/>
+                </a:ln>
+                <a:solidFill>
+                  <a:srgbClr val="0070C0"/>
+                </a:solidFill>
+                <a:effectLst/>
+                <a:latin typeface="Arial" panose="020B0604020202020204" pitchFamily="34" charset="0"/>
+              </a:rPr>
+              <a:t>shows </a:t>
+            </a:r>
+            <a:r>
+              <a:rPr kumimoji="0" lang="en-US" altLang="en-US" sz="1200" b="1" i="0" u="none" strike="noStrike" cap="none" normalizeH="0" baseline="0" dirty="0">
+                <a:ln>
+                  <a:noFill/>
+                </a:ln>
+                <a:solidFill>
+                  <a:srgbClr val="0070C0"/>
+                </a:solidFill>
+                <a:effectLst/>
+                <a:latin typeface="Arial" panose="020B0604020202020204" pitchFamily="34" charset="0"/>
+              </a:rPr>
+              <a:t>less default </a:t>
+            </a:r>
+            <a:r>
+              <a:rPr kumimoji="0" lang="en-US" altLang="en-US" sz="1200" b="0" i="0" u="none" strike="noStrike" cap="none" normalizeH="0" baseline="0" dirty="0">
+                <a:ln>
+                  <a:noFill/>
+                </a:ln>
+                <a:solidFill>
+                  <a:srgbClr val="0070C0"/>
+                </a:solidFill>
+                <a:effectLst/>
+                <a:latin typeface="Arial" panose="020B0604020202020204" pitchFamily="34" charset="0"/>
+              </a:rPr>
+              <a:t>risk.</a:t>
             </a:r>
           </a:p>
         </p:txBody>
@@ -6748,6 +13614,62 @@
               <a:tabLst/>
             </a:pPr>
             <a:r>
+              <a:rPr kumimoji="0" lang="en-US" altLang="en-US" sz="1200" b="1" i="0" u="none" strike="noStrike" cap="none" normalizeH="0" baseline="0" dirty="0">
+                <a:ln>
+                  <a:noFill/>
+                </a:ln>
+                <a:solidFill>
+                  <a:srgbClr val="0070C0"/>
+                </a:solidFill>
+                <a:effectLst/>
+                <a:latin typeface="Arial" panose="020B0604020202020204" pitchFamily="34" charset="0"/>
+              </a:rPr>
+              <a:t>High usage </a:t>
+            </a:r>
+            <a:r>
+              <a:rPr kumimoji="0" lang="en-US" altLang="en-US" sz="1200" i="0" u="none" strike="noStrike" cap="none" normalizeH="0" baseline="0" dirty="0">
+                <a:ln>
+                  <a:noFill/>
+                </a:ln>
+                <a:solidFill>
+                  <a:srgbClr val="0070C0"/>
+                </a:solidFill>
+                <a:effectLst/>
+                <a:latin typeface="Arial" panose="020B0604020202020204" pitchFamily="34" charset="0"/>
+              </a:rPr>
+              <a:t>of </a:t>
+            </a:r>
+            <a:r>
+              <a:rPr kumimoji="0" lang="en-US" altLang="en-US" sz="1200" b="1" i="0" u="none" strike="noStrike" cap="none" normalizeH="0" baseline="0" dirty="0">
+                <a:ln>
+                  <a:noFill/>
+                </a:ln>
+                <a:solidFill>
+                  <a:srgbClr val="0070C0"/>
+                </a:solidFill>
+                <a:effectLst/>
+                <a:latin typeface="Arial" panose="020B0604020202020204" pitchFamily="34" charset="0"/>
+              </a:rPr>
+              <a:t>Credit Utilization </a:t>
+            </a:r>
+          </a:p>
+          <a:p>
+            <a:pPr marL="0" marR="0" lvl="0" indent="0" algn="ctr" defTabSz="914400" rtl="0" eaLnBrk="0" fontAlgn="base" latinLnBrk="0" hangingPunct="0">
+              <a:lnSpc>
+                <a:spcPct val="100000"/>
+              </a:lnSpc>
+              <a:spcBef>
+                <a:spcPct val="0"/>
+              </a:spcBef>
+              <a:spcAft>
+                <a:spcPct val="0"/>
+              </a:spcAft>
+              <a:buClrTx/>
+              <a:buSzTx/>
+              <a:buNone/>
+              <a:tabLst/>
+            </a:pPr>
+            <a:r>
               <a:rPr kumimoji="0" lang="en-US" altLang="en-US" sz="1200" b="0" i="0" u="none" strike="noStrike" cap="none" normalizeH="0" baseline="0" dirty="0">
                 <a:ln>
                   <a:noFill/>
@@ -6758,7 +13680,7 @@
                 <a:effectLst/>
                 <a:latin typeface="Arial" panose="020B0604020202020204" pitchFamily="34" charset="0"/>
               </a:rPr>
-              <a:t>Employment length and annual income are </a:t>
+              <a:t>shows </a:t>
             </a:r>
             <a:r>
               <a:rPr kumimoji="0" lang="en-US" altLang="en-US" sz="1200" b="1" i="0" u="none" strike="noStrike" cap="none" normalizeH="0" baseline="0" dirty="0">
@@ -6771,7 +13693,7 @@
                 <a:effectLst/>
                 <a:latin typeface="Arial" panose="020B0604020202020204" pitchFamily="34" charset="0"/>
               </a:rPr>
-              <a:t>negatively correlated</a:t>
+              <a:t>2x </a:t>
             </a:r>
             <a:r>
               <a:rPr kumimoji="0" lang="en-US" altLang="en-US" sz="1200" b="0" i="0" u="none" strike="noStrike" cap="none" normalizeH="0" baseline="0" dirty="0">
@@ -6784,7 +13706,7 @@
                 <a:effectLst/>
                 <a:latin typeface="Arial" panose="020B0604020202020204" pitchFamily="34" charset="0"/>
               </a:rPr>
-              <a:t> with default.</a:t>
+              <a:t>default rate.</a:t>
             </a:r>
           </a:p>
         </p:txBody>
@@ -6843,7 +13765,7 @@
                 <a:effectLst/>
                 <a:latin typeface="Arial" panose="020B0604020202020204" pitchFamily="34" charset="0"/>
               </a:rPr>
-              <a:t>Employment length and annual income are </a:t>
+              <a:t>Recent </a:t>
             </a:r>
             <a:r>
               <a:rPr kumimoji="0" lang="en-US" altLang="en-US" sz="1200" b="1" i="0" u="none" strike="noStrike" cap="none" normalizeH="0" baseline="0" dirty="0">
@@ -6856,7 +13778,33 @@
                 <a:effectLst/>
                 <a:latin typeface="Arial" panose="020B0604020202020204" pitchFamily="34" charset="0"/>
               </a:rPr>
-              <a:t>negatively correlated</a:t>
+              <a:t>late </a:t>
+            </a:r>
+            <a:r>
+              <a:rPr kumimoji="0" lang="en-US" altLang="en-US" sz="1200" i="0" u="none" strike="noStrike" cap="none" normalizeH="0" baseline="0" dirty="0">
+                <a:ln>
+                  <a:noFill/>
+                </a:ln>
+                <a:solidFill>
+                  <a:srgbClr val="0070C0"/>
+                </a:solidFill>
+                <a:effectLst/>
+                <a:latin typeface="Arial" panose="020B0604020202020204" pitchFamily="34" charset="0"/>
+              </a:rPr>
+              <a:t>payments </a:t>
+            </a:r>
+            <a:r>
+              <a:rPr kumimoji="0" lang="en-US" altLang="en-US" sz="1200" b="1" i="0" u="none" strike="noStrike" cap="none" normalizeH="0" baseline="0" dirty="0">
+                <a:ln>
+                  <a:noFill/>
+                </a:ln>
+                <a:solidFill>
+                  <a:srgbClr val="0070C0"/>
+                </a:solidFill>
+                <a:effectLst/>
+                <a:latin typeface="Arial" panose="020B0604020202020204" pitchFamily="34" charset="0"/>
+              </a:rPr>
+              <a:t>increase </a:t>
             </a:r>
             <a:r>
               <a:rPr kumimoji="0" lang="en-US" altLang="en-US" sz="1200" b="0" i="0" u="none" strike="noStrike" cap="none" normalizeH="0" baseline="0" dirty="0">
@@ -6869,11 +13817,85 @@
                 <a:effectLst/>
                 <a:latin typeface="Arial" panose="020B0604020202020204" pitchFamily="34" charset="0"/>
               </a:rPr>
-              <a:t> with default.</a:t>
+              <a:t>the likelihood of default.</a:t>
             </a:r>
           </a:p>
         </p:txBody>
       </p:sp>
+      <p:pic>
+        <p:nvPicPr>
+          <p:cNvPr id="11" name="Picture 10">
+            <a:extLst>
+              <a:ext uri="{FF2B5EF4-FFF2-40B4-BE49-F238E27FC236}">
+                <a16:creationId xmlns:a16="http://schemas.microsoft.com/office/drawing/2014/main" id="{891FE7B4-68C7-D60E-019C-1E780A6D7487}"/>
+              </a:ext>
+            </a:extLst>
+          </p:cNvPr>
+          <p:cNvPicPr>
+            <a:picLocks noChangeAspect="1"/>
+          </p:cNvPicPr>
+          <p:nvPr/>
+        </p:nvPicPr>
+        <p:blipFill>
+          <a:blip r:embed="rId7"/>
+          <a:stretch>
+            <a:fillRect/>
+          </a:stretch>
+        </p:blipFill>
+        <p:spPr>
+          <a:xfrm>
+            <a:off x="676453" y="1364116"/>
+            <a:ext cx="3133989" cy="1832329"/>
+          </a:xfrm>
+          <a:prstGeom prst="rect">
+            <a:avLst/>
+          </a:prstGeom>
+        </p:spPr>
+      </p:pic>
+      <p:cxnSp>
+        <p:nvCxnSpPr>
+          <p:cNvPr id="18" name="Straight Arrow Connector 17">
+            <a:extLst>
+              <a:ext uri="{FF2B5EF4-FFF2-40B4-BE49-F238E27FC236}">
+                <a16:creationId xmlns:a16="http://schemas.microsoft.com/office/drawing/2014/main" id="{999A0517-F9DC-3BE5-7925-7BFB35E52746}"/>
+              </a:ext>
+            </a:extLst>
+          </p:cNvPr>
+          <p:cNvCxnSpPr>
+            <a:cxnSpLocks/>
+          </p:cNvCxnSpPr>
+          <p:nvPr/>
+        </p:nvCxnSpPr>
+        <p:spPr>
+          <a:xfrm>
+            <a:off x="1306286" y="1481451"/>
+            <a:ext cx="2341983" cy="449986"/>
+          </a:xfrm>
+          <a:prstGeom prst="straightConnector1">
+            <a:avLst/>
+          </a:prstGeom>
+          <a:ln w="28575">
+            <a:solidFill>
+              <a:srgbClr val="FF0000"/>
+            </a:solidFill>
+            <a:tailEnd type="triangle"/>
+          </a:ln>
+        </p:spPr>
+        <p:style>
+          <a:lnRef idx="2">
+            <a:schemeClr val="accent1"/>
+          </a:lnRef>
+          <a:fillRef idx="0">
+            <a:schemeClr val="accent1"/>
+          </a:fillRef>
+          <a:effectRef idx="1">
+            <a:schemeClr val="accent1"/>
+          </a:effectRef>
+          <a:fontRef idx="minor">
+            <a:schemeClr val="tx1"/>
+          </a:fontRef>
+        </p:style>
+      </p:cxnSp>
     </p:spTree>
     <p:extLst>
       <p:ext uri="{BB962C8B-B14F-4D97-AF65-F5344CB8AC3E}">
@@ -6961,8 +13983,8 @@
         </p:nvSpPr>
         <p:spPr>
           <a:xfrm>
-            <a:off x="838201" y="3317237"/>
-            <a:ext cx="4564223" cy="545739"/>
+            <a:off x="923730" y="1187477"/>
+            <a:ext cx="8537511" cy="342744"/>
           </a:xfrm>
         </p:spPr>
         <p:txBody>
@@ -6976,7 +13998,7 @@
             </a:pPr>
             <a:r>
               <a:rPr lang="en-US" dirty="0"/>
-              <a:t>Three supervised models were trained on cleaned and engineered features</a:t>
+              <a:t>Three supervised models were trained on cleaned and engineered features.</a:t>
             </a:r>
           </a:p>
         </p:txBody>
@@ -6996,14 +14018,14 @@
           <p:nvPr>
             <p:extLst>
               <p:ext uri="{D42A27DB-BD31-4B8C-83A1-F6EECF244321}">
-                <p14:modId xmlns:p14="http://schemas.microsoft.com/office/powerpoint/2010/main" val="4071301157"/>
+                <p14:modId xmlns:p14="http://schemas.microsoft.com/office/powerpoint/2010/main" val="3255491786"/>
               </p:ext>
             </p:extLst>
           </p:nvPr>
         </p:nvGraphicFramePr>
         <p:xfrm>
-          <a:off x="923730" y="3914294"/>
-          <a:ext cx="4478693" cy="1483360"/>
+          <a:off x="838200" y="1567923"/>
+          <a:ext cx="5105400" cy="1483360"/>
         </p:xfrm>
         <a:graphic>
           <a:graphicData uri="http://schemas.openxmlformats.org/drawingml/2006/table">
@@ -7012,28 +14034,28 @@
                 <a:tableStyleId>{5C22544A-7EE6-4342-B048-85BDC9FD1C3A}</a:tableStyleId>
               </a:tblPr>
               <a:tblGrid>
-                <a:gridCol w="2162286">
+                <a:gridCol w="2464856">
                   <a:extLst>
                     <a:ext uri="{9D8B030D-6E8A-4147-A177-3AD203B41FA5}">
                       <a16:colId xmlns:a16="http://schemas.microsoft.com/office/drawing/2014/main" val="316816639"/>
                     </a:ext>
                   </a:extLst>
                 </a:gridCol>
-                <a:gridCol w="769084">
+                <a:gridCol w="876703">
                   <a:extLst>
                     <a:ext uri="{9D8B030D-6E8A-4147-A177-3AD203B41FA5}">
                       <a16:colId xmlns:a16="http://schemas.microsoft.com/office/drawing/2014/main" val="4166317495"/>
                     </a:ext>
                   </a:extLst>
                 </a:gridCol>
-                <a:gridCol w="677526">
+                <a:gridCol w="772332">
                   <a:extLst>
                     <a:ext uri="{9D8B030D-6E8A-4147-A177-3AD203B41FA5}">
                       <a16:colId xmlns:a16="http://schemas.microsoft.com/office/drawing/2014/main" val="2401306007"/>
                     </a:ext>
                   </a:extLst>
                 </a:gridCol>
-                <a:gridCol w="869797">
+                <a:gridCol w="991509">
                   <a:extLst>
                     <a:ext uri="{9D8B030D-6E8A-4147-A177-3AD203B41FA5}">
                       <a16:colId xmlns:a16="http://schemas.microsoft.com/office/drawing/2014/main" val="3609737731"/>
@@ -7124,7 +14146,11 @@
                     <a:p>
                       <a:pPr algn="ctr"/>
                       <a:r>
-                        <a:rPr lang="en-US" sz="1800" b="1" dirty="0"/>
+                        <a:rPr lang="en-US" sz="1800" b="1" dirty="0">
+                          <a:solidFill>
+                            <a:srgbClr val="00B050"/>
+                          </a:solidFill>
+                        </a:rPr>
                         <a:t>0.69</a:t>
                       </a:r>
                     </a:p>
@@ -7138,7 +14164,11 @@
                     <a:p>
                       <a:pPr algn="ctr"/>
                       <a:r>
-                        <a:rPr lang="en-US" sz="1800" b="1" dirty="0"/>
+                        <a:rPr lang="en-US" sz="1800" b="1" dirty="0">
+                          <a:solidFill>
+                            <a:srgbClr val="00B050"/>
+                          </a:solidFill>
+                        </a:rPr>
                         <a:t>0.32</a:t>
                       </a:r>
                     </a:p>
@@ -7152,7 +14182,11 @@
                     <a:p>
                       <a:pPr algn="ctr"/>
                       <a:r>
-                        <a:rPr lang="en-US" sz="1800" b="1" dirty="0"/>
+                        <a:rPr lang="en-US" sz="1800" b="1" dirty="0">
+                          <a:solidFill>
+                            <a:srgbClr val="00B050"/>
+                          </a:solidFill>
+                        </a:rPr>
                         <a:t>0.54</a:t>
                       </a:r>
                     </a:p>
@@ -7316,8 +14350,407 @@
         </p:blipFill>
         <p:spPr>
           <a:xfrm>
-            <a:off x="5754807" y="2677885"/>
-            <a:ext cx="5598993" cy="3396343"/>
+            <a:off x="838201" y="3163077"/>
+            <a:ext cx="5105399" cy="3189376"/>
+          </a:xfrm>
+          <a:prstGeom prst="rect">
+            <a:avLst/>
+          </a:prstGeom>
+        </p:spPr>
+      </p:pic>
+      <p:graphicFrame>
+        <p:nvGraphicFramePr>
+          <p:cNvPr id="6" name="Table 5">
+            <a:extLst>
+              <a:ext uri="{FF2B5EF4-FFF2-40B4-BE49-F238E27FC236}">
+                <a16:creationId xmlns:a16="http://schemas.microsoft.com/office/drawing/2014/main" id="{0BB799E4-52F9-3EA3-4386-12DD40B8D63A}"/>
+              </a:ext>
+            </a:extLst>
+          </p:cNvPr>
+          <p:cNvGraphicFramePr>
+            <a:graphicFrameLocks noGrp="1"/>
+          </p:cNvGraphicFramePr>
+          <p:nvPr>
+            <p:extLst>
+              <p:ext uri="{D42A27DB-BD31-4B8C-83A1-F6EECF244321}">
+                <p14:modId xmlns:p14="http://schemas.microsoft.com/office/powerpoint/2010/main" val="1364518437"/>
+              </p:ext>
+            </p:extLst>
+          </p:nvPr>
+        </p:nvGraphicFramePr>
+        <p:xfrm>
+          <a:off x="6248398" y="1567923"/>
+          <a:ext cx="5105401" cy="1483360"/>
+        </p:xfrm>
+        <a:graphic>
+          <a:graphicData uri="http://schemas.openxmlformats.org/drawingml/2006/table">
+            <a:tbl>
+              <a:tblPr firstRow="1" bandRow="1">
+                <a:tableStyleId>{5C22544A-7EE6-4342-B048-85BDC9FD1C3A}</a:tableStyleId>
+              </a:tblPr>
+              <a:tblGrid>
+                <a:gridCol w="2464857">
+                  <a:extLst>
+                    <a:ext uri="{9D8B030D-6E8A-4147-A177-3AD203B41FA5}">
+                      <a16:colId xmlns:a16="http://schemas.microsoft.com/office/drawing/2014/main" val="316816639"/>
+                    </a:ext>
+                  </a:extLst>
+                </a:gridCol>
+                <a:gridCol w="876703">
+                  <a:extLst>
+                    <a:ext uri="{9D8B030D-6E8A-4147-A177-3AD203B41FA5}">
+                      <a16:colId xmlns:a16="http://schemas.microsoft.com/office/drawing/2014/main" val="4166317495"/>
+                    </a:ext>
+                  </a:extLst>
+                </a:gridCol>
+                <a:gridCol w="772332">
+                  <a:extLst>
+                    <a:ext uri="{9D8B030D-6E8A-4147-A177-3AD203B41FA5}">
+                      <a16:colId xmlns:a16="http://schemas.microsoft.com/office/drawing/2014/main" val="2401306007"/>
+                    </a:ext>
+                  </a:extLst>
+                </a:gridCol>
+                <a:gridCol w="991509">
+                  <a:extLst>
+                    <a:ext uri="{9D8B030D-6E8A-4147-A177-3AD203B41FA5}">
+                      <a16:colId xmlns:a16="http://schemas.microsoft.com/office/drawing/2014/main" val="3609737731"/>
+                    </a:ext>
+                  </a:extLst>
+                </a:gridCol>
+              </a:tblGrid>
+              <a:tr h="370840">
+                <a:tc>
+                  <a:txBody>
+                    <a:bodyPr/>
+                    <a:lstStyle/>
+                    <a:p>
+                      <a:r>
+                        <a:rPr lang="en-US" sz="1800" dirty="0"/>
+                        <a:t>Model</a:t>
+                      </a:r>
+                    </a:p>
+                  </a:txBody>
+                  <a:tcPr/>
+                </a:tc>
+                <a:tc>
+                  <a:txBody>
+                    <a:bodyPr/>
+                    <a:lstStyle/>
+                    <a:p>
+                      <a:pPr algn="ctr"/>
+                      <a:r>
+                        <a:rPr lang="en-US" sz="1800" dirty="0"/>
+                        <a:t>AUC</a:t>
+                      </a:r>
+                    </a:p>
+                  </a:txBody>
+                  <a:tcPr/>
+                </a:tc>
+                <a:tc>
+                  <a:txBody>
+                    <a:bodyPr/>
+                    <a:lstStyle/>
+                    <a:p>
+                      <a:pPr algn="ctr"/>
+                      <a:r>
+                        <a:rPr lang="en-US" sz="1800" dirty="0"/>
+                        <a:t>F1</a:t>
+                      </a:r>
+                    </a:p>
+                  </a:txBody>
+                  <a:tcPr/>
+                </a:tc>
+                <a:tc>
+                  <a:txBody>
+                    <a:bodyPr/>
+                    <a:lstStyle/>
+                    <a:p>
+                      <a:pPr algn="ctr"/>
+                      <a:r>
+                        <a:rPr lang="en-US" sz="1800" dirty="0"/>
+                        <a:t>Recall</a:t>
+                      </a:r>
+                    </a:p>
+                  </a:txBody>
+                  <a:tcPr/>
+                </a:tc>
+                <a:extLst>
+                  <a:ext uri="{0D108BD9-81ED-4DB2-BD59-A6C34878D82A}">
+                    <a16:rowId xmlns:a16="http://schemas.microsoft.com/office/drawing/2014/main" val="2852540940"/>
+                  </a:ext>
+                </a:extLst>
+              </a:tr>
+              <a:tr h="370840">
+                <a:tc>
+                  <a:txBody>
+                    <a:bodyPr/>
+                    <a:lstStyle/>
+                    <a:p>
+                      <a:r>
+                        <a:rPr lang="en-US" sz="1800" dirty="0"/>
+                        <a:t>Logistic Regression</a:t>
+                      </a:r>
+                    </a:p>
+                  </a:txBody>
+                  <a:tcPr/>
+                </a:tc>
+                <a:tc>
+                  <a:txBody>
+                    <a:bodyPr/>
+                    <a:lstStyle/>
+                    <a:p>
+                      <a:pPr algn="ctr"/>
+                      <a:r>
+                        <a:rPr lang="en-US" sz="1800" b="0" dirty="0"/>
+                        <a:t>0.705</a:t>
+                      </a:r>
+                    </a:p>
+                  </a:txBody>
+                  <a:tcPr/>
+                </a:tc>
+                <a:tc>
+                  <a:txBody>
+                    <a:bodyPr/>
+                    <a:lstStyle/>
+                    <a:p>
+                      <a:pPr algn="ctr"/>
+                      <a:r>
+                        <a:rPr lang="en-US" sz="1800" b="0" dirty="0"/>
+                        <a:t>0.62</a:t>
+                      </a:r>
+                    </a:p>
+                  </a:txBody>
+                  <a:tcPr/>
+                </a:tc>
+                <a:tc>
+                  <a:txBody>
+                    <a:bodyPr/>
+                    <a:lstStyle/>
+                    <a:p>
+                      <a:pPr algn="ctr"/>
+                      <a:r>
+                        <a:rPr lang="en-US" sz="1800" b="0" dirty="0"/>
+                        <a:t>0.57</a:t>
+                      </a:r>
+                    </a:p>
+                  </a:txBody>
+                  <a:tcPr/>
+                </a:tc>
+                <a:extLst>
+                  <a:ext uri="{0D108BD9-81ED-4DB2-BD59-A6C34878D82A}">
+                    <a16:rowId xmlns:a16="http://schemas.microsoft.com/office/drawing/2014/main" val="2128747533"/>
+                  </a:ext>
+                </a:extLst>
+              </a:tr>
+              <a:tr h="370840">
+                <a:tc>
+                  <a:txBody>
+                    <a:bodyPr/>
+                    <a:lstStyle/>
+                    <a:p>
+                      <a:r>
+                        <a:rPr lang="en-US" sz="1800" dirty="0"/>
+                        <a:t>Random Forest</a:t>
+                      </a:r>
+                    </a:p>
+                  </a:txBody>
+                  <a:tcPr/>
+                </a:tc>
+                <a:tc>
+                  <a:txBody>
+                    <a:bodyPr/>
+                    <a:lstStyle/>
+                    <a:p>
+                      <a:pPr algn="ctr"/>
+                      <a:r>
+                        <a:rPr lang="en-US" sz="1800" b="1" dirty="0">
+                          <a:solidFill>
+                            <a:srgbClr val="00B050"/>
+                          </a:solidFill>
+                        </a:rPr>
+                        <a:t>0.980</a:t>
+                      </a:r>
+                    </a:p>
+                  </a:txBody>
+                  <a:tcPr/>
+                </a:tc>
+                <a:tc>
+                  <a:txBody>
+                    <a:bodyPr/>
+                    <a:lstStyle/>
+                    <a:p>
+                      <a:pPr algn="ctr"/>
+                      <a:r>
+                        <a:rPr lang="en-US" sz="1800" b="1" dirty="0">
+                          <a:solidFill>
+                            <a:srgbClr val="00B050"/>
+                          </a:solidFill>
+                        </a:rPr>
+                        <a:t>0.96</a:t>
+                      </a:r>
+                    </a:p>
+                  </a:txBody>
+                  <a:tcPr/>
+                </a:tc>
+                <a:tc>
+                  <a:txBody>
+                    <a:bodyPr/>
+                    <a:lstStyle/>
+                    <a:p>
+                      <a:pPr algn="ctr"/>
+                      <a:r>
+                        <a:rPr lang="en-US" sz="1800" b="0" dirty="0">
+                          <a:solidFill>
+                            <a:schemeClr val="tx1"/>
+                          </a:solidFill>
+                        </a:rPr>
+                        <a:t>0.95</a:t>
+                      </a:r>
+                    </a:p>
+                  </a:txBody>
+                  <a:tcPr/>
+                </a:tc>
+                <a:extLst>
+                  <a:ext uri="{0D108BD9-81ED-4DB2-BD59-A6C34878D82A}">
+                    <a16:rowId xmlns:a16="http://schemas.microsoft.com/office/drawing/2014/main" val="1148509272"/>
+                  </a:ext>
+                </a:extLst>
+              </a:tr>
+              <a:tr h="370840">
+                <a:tc>
+                  <a:txBody>
+                    <a:bodyPr/>
+                    <a:lstStyle/>
+                    <a:p>
+                      <a:r>
+                        <a:rPr lang="en-US" sz="1800" dirty="0" err="1"/>
+                        <a:t>XGBoost</a:t>
+                      </a:r>
+                      <a:endParaRPr lang="en-US" sz="1800" dirty="0"/>
+                    </a:p>
+                  </a:txBody>
+                  <a:tcPr/>
+                </a:tc>
+                <a:tc>
+                  <a:txBody>
+                    <a:bodyPr/>
+                    <a:lstStyle/>
+                    <a:p>
+                      <a:pPr algn="ctr"/>
+                      <a:r>
+                        <a:rPr lang="en-US" sz="1800" dirty="0"/>
+                        <a:t>0.975</a:t>
+                      </a:r>
+                    </a:p>
+                  </a:txBody>
+                  <a:tcPr/>
+                </a:tc>
+                <a:tc>
+                  <a:txBody>
+                    <a:bodyPr/>
+                    <a:lstStyle/>
+                    <a:p>
+                      <a:pPr algn="ctr"/>
+                      <a:r>
+                        <a:rPr lang="en-US" sz="1800" dirty="0"/>
+                        <a:t>0.93</a:t>
+                      </a:r>
+                    </a:p>
+                  </a:txBody>
+                  <a:tcPr/>
+                </a:tc>
+                <a:tc>
+                  <a:txBody>
+                    <a:bodyPr/>
+                    <a:lstStyle/>
+                    <a:p>
+                      <a:pPr algn="ctr"/>
+                      <a:r>
+                        <a:rPr lang="en-US" sz="1800" b="1" dirty="0">
+                          <a:solidFill>
+                            <a:srgbClr val="00B050"/>
+                          </a:solidFill>
+                        </a:rPr>
+                        <a:t>0.96</a:t>
+                      </a:r>
+                    </a:p>
+                  </a:txBody>
+                  <a:tcPr/>
+                </a:tc>
+                <a:extLst>
+                  <a:ext uri="{0D108BD9-81ED-4DB2-BD59-A6C34878D82A}">
+                    <a16:rowId xmlns:a16="http://schemas.microsoft.com/office/drawing/2014/main" val="3395680627"/>
+                  </a:ext>
+                </a:extLst>
+              </a:tr>
+            </a:tbl>
+          </a:graphicData>
+        </a:graphic>
+      </p:graphicFrame>
+      <p:sp>
+        <p:nvSpPr>
+          <p:cNvPr id="9" name="TextBox 8">
+            <a:extLst>
+              <a:ext uri="{FF2B5EF4-FFF2-40B4-BE49-F238E27FC236}">
+                <a16:creationId xmlns:a16="http://schemas.microsoft.com/office/drawing/2014/main" id="{91D9B4C0-2B3D-B118-3777-29F77E43F688}"/>
+              </a:ext>
+            </a:extLst>
+          </p:cNvPr>
+          <p:cNvSpPr txBox="1"/>
+          <p:nvPr/>
+        </p:nvSpPr>
+        <p:spPr>
+          <a:xfrm>
+            <a:off x="4450702" y="4757765"/>
+            <a:ext cx="1306286" cy="646331"/>
+          </a:xfrm>
+          <a:prstGeom prst="rect">
+            <a:avLst/>
+          </a:prstGeom>
+          <a:noFill/>
+        </p:spPr>
+        <p:txBody>
+          <a:bodyPr wrap="square">
+            <a:spAutoFit/>
+          </a:bodyPr>
+          <a:lstStyle/>
+          <a:p>
+            <a:pPr algn="r"/>
+            <a:r>
+              <a:rPr lang="en-US" b="1" dirty="0">
+                <a:solidFill>
+                  <a:srgbClr val="FF0000"/>
+                </a:solidFill>
+              </a:rPr>
+              <a:t>Class Imbalance</a:t>
+            </a:r>
+          </a:p>
+        </p:txBody>
+      </p:sp>
+      <p:pic>
+        <p:nvPicPr>
+          <p:cNvPr id="11" name="Picture 10" descr="A graph of a graph showing different types of curves&#10;&#10;AI-generated content may be incorrect.">
+            <a:extLst>
+              <a:ext uri="{FF2B5EF4-FFF2-40B4-BE49-F238E27FC236}">
+                <a16:creationId xmlns:a16="http://schemas.microsoft.com/office/drawing/2014/main" id="{94BFE7C8-A011-C5C0-BE7E-C4BFEC001214}"/>
+              </a:ext>
+            </a:extLst>
+          </p:cNvPr>
+          <p:cNvPicPr>
+            <a:picLocks noChangeAspect="1"/>
+          </p:cNvPicPr>
+          <p:nvPr/>
+        </p:nvPicPr>
+        <p:blipFill>
+          <a:blip r:embed="rId3"/>
+          <a:stretch>
+            <a:fillRect/>
+          </a:stretch>
+        </p:blipFill>
+        <p:spPr>
+          <a:xfrm>
+            <a:off x="6248398" y="3163077"/>
+            <a:ext cx="5105399" cy="3189376"/>
           </a:xfrm>
           <a:prstGeom prst="rect">
             <a:avLst/>
@@ -7326,206 +14759,40 @@
       </p:pic>
       <p:sp>
         <p:nvSpPr>
-          <p:cNvPr id="7" name="Content Placeholder 2">
+          <p:cNvPr id="12" name="TextBox 11">
             <a:extLst>
               <a:ext uri="{FF2B5EF4-FFF2-40B4-BE49-F238E27FC236}">
-                <a16:creationId xmlns:a16="http://schemas.microsoft.com/office/drawing/2014/main" id="{BF83C2C1-F139-3A4C-FFFA-E0085090F748}"/>
+                <a16:creationId xmlns:a16="http://schemas.microsoft.com/office/drawing/2014/main" id="{DA163FCC-179A-388E-3529-9CFE3F807CB6}"/>
               </a:ext>
             </a:extLst>
           </p:cNvPr>
-          <p:cNvSpPr txBox="1">
-            <a:spLocks/>
-          </p:cNvSpPr>
+          <p:cNvSpPr txBox="1"/>
           <p:nvPr/>
         </p:nvSpPr>
         <p:spPr>
           <a:xfrm>
-            <a:off x="838200" y="1319539"/>
-            <a:ext cx="10515600" cy="1188582"/>
+            <a:off x="9949543" y="4757764"/>
+            <a:ext cx="1306286" cy="646331"/>
           </a:xfrm>
           <a:prstGeom prst="rect">
             <a:avLst/>
           </a:prstGeom>
+          <a:noFill/>
         </p:spPr>
         <p:txBody>
-          <a:bodyPr vert="horz" lIns="91440" tIns="45720" rIns="91440" bIns="45720" rtlCol="0">
-            <a:normAutofit lnSpcReduction="10000"/>
+          <a:bodyPr wrap="square">
+            <a:spAutoFit/>
           </a:bodyPr>
-          <a:lstStyle>
-            <a:lvl1pPr marL="228594" indent="-228594" algn="l" defTabSz="914377" rtl="0" eaLnBrk="1" latinLnBrk="0" hangingPunct="1">
-              <a:lnSpc>
-                <a:spcPct val="90000"/>
-              </a:lnSpc>
-              <a:spcBef>
-                <a:spcPts val="1000"/>
-              </a:spcBef>
-              <a:buFont typeface="Arial" panose="020B0604020202020204" pitchFamily="34" charset="0"/>
-              <a:buChar char="•"/>
-              <a:defRPr sz="2800" kern="1200">
+          <a:lstStyle/>
+          <a:p>
+            <a:pPr algn="r"/>
+            <a:r>
+              <a:rPr lang="en-US" b="1" dirty="0">
                 <a:solidFill>
-                  <a:schemeClr val="tx1"/>
+                  <a:srgbClr val="FF0000"/>
                 </a:solidFill>
-                <a:latin typeface="+mn-lt"/>
-                <a:ea typeface="+mn-ea"/>
-                <a:cs typeface="+mn-cs"/>
-              </a:defRPr>
-            </a:lvl1pPr>
-            <a:lvl2pPr marL="685783" indent="-228594" algn="l" defTabSz="914377" rtl="0" eaLnBrk="1" latinLnBrk="0" hangingPunct="1">
-              <a:lnSpc>
-                <a:spcPct val="90000"/>
-              </a:lnSpc>
-              <a:spcBef>
-                <a:spcPts val="500"/>
-              </a:spcBef>
-              <a:buFont typeface="Arial" panose="020B0604020202020204" pitchFamily="34" charset="0"/>
-              <a:buChar char="•"/>
-              <a:defRPr sz="2400" kern="1200">
-                <a:solidFill>
-                  <a:schemeClr val="tx1"/>
-                </a:solidFill>
-                <a:latin typeface="+mn-lt"/>
-                <a:ea typeface="+mn-ea"/>
-                <a:cs typeface="+mn-cs"/>
-              </a:defRPr>
-            </a:lvl2pPr>
-            <a:lvl3pPr marL="1142971" indent="-228594" algn="l" defTabSz="914377" rtl="0" eaLnBrk="1" latinLnBrk="0" hangingPunct="1">
-              <a:lnSpc>
-                <a:spcPct val="90000"/>
-              </a:lnSpc>
-              <a:spcBef>
-                <a:spcPts val="500"/>
-              </a:spcBef>
-              <a:buFont typeface="Arial" panose="020B0604020202020204" pitchFamily="34" charset="0"/>
-              <a:buChar char="•"/>
-              <a:defRPr sz="2000" kern="1200">
-                <a:solidFill>
-                  <a:schemeClr val="tx1"/>
-                </a:solidFill>
-                <a:latin typeface="+mn-lt"/>
-                <a:ea typeface="+mn-ea"/>
-                <a:cs typeface="+mn-cs"/>
-              </a:defRPr>
-            </a:lvl3pPr>
-            <a:lvl4pPr marL="1600160" indent="-228594" algn="l" defTabSz="914377" rtl="0" eaLnBrk="1" latinLnBrk="0" hangingPunct="1">
-              <a:lnSpc>
-                <a:spcPct val="90000"/>
-              </a:lnSpc>
-              <a:spcBef>
-                <a:spcPts val="500"/>
-              </a:spcBef>
-              <a:buFont typeface="Arial" panose="020B0604020202020204" pitchFamily="34" charset="0"/>
-              <a:buChar char="•"/>
-              <a:defRPr sz="1800" kern="1200">
-                <a:solidFill>
-                  <a:schemeClr val="tx1"/>
-                </a:solidFill>
-                <a:latin typeface="+mn-lt"/>
-                <a:ea typeface="+mn-ea"/>
-                <a:cs typeface="+mn-cs"/>
-              </a:defRPr>
-            </a:lvl4pPr>
-            <a:lvl5pPr marL="2057349" indent="-228594" algn="l" defTabSz="914377" rtl="0" eaLnBrk="1" latinLnBrk="0" hangingPunct="1">
-              <a:lnSpc>
-                <a:spcPct val="90000"/>
-              </a:lnSpc>
-              <a:spcBef>
-                <a:spcPts val="500"/>
-              </a:spcBef>
-              <a:buFont typeface="Arial" panose="020B0604020202020204" pitchFamily="34" charset="0"/>
-              <a:buChar char="•"/>
-              <a:defRPr sz="1800" kern="1200">
-                <a:solidFill>
-                  <a:schemeClr val="tx1"/>
-                </a:solidFill>
-                <a:latin typeface="+mn-lt"/>
-                <a:ea typeface="+mn-ea"/>
-                <a:cs typeface="+mn-cs"/>
-              </a:defRPr>
-            </a:lvl5pPr>
-            <a:lvl6pPr marL="2514537" indent="-228594" algn="l" defTabSz="914377" rtl="0" eaLnBrk="1" latinLnBrk="0" hangingPunct="1">
-              <a:lnSpc>
-                <a:spcPct val="90000"/>
-              </a:lnSpc>
-              <a:spcBef>
-                <a:spcPts val="500"/>
-              </a:spcBef>
-              <a:buFont typeface="Arial" panose="020B0604020202020204" pitchFamily="34" charset="0"/>
-              <a:buChar char="•"/>
-              <a:defRPr sz="1800" kern="1200">
-                <a:solidFill>
-                  <a:schemeClr val="tx1"/>
-                </a:solidFill>
-                <a:latin typeface="+mn-lt"/>
-                <a:ea typeface="+mn-ea"/>
-                <a:cs typeface="+mn-cs"/>
-              </a:defRPr>
-            </a:lvl6pPr>
-            <a:lvl7pPr marL="2971726" indent="-228594" algn="l" defTabSz="914377" rtl="0" eaLnBrk="1" latinLnBrk="0" hangingPunct="1">
-              <a:lnSpc>
-                <a:spcPct val="90000"/>
-              </a:lnSpc>
-              <a:spcBef>
-                <a:spcPts val="500"/>
-              </a:spcBef>
-              <a:buFont typeface="Arial" panose="020B0604020202020204" pitchFamily="34" charset="0"/>
-              <a:buChar char="•"/>
-              <a:defRPr sz="1800" kern="1200">
-                <a:solidFill>
-                  <a:schemeClr val="tx1"/>
-                </a:solidFill>
-                <a:latin typeface="+mn-lt"/>
-                <a:ea typeface="+mn-ea"/>
-                <a:cs typeface="+mn-cs"/>
-              </a:defRPr>
-            </a:lvl7pPr>
-            <a:lvl8pPr marL="3428914" indent="-228594" algn="l" defTabSz="914377" rtl="0" eaLnBrk="1" latinLnBrk="0" hangingPunct="1">
-              <a:lnSpc>
-                <a:spcPct val="90000"/>
-              </a:lnSpc>
-              <a:spcBef>
-                <a:spcPts val="500"/>
-              </a:spcBef>
-              <a:buFont typeface="Arial" panose="020B0604020202020204" pitchFamily="34" charset="0"/>
-              <a:buChar char="•"/>
-              <a:defRPr sz="1800" kern="1200">
-                <a:solidFill>
-                  <a:schemeClr val="tx1"/>
-                </a:solidFill>
-                <a:latin typeface="+mn-lt"/>
-                <a:ea typeface="+mn-ea"/>
-                <a:cs typeface="+mn-cs"/>
-              </a:defRPr>
-            </a:lvl8pPr>
-            <a:lvl9pPr marL="3886103" indent="-228594" algn="l" defTabSz="914377" rtl="0" eaLnBrk="1" latinLnBrk="0" hangingPunct="1">
-              <a:lnSpc>
-                <a:spcPct val="90000"/>
-              </a:lnSpc>
-              <a:spcBef>
-                <a:spcPts val="500"/>
-              </a:spcBef>
-              <a:buFont typeface="Arial" panose="020B0604020202020204" pitchFamily="34" charset="0"/>
-              <a:buChar char="•"/>
-              <a:defRPr sz="1800" kern="1200">
-                <a:solidFill>
-                  <a:schemeClr val="tx1"/>
-                </a:solidFill>
-                <a:latin typeface="+mn-lt"/>
-                <a:ea typeface="+mn-ea"/>
-                <a:cs typeface="+mn-cs"/>
-              </a:defRPr>
-            </a:lvl9pPr>
-          </a:lstStyle>
-          <a:p>
-            <a:pPr marL="0" indent="0">
-              <a:buNone/>
-            </a:pPr>
-            <a:r>
-              <a:rPr lang="en-US" b="1" dirty="0"/>
-              <a:t>Credit Risk Modeling</a:t>
-            </a:r>
-            <a:r>
-              <a:rPr lang="en-US" dirty="0"/>
-              <a:t> helps maximize profitability by predicting loan defaults, enabling smarter approvals, risk-based pricing, and optimized capital allocation.</a:t>
+              </a:rPr>
+              <a:t>Class Balanced</a:t>
             </a:r>
           </a:p>
         </p:txBody>
@@ -7588,137 +14855,42 @@
           <a:p>
             <a:r>
               <a:rPr lang="en-US" dirty="0"/>
-              <a:t>Executive Summary</a:t>
+              <a:t>Summary</a:t>
             </a:r>
           </a:p>
         </p:txBody>
       </p:sp>
-      <p:sp>
-        <p:nvSpPr>
-          <p:cNvPr id="3" name="Content Placeholder 2">
+      <p:graphicFrame>
+        <p:nvGraphicFramePr>
+          <p:cNvPr id="9" name="Content Placeholder 2">
             <a:extLst>
               <a:ext uri="{FF2B5EF4-FFF2-40B4-BE49-F238E27FC236}">
-                <a16:creationId xmlns:a16="http://schemas.microsoft.com/office/drawing/2014/main" id="{3640A109-967C-0FFF-E750-EBEB454A4A1A}"/>
+                <a16:creationId xmlns:a16="http://schemas.microsoft.com/office/drawing/2014/main" id="{3843858A-F5C2-DBA0-A54A-603CCE343DB1}"/>
               </a:ext>
             </a:extLst>
           </p:cNvPr>
-          <p:cNvSpPr>
-            <a:spLocks noGrp="1"/>
-          </p:cNvSpPr>
+          <p:cNvGraphicFramePr>
+            <a:graphicFrameLocks noGrp="1"/>
+          </p:cNvGraphicFramePr>
           <p:nvPr>
             <p:ph sz="half" idx="1"/>
+            <p:extLst>
+              <p:ext uri="{D42A27DB-BD31-4B8C-83A1-F6EECF244321}">
+                <p14:modId xmlns:p14="http://schemas.microsoft.com/office/powerpoint/2010/main" val="3293009218"/>
+              </p:ext>
+            </p:extLst>
           </p:nvPr>
-        </p:nvSpPr>
-        <p:spPr/>
-        <p:txBody>
-          <a:bodyPr>
-            <a:normAutofit/>
-          </a:bodyPr>
-          <a:lstStyle/>
-          <a:p>
-            <a:r>
-              <a:rPr lang="en-US" sz="2400" dirty="0"/>
-              <a:t>Segment applicants </a:t>
-            </a:r>
-            <a:br>
-              <a:rPr lang="en-US" sz="2400" dirty="0"/>
-            </a:br>
-            <a:r>
-              <a:rPr lang="en-US" sz="2400" dirty="0"/>
-              <a:t>(target low-risk: high income, low </a:t>
-            </a:r>
-            <a:r>
-              <a:rPr lang="en-US" sz="2400" dirty="0" err="1"/>
-              <a:t>revol_util</a:t>
-            </a:r>
-            <a:r>
-              <a:rPr lang="en-US" sz="2400" dirty="0"/>
-              <a:t>, low DTI)</a:t>
-            </a:r>
-          </a:p>
-          <a:p>
-            <a:r>
-              <a:rPr lang="en-US" sz="2400" dirty="0"/>
-              <a:t>Apply risk-based pricing: higher rates for higher predicted default probability.</a:t>
-            </a:r>
-          </a:p>
-          <a:p>
-            <a:r>
-              <a:rPr lang="en-US" sz="2400" dirty="0"/>
-              <a:t>Offer investor 'top safe loans' filter to improve returns.</a:t>
-            </a:r>
-          </a:p>
-          <a:p>
-            <a:r>
-              <a:rPr lang="en-US" sz="2400" dirty="0"/>
-              <a:t>Monitor fairness, performance drift; retrain quarterly.</a:t>
-            </a:r>
-          </a:p>
-        </p:txBody>
-      </p:sp>
-      <p:sp>
-        <p:nvSpPr>
-          <p:cNvPr id="4" name="Content Placeholder 3">
-            <a:extLst>
-              <a:ext uri="{FF2B5EF4-FFF2-40B4-BE49-F238E27FC236}">
-                <a16:creationId xmlns:a16="http://schemas.microsoft.com/office/drawing/2014/main" id="{CCDDCF74-5F47-F190-B1C9-F94A39D2681A}"/>
-              </a:ext>
-            </a:extLst>
-          </p:cNvPr>
-          <p:cNvSpPr>
-            <a:spLocks noGrp="1"/>
-          </p:cNvSpPr>
-          <p:nvPr>
-            <p:ph sz="half" idx="2"/>
-          </p:nvPr>
-        </p:nvSpPr>
-        <p:spPr/>
-        <p:txBody>
-          <a:bodyPr>
-            <a:normAutofit/>
-          </a:bodyPr>
-          <a:lstStyle/>
-          <a:p>
-            <a:r>
-              <a:rPr lang="en-US" sz="2400" dirty="0"/>
-              <a:t>Segment applicants </a:t>
-            </a:r>
-            <a:br>
-              <a:rPr lang="en-US" sz="2400" dirty="0"/>
-            </a:br>
-            <a:r>
-              <a:rPr lang="en-US" sz="2400" dirty="0"/>
-              <a:t>(target low-risk: high income, low </a:t>
-            </a:r>
-            <a:r>
-              <a:rPr lang="en-US" sz="2400" dirty="0" err="1"/>
-              <a:t>revol_util</a:t>
-            </a:r>
-            <a:r>
-              <a:rPr lang="en-US" sz="2400" dirty="0"/>
-              <a:t>, low DTI)</a:t>
-            </a:r>
-          </a:p>
-          <a:p>
-            <a:r>
-              <a:rPr lang="en-US" sz="2400" dirty="0"/>
-              <a:t>Apply risk-based pricing: higher rates for higher predicted default probability.</a:t>
-            </a:r>
-          </a:p>
-          <a:p>
-            <a:r>
-              <a:rPr lang="en-US" sz="2400" dirty="0"/>
-              <a:t>Offer investor 'top safe loans' filter to improve returns.</a:t>
-            </a:r>
-          </a:p>
-          <a:p>
-            <a:r>
-              <a:rPr lang="en-US" sz="2400" dirty="0"/>
-              <a:t>Monitor fairness, performance drift; retrain quarterly.</a:t>
-            </a:r>
-          </a:p>
-        </p:txBody>
-      </p:sp>
+        </p:nvGraphicFramePr>
+        <p:xfrm>
+          <a:off x="838200" y="1825625"/>
+          <a:ext cx="4965441" cy="4351338"/>
+        </p:xfrm>
+        <a:graphic>
+          <a:graphicData uri="http://schemas.openxmlformats.org/drawingml/2006/diagram">
+            <dgm:relIds xmlns:dgm="http://schemas.openxmlformats.org/drawingml/2006/diagram" xmlns:r="http://schemas.openxmlformats.org/officeDocument/2006/relationships" r:dm="rId2" r:lo="rId3" r:qs="rId4" r:cs="rId5"/>
+          </a:graphicData>
+        </a:graphic>
+      </p:graphicFrame>
       <p:sp>
         <p:nvSpPr>
           <p:cNvPr id="6" name="TextBox 5">
@@ -7772,8 +14944,8 @@
         </p:nvSpPr>
         <p:spPr>
           <a:xfrm>
-            <a:off x="6172200" y="1206374"/>
-            <a:ext cx="5181600" cy="523220"/>
+            <a:off x="6388358" y="1206374"/>
+            <a:ext cx="4965442" cy="523220"/>
           </a:xfrm>
           <a:prstGeom prst="rect">
             <a:avLst/>
@@ -7797,6 +14969,36 @@
           </a:p>
         </p:txBody>
       </p:sp>
+      <p:graphicFrame>
+        <p:nvGraphicFramePr>
+          <p:cNvPr id="5" name="Content Placeholder 2">
+            <a:extLst>
+              <a:ext uri="{FF2B5EF4-FFF2-40B4-BE49-F238E27FC236}">
+                <a16:creationId xmlns:a16="http://schemas.microsoft.com/office/drawing/2014/main" id="{B26AE7FD-7675-1AD3-8239-90B505DBD8AB}"/>
+              </a:ext>
+            </a:extLst>
+          </p:cNvPr>
+          <p:cNvGraphicFramePr>
+            <a:graphicFrameLocks/>
+          </p:cNvGraphicFramePr>
+          <p:nvPr>
+            <p:extLst>
+              <p:ext uri="{D42A27DB-BD31-4B8C-83A1-F6EECF244321}">
+                <p14:modId xmlns:p14="http://schemas.microsoft.com/office/powerpoint/2010/main" val="4202777802"/>
+              </p:ext>
+            </p:extLst>
+          </p:nvPr>
+        </p:nvGraphicFramePr>
+        <p:xfrm>
+          <a:off x="6388358" y="1825625"/>
+          <a:ext cx="4965442" cy="4351338"/>
+        </p:xfrm>
+        <a:graphic>
+          <a:graphicData uri="http://schemas.openxmlformats.org/drawingml/2006/diagram">
+            <dgm:relIds xmlns:dgm="http://schemas.openxmlformats.org/drawingml/2006/diagram" xmlns:r="http://schemas.openxmlformats.org/officeDocument/2006/relationships" r:dm="rId7" r:lo="rId8" r:qs="rId9" r:cs="rId10"/>
+          </a:graphicData>
+        </a:graphic>
+      </p:graphicFrame>
     </p:spTree>
     <p:extLst>
       <p:ext uri="{BB962C8B-B14F-4D97-AF65-F5344CB8AC3E}">
@@ -7813,6 +15015,14 @@
 <file path=ppt/slides/slide7.xml><?xml version="1.0" encoding="utf-8"?>
 <p:sld xmlns:a="http://schemas.openxmlformats.org/drawingml/2006/main" xmlns:r="http://schemas.openxmlformats.org/officeDocument/2006/relationships" xmlns:p="http://schemas.openxmlformats.org/presentationml/2006/main">
   <p:cSld>
+    <p:bg>
+      <p:bgPr>
+        <a:solidFill>
+          <a:schemeClr val="bg1"/>
+        </a:solidFill>
+        <a:effectLst/>
+      </p:bgPr>
+    </p:bg>
     <p:spTree>
       <p:nvGrpSpPr>
         <p:cNvPr id="1" name=""/>
@@ -7827,6 +15037,457 @@
           <a:chExt cx="0" cy="0"/>
         </a:xfrm>
       </p:grpSpPr>
+      <p:sp useBgFill="1">
+        <p:nvSpPr>
+          <p:cNvPr id="8" name="Rectangle 7">
+            <a:extLst>
+              <a:ext uri="{FF2B5EF4-FFF2-40B4-BE49-F238E27FC236}">
+                <a16:creationId xmlns:a16="http://schemas.microsoft.com/office/drawing/2014/main" id="{DEE2AD96-B495-4E06-9291-B71706F728CB}"/>
+              </a:ext>
+              <a:ext uri="{C183D7F6-B498-43B3-948B-1728B52AA6E4}">
+                <adec:decorative xmlns:adec="http://schemas.microsoft.com/office/drawing/2017/decorative" val="1"/>
+              </a:ext>
+            </a:extLst>
+          </p:cNvPr>
+          <p:cNvSpPr>
+            <a:spLocks noGrp="1" noRot="1" noChangeAspect="1" noMove="1" noResize="1" noEditPoints="1" noAdjustHandles="1" noChangeArrowheads="1" noChangeShapeType="1" noTextEdit="1"/>
+          </p:cNvSpPr>
+          <p:nvPr>
+            <p:extLst>
+              <p:ext uri="{386F3935-93C4-4BCD-93E2-E3B085C9AB24}">
+                <p16:designElem xmlns:p16="http://schemas.microsoft.com/office/powerpoint/2015/main" val="1"/>
+              </p:ext>
+            </p:extLst>
+          </p:nvPr>
+        </p:nvSpPr>
+        <p:spPr>
+          <a:xfrm>
+            <a:off x="0" y="0"/>
+            <a:ext cx="12192000" cy="6858000"/>
+          </a:xfrm>
+          <a:prstGeom prst="rect">
+            <a:avLst/>
+          </a:prstGeom>
+          <a:ln w="12700" cap="flat" cmpd="sng" algn="ctr">
+            <a:noFill/>
+            <a:prstDash val="solid"/>
+            <a:miter lim="800000"/>
+          </a:ln>
+          <a:effectLst/>
+          <a:extLst>
+            <a:ext uri="{91240B29-F687-4F45-9708-019B960494DF}">
+              <a14:hiddenLine xmlns:a14="http://schemas.microsoft.com/office/drawing/2010/main" w="12700" cap="flat" cmpd="sng" algn="ctr">
+                <a:solidFill>
+                  <a:schemeClr val="accent1">
+                    <a:shade val="50000"/>
+                  </a:schemeClr>
+                </a:solidFill>
+                <a:prstDash val="solid"/>
+                <a:miter lim="800000"/>
+              </a14:hiddenLine>
+            </a:ext>
+          </a:extLst>
+        </p:spPr>
+        <p:style>
+          <a:lnRef idx="2">
+            <a:schemeClr val="accent1">
+              <a:shade val="50000"/>
+            </a:schemeClr>
+          </a:lnRef>
+          <a:fillRef idx="1">
+            <a:schemeClr val="accent1"/>
+          </a:fillRef>
+          <a:effectRef idx="0">
+            <a:schemeClr val="accent1"/>
+          </a:effectRef>
+          <a:fontRef idx="minor">
+            <a:schemeClr val="lt1"/>
+          </a:fontRef>
+        </p:style>
+        <p:txBody>
+          <a:bodyPr rtlCol="0" anchor="ctr"/>
+          <a:lstStyle/>
+          <a:p>
+            <a:pPr algn="ctr"/>
+            <a:endParaRPr lang="en-US"/>
+          </a:p>
+        </p:txBody>
+      </p:sp>
+      <p:sp>
+        <p:nvSpPr>
+          <p:cNvPr id="10" name="Rectangle 9">
+            <a:extLst>
+              <a:ext uri="{FF2B5EF4-FFF2-40B4-BE49-F238E27FC236}">
+                <a16:creationId xmlns:a16="http://schemas.microsoft.com/office/drawing/2014/main" id="{53CF6D67-C5A8-4ADD-9E8E-1E38CA1D3166}"/>
+              </a:ext>
+              <a:ext uri="{C183D7F6-B498-43B3-948B-1728B52AA6E4}">
+                <adec:decorative xmlns:adec="http://schemas.microsoft.com/office/drawing/2017/decorative" val="1"/>
+              </a:ext>
+            </a:extLst>
+          </p:cNvPr>
+          <p:cNvSpPr>
+            <a:spLocks noGrp="1" noRot="1" noChangeAspect="1" noMove="1" noResize="1" noEditPoints="1" noAdjustHandles="1" noChangeArrowheads="1" noChangeShapeType="1" noTextEdit="1"/>
+          </p:cNvSpPr>
+          <p:nvPr>
+            <p:extLst>
+              <p:ext uri="{386F3935-93C4-4BCD-93E2-E3B085C9AB24}">
+                <p16:designElem xmlns:p16="http://schemas.microsoft.com/office/powerpoint/2015/main" val="1"/>
+              </p:ext>
+            </p:extLst>
+          </p:nvPr>
+        </p:nvSpPr>
+        <p:spPr>
+          <a:xfrm rot="5400000" flipH="1">
+            <a:off x="-638515" y="639280"/>
+            <a:ext cx="6858000" cy="5579440"/>
+          </a:xfrm>
+          <a:prstGeom prst="rect">
+            <a:avLst/>
+          </a:prstGeom>
+          <a:gradFill>
+            <a:gsLst>
+              <a:gs pos="8000">
+                <a:srgbClr val="000000"/>
+              </a:gs>
+              <a:gs pos="100000">
+                <a:schemeClr val="accent1">
+                  <a:lumMod val="75000"/>
+                </a:schemeClr>
+              </a:gs>
+            </a:gsLst>
+            <a:lin ang="3000000" scaled="0"/>
+          </a:gradFill>
+          <a:ln>
+            <a:noFill/>
+          </a:ln>
+        </p:spPr>
+        <p:style>
+          <a:lnRef idx="2">
+            <a:schemeClr val="accent1">
+              <a:shade val="50000"/>
+            </a:schemeClr>
+          </a:lnRef>
+          <a:fillRef idx="1">
+            <a:schemeClr val="accent1"/>
+          </a:fillRef>
+          <a:effectRef idx="0">
+            <a:schemeClr val="accent1"/>
+          </a:effectRef>
+          <a:fontRef idx="minor">
+            <a:schemeClr val="lt1"/>
+          </a:fontRef>
+        </p:style>
+        <p:txBody>
+          <a:bodyPr rtlCol="0" anchor="ctr"/>
+          <a:lstStyle/>
+          <a:p>
+            <a:pPr algn="ctr"/>
+            <a:endParaRPr lang="en-US"/>
+          </a:p>
+        </p:txBody>
+      </p:sp>
+      <p:sp>
+        <p:nvSpPr>
+          <p:cNvPr id="12" name="Rectangle 11">
+            <a:extLst>
+              <a:ext uri="{FF2B5EF4-FFF2-40B4-BE49-F238E27FC236}">
+                <a16:creationId xmlns:a16="http://schemas.microsoft.com/office/drawing/2014/main" id="{86909FA0-B515-4681-B7A8-FA281D133B94}"/>
+              </a:ext>
+              <a:ext uri="{C183D7F6-B498-43B3-948B-1728B52AA6E4}">
+                <adec:decorative xmlns:adec="http://schemas.microsoft.com/office/drawing/2017/decorative" val="1"/>
+              </a:ext>
+            </a:extLst>
+          </p:cNvPr>
+          <p:cNvSpPr>
+            <a:spLocks noGrp="1" noRot="1" noChangeAspect="1" noMove="1" noResize="1" noEditPoints="1" noAdjustHandles="1" noChangeArrowheads="1" noChangeShapeType="1" noTextEdit="1"/>
+          </p:cNvSpPr>
+          <p:nvPr>
+            <p:extLst>
+              <p:ext uri="{386F3935-93C4-4BCD-93E2-E3B085C9AB24}">
+                <p16:designElem xmlns:p16="http://schemas.microsoft.com/office/powerpoint/2015/main" val="1"/>
+              </p:ext>
+            </p:extLst>
+          </p:nvPr>
+        </p:nvSpPr>
+        <p:spPr>
+          <a:xfrm rot="5400000" flipH="1">
+            <a:off x="-393206" y="395206"/>
+            <a:ext cx="6346209" cy="5576080"/>
+          </a:xfrm>
+          <a:prstGeom prst="rect">
+            <a:avLst/>
+          </a:prstGeom>
+          <a:gradFill>
+            <a:gsLst>
+              <a:gs pos="0">
+                <a:srgbClr val="000000">
+                  <a:alpha val="0"/>
+                </a:srgbClr>
+              </a:gs>
+              <a:gs pos="99000">
+                <a:schemeClr val="accent1">
+                  <a:alpha val="0"/>
+                </a:schemeClr>
+              </a:gs>
+            </a:gsLst>
+            <a:lin ang="1800000" scaled="0"/>
+          </a:gradFill>
+          <a:ln>
+            <a:noFill/>
+          </a:ln>
+        </p:spPr>
+        <p:style>
+          <a:lnRef idx="2">
+            <a:schemeClr val="accent1">
+              <a:shade val="50000"/>
+            </a:schemeClr>
+          </a:lnRef>
+          <a:fillRef idx="1">
+            <a:schemeClr val="accent1"/>
+          </a:fillRef>
+          <a:effectRef idx="0">
+            <a:schemeClr val="accent1"/>
+          </a:effectRef>
+          <a:fontRef idx="minor">
+            <a:schemeClr val="lt1"/>
+          </a:fontRef>
+        </p:style>
+        <p:txBody>
+          <a:bodyPr rtlCol="0" anchor="ctr"/>
+          <a:lstStyle/>
+          <a:p>
+            <a:pPr algn="ctr"/>
+            <a:endParaRPr lang="en-US"/>
+          </a:p>
+        </p:txBody>
+      </p:sp>
+      <p:sp>
+        <p:nvSpPr>
+          <p:cNvPr id="14" name="Rectangle 13">
+            <a:extLst>
+              <a:ext uri="{FF2B5EF4-FFF2-40B4-BE49-F238E27FC236}">
+                <a16:creationId xmlns:a16="http://schemas.microsoft.com/office/drawing/2014/main" id="{21C9FE86-FCC3-4A31-AA1C-C882262B7FE7}"/>
+              </a:ext>
+              <a:ext uri="{C183D7F6-B498-43B3-948B-1728B52AA6E4}">
+                <adec:decorative xmlns:adec="http://schemas.microsoft.com/office/drawing/2017/decorative" val="1"/>
+              </a:ext>
+            </a:extLst>
+          </p:cNvPr>
+          <p:cNvSpPr>
+            <a:spLocks noGrp="1" noRot="1" noChangeAspect="1" noMove="1" noResize="1" noEditPoints="1" noAdjustHandles="1" noChangeArrowheads="1" noChangeShapeType="1" noTextEdit="1"/>
+          </p:cNvSpPr>
+          <p:nvPr>
+            <p:extLst>
+              <p:ext uri="{386F3935-93C4-4BCD-93E2-E3B085C9AB24}">
+                <p16:designElem xmlns:p16="http://schemas.microsoft.com/office/powerpoint/2015/main" val="1"/>
+              </p:ext>
+            </p:extLst>
+          </p:nvPr>
+        </p:nvSpPr>
+        <p:spPr>
+          <a:xfrm rot="5400000" flipH="1">
+            <a:off x="1528907" y="2818967"/>
+            <a:ext cx="2501979" cy="5576080"/>
+          </a:xfrm>
+          <a:prstGeom prst="rect">
+            <a:avLst/>
+          </a:prstGeom>
+          <a:gradFill>
+            <a:gsLst>
+              <a:gs pos="2000">
+                <a:schemeClr val="accent1">
+                  <a:alpha val="29000"/>
+                </a:schemeClr>
+              </a:gs>
+              <a:gs pos="100000">
+                <a:srgbClr val="000000">
+                  <a:alpha val="30000"/>
+                </a:srgbClr>
+              </a:gs>
+            </a:gsLst>
+            <a:lin ang="7800000" scaled="0"/>
+          </a:gradFill>
+          <a:ln>
+            <a:noFill/>
+          </a:ln>
+        </p:spPr>
+        <p:style>
+          <a:lnRef idx="2">
+            <a:schemeClr val="accent1">
+              <a:shade val="50000"/>
+            </a:schemeClr>
+          </a:lnRef>
+          <a:fillRef idx="1">
+            <a:schemeClr val="accent1"/>
+          </a:fillRef>
+          <a:effectRef idx="0">
+            <a:schemeClr val="accent1"/>
+          </a:effectRef>
+          <a:fontRef idx="minor">
+            <a:schemeClr val="lt1"/>
+          </a:fontRef>
+        </p:style>
+        <p:txBody>
+          <a:bodyPr rtlCol="0" anchor="ctr"/>
+          <a:lstStyle/>
+          <a:p>
+            <a:pPr algn="ctr"/>
+            <a:endParaRPr lang="en-US" dirty="0"/>
+          </a:p>
+        </p:txBody>
+      </p:sp>
+      <p:sp>
+        <p:nvSpPr>
+          <p:cNvPr id="16" name="Rectangle 15">
+            <a:extLst>
+              <a:ext uri="{FF2B5EF4-FFF2-40B4-BE49-F238E27FC236}">
+                <a16:creationId xmlns:a16="http://schemas.microsoft.com/office/drawing/2014/main" id="{7D96243B-ECED-4B71-8E06-AE9A285EAD20}"/>
+              </a:ext>
+              <a:ext uri="{C183D7F6-B498-43B3-948B-1728B52AA6E4}">
+                <adec:decorative xmlns:adec="http://schemas.microsoft.com/office/drawing/2017/decorative" val="1"/>
+              </a:ext>
+            </a:extLst>
+          </p:cNvPr>
+          <p:cNvSpPr>
+            <a:spLocks noGrp="1" noRot="1" noChangeAspect="1" noMove="1" noResize="1" noEditPoints="1" noAdjustHandles="1" noChangeArrowheads="1" noChangeShapeType="1" noTextEdit="1"/>
+          </p:cNvSpPr>
+          <p:nvPr>
+            <p:extLst>
+              <p:ext uri="{386F3935-93C4-4BCD-93E2-E3B085C9AB24}">
+                <p16:designElem xmlns:p16="http://schemas.microsoft.com/office/powerpoint/2015/main" val="1"/>
+              </p:ext>
+            </p:extLst>
+          </p:nvPr>
+        </p:nvSpPr>
+        <p:spPr>
+          <a:xfrm rot="5400000" flipH="1">
+            <a:off x="-425002" y="852793"/>
+            <a:ext cx="6858001" cy="5152412"/>
+          </a:xfrm>
+          <a:prstGeom prst="rect">
+            <a:avLst/>
+          </a:prstGeom>
+          <a:gradFill>
+            <a:gsLst>
+              <a:gs pos="0">
+                <a:srgbClr val="000000">
+                  <a:alpha val="0"/>
+                </a:srgbClr>
+              </a:gs>
+              <a:gs pos="99000">
+                <a:schemeClr val="accent1">
+                  <a:alpha val="11000"/>
+                </a:schemeClr>
+              </a:gs>
+            </a:gsLst>
+            <a:lin ang="7800000" scaled="0"/>
+          </a:gradFill>
+          <a:ln>
+            <a:noFill/>
+          </a:ln>
+        </p:spPr>
+        <p:style>
+          <a:lnRef idx="2">
+            <a:schemeClr val="accent1">
+              <a:shade val="50000"/>
+            </a:schemeClr>
+          </a:lnRef>
+          <a:fillRef idx="1">
+            <a:schemeClr val="accent1"/>
+          </a:fillRef>
+          <a:effectRef idx="0">
+            <a:schemeClr val="accent1"/>
+          </a:effectRef>
+          <a:fontRef idx="minor">
+            <a:schemeClr val="lt1"/>
+          </a:fontRef>
+        </p:style>
+        <p:txBody>
+          <a:bodyPr rtlCol="0" anchor="ctr"/>
+          <a:lstStyle/>
+          <a:p>
+            <a:pPr algn="ctr"/>
+            <a:endParaRPr lang="en-US"/>
+          </a:p>
+        </p:txBody>
+      </p:sp>
+      <p:sp>
+        <p:nvSpPr>
+          <p:cNvPr id="18" name="Oval 17">
+            <a:extLst>
+              <a:ext uri="{FF2B5EF4-FFF2-40B4-BE49-F238E27FC236}">
+                <a16:creationId xmlns:a16="http://schemas.microsoft.com/office/drawing/2014/main" id="{A09989E4-EFDC-4A90-A633-E0525FB4139E}"/>
+              </a:ext>
+              <a:ext uri="{C183D7F6-B498-43B3-948B-1728B52AA6E4}">
+                <adec:decorative xmlns:adec="http://schemas.microsoft.com/office/drawing/2017/decorative" val="1"/>
+              </a:ext>
+            </a:extLst>
+          </p:cNvPr>
+          <p:cNvSpPr>
+            <a:spLocks noGrp="1" noRot="1" noChangeAspect="1" noMove="1" noResize="1" noEditPoints="1" noAdjustHandles="1" noChangeArrowheads="1" noChangeShapeType="1" noTextEdit="1"/>
+          </p:cNvSpPr>
+          <p:nvPr>
+            <p:extLst>
+              <p:ext uri="{386F3935-93C4-4BCD-93E2-E3B085C9AB24}">
+                <p16:designElem xmlns:p16="http://schemas.microsoft.com/office/powerpoint/2015/main" val="1"/>
+              </p:ext>
+            </p:extLst>
+          </p:nvPr>
+        </p:nvSpPr>
+        <p:spPr>
+          <a:xfrm rot="6097846">
+            <a:off x="818753" y="1128497"/>
+            <a:ext cx="4318303" cy="4318303"/>
+          </a:xfrm>
+          <a:prstGeom prst="ellipse">
+            <a:avLst/>
+          </a:prstGeom>
+          <a:gradFill>
+            <a:gsLst>
+              <a:gs pos="39000">
+                <a:schemeClr val="accent1">
+                  <a:alpha val="0"/>
+                </a:schemeClr>
+              </a:gs>
+              <a:gs pos="100000">
+                <a:schemeClr val="accent1">
+                  <a:lumMod val="60000"/>
+                  <a:lumOff val="40000"/>
+                  <a:alpha val="15000"/>
+                </a:schemeClr>
+              </a:gs>
+            </a:gsLst>
+            <a:lin ang="17400000" scaled="0"/>
+          </a:gradFill>
+          <a:ln>
+            <a:noFill/>
+          </a:ln>
+        </p:spPr>
+        <p:style>
+          <a:lnRef idx="2">
+            <a:schemeClr val="accent1">
+              <a:shade val="50000"/>
+            </a:schemeClr>
+          </a:lnRef>
+          <a:fillRef idx="1">
+            <a:schemeClr val="accent1"/>
+          </a:fillRef>
+          <a:effectRef idx="0">
+            <a:schemeClr val="accent1"/>
+          </a:effectRef>
+          <a:fontRef idx="minor">
+            <a:schemeClr val="lt1"/>
+          </a:fontRef>
+        </p:style>
+        <p:txBody>
+          <a:bodyPr rtlCol="0" anchor="ctr"/>
+          <a:lstStyle/>
+          <a:p>
+            <a:pPr algn="ctr"/>
+            <a:endParaRPr lang="en-US" dirty="0"/>
+          </a:p>
+        </p:txBody>
+      </p:sp>
       <p:sp>
         <p:nvSpPr>
           <p:cNvPr id="3" name="Content Placeholder 2">
@@ -7845,26 +15506,64 @@
         </p:nvSpPr>
         <p:spPr>
           <a:xfrm>
-            <a:off x="4649754" y="2791788"/>
-            <a:ext cx="2892491" cy="1274423"/>
+            <a:off x="6503158" y="649480"/>
+            <a:ext cx="4862447" cy="5546047"/>
           </a:xfrm>
         </p:spPr>
         <p:txBody>
-          <a:bodyPr>
-            <a:noAutofit/>
+          <a:bodyPr anchor="ctr">
+            <a:normAutofit/>
           </a:bodyPr>
           <a:lstStyle/>
           <a:p>
-            <a:pPr marL="0" indent="0" algn="ctr">
+            <a:pPr marL="0" indent="0">
               <a:buNone/>
             </a:pPr>
             <a:r>
-              <a:rPr lang="en-US" sz="9600" b="1" dirty="0">
+              <a:rPr lang="en-US" sz="4000" b="1" dirty="0"/>
+              <a:t>Questions?</a:t>
+            </a:r>
+          </a:p>
+        </p:txBody>
+      </p:sp>
+      <p:sp>
+        <p:nvSpPr>
+          <p:cNvPr id="4" name="TextBox 3">
+            <a:extLst>
+              <a:ext uri="{FF2B5EF4-FFF2-40B4-BE49-F238E27FC236}">
+                <a16:creationId xmlns:a16="http://schemas.microsoft.com/office/drawing/2014/main" id="{C7F578ED-D360-2E1B-401E-D933889BC2CA}"/>
+              </a:ext>
+            </a:extLst>
+          </p:cNvPr>
+          <p:cNvSpPr txBox="1"/>
+          <p:nvPr/>
+        </p:nvSpPr>
+        <p:spPr>
+          <a:xfrm>
+            <a:off x="2192695" y="3037782"/>
+            <a:ext cx="2911150" cy="769441"/>
+          </a:xfrm>
+          <a:prstGeom prst="rect">
+            <a:avLst/>
+          </a:prstGeom>
+          <a:noFill/>
+        </p:spPr>
+        <p:txBody>
+          <a:bodyPr wrap="square">
+            <a:spAutoFit/>
+          </a:bodyPr>
+          <a:lstStyle/>
+          <a:p>
+            <a:pPr marL="0" indent="0" algn="r">
+              <a:buNone/>
+            </a:pPr>
+            <a:r>
+              <a:rPr lang="en-US" sz="4400" b="1" dirty="0">
                 <a:solidFill>
-                  <a:srgbClr val="0070C0"/>
+                  <a:schemeClr val="bg1"/>
                 </a:solidFill>
               </a:rPr>
-              <a:t>Q&amp;A</a:t>
+              <a:t>Thank You</a:t>
             </a:r>
           </a:p>
         </p:txBody>
